--- a/instructor/l04/l04-pad.pptx
+++ b/instructor/l04/l04-pad.pptx
@@ -5,20 +5,27 @@
     <p:sldMasterId id="2147483648" r:id="rId1"/>
   </p:sldMasterIdLst>
   <p:notesMasterIdLst>
-    <p:notesMasterId r:id="rId13"/>
+    <p:notesMasterId r:id="rId20"/>
   </p:notesMasterIdLst>
   <p:sldIdLst>
     <p:sldId id="263" r:id="rId2"/>
     <p:sldId id="264" r:id="rId3"/>
     <p:sldId id="261" r:id="rId4"/>
-    <p:sldId id="256" r:id="rId5"/>
-    <p:sldId id="260" r:id="rId6"/>
-    <p:sldId id="257" r:id="rId7"/>
-    <p:sldId id="258" r:id="rId8"/>
-    <p:sldId id="259" r:id="rId9"/>
-    <p:sldId id="262" r:id="rId10"/>
-    <p:sldId id="265" r:id="rId11"/>
-    <p:sldId id="266" r:id="rId12"/>
+    <p:sldId id="268" r:id="rId5"/>
+    <p:sldId id="272" r:id="rId6"/>
+    <p:sldId id="269" r:id="rId7"/>
+    <p:sldId id="270" r:id="rId8"/>
+    <p:sldId id="271" r:id="rId9"/>
+    <p:sldId id="256" r:id="rId10"/>
+    <p:sldId id="260" r:id="rId11"/>
+    <p:sldId id="274" r:id="rId12"/>
+    <p:sldId id="257" r:id="rId13"/>
+    <p:sldId id="258" r:id="rId14"/>
+    <p:sldId id="259" r:id="rId15"/>
+    <p:sldId id="273" r:id="rId16"/>
+    <p:sldId id="262" r:id="rId17"/>
+    <p:sldId id="265" r:id="rId18"/>
+    <p:sldId id="266" r:id="rId19"/>
   </p:sldIdLst>
   <p:sldSz cx="12192000" cy="6858000"/>
   <p:notesSz cx="6858000" cy="9144000"/>
@@ -207,7 +214,7 @@
           <a:p>
             <a:fld id="{87B54243-B27E-4444-AFFD-D625E8407423}" type="datetimeFigureOut">
               <a:rPr lang="en-US" smtClean="0"/>
-              <a:t>1/23/23</a:t>
+              <a:t>9/21/23</a:t>
             </a:fld>
             <a:endParaRPr lang="en-US"/>
           </a:p>
@@ -539,7 +546,7 @@
           <a:p>
             <a:fld id="{BFF143C5-0C31-7047-A641-CEA71AB77CA2}" type="slidenum">
               <a:rPr lang="en-US" smtClean="0"/>
-              <a:t>7</a:t>
+              <a:t>13</a:t>
             </a:fld>
             <a:endParaRPr lang="en-US"/>
           </a:p>
@@ -623,7 +630,7 @@
           <a:p>
             <a:fld id="{BFF143C5-0C31-7047-A641-CEA71AB77CA2}" type="slidenum">
               <a:rPr lang="en-US" smtClean="0"/>
-              <a:t>8</a:t>
+              <a:t>14</a:t>
             </a:fld>
             <a:endParaRPr lang="en-US"/>
           </a:p>
@@ -707,7 +714,7 @@
           <a:p>
             <a:fld id="{BFF143C5-0C31-7047-A641-CEA71AB77CA2}" type="slidenum">
               <a:rPr lang="en-US" smtClean="0"/>
-              <a:t>9</a:t>
+              <a:t>16</a:t>
             </a:fld>
             <a:endParaRPr lang="en-US"/>
           </a:p>
@@ -873,7 +880,7 @@
           <a:p>
             <a:fld id="{7282568E-B2CD-CD42-9C3E-5F238F3D4570}" type="datetimeFigureOut">
               <a:rPr lang="en-US" smtClean="0"/>
-              <a:t>1/23/23</a:t>
+              <a:t>9/21/23</a:t>
             </a:fld>
             <a:endParaRPr lang="en-US"/>
           </a:p>
@@ -1071,7 +1078,7 @@
           <a:p>
             <a:fld id="{7282568E-B2CD-CD42-9C3E-5F238F3D4570}" type="datetimeFigureOut">
               <a:rPr lang="en-US" smtClean="0"/>
-              <a:t>1/23/23</a:t>
+              <a:t>9/21/23</a:t>
             </a:fld>
             <a:endParaRPr lang="en-US"/>
           </a:p>
@@ -1279,7 +1286,7 @@
           <a:p>
             <a:fld id="{7282568E-B2CD-CD42-9C3E-5F238F3D4570}" type="datetimeFigureOut">
               <a:rPr lang="en-US" smtClean="0"/>
-              <a:t>1/23/23</a:t>
+              <a:t>9/21/23</a:t>
             </a:fld>
             <a:endParaRPr lang="en-US"/>
           </a:p>
@@ -1477,7 +1484,7 @@
           <a:p>
             <a:fld id="{7282568E-B2CD-CD42-9C3E-5F238F3D4570}" type="datetimeFigureOut">
               <a:rPr lang="en-US" smtClean="0"/>
-              <a:t>1/23/23</a:t>
+              <a:t>9/21/23</a:t>
             </a:fld>
             <a:endParaRPr lang="en-US"/>
           </a:p>
@@ -1752,7 +1759,7 @@
           <a:p>
             <a:fld id="{7282568E-B2CD-CD42-9C3E-5F238F3D4570}" type="datetimeFigureOut">
               <a:rPr lang="en-US" smtClean="0"/>
-              <a:t>1/23/23</a:t>
+              <a:t>9/21/23</a:t>
             </a:fld>
             <a:endParaRPr lang="en-US"/>
           </a:p>
@@ -2017,7 +2024,7 @@
           <a:p>
             <a:fld id="{7282568E-B2CD-CD42-9C3E-5F238F3D4570}" type="datetimeFigureOut">
               <a:rPr lang="en-US" smtClean="0"/>
-              <a:t>1/23/23</a:t>
+              <a:t>9/21/23</a:t>
             </a:fld>
             <a:endParaRPr lang="en-US"/>
           </a:p>
@@ -2429,7 +2436,7 @@
           <a:p>
             <a:fld id="{7282568E-B2CD-CD42-9C3E-5F238F3D4570}" type="datetimeFigureOut">
               <a:rPr lang="en-US" smtClean="0"/>
-              <a:t>1/23/23</a:t>
+              <a:t>9/21/23</a:t>
             </a:fld>
             <a:endParaRPr lang="en-US"/>
           </a:p>
@@ -2570,7 +2577,7 @@
           <a:p>
             <a:fld id="{7282568E-B2CD-CD42-9C3E-5F238F3D4570}" type="datetimeFigureOut">
               <a:rPr lang="en-US" smtClean="0"/>
-              <a:t>1/23/23</a:t>
+              <a:t>9/21/23</a:t>
             </a:fld>
             <a:endParaRPr lang="en-US"/>
           </a:p>
@@ -2683,7 +2690,7 @@
           <a:p>
             <a:fld id="{7282568E-B2CD-CD42-9C3E-5F238F3D4570}" type="datetimeFigureOut">
               <a:rPr lang="en-US" smtClean="0"/>
-              <a:t>1/23/23</a:t>
+              <a:t>9/21/23</a:t>
             </a:fld>
             <a:endParaRPr lang="en-US"/>
           </a:p>
@@ -2994,7 +3001,7 @@
           <a:p>
             <a:fld id="{7282568E-B2CD-CD42-9C3E-5F238F3D4570}" type="datetimeFigureOut">
               <a:rPr lang="en-US" smtClean="0"/>
-              <a:t>1/23/23</a:t>
+              <a:t>9/21/23</a:t>
             </a:fld>
             <a:endParaRPr lang="en-US"/>
           </a:p>
@@ -3282,7 +3289,7 @@
           <a:p>
             <a:fld id="{7282568E-B2CD-CD42-9C3E-5F238F3D4570}" type="datetimeFigureOut">
               <a:rPr lang="en-US" smtClean="0"/>
-              <a:t>1/23/23</a:t>
+              <a:t>9/21/23</a:t>
             </a:fld>
             <a:endParaRPr lang="en-US"/>
           </a:p>
@@ -3523,7 +3530,7 @@
           <a:p>
             <a:fld id="{7282568E-B2CD-CD42-9C3E-5F238F3D4570}" type="datetimeFigureOut">
               <a:rPr lang="en-US" smtClean="0"/>
-              <a:t>1/23/23</a:t>
+              <a:t>9/21/23</a:t>
             </a:fld>
             <a:endParaRPr lang="en-US"/>
           </a:p>
@@ -3973,7 +3980,7 @@
     </p:spTree>
     <p:extLst>
       <p:ext uri="{BB962C8B-B14F-4D97-AF65-F5344CB8AC3E}">
-        <p14:creationId xmlns:p14="http://schemas.microsoft.com/office/powerpoint/2010/main" val="2446513493"/>
+        <p14:creationId xmlns:p14="http://schemas.microsoft.com/office/powerpoint/2010/main" val="2458598306"/>
       </p:ext>
     </p:extLst>
   </p:cSld>
@@ -4002,58 +4009,964 @@
       </p:grpSpPr>
       <p:sp>
         <p:nvSpPr>
-          <p:cNvPr id="2" name="Title 1">
-            <a:extLst>
-              <a:ext uri="{FF2B5EF4-FFF2-40B4-BE49-F238E27FC236}">
-                <a16:creationId xmlns:a16="http://schemas.microsoft.com/office/drawing/2014/main" id="{43A43040-97AE-46A7-4B2F-CD7B95B96DF5}"/>
-              </a:ext>
-            </a:extLst>
-          </p:cNvPr>
-          <p:cNvSpPr>
-            <a:spLocks noGrp="1"/>
-          </p:cNvSpPr>
-          <p:nvPr>
-            <p:ph type="title"/>
-          </p:nvPr>
-        </p:nvSpPr>
-        <p:spPr/>
-        <p:txBody>
-          <a:bodyPr/>
-          <a:lstStyle/>
-          <a:p>
-            <a:endParaRPr lang="en-US"/>
-          </a:p>
-        </p:txBody>
-      </p:sp>
-      <p:sp>
-        <p:nvSpPr>
-          <p:cNvPr id="3" name="Content Placeholder 2">
-            <a:extLst>
-              <a:ext uri="{FF2B5EF4-FFF2-40B4-BE49-F238E27FC236}">
-                <a16:creationId xmlns:a16="http://schemas.microsoft.com/office/drawing/2014/main" id="{D84FBCA4-0AC8-4225-CBBD-1145E83BDA01}"/>
-              </a:ext>
-            </a:extLst>
-          </p:cNvPr>
-          <p:cNvSpPr>
-            <a:spLocks noGrp="1"/>
-          </p:cNvSpPr>
-          <p:nvPr>
-            <p:ph idx="1"/>
-          </p:nvPr>
-        </p:nvSpPr>
-        <p:spPr/>
-        <p:txBody>
-          <a:bodyPr/>
-          <a:lstStyle/>
-          <a:p>
-            <a:endParaRPr lang="en-US"/>
+          <p:cNvPr id="3" name="TextBox 2">
+            <a:extLst>
+              <a:ext uri="{FF2B5EF4-FFF2-40B4-BE49-F238E27FC236}">
+                <a16:creationId xmlns:a16="http://schemas.microsoft.com/office/drawing/2014/main" id="{836B4E4F-D17B-6A21-1078-889A4373D653}"/>
+              </a:ext>
+            </a:extLst>
+          </p:cNvPr>
+          <p:cNvSpPr txBox="1"/>
+          <p:nvPr/>
+        </p:nvSpPr>
+        <p:spPr>
+          <a:xfrm>
+            <a:off x="2568539" y="3852812"/>
+            <a:ext cx="1952090" cy="2585323"/>
+          </a:xfrm>
+          <a:prstGeom prst="rect">
+            <a:avLst/>
+          </a:prstGeom>
+          <a:noFill/>
+          <a:ln w="28575">
+            <a:solidFill>
+              <a:schemeClr val="accent1"/>
+            </a:solidFill>
+          </a:ln>
+        </p:spPr>
+        <p:txBody>
+          <a:bodyPr wrap="square" rtlCol="0">
+            <a:spAutoFit/>
+          </a:bodyPr>
+          <a:lstStyle/>
+          <a:p>
+            <a:r>
+              <a:rPr lang="en-US" dirty="0" err="1"/>
+              <a:t>HtDW</a:t>
+            </a:r>
+            <a:endParaRPr lang="en-US" dirty="0"/>
+          </a:p>
+          <a:p>
+            <a:r>
+              <a:rPr lang="en-US" dirty="0"/>
+              <a:t>1.1</a:t>
+            </a:r>
+          </a:p>
+          <a:p>
+            <a:r>
+              <a:rPr lang="en-US" dirty="0"/>
+              <a:t>1.2</a:t>
+            </a:r>
+          </a:p>
+          <a:p>
+            <a:r>
+              <a:rPr lang="en-US" dirty="0"/>
+              <a:t>1.3</a:t>
+            </a:r>
+          </a:p>
+          <a:p>
+            <a:r>
+              <a:rPr lang="en-US" dirty="0"/>
+              <a:t>1.4</a:t>
+            </a:r>
+          </a:p>
+          <a:p>
+            <a:r>
+              <a:rPr lang="en-US" dirty="0"/>
+              <a:t>2.1</a:t>
+            </a:r>
+          </a:p>
+          <a:p>
+            <a:r>
+              <a:rPr lang="en-US" dirty="0"/>
+              <a:t>2.2</a:t>
+            </a:r>
+          </a:p>
+          <a:p>
+            <a:r>
+              <a:rPr lang="en-US" dirty="0"/>
+              <a:t>2.3</a:t>
+            </a:r>
+          </a:p>
+          <a:p>
+            <a:r>
+              <a:rPr lang="en-US" dirty="0"/>
+              <a:t>2.4</a:t>
+            </a:r>
+          </a:p>
+        </p:txBody>
+      </p:sp>
+      <p:sp>
+        <p:nvSpPr>
+          <p:cNvPr id="5" name="TextBox 4">
+            <a:extLst>
+              <a:ext uri="{FF2B5EF4-FFF2-40B4-BE49-F238E27FC236}">
+                <a16:creationId xmlns:a16="http://schemas.microsoft.com/office/drawing/2014/main" id="{24C4E01F-ACD0-C0CF-64FB-0D00BCCA963D}"/>
+              </a:ext>
+            </a:extLst>
+          </p:cNvPr>
+          <p:cNvSpPr txBox="1"/>
+          <p:nvPr/>
+        </p:nvSpPr>
+        <p:spPr>
+          <a:xfrm>
+            <a:off x="5474413" y="2619407"/>
+            <a:ext cx="1952090" cy="1754326"/>
+          </a:xfrm>
+          <a:prstGeom prst="rect">
+            <a:avLst/>
+          </a:prstGeom>
+          <a:noFill/>
+          <a:ln w="28575">
+            <a:solidFill>
+              <a:schemeClr val="accent1"/>
+            </a:solidFill>
+          </a:ln>
+        </p:spPr>
+        <p:txBody>
+          <a:bodyPr wrap="square" rtlCol="0">
+            <a:spAutoFit/>
+          </a:bodyPr>
+          <a:lstStyle/>
+          <a:p>
+            <a:r>
+              <a:rPr lang="en-US" dirty="0" err="1"/>
+              <a:t>HtDD</a:t>
+            </a:r>
+            <a:endParaRPr lang="en-US" dirty="0"/>
+          </a:p>
+          <a:p>
+            <a:r>
+              <a:rPr lang="en-US" dirty="0"/>
+              <a:t>1</a:t>
+            </a:r>
+          </a:p>
+          <a:p>
+            <a:r>
+              <a:rPr lang="en-US" dirty="0"/>
+              <a:t>2</a:t>
+            </a:r>
+          </a:p>
+          <a:p>
+            <a:r>
+              <a:rPr lang="en-US" dirty="0"/>
+              <a:t>3</a:t>
+            </a:r>
+          </a:p>
+          <a:p>
+            <a:r>
+              <a:rPr lang="en-US" dirty="0"/>
+              <a:t>4</a:t>
+            </a:r>
+          </a:p>
+          <a:p>
+            <a:r>
+              <a:rPr lang="en-US" dirty="0"/>
+              <a:t>5</a:t>
+            </a:r>
+          </a:p>
+        </p:txBody>
+      </p:sp>
+      <p:sp>
+        <p:nvSpPr>
+          <p:cNvPr id="6" name="TextBox 5">
+            <a:extLst>
+              <a:ext uri="{FF2B5EF4-FFF2-40B4-BE49-F238E27FC236}">
+                <a16:creationId xmlns:a16="http://schemas.microsoft.com/office/drawing/2014/main" id="{0A747391-B655-7274-6D8C-CC97DD366C64}"/>
+              </a:ext>
+            </a:extLst>
+          </p:cNvPr>
+          <p:cNvSpPr txBox="1"/>
+          <p:nvPr/>
+        </p:nvSpPr>
+        <p:spPr>
+          <a:xfrm>
+            <a:off x="8608643" y="3151442"/>
+            <a:ext cx="1952090" cy="1754326"/>
+          </a:xfrm>
+          <a:prstGeom prst="rect">
+            <a:avLst/>
+          </a:prstGeom>
+          <a:noFill/>
+          <a:ln w="28575">
+            <a:solidFill>
+              <a:schemeClr val="accent1"/>
+            </a:solidFill>
+          </a:ln>
+        </p:spPr>
+        <p:txBody>
+          <a:bodyPr wrap="square" rtlCol="0">
+            <a:spAutoFit/>
+          </a:bodyPr>
+          <a:lstStyle/>
+          <a:p>
+            <a:r>
+              <a:rPr lang="en-US" dirty="0" err="1"/>
+              <a:t>HtDF</a:t>
+            </a:r>
+            <a:endParaRPr lang="en-US" dirty="0"/>
+          </a:p>
+          <a:p>
+            <a:r>
+              <a:rPr lang="en-US" dirty="0"/>
+              <a:t>1</a:t>
+            </a:r>
+          </a:p>
+          <a:p>
+            <a:r>
+              <a:rPr lang="en-US" dirty="0"/>
+              <a:t>2</a:t>
+            </a:r>
+          </a:p>
+          <a:p>
+            <a:r>
+              <a:rPr lang="en-US" dirty="0"/>
+              <a:t>3</a:t>
+            </a:r>
+          </a:p>
+          <a:p>
+            <a:r>
+              <a:rPr lang="en-US" dirty="0"/>
+              <a:t>4</a:t>
+            </a:r>
+          </a:p>
+          <a:p>
+            <a:r>
+              <a:rPr lang="en-US" dirty="0"/>
+              <a:t>5</a:t>
+            </a:r>
+          </a:p>
+        </p:txBody>
+      </p:sp>
+      <p:cxnSp>
+        <p:nvCxnSpPr>
+          <p:cNvPr id="8" name="Straight Arrow Connector 7">
+            <a:extLst>
+              <a:ext uri="{FF2B5EF4-FFF2-40B4-BE49-F238E27FC236}">
+                <a16:creationId xmlns:a16="http://schemas.microsoft.com/office/drawing/2014/main" id="{E431FEC9-8AE0-73D1-6A78-1EA53F675F53}"/>
+              </a:ext>
+            </a:extLst>
+          </p:cNvPr>
+          <p:cNvCxnSpPr>
+            <a:cxnSpLocks/>
+          </p:cNvCxnSpPr>
+          <p:nvPr/>
+        </p:nvCxnSpPr>
+        <p:spPr>
+          <a:xfrm>
+            <a:off x="3118085" y="4297149"/>
+            <a:ext cx="0" cy="1415282"/>
+          </a:xfrm>
+          <a:prstGeom prst="straightConnector1">
+            <a:avLst/>
+          </a:prstGeom>
+          <a:ln w="28575">
+            <a:tailEnd type="triangle"/>
+          </a:ln>
+        </p:spPr>
+        <p:style>
+          <a:lnRef idx="1">
+            <a:schemeClr val="accent1"/>
+          </a:lnRef>
+          <a:fillRef idx="0">
+            <a:schemeClr val="accent1"/>
+          </a:fillRef>
+          <a:effectRef idx="0">
+            <a:schemeClr val="accent1"/>
+          </a:effectRef>
+          <a:fontRef idx="minor">
+            <a:schemeClr val="tx1"/>
+          </a:fontRef>
+        </p:style>
+      </p:cxnSp>
+      <p:cxnSp>
+        <p:nvCxnSpPr>
+          <p:cNvPr id="11" name="Straight Arrow Connector 10">
+            <a:extLst>
+              <a:ext uri="{FF2B5EF4-FFF2-40B4-BE49-F238E27FC236}">
+                <a16:creationId xmlns:a16="http://schemas.microsoft.com/office/drawing/2014/main" id="{F2448EB6-6E0A-F866-A917-C67133D53389}"/>
+              </a:ext>
+            </a:extLst>
+          </p:cNvPr>
+          <p:cNvCxnSpPr>
+            <a:cxnSpLocks/>
+          </p:cNvCxnSpPr>
+          <p:nvPr/>
+        </p:nvCxnSpPr>
+        <p:spPr>
+          <a:xfrm flipV="1">
+            <a:off x="3215811" y="3127523"/>
+            <a:ext cx="2469100" cy="2512989"/>
+          </a:xfrm>
+          <a:prstGeom prst="straightConnector1">
+            <a:avLst/>
+          </a:prstGeom>
+          <a:ln w="28575">
+            <a:tailEnd type="triangle"/>
+          </a:ln>
+        </p:spPr>
+        <p:style>
+          <a:lnRef idx="1">
+            <a:schemeClr val="accent1"/>
+          </a:lnRef>
+          <a:fillRef idx="0">
+            <a:schemeClr val="accent1"/>
+          </a:fillRef>
+          <a:effectRef idx="0">
+            <a:schemeClr val="accent1"/>
+          </a:effectRef>
+          <a:fontRef idx="minor">
+            <a:schemeClr val="tx1"/>
+          </a:fontRef>
+        </p:style>
+      </p:cxnSp>
+      <p:cxnSp>
+        <p:nvCxnSpPr>
+          <p:cNvPr id="16" name="Straight Arrow Connector 15">
+            <a:extLst>
+              <a:ext uri="{FF2B5EF4-FFF2-40B4-BE49-F238E27FC236}">
+                <a16:creationId xmlns:a16="http://schemas.microsoft.com/office/drawing/2014/main" id="{802CD2AC-FB3D-E0DE-AB4C-03308A2DFA07}"/>
+              </a:ext>
+            </a:extLst>
+          </p:cNvPr>
+          <p:cNvCxnSpPr>
+            <a:cxnSpLocks/>
+          </p:cNvCxnSpPr>
+          <p:nvPr/>
+        </p:nvCxnSpPr>
+        <p:spPr>
+          <a:xfrm>
+            <a:off x="5818476" y="3065894"/>
+            <a:ext cx="0" cy="1199159"/>
+          </a:xfrm>
+          <a:prstGeom prst="straightConnector1">
+            <a:avLst/>
+          </a:prstGeom>
+          <a:ln w="28575">
+            <a:tailEnd type="triangle"/>
+          </a:ln>
+        </p:spPr>
+        <p:style>
+          <a:lnRef idx="1">
+            <a:schemeClr val="accent1"/>
+          </a:lnRef>
+          <a:fillRef idx="0">
+            <a:schemeClr val="accent1"/>
+          </a:fillRef>
+          <a:effectRef idx="0">
+            <a:schemeClr val="accent1"/>
+          </a:effectRef>
+          <a:fontRef idx="minor">
+            <a:schemeClr val="tx1"/>
+          </a:fontRef>
+        </p:style>
+      </p:cxnSp>
+      <p:cxnSp>
+        <p:nvCxnSpPr>
+          <p:cNvPr id="18" name="Straight Arrow Connector 17">
+            <a:extLst>
+              <a:ext uri="{FF2B5EF4-FFF2-40B4-BE49-F238E27FC236}">
+                <a16:creationId xmlns:a16="http://schemas.microsoft.com/office/drawing/2014/main" id="{2044FC2B-330C-7B9A-D4FA-519BB45A1F48}"/>
+              </a:ext>
+            </a:extLst>
+          </p:cNvPr>
+          <p:cNvCxnSpPr>
+            <a:cxnSpLocks/>
+          </p:cNvCxnSpPr>
+          <p:nvPr/>
+        </p:nvCxnSpPr>
+        <p:spPr>
+          <a:xfrm flipH="1">
+            <a:off x="3118085" y="4265053"/>
+            <a:ext cx="2566826" cy="1527859"/>
+          </a:xfrm>
+          <a:prstGeom prst="straightConnector1">
+            <a:avLst/>
+          </a:prstGeom>
+          <a:ln w="28575">
+            <a:tailEnd type="triangle"/>
+          </a:ln>
+        </p:spPr>
+        <p:style>
+          <a:lnRef idx="1">
+            <a:schemeClr val="accent1"/>
+          </a:lnRef>
+          <a:fillRef idx="0">
+            <a:schemeClr val="accent1"/>
+          </a:fillRef>
+          <a:effectRef idx="0">
+            <a:schemeClr val="accent1"/>
+          </a:effectRef>
+          <a:fontRef idx="minor">
+            <a:schemeClr val="tx1"/>
+          </a:fontRef>
+        </p:style>
+      </p:cxnSp>
+      <p:sp>
+        <p:nvSpPr>
+          <p:cNvPr id="23" name="TextBox 22">
+            <a:extLst>
+              <a:ext uri="{FF2B5EF4-FFF2-40B4-BE49-F238E27FC236}">
+                <a16:creationId xmlns:a16="http://schemas.microsoft.com/office/drawing/2014/main" id="{520847AD-5704-3FA8-AAA5-6A6183B140BC}"/>
+              </a:ext>
+            </a:extLst>
+          </p:cNvPr>
+          <p:cNvSpPr txBox="1"/>
+          <p:nvPr/>
+        </p:nvSpPr>
+        <p:spPr>
+          <a:xfrm>
+            <a:off x="8997348" y="4944461"/>
+            <a:ext cx="1952090" cy="1061829"/>
+          </a:xfrm>
+          <a:prstGeom prst="rect">
+            <a:avLst/>
+          </a:prstGeom>
+          <a:noFill/>
+          <a:ln w="28575">
+            <a:solidFill>
+              <a:schemeClr val="accent1"/>
+            </a:solidFill>
+          </a:ln>
+        </p:spPr>
+        <p:txBody>
+          <a:bodyPr wrap="square" rtlCol="0">
+            <a:spAutoFit/>
+          </a:bodyPr>
+          <a:lstStyle/>
+          <a:p>
+            <a:r>
+              <a:rPr lang="en-US" sz="1050" dirty="0" err="1"/>
+              <a:t>HtDF</a:t>
+            </a:r>
+            <a:endParaRPr lang="en-US" sz="1050" dirty="0"/>
+          </a:p>
+          <a:p>
+            <a:r>
+              <a:rPr lang="en-US" sz="1050" dirty="0"/>
+              <a:t>1</a:t>
+            </a:r>
+          </a:p>
+          <a:p>
+            <a:r>
+              <a:rPr lang="en-US" sz="1050" dirty="0"/>
+              <a:t>2</a:t>
+            </a:r>
+          </a:p>
+          <a:p>
+            <a:r>
+              <a:rPr lang="en-US" sz="1050" dirty="0"/>
+              <a:t>3</a:t>
+            </a:r>
+          </a:p>
+          <a:p>
+            <a:r>
+              <a:rPr lang="en-US" sz="1050" dirty="0"/>
+              <a:t>4</a:t>
+            </a:r>
+          </a:p>
+          <a:p>
+            <a:r>
+              <a:rPr lang="en-US" sz="1050" dirty="0"/>
+              <a:t>5</a:t>
+            </a:r>
+          </a:p>
+        </p:txBody>
+      </p:sp>
+      <p:sp>
+        <p:nvSpPr>
+          <p:cNvPr id="24" name="TextBox 23">
+            <a:extLst>
+              <a:ext uri="{FF2B5EF4-FFF2-40B4-BE49-F238E27FC236}">
+                <a16:creationId xmlns:a16="http://schemas.microsoft.com/office/drawing/2014/main" id="{916770FD-0EB0-197B-EC14-E7F54B3E37E0}"/>
+              </a:ext>
+            </a:extLst>
+          </p:cNvPr>
+          <p:cNvSpPr txBox="1"/>
+          <p:nvPr/>
+        </p:nvSpPr>
+        <p:spPr>
+          <a:xfrm>
+            <a:off x="9389232" y="6044983"/>
+            <a:ext cx="1952090" cy="738664"/>
+          </a:xfrm>
+          <a:prstGeom prst="rect">
+            <a:avLst/>
+          </a:prstGeom>
+          <a:noFill/>
+          <a:ln w="28575">
+            <a:solidFill>
+              <a:schemeClr val="accent1"/>
+            </a:solidFill>
+          </a:ln>
+        </p:spPr>
+        <p:txBody>
+          <a:bodyPr wrap="square" rtlCol="0">
+            <a:spAutoFit/>
+          </a:bodyPr>
+          <a:lstStyle/>
+          <a:p>
+            <a:r>
+              <a:rPr lang="en-US" sz="700" dirty="0" err="1"/>
+              <a:t>HtDF</a:t>
+            </a:r>
+            <a:endParaRPr lang="en-US" sz="700" dirty="0"/>
+          </a:p>
+          <a:p>
+            <a:r>
+              <a:rPr lang="en-US" sz="700" dirty="0"/>
+              <a:t>1</a:t>
+            </a:r>
+          </a:p>
+          <a:p>
+            <a:r>
+              <a:rPr lang="en-US" sz="700" dirty="0"/>
+              <a:t>2</a:t>
+            </a:r>
+          </a:p>
+          <a:p>
+            <a:r>
+              <a:rPr lang="en-US" sz="700" dirty="0"/>
+              <a:t>3</a:t>
+            </a:r>
+          </a:p>
+          <a:p>
+            <a:r>
+              <a:rPr lang="en-US" sz="700" dirty="0"/>
+              <a:t>4</a:t>
+            </a:r>
+          </a:p>
+          <a:p>
+            <a:r>
+              <a:rPr lang="en-US" sz="700" dirty="0"/>
+              <a:t>5</a:t>
+            </a:r>
+          </a:p>
+        </p:txBody>
+      </p:sp>
+      <p:cxnSp>
+        <p:nvCxnSpPr>
+          <p:cNvPr id="28" name="Straight Arrow Connector 27">
+            <a:extLst>
+              <a:ext uri="{FF2B5EF4-FFF2-40B4-BE49-F238E27FC236}">
+                <a16:creationId xmlns:a16="http://schemas.microsoft.com/office/drawing/2014/main" id="{186F20F6-FEB1-3AA0-F6D7-926D9522D6C6}"/>
+              </a:ext>
+            </a:extLst>
+          </p:cNvPr>
+          <p:cNvCxnSpPr>
+            <a:cxnSpLocks/>
+          </p:cNvCxnSpPr>
+          <p:nvPr/>
+        </p:nvCxnSpPr>
+        <p:spPr>
+          <a:xfrm flipV="1">
+            <a:off x="3118084" y="3665473"/>
+            <a:ext cx="5490559" cy="2340817"/>
+          </a:xfrm>
+          <a:prstGeom prst="straightConnector1">
+            <a:avLst/>
+          </a:prstGeom>
+          <a:ln w="28575">
+            <a:tailEnd type="triangle"/>
+          </a:ln>
+        </p:spPr>
+        <p:style>
+          <a:lnRef idx="1">
+            <a:schemeClr val="accent1"/>
+          </a:lnRef>
+          <a:fillRef idx="0">
+            <a:schemeClr val="accent1"/>
+          </a:fillRef>
+          <a:effectRef idx="0">
+            <a:schemeClr val="accent1"/>
+          </a:effectRef>
+          <a:fontRef idx="minor">
+            <a:schemeClr val="tx1"/>
+          </a:fontRef>
+        </p:style>
+      </p:cxnSp>
+      <p:cxnSp>
+        <p:nvCxnSpPr>
+          <p:cNvPr id="33" name="Straight Arrow Connector 32">
+            <a:extLst>
+              <a:ext uri="{FF2B5EF4-FFF2-40B4-BE49-F238E27FC236}">
+                <a16:creationId xmlns:a16="http://schemas.microsoft.com/office/drawing/2014/main" id="{9C3748E2-FD56-7894-928F-11E013EEF3A8}"/>
+              </a:ext>
+            </a:extLst>
+          </p:cNvPr>
+          <p:cNvCxnSpPr>
+            <a:cxnSpLocks/>
+          </p:cNvCxnSpPr>
+          <p:nvPr/>
+        </p:nvCxnSpPr>
+        <p:spPr>
+          <a:xfrm flipH="1">
+            <a:off x="3118083" y="4741417"/>
+            <a:ext cx="5591833" cy="1333358"/>
+          </a:xfrm>
+          <a:prstGeom prst="straightConnector1">
+            <a:avLst/>
+          </a:prstGeom>
+          <a:ln w="28575">
+            <a:tailEnd type="triangle"/>
+          </a:ln>
+        </p:spPr>
+        <p:style>
+          <a:lnRef idx="1">
+            <a:schemeClr val="accent1"/>
+          </a:lnRef>
+          <a:fillRef idx="0">
+            <a:schemeClr val="accent1"/>
+          </a:fillRef>
+          <a:effectRef idx="0">
+            <a:schemeClr val="accent1"/>
+          </a:effectRef>
+          <a:fontRef idx="minor">
+            <a:schemeClr val="tx1"/>
+          </a:fontRef>
+        </p:style>
+      </p:cxnSp>
+      <p:cxnSp>
+        <p:nvCxnSpPr>
+          <p:cNvPr id="35" name="Straight Arrow Connector 34">
+            <a:extLst>
+              <a:ext uri="{FF2B5EF4-FFF2-40B4-BE49-F238E27FC236}">
+                <a16:creationId xmlns:a16="http://schemas.microsoft.com/office/drawing/2014/main" id="{E8241F45-A384-68D4-F15F-A6ECB0B44C49}"/>
+              </a:ext>
+            </a:extLst>
+          </p:cNvPr>
+          <p:cNvCxnSpPr>
+            <a:cxnSpLocks/>
+          </p:cNvCxnSpPr>
+          <p:nvPr/>
+        </p:nvCxnSpPr>
+        <p:spPr>
+          <a:xfrm>
+            <a:off x="8919560" y="3542258"/>
+            <a:ext cx="0" cy="1199159"/>
+          </a:xfrm>
+          <a:prstGeom prst="straightConnector1">
+            <a:avLst/>
+          </a:prstGeom>
+          <a:ln w="28575">
+            <a:tailEnd type="triangle"/>
+          </a:ln>
+        </p:spPr>
+        <p:style>
+          <a:lnRef idx="1">
+            <a:schemeClr val="accent1"/>
+          </a:lnRef>
+          <a:fillRef idx="0">
+            <a:schemeClr val="accent1"/>
+          </a:fillRef>
+          <a:effectRef idx="0">
+            <a:schemeClr val="accent1"/>
+          </a:effectRef>
+          <a:fontRef idx="minor">
+            <a:schemeClr val="tx1"/>
+          </a:fontRef>
+        </p:style>
+      </p:cxnSp>
+      <p:cxnSp>
+        <p:nvCxnSpPr>
+          <p:cNvPr id="36" name="Straight Arrow Connector 35">
+            <a:extLst>
+              <a:ext uri="{FF2B5EF4-FFF2-40B4-BE49-F238E27FC236}">
+                <a16:creationId xmlns:a16="http://schemas.microsoft.com/office/drawing/2014/main" id="{D5F51F48-E014-9ADD-365B-3F601D36661D}"/>
+              </a:ext>
+            </a:extLst>
+          </p:cNvPr>
+          <p:cNvCxnSpPr>
+            <a:cxnSpLocks/>
+          </p:cNvCxnSpPr>
+          <p:nvPr/>
+        </p:nvCxnSpPr>
+        <p:spPr>
+          <a:xfrm flipV="1">
+            <a:off x="3118080" y="5247251"/>
+            <a:ext cx="5953880" cy="931211"/>
+          </a:xfrm>
+          <a:prstGeom prst="straightConnector1">
+            <a:avLst/>
+          </a:prstGeom>
+          <a:ln w="28575">
+            <a:tailEnd type="triangle"/>
+          </a:ln>
+        </p:spPr>
+        <p:style>
+          <a:lnRef idx="1">
+            <a:schemeClr val="accent1"/>
+          </a:lnRef>
+          <a:fillRef idx="0">
+            <a:schemeClr val="accent1"/>
+          </a:fillRef>
+          <a:effectRef idx="0">
+            <a:schemeClr val="accent1"/>
+          </a:effectRef>
+          <a:fontRef idx="minor">
+            <a:schemeClr val="tx1"/>
+          </a:fontRef>
+        </p:style>
+      </p:cxnSp>
+      <p:cxnSp>
+        <p:nvCxnSpPr>
+          <p:cNvPr id="37" name="Straight Arrow Connector 36">
+            <a:extLst>
+              <a:ext uri="{FF2B5EF4-FFF2-40B4-BE49-F238E27FC236}">
+                <a16:creationId xmlns:a16="http://schemas.microsoft.com/office/drawing/2014/main" id="{098C8A5B-67F5-9BF5-85B2-3330B84FF1F3}"/>
+              </a:ext>
+            </a:extLst>
+          </p:cNvPr>
+          <p:cNvCxnSpPr>
+            <a:cxnSpLocks/>
+          </p:cNvCxnSpPr>
+          <p:nvPr/>
+        </p:nvCxnSpPr>
+        <p:spPr>
+          <a:xfrm flipH="1">
+            <a:off x="3118081" y="5887966"/>
+            <a:ext cx="5879267" cy="349214"/>
+          </a:xfrm>
+          <a:prstGeom prst="straightConnector1">
+            <a:avLst/>
+          </a:prstGeom>
+          <a:ln w="28575">
+            <a:tailEnd type="triangle"/>
+          </a:ln>
+        </p:spPr>
+        <p:style>
+          <a:lnRef idx="1">
+            <a:schemeClr val="accent1"/>
+          </a:lnRef>
+          <a:fillRef idx="0">
+            <a:schemeClr val="accent1"/>
+          </a:fillRef>
+          <a:effectRef idx="0">
+            <a:schemeClr val="accent1"/>
+          </a:effectRef>
+          <a:fontRef idx="minor">
+            <a:schemeClr val="tx1"/>
+          </a:fontRef>
+        </p:style>
+      </p:cxnSp>
+      <p:cxnSp>
+        <p:nvCxnSpPr>
+          <p:cNvPr id="46" name="Straight Arrow Connector 45">
+            <a:extLst>
+              <a:ext uri="{FF2B5EF4-FFF2-40B4-BE49-F238E27FC236}">
+                <a16:creationId xmlns:a16="http://schemas.microsoft.com/office/drawing/2014/main" id="{56B84A0E-47C4-2A58-E012-EF1F342DB404}"/>
+              </a:ext>
+            </a:extLst>
+          </p:cNvPr>
+          <p:cNvCxnSpPr>
+            <a:cxnSpLocks/>
+          </p:cNvCxnSpPr>
+          <p:nvPr/>
+        </p:nvCxnSpPr>
+        <p:spPr>
+          <a:xfrm>
+            <a:off x="9276342" y="5215156"/>
+            <a:ext cx="0" cy="672810"/>
+          </a:xfrm>
+          <a:prstGeom prst="straightConnector1">
+            <a:avLst/>
+          </a:prstGeom>
+          <a:ln w="28575">
+            <a:tailEnd type="triangle"/>
+          </a:ln>
+        </p:spPr>
+        <p:style>
+          <a:lnRef idx="1">
+            <a:schemeClr val="accent1"/>
+          </a:lnRef>
+          <a:fillRef idx="0">
+            <a:schemeClr val="accent1"/>
+          </a:fillRef>
+          <a:effectRef idx="0">
+            <a:schemeClr val="accent1"/>
+          </a:effectRef>
+          <a:fontRef idx="minor">
+            <a:schemeClr val="tx1"/>
+          </a:fontRef>
+        </p:style>
+      </p:cxnSp>
+      <p:cxnSp>
+        <p:nvCxnSpPr>
+          <p:cNvPr id="48" name="Straight Arrow Connector 47">
+            <a:extLst>
+              <a:ext uri="{FF2B5EF4-FFF2-40B4-BE49-F238E27FC236}">
+                <a16:creationId xmlns:a16="http://schemas.microsoft.com/office/drawing/2014/main" id="{3BB773B5-EADD-F2C9-3024-10F0A0049F47}"/>
+              </a:ext>
+            </a:extLst>
+          </p:cNvPr>
+          <p:cNvCxnSpPr>
+            <a:cxnSpLocks/>
+          </p:cNvCxnSpPr>
+          <p:nvPr/>
+        </p:nvCxnSpPr>
+        <p:spPr>
+          <a:xfrm>
+            <a:off x="9654774" y="6237180"/>
+            <a:ext cx="0" cy="471845"/>
+          </a:xfrm>
+          <a:prstGeom prst="straightConnector1">
+            <a:avLst/>
+          </a:prstGeom>
+          <a:ln w="28575">
+            <a:tailEnd type="triangle"/>
+          </a:ln>
+        </p:spPr>
+        <p:style>
+          <a:lnRef idx="1">
+            <a:schemeClr val="accent1"/>
+          </a:lnRef>
+          <a:fillRef idx="0">
+            <a:schemeClr val="accent1"/>
+          </a:fillRef>
+          <a:effectRef idx="0">
+            <a:schemeClr val="accent1"/>
+          </a:effectRef>
+          <a:fontRef idx="minor">
+            <a:schemeClr val="tx1"/>
+          </a:fontRef>
+        </p:style>
+      </p:cxnSp>
+      <p:cxnSp>
+        <p:nvCxnSpPr>
+          <p:cNvPr id="50" name="Straight Arrow Connector 49">
+            <a:extLst>
+              <a:ext uri="{FF2B5EF4-FFF2-40B4-BE49-F238E27FC236}">
+                <a16:creationId xmlns:a16="http://schemas.microsoft.com/office/drawing/2014/main" id="{F520E84B-C8D2-2630-AF21-83453DA6F2BC}"/>
+              </a:ext>
+            </a:extLst>
+          </p:cNvPr>
+          <p:cNvCxnSpPr>
+            <a:cxnSpLocks/>
+          </p:cNvCxnSpPr>
+          <p:nvPr/>
+        </p:nvCxnSpPr>
+        <p:spPr>
+          <a:xfrm flipV="1">
+            <a:off x="3194653" y="6237180"/>
+            <a:ext cx="6269191" cy="24934"/>
+          </a:xfrm>
+          <a:prstGeom prst="straightConnector1">
+            <a:avLst/>
+          </a:prstGeom>
+          <a:ln w="28575">
+            <a:tailEnd type="triangle"/>
+          </a:ln>
+        </p:spPr>
+        <p:style>
+          <a:lnRef idx="1">
+            <a:schemeClr val="accent1"/>
+          </a:lnRef>
+          <a:fillRef idx="0">
+            <a:schemeClr val="accent1"/>
+          </a:fillRef>
+          <a:effectRef idx="0">
+            <a:schemeClr val="accent1"/>
+          </a:effectRef>
+          <a:fontRef idx="minor">
+            <a:schemeClr val="tx1"/>
+          </a:fontRef>
+        </p:style>
+      </p:cxnSp>
+      <p:cxnSp>
+        <p:nvCxnSpPr>
+          <p:cNvPr id="53" name="Straight Arrow Connector 52">
+            <a:extLst>
+              <a:ext uri="{FF2B5EF4-FFF2-40B4-BE49-F238E27FC236}">
+                <a16:creationId xmlns:a16="http://schemas.microsoft.com/office/drawing/2014/main" id="{EC9FF4D5-DFDC-B3BE-4A42-9E8470D815AD}"/>
+              </a:ext>
+            </a:extLst>
+          </p:cNvPr>
+          <p:cNvCxnSpPr>
+            <a:cxnSpLocks/>
+          </p:cNvCxnSpPr>
+          <p:nvPr/>
+        </p:nvCxnSpPr>
+        <p:spPr>
+          <a:xfrm flipH="1" flipV="1">
+            <a:off x="3194653" y="6294642"/>
+            <a:ext cx="6269191" cy="386875"/>
+          </a:xfrm>
+          <a:prstGeom prst="straightConnector1">
+            <a:avLst/>
+          </a:prstGeom>
+          <a:ln w="28575">
+            <a:tailEnd type="triangle"/>
+          </a:ln>
+        </p:spPr>
+        <p:style>
+          <a:lnRef idx="1">
+            <a:schemeClr val="accent1"/>
+          </a:lnRef>
+          <a:fillRef idx="0">
+            <a:schemeClr val="accent1"/>
+          </a:fillRef>
+          <a:effectRef idx="0">
+            <a:schemeClr val="accent1"/>
+          </a:effectRef>
+          <a:fontRef idx="minor">
+            <a:schemeClr val="tx1"/>
+          </a:fontRef>
+        </p:style>
+      </p:cxnSp>
+      <p:sp>
+        <p:nvSpPr>
+          <p:cNvPr id="2" name="TextBox 1">
+            <a:extLst>
+              <a:ext uri="{FF2B5EF4-FFF2-40B4-BE49-F238E27FC236}">
+                <a16:creationId xmlns:a16="http://schemas.microsoft.com/office/drawing/2014/main" id="{D87E9539-D98B-9F8E-5F23-589B6592ADEF}"/>
+              </a:ext>
+            </a:extLst>
+          </p:cNvPr>
+          <p:cNvSpPr txBox="1"/>
+          <p:nvPr/>
+        </p:nvSpPr>
+        <p:spPr>
+          <a:xfrm>
+            <a:off x="696688" y="262826"/>
+            <a:ext cx="10798624" cy="2123658"/>
+          </a:xfrm>
+          <a:prstGeom prst="rect">
+            <a:avLst/>
+          </a:prstGeom>
+          <a:noFill/>
+        </p:spPr>
+        <p:txBody>
+          <a:bodyPr wrap="square" rtlCol="0">
+            <a:spAutoFit/>
+          </a:bodyPr>
+          <a:lstStyle/>
+          <a:p>
+            <a:pPr algn="ctr"/>
+            <a:r>
+              <a:rPr lang="en-US" sz="4400" dirty="0"/>
+              <a:t>Trust the recipes</a:t>
+            </a:r>
+          </a:p>
+          <a:p>
+            <a:pPr algn="ctr"/>
+            <a:r>
+              <a:rPr lang="en-US" sz="4400" dirty="0"/>
+              <a:t>to help you make progress</a:t>
+            </a:r>
+          </a:p>
+          <a:p>
+            <a:pPr algn="ctr"/>
+            <a:r>
+              <a:rPr lang="en-US" sz="4400" dirty="0"/>
+              <a:t>Always ask: what’s next step of current recipe?</a:t>
+            </a:r>
           </a:p>
         </p:txBody>
       </p:sp>
     </p:spTree>
     <p:extLst>
       <p:ext uri="{BB962C8B-B14F-4D97-AF65-F5344CB8AC3E}">
-        <p14:creationId xmlns:p14="http://schemas.microsoft.com/office/powerpoint/2010/main" val="3949924940"/>
+        <p14:creationId xmlns:p14="http://schemas.microsoft.com/office/powerpoint/2010/main" val="1403014233"/>
       </p:ext>
     </p:extLst>
   </p:cSld>
@@ -4080,60 +4993,39 @@
           <a:chExt cx="0" cy="0"/>
         </a:xfrm>
       </p:grpSpPr>
-      <p:sp>
-        <p:nvSpPr>
-          <p:cNvPr id="2" name="Title 1">
-            <a:extLst>
-              <a:ext uri="{FF2B5EF4-FFF2-40B4-BE49-F238E27FC236}">
-                <a16:creationId xmlns:a16="http://schemas.microsoft.com/office/drawing/2014/main" id="{43A43040-97AE-46A7-4B2F-CD7B95B96DF5}"/>
-              </a:ext>
-            </a:extLst>
-          </p:cNvPr>
-          <p:cNvSpPr>
-            <a:spLocks noGrp="1"/>
-          </p:cNvSpPr>
-          <p:nvPr>
-            <p:ph type="title"/>
-          </p:nvPr>
-        </p:nvSpPr>
-        <p:spPr/>
-        <p:txBody>
-          <a:bodyPr/>
-          <a:lstStyle/>
-          <a:p>
-            <a:endParaRPr lang="en-US"/>
-          </a:p>
-        </p:txBody>
-      </p:sp>
-      <p:sp>
-        <p:nvSpPr>
-          <p:cNvPr id="3" name="Content Placeholder 2">
-            <a:extLst>
-              <a:ext uri="{FF2B5EF4-FFF2-40B4-BE49-F238E27FC236}">
-                <a16:creationId xmlns:a16="http://schemas.microsoft.com/office/drawing/2014/main" id="{D84FBCA4-0AC8-4225-CBBD-1145E83BDA01}"/>
-              </a:ext>
-            </a:extLst>
-          </p:cNvPr>
-          <p:cNvSpPr>
-            <a:spLocks noGrp="1"/>
-          </p:cNvSpPr>
+      <p:pic>
+        <p:nvPicPr>
+          <p:cNvPr id="5" name="Content Placeholder 4">
+            <a:extLst>
+              <a:ext uri="{FF2B5EF4-FFF2-40B4-BE49-F238E27FC236}">
+                <a16:creationId xmlns:a16="http://schemas.microsoft.com/office/drawing/2014/main" id="{02298067-E094-36EB-E5B5-AE120961F57E}"/>
+              </a:ext>
+            </a:extLst>
+          </p:cNvPr>
+          <p:cNvPicPr>
+            <a:picLocks noGrp="1" noChangeAspect="1"/>
+          </p:cNvPicPr>
           <p:nvPr>
             <p:ph idx="1"/>
           </p:nvPr>
-        </p:nvSpPr>
-        <p:spPr/>
-        <p:txBody>
-          <a:bodyPr/>
-          <a:lstStyle/>
-          <a:p>
-            <a:endParaRPr lang="en-US"/>
-          </a:p>
-        </p:txBody>
-      </p:sp>
+        </p:nvPicPr>
+        <p:blipFill>
+          <a:blip r:embed="rId2"/>
+          <a:stretch>
+            <a:fillRect/>
+          </a:stretch>
+        </p:blipFill>
+        <p:spPr>
+          <a:xfrm>
+            <a:off x="1451758" y="-159733"/>
+            <a:ext cx="9288483" cy="7177465"/>
+          </a:xfrm>
+        </p:spPr>
+      </p:pic>
     </p:spTree>
     <p:extLst>
       <p:ext uri="{BB962C8B-B14F-4D97-AF65-F5344CB8AC3E}">
-        <p14:creationId xmlns:p14="http://schemas.microsoft.com/office/powerpoint/2010/main" val="2262531474"/>
+        <p14:creationId xmlns:p14="http://schemas.microsoft.com/office/powerpoint/2010/main" val="2302075350"/>
       </p:ext>
     </p:extLst>
   </p:cSld>
@@ -4143,7 +5035,7 @@
 </p:sld>
 </file>
 
-<file path=ppt/slides/slide2.xml><?xml version="1.0" encoding="utf-8"?>
+<file path=ppt/slides/slide12.xml><?xml version="1.0" encoding="utf-8"?>
 <p:sld xmlns:a="http://schemas.openxmlformats.org/drawingml/2006/main" xmlns:r="http://schemas.openxmlformats.org/officeDocument/2006/relationships" xmlns:p="http://schemas.openxmlformats.org/presentationml/2006/main">
   <p:cSld>
     <p:spTree>
@@ -4160,40 +5052,332 @@
           <a:chExt cx="0" cy="0"/>
         </a:xfrm>
       </p:grpSpPr>
-      <p:pic>
-        <p:nvPicPr>
-          <p:cNvPr id="5" name="Picture 4">
-            <a:extLst>
-              <a:ext uri="{FF2B5EF4-FFF2-40B4-BE49-F238E27FC236}">
-                <a16:creationId xmlns:a16="http://schemas.microsoft.com/office/drawing/2014/main" id="{2D000CFE-CAFD-4379-ED34-3883B125A181}"/>
-              </a:ext>
-            </a:extLst>
-          </p:cNvPr>
-          <p:cNvPicPr>
-            <a:picLocks noChangeAspect="1"/>
-          </p:cNvPicPr>
-          <p:nvPr/>
-        </p:nvPicPr>
-        <p:blipFill>
-          <a:blip r:embed="rId2"/>
-          <a:stretch>
-            <a:fillRect/>
-          </a:stretch>
-        </p:blipFill>
-        <p:spPr>
-          <a:xfrm>
-            <a:off x="2209800" y="1379163"/>
-            <a:ext cx="7772400" cy="4099673"/>
+      <p:sp>
+        <p:nvSpPr>
+          <p:cNvPr id="4" name="Rectangle 3">
+            <a:extLst>
+              <a:ext uri="{FF2B5EF4-FFF2-40B4-BE49-F238E27FC236}">
+                <a16:creationId xmlns:a16="http://schemas.microsoft.com/office/drawing/2014/main" id="{C1275F09-7A7D-2571-45CA-1ED8E929A06E}"/>
+              </a:ext>
+            </a:extLst>
+          </p:cNvPr>
+          <p:cNvSpPr/>
+          <p:nvPr/>
+        </p:nvSpPr>
+        <p:spPr>
+          <a:xfrm>
+            <a:off x="1068512" y="482885"/>
+            <a:ext cx="2786796" cy="2095928"/>
           </a:xfrm>
           <a:prstGeom prst="rect">
             <a:avLst/>
           </a:prstGeom>
-        </p:spPr>
-      </p:pic>
+          <a:solidFill>
+            <a:schemeClr val="tx2">
+              <a:lumMod val="20000"/>
+              <a:lumOff val="80000"/>
+              <a:alpha val="29321"/>
+            </a:schemeClr>
+          </a:solidFill>
+        </p:spPr>
+        <p:style>
+          <a:lnRef idx="2">
+            <a:schemeClr val="accent1">
+              <a:shade val="50000"/>
+            </a:schemeClr>
+          </a:lnRef>
+          <a:fillRef idx="1">
+            <a:schemeClr val="accent1"/>
+          </a:fillRef>
+          <a:effectRef idx="0">
+            <a:schemeClr val="accent1"/>
+          </a:effectRef>
+          <a:fontRef idx="minor">
+            <a:schemeClr val="lt1"/>
+          </a:fontRef>
+        </p:style>
+        <p:txBody>
+          <a:bodyPr rtlCol="0" anchor="ctr"/>
+          <a:lstStyle/>
+          <a:p>
+            <a:pPr algn="ctr"/>
+            <a:endParaRPr lang="en-US"/>
+          </a:p>
+        </p:txBody>
+      </p:sp>
+      <p:sp>
+        <p:nvSpPr>
+          <p:cNvPr id="5" name="Rectangle 4">
+            <a:extLst>
+              <a:ext uri="{FF2B5EF4-FFF2-40B4-BE49-F238E27FC236}">
+                <a16:creationId xmlns:a16="http://schemas.microsoft.com/office/drawing/2014/main" id="{CBC6BAB3-9E38-D359-223F-E735977AA9CD}"/>
+              </a:ext>
+            </a:extLst>
+          </p:cNvPr>
+          <p:cNvSpPr/>
+          <p:nvPr/>
+        </p:nvSpPr>
+        <p:spPr>
+          <a:xfrm>
+            <a:off x="4702602" y="482885"/>
+            <a:ext cx="2786796" cy="2095928"/>
+          </a:xfrm>
+          <a:prstGeom prst="rect">
+            <a:avLst/>
+          </a:prstGeom>
+          <a:solidFill>
+            <a:schemeClr val="tx2">
+              <a:lumMod val="20000"/>
+              <a:lumOff val="80000"/>
+              <a:alpha val="29321"/>
+            </a:schemeClr>
+          </a:solidFill>
+        </p:spPr>
+        <p:style>
+          <a:lnRef idx="2">
+            <a:schemeClr val="accent1">
+              <a:shade val="50000"/>
+            </a:schemeClr>
+          </a:lnRef>
+          <a:fillRef idx="1">
+            <a:schemeClr val="accent1"/>
+          </a:fillRef>
+          <a:effectRef idx="0">
+            <a:schemeClr val="accent1"/>
+          </a:effectRef>
+          <a:fontRef idx="minor">
+            <a:schemeClr val="lt1"/>
+          </a:fontRef>
+        </p:style>
+        <p:txBody>
+          <a:bodyPr rtlCol="0" anchor="ctr"/>
+          <a:lstStyle/>
+          <a:p>
+            <a:pPr algn="ctr"/>
+            <a:endParaRPr lang="en-US"/>
+          </a:p>
+        </p:txBody>
+      </p:sp>
+      <p:sp>
+        <p:nvSpPr>
+          <p:cNvPr id="2" name="TextBox 1">
+            <a:extLst>
+              <a:ext uri="{FF2B5EF4-FFF2-40B4-BE49-F238E27FC236}">
+                <a16:creationId xmlns:a16="http://schemas.microsoft.com/office/drawing/2014/main" id="{D56529D1-4160-0FA4-725B-A7E6BC7C5750}"/>
+              </a:ext>
+            </a:extLst>
+          </p:cNvPr>
+          <p:cNvSpPr txBox="1"/>
+          <p:nvPr/>
+        </p:nvSpPr>
+        <p:spPr>
+          <a:xfrm>
+            <a:off x="410966" y="2948683"/>
+            <a:ext cx="2137025" cy="461665"/>
+          </a:xfrm>
+          <a:prstGeom prst="rect">
+            <a:avLst/>
+          </a:prstGeom>
+          <a:noFill/>
+        </p:spPr>
+        <p:txBody>
+          <a:bodyPr wrap="square" rtlCol="0">
+            <a:spAutoFit/>
+          </a:bodyPr>
+          <a:lstStyle/>
+          <a:p>
+            <a:r>
+              <a:rPr lang="en-US" sz="2400" u="sng" dirty="0"/>
+              <a:t>Constant</a:t>
+            </a:r>
+          </a:p>
+        </p:txBody>
+      </p:sp>
+      <p:sp>
+        <p:nvSpPr>
+          <p:cNvPr id="3" name="TextBox 2">
+            <a:extLst>
+              <a:ext uri="{FF2B5EF4-FFF2-40B4-BE49-F238E27FC236}">
+                <a16:creationId xmlns:a16="http://schemas.microsoft.com/office/drawing/2014/main" id="{12665B4F-D0ED-8D41-6E1D-DA75A3258900}"/>
+              </a:ext>
+            </a:extLst>
+          </p:cNvPr>
+          <p:cNvSpPr txBox="1"/>
+          <p:nvPr/>
+        </p:nvSpPr>
+        <p:spPr>
+          <a:xfrm>
+            <a:off x="2669569" y="2948682"/>
+            <a:ext cx="2137025" cy="461665"/>
+          </a:xfrm>
+          <a:prstGeom prst="rect">
+            <a:avLst/>
+          </a:prstGeom>
+          <a:noFill/>
+        </p:spPr>
+        <p:txBody>
+          <a:bodyPr wrap="square" rtlCol="0">
+            <a:spAutoFit/>
+          </a:bodyPr>
+          <a:lstStyle/>
+          <a:p>
+            <a:r>
+              <a:rPr lang="en-US" sz="2400" u="sng" dirty="0"/>
+              <a:t>Changing</a:t>
+            </a:r>
+          </a:p>
+        </p:txBody>
+      </p:sp>
+      <p:sp>
+        <p:nvSpPr>
+          <p:cNvPr id="7" name="TextBox 6">
+            <a:extLst>
+              <a:ext uri="{FF2B5EF4-FFF2-40B4-BE49-F238E27FC236}">
+                <a16:creationId xmlns:a16="http://schemas.microsoft.com/office/drawing/2014/main" id="{F18649D4-0D25-EE27-CC7E-1DFB5F35F91D}"/>
+              </a:ext>
+            </a:extLst>
+          </p:cNvPr>
+          <p:cNvSpPr txBox="1"/>
+          <p:nvPr/>
+        </p:nvSpPr>
+        <p:spPr>
+          <a:xfrm>
+            <a:off x="5248383" y="2948681"/>
+            <a:ext cx="2137025" cy="461665"/>
+          </a:xfrm>
+          <a:prstGeom prst="rect">
+            <a:avLst/>
+          </a:prstGeom>
+          <a:noFill/>
+        </p:spPr>
+        <p:txBody>
+          <a:bodyPr wrap="square" rtlCol="0">
+            <a:spAutoFit/>
+          </a:bodyPr>
+          <a:lstStyle/>
+          <a:p>
+            <a:r>
+              <a:rPr lang="en-US" sz="2400" u="sng" dirty="0"/>
+              <a:t>BB options</a:t>
+            </a:r>
+          </a:p>
+        </p:txBody>
+      </p:sp>
+      <p:sp>
+        <p:nvSpPr>
+          <p:cNvPr id="8" name="TextBox 7">
+            <a:extLst>
+              <a:ext uri="{FF2B5EF4-FFF2-40B4-BE49-F238E27FC236}">
+                <a16:creationId xmlns:a16="http://schemas.microsoft.com/office/drawing/2014/main" id="{741CC791-41D6-2E02-B412-E876AE4A54A2}"/>
+              </a:ext>
+            </a:extLst>
+          </p:cNvPr>
+          <p:cNvSpPr txBox="1"/>
+          <p:nvPr/>
+        </p:nvSpPr>
+        <p:spPr>
+          <a:xfrm>
+            <a:off x="5248383" y="3780214"/>
+            <a:ext cx="1446230" cy="1569660"/>
+          </a:xfrm>
+          <a:prstGeom prst="rect">
+            <a:avLst/>
+          </a:prstGeom>
+          <a:noFill/>
+        </p:spPr>
+        <p:txBody>
+          <a:bodyPr wrap="none" rtlCol="0">
+            <a:spAutoFit/>
+          </a:bodyPr>
+          <a:lstStyle/>
+          <a:p>
+            <a:r>
+              <a:rPr lang="en-CA" sz="2400" dirty="0"/>
+              <a:t>on-tick</a:t>
+            </a:r>
+            <a:br>
+              <a:rPr lang="en-CA" sz="2400" dirty="0"/>
+            </a:br>
+            <a:r>
+              <a:rPr lang="en-CA" sz="2400" dirty="0"/>
+              <a:t>to-draw</a:t>
+            </a:r>
+            <a:br>
+              <a:rPr lang="en-CA" sz="2400" dirty="0"/>
+            </a:br>
+            <a:r>
+              <a:rPr lang="en-CA" sz="2400" dirty="0"/>
+              <a:t>on-key</a:t>
+            </a:r>
+            <a:br>
+              <a:rPr lang="en-CA" sz="2400" dirty="0"/>
+            </a:br>
+            <a:r>
+              <a:rPr lang="en-CA" sz="2400" dirty="0"/>
+              <a:t>on-mouse</a:t>
+            </a:r>
+            <a:endParaRPr lang="en-US" sz="2400" dirty="0"/>
+          </a:p>
+        </p:txBody>
+      </p:sp>
+      <p:sp>
+        <p:nvSpPr>
+          <p:cNvPr id="9" name="TextBox 8">
+            <a:extLst>
+              <a:ext uri="{FF2B5EF4-FFF2-40B4-BE49-F238E27FC236}">
+                <a16:creationId xmlns:a16="http://schemas.microsoft.com/office/drawing/2014/main" id="{7125486F-D8FE-4437-E0CA-A6A7AE47C7B1}"/>
+              </a:ext>
+            </a:extLst>
+          </p:cNvPr>
+          <p:cNvSpPr txBox="1"/>
+          <p:nvPr/>
+        </p:nvSpPr>
+        <p:spPr>
+          <a:xfrm>
+            <a:off x="8640566" y="516710"/>
+            <a:ext cx="3154167" cy="2062103"/>
+          </a:xfrm>
+          <a:prstGeom prst="rect">
+            <a:avLst/>
+          </a:prstGeom>
+          <a:noFill/>
+        </p:spPr>
+        <p:txBody>
+          <a:bodyPr wrap="square" rtlCol="0">
+            <a:spAutoFit/>
+          </a:bodyPr>
+          <a:lstStyle/>
+          <a:p>
+            <a:r>
+              <a:rPr lang="en-CA" sz="3200" dirty="0">
+                <a:solidFill>
+                  <a:srgbClr val="FF0000"/>
+                </a:solidFill>
+              </a:rPr>
+              <a:t>Don’t worry, handwriting</a:t>
+            </a:r>
+          </a:p>
+          <a:p>
+            <a:r>
+              <a:rPr lang="en-CA" sz="3200" dirty="0">
+                <a:solidFill>
+                  <a:srgbClr val="FF0000"/>
+                </a:solidFill>
+              </a:rPr>
+              <a:t>will be magically cleaned up!</a:t>
+            </a:r>
+            <a:endParaRPr lang="en-US" sz="3200" dirty="0">
+              <a:solidFill>
+                <a:srgbClr val="FF0000"/>
+              </a:solidFill>
+            </a:endParaRPr>
+          </a:p>
+        </p:txBody>
+      </p:sp>
     </p:spTree>
     <p:extLst>
       <p:ext uri="{BB962C8B-B14F-4D97-AF65-F5344CB8AC3E}">
-        <p14:creationId xmlns:p14="http://schemas.microsoft.com/office/powerpoint/2010/main" val="345391547"/>
+        <p14:creationId xmlns:p14="http://schemas.microsoft.com/office/powerpoint/2010/main" val="1978207108"/>
       </p:ext>
     </p:extLst>
   </p:cSld>
@@ -4203,7 +5387,7 @@
 </p:sld>
 </file>
 
-<file path=ppt/slides/slide3.xml><?xml version="1.0" encoding="utf-8"?>
+<file path=ppt/slides/slide13.xml><?xml version="1.0" encoding="utf-8"?>
 <p:sld xmlns:a="http://schemas.openxmlformats.org/drawingml/2006/main" xmlns:r="http://schemas.openxmlformats.org/officeDocument/2006/relationships" xmlns:p="http://schemas.openxmlformats.org/presentationml/2006/main">
   <p:cSld>
     <p:spTree>
@@ -4222,10 +5406,116 @@
       </p:grpSpPr>
       <p:sp>
         <p:nvSpPr>
-          <p:cNvPr id="4" name="TextBox 3">
-            <a:extLst>
-              <a:ext uri="{FF2B5EF4-FFF2-40B4-BE49-F238E27FC236}">
-                <a16:creationId xmlns:a16="http://schemas.microsoft.com/office/drawing/2014/main" id="{5F2A1285-8787-0D41-9429-7B0A09C9AAE0}"/>
+          <p:cNvPr id="4" name="Rectangle 3">
+            <a:extLst>
+              <a:ext uri="{FF2B5EF4-FFF2-40B4-BE49-F238E27FC236}">
+                <a16:creationId xmlns:a16="http://schemas.microsoft.com/office/drawing/2014/main" id="{C1275F09-7A7D-2571-45CA-1ED8E929A06E}"/>
+              </a:ext>
+            </a:extLst>
+          </p:cNvPr>
+          <p:cNvSpPr/>
+          <p:nvPr/>
+        </p:nvSpPr>
+        <p:spPr>
+          <a:xfrm>
+            <a:off x="1068512" y="359597"/>
+            <a:ext cx="2786796" cy="2095928"/>
+          </a:xfrm>
+          <a:prstGeom prst="rect">
+            <a:avLst/>
+          </a:prstGeom>
+          <a:solidFill>
+            <a:schemeClr val="tx2">
+              <a:lumMod val="20000"/>
+              <a:lumOff val="80000"/>
+              <a:alpha val="29321"/>
+            </a:schemeClr>
+          </a:solidFill>
+        </p:spPr>
+        <p:style>
+          <a:lnRef idx="2">
+            <a:schemeClr val="accent1">
+              <a:shade val="50000"/>
+            </a:schemeClr>
+          </a:lnRef>
+          <a:fillRef idx="1">
+            <a:schemeClr val="accent1"/>
+          </a:fillRef>
+          <a:effectRef idx="0">
+            <a:schemeClr val="accent1"/>
+          </a:effectRef>
+          <a:fontRef idx="minor">
+            <a:schemeClr val="lt1"/>
+          </a:fontRef>
+        </p:style>
+        <p:txBody>
+          <a:bodyPr rtlCol="0" anchor="ctr"/>
+          <a:lstStyle/>
+          <a:p>
+            <a:pPr algn="ctr"/>
+            <a:endParaRPr lang="en-US"/>
+          </a:p>
+        </p:txBody>
+      </p:sp>
+      <p:sp>
+        <p:nvSpPr>
+          <p:cNvPr id="5" name="Rectangle 4">
+            <a:extLst>
+              <a:ext uri="{FF2B5EF4-FFF2-40B4-BE49-F238E27FC236}">
+                <a16:creationId xmlns:a16="http://schemas.microsoft.com/office/drawing/2014/main" id="{CBC6BAB3-9E38-D359-223F-E735977AA9CD}"/>
+              </a:ext>
+            </a:extLst>
+          </p:cNvPr>
+          <p:cNvSpPr/>
+          <p:nvPr/>
+        </p:nvSpPr>
+        <p:spPr>
+          <a:xfrm>
+            <a:off x="4702602" y="359597"/>
+            <a:ext cx="2786796" cy="2095928"/>
+          </a:xfrm>
+          <a:prstGeom prst="rect">
+            <a:avLst/>
+          </a:prstGeom>
+          <a:solidFill>
+            <a:schemeClr val="tx2">
+              <a:lumMod val="20000"/>
+              <a:lumOff val="80000"/>
+              <a:alpha val="29321"/>
+            </a:schemeClr>
+          </a:solidFill>
+        </p:spPr>
+        <p:style>
+          <a:lnRef idx="2">
+            <a:schemeClr val="accent1">
+              <a:shade val="50000"/>
+            </a:schemeClr>
+          </a:lnRef>
+          <a:fillRef idx="1">
+            <a:schemeClr val="accent1"/>
+          </a:fillRef>
+          <a:effectRef idx="0">
+            <a:schemeClr val="accent1"/>
+          </a:effectRef>
+          <a:fontRef idx="minor">
+            <a:schemeClr val="lt1"/>
+          </a:fontRef>
+        </p:style>
+        <p:txBody>
+          <a:bodyPr rtlCol="0" anchor="ctr"/>
+          <a:lstStyle/>
+          <a:p>
+            <a:pPr algn="ctr"/>
+            <a:endParaRPr lang="en-US"/>
+          </a:p>
+        </p:txBody>
+      </p:sp>
+      <p:sp>
+        <p:nvSpPr>
+          <p:cNvPr id="2" name="TextBox 1">
+            <a:extLst>
+              <a:ext uri="{FF2B5EF4-FFF2-40B4-BE49-F238E27FC236}">
+                <a16:creationId xmlns:a16="http://schemas.microsoft.com/office/drawing/2014/main" id="{D56529D1-4160-0FA4-725B-A7E6BC7C5750}"/>
               </a:ext>
             </a:extLst>
           </p:cNvPr>
@@ -4234,8 +5524,8 @@
         </p:nvSpPr>
         <p:spPr>
           <a:xfrm>
-            <a:off x="1186543" y="372808"/>
-            <a:ext cx="9873343" cy="2123658"/>
+            <a:off x="410966" y="2722655"/>
+            <a:ext cx="2137025" cy="461665"/>
           </a:xfrm>
           <a:prstGeom prst="rect">
             <a:avLst/>
@@ -4248,24 +5538,9 @@
           </a:bodyPr>
           <a:lstStyle/>
           <a:p>
-            <a:pPr algn="ctr"/>
-            <a:r>
-              <a:rPr lang="en-US" sz="4400" dirty="0"/>
-              <a:t>Trust the recipes</a:t>
-            </a:r>
-          </a:p>
-          <a:p>
-            <a:pPr algn="ctr"/>
-            <a:r>
-              <a:rPr lang="en-US" sz="4400" dirty="0"/>
-              <a:t>to help you make progress</a:t>
-            </a:r>
-          </a:p>
-          <a:p>
-            <a:pPr algn="ctr"/>
-            <a:r>
-              <a:rPr lang="en-US" sz="4400" dirty="0"/>
-              <a:t>What’s the next step of the recipe?</a:t>
+            <a:r>
+              <a:rPr lang="en-US" sz="2400" u="sng" dirty="0"/>
+              <a:t>Constant</a:t>
             </a:r>
           </a:p>
         </p:txBody>
@@ -4275,7 +5550,7 @@
           <p:cNvPr id="3" name="TextBox 2">
             <a:extLst>
               <a:ext uri="{FF2B5EF4-FFF2-40B4-BE49-F238E27FC236}">
-                <a16:creationId xmlns:a16="http://schemas.microsoft.com/office/drawing/2014/main" id="{836B4E4F-D17B-6A21-1078-889A4373D653}"/>
+                <a16:creationId xmlns:a16="http://schemas.microsoft.com/office/drawing/2014/main" id="{12665B4F-D0ED-8D41-6E1D-DA75A3258900}"/>
               </a:ext>
             </a:extLst>
           </p:cNvPr>
@@ -4284,18 +5559,13 @@
         </p:nvSpPr>
         <p:spPr>
           <a:xfrm>
-            <a:off x="2568539" y="3852812"/>
-            <a:ext cx="1952090" cy="2585323"/>
+            <a:off x="2669569" y="2722654"/>
+            <a:ext cx="2137025" cy="461665"/>
           </a:xfrm>
           <a:prstGeom prst="rect">
             <a:avLst/>
           </a:prstGeom>
           <a:noFill/>
-          <a:ln w="28575">
-            <a:solidFill>
-              <a:schemeClr val="accent1"/>
-            </a:solidFill>
-          </a:ln>
         </p:spPr>
         <p:txBody>
           <a:bodyPr wrap="square" rtlCol="0">
@@ -4304,67 +5574,18 @@
           <a:lstStyle/>
           <a:p>
             <a:r>
-              <a:rPr lang="en-US" dirty="0" err="1"/>
-              <a:t>HtDW</a:t>
-            </a:r>
-            <a:endParaRPr lang="en-US" dirty="0"/>
-          </a:p>
-          <a:p>
-            <a:r>
-              <a:rPr lang="en-US" dirty="0"/>
-              <a:t>1.1</a:t>
-            </a:r>
-          </a:p>
-          <a:p>
-            <a:r>
-              <a:rPr lang="en-US" dirty="0"/>
-              <a:t>1.2</a:t>
-            </a:r>
-          </a:p>
-          <a:p>
-            <a:r>
-              <a:rPr lang="en-US" dirty="0"/>
-              <a:t>1.3</a:t>
-            </a:r>
-          </a:p>
-          <a:p>
-            <a:r>
-              <a:rPr lang="en-US" dirty="0"/>
-              <a:t>1.4</a:t>
-            </a:r>
-          </a:p>
-          <a:p>
-            <a:r>
-              <a:rPr lang="en-US" dirty="0"/>
-              <a:t>2.1</a:t>
-            </a:r>
-          </a:p>
-          <a:p>
-            <a:r>
-              <a:rPr lang="en-US" dirty="0"/>
-              <a:t>2.2</a:t>
-            </a:r>
-          </a:p>
-          <a:p>
-            <a:r>
-              <a:rPr lang="en-US" dirty="0"/>
-              <a:t>2.3</a:t>
-            </a:r>
-          </a:p>
-          <a:p>
-            <a:r>
-              <a:rPr lang="en-US" dirty="0"/>
-              <a:t>2.4</a:t>
-            </a:r>
-          </a:p>
-        </p:txBody>
-      </p:sp>
-      <p:sp>
-        <p:nvSpPr>
-          <p:cNvPr id="5" name="TextBox 4">
-            <a:extLst>
-              <a:ext uri="{FF2B5EF4-FFF2-40B4-BE49-F238E27FC236}">
-                <a16:creationId xmlns:a16="http://schemas.microsoft.com/office/drawing/2014/main" id="{24C4E01F-ACD0-C0CF-64FB-0D00BCCA963D}"/>
+              <a:rPr lang="en-US" sz="2400" u="sng" dirty="0"/>
+              <a:t>Changing</a:t>
+            </a:r>
+          </a:p>
+        </p:txBody>
+      </p:sp>
+      <p:sp>
+        <p:nvSpPr>
+          <p:cNvPr id="7" name="TextBox 6">
+            <a:extLst>
+              <a:ext uri="{FF2B5EF4-FFF2-40B4-BE49-F238E27FC236}">
+                <a16:creationId xmlns:a16="http://schemas.microsoft.com/office/drawing/2014/main" id="{F18649D4-0D25-EE27-CC7E-1DFB5F35F91D}"/>
               </a:ext>
             </a:extLst>
           </p:cNvPr>
@@ -4373,18 +5594,13 @@
         </p:nvSpPr>
         <p:spPr>
           <a:xfrm>
-            <a:off x="5474413" y="2619407"/>
-            <a:ext cx="1952090" cy="1754326"/>
+            <a:off x="5248383" y="2722653"/>
+            <a:ext cx="2137025" cy="461665"/>
           </a:xfrm>
           <a:prstGeom prst="rect">
             <a:avLst/>
           </a:prstGeom>
           <a:noFill/>
-          <a:ln w="28575">
-            <a:solidFill>
-              <a:schemeClr val="accent1"/>
-            </a:solidFill>
-          </a:ln>
         </p:spPr>
         <p:txBody>
           <a:bodyPr wrap="square" rtlCol="0">
@@ -4393,49 +5609,18 @@
           <a:lstStyle/>
           <a:p>
             <a:r>
-              <a:rPr lang="en-US" dirty="0" err="1"/>
-              <a:t>HtDD</a:t>
-            </a:r>
-            <a:endParaRPr lang="en-US" dirty="0"/>
-          </a:p>
-          <a:p>
-            <a:r>
-              <a:rPr lang="en-US" dirty="0"/>
-              <a:t>1</a:t>
-            </a:r>
-          </a:p>
-          <a:p>
-            <a:r>
-              <a:rPr lang="en-US" dirty="0"/>
-              <a:t>2</a:t>
-            </a:r>
-          </a:p>
-          <a:p>
-            <a:r>
-              <a:rPr lang="en-US" dirty="0"/>
-              <a:t>3</a:t>
-            </a:r>
-          </a:p>
-          <a:p>
-            <a:r>
-              <a:rPr lang="en-US" dirty="0"/>
-              <a:t>4</a:t>
-            </a:r>
-          </a:p>
-          <a:p>
-            <a:r>
-              <a:rPr lang="en-US" dirty="0"/>
-              <a:t>5</a:t>
-            </a:r>
-          </a:p>
-        </p:txBody>
-      </p:sp>
-      <p:sp>
-        <p:nvSpPr>
-          <p:cNvPr id="6" name="TextBox 5">
-            <a:extLst>
-              <a:ext uri="{FF2B5EF4-FFF2-40B4-BE49-F238E27FC236}">
-                <a16:creationId xmlns:a16="http://schemas.microsoft.com/office/drawing/2014/main" id="{0A747391-B655-7274-6D8C-CC97DD366C64}"/>
+              <a:rPr lang="en-US" sz="2400" u="sng" dirty="0"/>
+              <a:t>BB options</a:t>
+            </a:r>
+          </a:p>
+        </p:txBody>
+      </p:sp>
+      <p:sp>
+        <p:nvSpPr>
+          <p:cNvPr id="8" name="TextBox 7">
+            <a:extLst>
+              <a:ext uri="{FF2B5EF4-FFF2-40B4-BE49-F238E27FC236}">
+                <a16:creationId xmlns:a16="http://schemas.microsoft.com/office/drawing/2014/main" id="{741CC791-41D6-2E02-B412-E876AE4A54A2}"/>
               </a:ext>
             </a:extLst>
           </p:cNvPr>
@@ -4444,190 +5629,258 @@
         </p:nvSpPr>
         <p:spPr>
           <a:xfrm>
-            <a:off x="8608643" y="3151442"/>
-            <a:ext cx="1952090" cy="1754326"/>
+            <a:off x="5248383" y="3345207"/>
+            <a:ext cx="1446230" cy="1569660"/>
           </a:xfrm>
           <a:prstGeom prst="rect">
             <a:avLst/>
           </a:prstGeom>
           <a:noFill/>
-          <a:ln w="28575">
-            <a:solidFill>
-              <a:schemeClr val="accent1"/>
-            </a:solidFill>
-          </a:ln>
-        </p:spPr>
-        <p:txBody>
-          <a:bodyPr wrap="square" rtlCol="0">
+        </p:spPr>
+        <p:txBody>
+          <a:bodyPr wrap="none" rtlCol="0">
             <a:spAutoFit/>
           </a:bodyPr>
           <a:lstStyle/>
           <a:p>
             <a:r>
-              <a:rPr lang="en-US" dirty="0" err="1"/>
-              <a:t>HtDF</a:t>
-            </a:r>
-            <a:endParaRPr lang="en-US" dirty="0"/>
-          </a:p>
-          <a:p>
-            <a:r>
-              <a:rPr lang="en-US" dirty="0"/>
-              <a:t>1</a:t>
-            </a:r>
-          </a:p>
-          <a:p>
-            <a:r>
-              <a:rPr lang="en-US" dirty="0"/>
-              <a:t>2</a:t>
-            </a:r>
-          </a:p>
-          <a:p>
-            <a:r>
-              <a:rPr lang="en-US" dirty="0"/>
-              <a:t>3</a:t>
-            </a:r>
-          </a:p>
-          <a:p>
-            <a:r>
-              <a:rPr lang="en-US" dirty="0"/>
-              <a:t>4</a:t>
-            </a:r>
-          </a:p>
-          <a:p>
-            <a:r>
-              <a:rPr lang="en-US" dirty="0"/>
-              <a:t>5</a:t>
-            </a:r>
-          </a:p>
-        </p:txBody>
-      </p:sp>
-      <p:cxnSp>
-        <p:nvCxnSpPr>
-          <p:cNvPr id="16" name="Straight Arrow Connector 15">
-            <a:extLst>
-              <a:ext uri="{FF2B5EF4-FFF2-40B4-BE49-F238E27FC236}">
-                <a16:creationId xmlns:a16="http://schemas.microsoft.com/office/drawing/2014/main" id="{802CD2AC-FB3D-E0DE-AB4C-03308A2DFA07}"/>
-              </a:ext>
-            </a:extLst>
-          </p:cNvPr>
-          <p:cNvCxnSpPr>
-            <a:cxnSpLocks/>
-          </p:cNvCxnSpPr>
-          <p:nvPr/>
-        </p:nvCxnSpPr>
-        <p:spPr>
-          <a:xfrm>
-            <a:off x="5818476" y="3065894"/>
-            <a:ext cx="0" cy="1199159"/>
-          </a:xfrm>
-          <a:prstGeom prst="straightConnector1">
-            <a:avLst/>
-          </a:prstGeom>
-          <a:ln w="28575">
-            <a:tailEnd type="triangle"/>
-          </a:ln>
+              <a:rPr lang="en-CA" sz="2400" dirty="0"/>
+              <a:t>on-tick</a:t>
+            </a:r>
+            <a:br>
+              <a:rPr lang="en-CA" sz="2400" dirty="0"/>
+            </a:br>
+            <a:r>
+              <a:rPr lang="en-CA" sz="2400" dirty="0"/>
+              <a:t>to-draw</a:t>
+            </a:r>
+            <a:br>
+              <a:rPr lang="en-CA" sz="2400" dirty="0"/>
+            </a:br>
+            <a:r>
+              <a:rPr lang="en-CA" sz="2400" strike="sngStrike" dirty="0"/>
+              <a:t>on-key</a:t>
+            </a:r>
+            <a:br>
+              <a:rPr lang="en-CA" sz="2400" strike="sngStrike" dirty="0"/>
+            </a:br>
+            <a:r>
+              <a:rPr lang="en-CA" sz="2400" strike="sngStrike" dirty="0"/>
+              <a:t>on-mouse</a:t>
+            </a:r>
+            <a:endParaRPr lang="en-US" sz="2400" strike="sngStrike" dirty="0"/>
+          </a:p>
+        </p:txBody>
+      </p:sp>
+      <p:sp>
+        <p:nvSpPr>
+          <p:cNvPr id="6" name="TextBox 5">
+            <a:extLst>
+              <a:ext uri="{FF2B5EF4-FFF2-40B4-BE49-F238E27FC236}">
+                <a16:creationId xmlns:a16="http://schemas.microsoft.com/office/drawing/2014/main" id="{9CC79341-DE9F-191C-A634-F3CD9A1DB239}"/>
+              </a:ext>
+            </a:extLst>
+          </p:cNvPr>
+          <p:cNvSpPr txBox="1"/>
+          <p:nvPr/>
+        </p:nvSpPr>
+        <p:spPr>
+          <a:xfrm>
+            <a:off x="410966" y="3345207"/>
+            <a:ext cx="1792607" cy="3686856"/>
+          </a:xfrm>
+          <a:prstGeom prst="rect">
+            <a:avLst/>
+          </a:prstGeom>
+          <a:noFill/>
+        </p:spPr>
+        <p:txBody>
+          <a:bodyPr wrap="none" rtlCol="0">
+            <a:spAutoFit/>
+          </a:bodyPr>
+          <a:lstStyle/>
+          <a:p>
+            <a:r>
+              <a:rPr lang="en-CA" sz="2400" dirty="0"/>
+              <a:t>width</a:t>
+            </a:r>
+            <a:br>
+              <a:rPr lang="en-CA" sz="2400" dirty="0"/>
+            </a:br>
+            <a:r>
+              <a:rPr lang="en-CA" sz="2400" dirty="0"/>
+              <a:t>height</a:t>
+            </a:r>
+            <a:br>
+              <a:rPr lang="en-CA" sz="2400" dirty="0"/>
+            </a:br>
+            <a:r>
+              <a:rPr lang="en-CA" sz="2400" dirty="0"/>
+              <a:t>center x</a:t>
+            </a:r>
+          </a:p>
+          <a:p>
+            <a:r>
+              <a:rPr lang="en-CA" sz="2400" dirty="0"/>
+              <a:t>speed</a:t>
+            </a:r>
+          </a:p>
+          <a:p>
+            <a:r>
+              <a:rPr lang="en-CA" sz="2400" dirty="0"/>
+              <a:t>spider radius</a:t>
+            </a:r>
+          </a:p>
+          <a:p>
+            <a:endParaRPr lang="en-CA" sz="2400" dirty="0"/>
+          </a:p>
+          <a:p>
+            <a:r>
+              <a:rPr lang="en-CA" sz="2400" dirty="0"/>
+              <a:t>spider image</a:t>
+            </a:r>
+          </a:p>
+          <a:p>
+            <a:r>
+              <a:rPr lang="en-CA" sz="2400" dirty="0"/>
+              <a:t>mts</a:t>
+            </a:r>
+            <a:endParaRPr lang="en-US" sz="2400" dirty="0"/>
+          </a:p>
+        </p:txBody>
+      </p:sp>
+      <p:sp>
+        <p:nvSpPr>
+          <p:cNvPr id="9" name="TextBox 8">
+            <a:extLst>
+              <a:ext uri="{FF2B5EF4-FFF2-40B4-BE49-F238E27FC236}">
+                <a16:creationId xmlns:a16="http://schemas.microsoft.com/office/drawing/2014/main" id="{9B62125E-56DF-3972-1005-ACCE13E69FC5}"/>
+              </a:ext>
+            </a:extLst>
+          </p:cNvPr>
+          <p:cNvSpPr txBox="1"/>
+          <p:nvPr/>
+        </p:nvSpPr>
+        <p:spPr>
+          <a:xfrm>
+            <a:off x="2669569" y="3345207"/>
+            <a:ext cx="1168910" cy="461665"/>
+          </a:xfrm>
+          <a:prstGeom prst="rect">
+            <a:avLst/>
+          </a:prstGeom>
+          <a:noFill/>
+        </p:spPr>
+        <p:txBody>
+          <a:bodyPr wrap="none" rtlCol="0">
+            <a:spAutoFit/>
+          </a:bodyPr>
+          <a:lstStyle/>
+          <a:p>
+            <a:r>
+              <a:rPr lang="en-CA" sz="2400" dirty="0"/>
+              <a:t>spider y</a:t>
+            </a:r>
+            <a:endParaRPr lang="en-US" sz="2400" dirty="0"/>
+          </a:p>
+        </p:txBody>
+      </p:sp>
+      <p:sp>
+        <p:nvSpPr>
+          <p:cNvPr id="10" name="Oval 9">
+            <a:extLst>
+              <a:ext uri="{FF2B5EF4-FFF2-40B4-BE49-F238E27FC236}">
+                <a16:creationId xmlns:a16="http://schemas.microsoft.com/office/drawing/2014/main" id="{B3852AB0-6269-BC94-6255-C9DDE8571DB1}"/>
+              </a:ext>
+            </a:extLst>
+          </p:cNvPr>
+          <p:cNvSpPr/>
+          <p:nvPr/>
+        </p:nvSpPr>
+        <p:spPr>
+          <a:xfrm>
+            <a:off x="2348894" y="565079"/>
+            <a:ext cx="226031" cy="226031"/>
+          </a:xfrm>
+          <a:prstGeom prst="ellipse">
+            <a:avLst/>
+          </a:prstGeom>
         </p:spPr>
         <p:style>
-          <a:lnRef idx="1">
-            <a:schemeClr val="accent1"/>
+          <a:lnRef idx="2">
+            <a:schemeClr val="accent1">
+              <a:shade val="50000"/>
+            </a:schemeClr>
           </a:lnRef>
-          <a:fillRef idx="0">
+          <a:fillRef idx="1">
             <a:schemeClr val="accent1"/>
           </a:fillRef>
           <a:effectRef idx="0">
             <a:schemeClr val="accent1"/>
           </a:effectRef>
           <a:fontRef idx="minor">
-            <a:schemeClr val="tx1"/>
+            <a:schemeClr val="lt1"/>
           </a:fontRef>
         </p:style>
-      </p:cxnSp>
-      <p:cxnSp>
-        <p:nvCxnSpPr>
-          <p:cNvPr id="35" name="Straight Arrow Connector 34">
-            <a:extLst>
-              <a:ext uri="{FF2B5EF4-FFF2-40B4-BE49-F238E27FC236}">
-                <a16:creationId xmlns:a16="http://schemas.microsoft.com/office/drawing/2014/main" id="{E8241F45-A384-68D4-F15F-A6ECB0B44C49}"/>
-              </a:ext>
-            </a:extLst>
-          </p:cNvPr>
-          <p:cNvCxnSpPr>
-            <a:cxnSpLocks/>
-          </p:cNvCxnSpPr>
-          <p:nvPr/>
-        </p:nvCxnSpPr>
-        <p:spPr>
-          <a:xfrm>
-            <a:off x="8919560" y="3542258"/>
-            <a:ext cx="0" cy="1199159"/>
-          </a:xfrm>
-          <a:prstGeom prst="straightConnector1">
-            <a:avLst/>
-          </a:prstGeom>
-          <a:ln w="28575">
-            <a:tailEnd type="triangle"/>
-          </a:ln>
+        <p:txBody>
+          <a:bodyPr rtlCol="0" anchor="ctr"/>
+          <a:lstStyle/>
+          <a:p>
+            <a:pPr algn="ctr"/>
+            <a:endParaRPr lang="en-US"/>
+          </a:p>
+        </p:txBody>
+      </p:sp>
+      <p:sp>
+        <p:nvSpPr>
+          <p:cNvPr id="11" name="Oval 10">
+            <a:extLst>
+              <a:ext uri="{FF2B5EF4-FFF2-40B4-BE49-F238E27FC236}">
+                <a16:creationId xmlns:a16="http://schemas.microsoft.com/office/drawing/2014/main" id="{BBD8CC57-45E0-176F-579B-E2C1AA037855}"/>
+              </a:ext>
+            </a:extLst>
+          </p:cNvPr>
+          <p:cNvSpPr/>
+          <p:nvPr/>
+        </p:nvSpPr>
+        <p:spPr>
+          <a:xfrm>
+            <a:off x="5982984" y="2094216"/>
+            <a:ext cx="226031" cy="226031"/>
+          </a:xfrm>
+          <a:prstGeom prst="ellipse">
+            <a:avLst/>
+          </a:prstGeom>
         </p:spPr>
         <p:style>
-          <a:lnRef idx="1">
-            <a:schemeClr val="accent1"/>
+          <a:lnRef idx="2">
+            <a:schemeClr val="accent1">
+              <a:shade val="50000"/>
+            </a:schemeClr>
           </a:lnRef>
-          <a:fillRef idx="0">
+          <a:fillRef idx="1">
             <a:schemeClr val="accent1"/>
           </a:fillRef>
           <a:effectRef idx="0">
             <a:schemeClr val="accent1"/>
           </a:effectRef>
           <a:fontRef idx="minor">
-            <a:schemeClr val="tx1"/>
+            <a:schemeClr val="lt1"/>
           </a:fontRef>
         </p:style>
-      </p:cxnSp>
-      <p:cxnSp>
-        <p:nvCxnSpPr>
-          <p:cNvPr id="2" name="Straight Arrow Connector 1">
-            <a:extLst>
-              <a:ext uri="{FF2B5EF4-FFF2-40B4-BE49-F238E27FC236}">
-                <a16:creationId xmlns:a16="http://schemas.microsoft.com/office/drawing/2014/main" id="{C44A7474-AE85-C883-B512-5387D43AC8B8}"/>
-              </a:ext>
-            </a:extLst>
-          </p:cNvPr>
-          <p:cNvCxnSpPr>
-            <a:cxnSpLocks/>
-          </p:cNvCxnSpPr>
-          <p:nvPr/>
-        </p:nvCxnSpPr>
-        <p:spPr>
-          <a:xfrm>
-            <a:off x="3094112" y="4306188"/>
-            <a:ext cx="0" cy="1950774"/>
-          </a:xfrm>
-          <a:prstGeom prst="straightConnector1">
-            <a:avLst/>
-          </a:prstGeom>
-          <a:ln w="28575">
-            <a:tailEnd type="triangle"/>
-          </a:ln>
-        </p:spPr>
-        <p:style>
-          <a:lnRef idx="1">
-            <a:schemeClr val="accent1"/>
-          </a:lnRef>
-          <a:fillRef idx="0">
-            <a:schemeClr val="accent1"/>
-          </a:fillRef>
-          <a:effectRef idx="0">
-            <a:schemeClr val="accent1"/>
-          </a:effectRef>
-          <a:fontRef idx="minor">
-            <a:schemeClr val="tx1"/>
-          </a:fontRef>
-        </p:style>
-      </p:cxnSp>
+        <p:txBody>
+          <a:bodyPr rtlCol="0" anchor="ctr"/>
+          <a:lstStyle/>
+          <a:p>
+            <a:pPr algn="ctr"/>
+            <a:endParaRPr lang="en-US"/>
+          </a:p>
+        </p:txBody>
+      </p:sp>
     </p:spTree>
     <p:extLst>
       <p:ext uri="{BB962C8B-B14F-4D97-AF65-F5344CB8AC3E}">
-        <p14:creationId xmlns:p14="http://schemas.microsoft.com/office/powerpoint/2010/main" val="1391469730"/>
+        <p14:creationId xmlns:p14="http://schemas.microsoft.com/office/powerpoint/2010/main" val="2872271045"/>
       </p:ext>
     </p:extLst>
   </p:cSld>
@@ -4637,7 +5890,7 @@
 </p:sld>
 </file>
 
-<file path=ppt/slides/slide4.xml><?xml version="1.0" encoding="utf-8"?>
+<file path=ppt/slides/slide14.xml><?xml version="1.0" encoding="utf-8"?>
 <p:sld xmlns:a="http://schemas.openxmlformats.org/drawingml/2006/main" xmlns:r="http://schemas.openxmlformats.org/officeDocument/2006/relationships" xmlns:p="http://schemas.openxmlformats.org/presentationml/2006/main">
   <p:cSld>
     <p:spTree>
@@ -4656,10 +5909,116 @@
       </p:grpSpPr>
       <p:sp>
         <p:nvSpPr>
-          <p:cNvPr id="4" name="TextBox 3">
-            <a:extLst>
-              <a:ext uri="{FF2B5EF4-FFF2-40B4-BE49-F238E27FC236}">
-                <a16:creationId xmlns:a16="http://schemas.microsoft.com/office/drawing/2014/main" id="{5F2A1285-8787-0D41-9429-7B0A09C9AAE0}"/>
+          <p:cNvPr id="4" name="Rectangle 3">
+            <a:extLst>
+              <a:ext uri="{FF2B5EF4-FFF2-40B4-BE49-F238E27FC236}">
+                <a16:creationId xmlns:a16="http://schemas.microsoft.com/office/drawing/2014/main" id="{C1275F09-7A7D-2571-45CA-1ED8E929A06E}"/>
+              </a:ext>
+            </a:extLst>
+          </p:cNvPr>
+          <p:cNvSpPr/>
+          <p:nvPr/>
+        </p:nvSpPr>
+        <p:spPr>
+          <a:xfrm>
+            <a:off x="1068512" y="359597"/>
+            <a:ext cx="2786796" cy="2095928"/>
+          </a:xfrm>
+          <a:prstGeom prst="rect">
+            <a:avLst/>
+          </a:prstGeom>
+          <a:solidFill>
+            <a:schemeClr val="tx2">
+              <a:lumMod val="20000"/>
+              <a:lumOff val="80000"/>
+              <a:alpha val="29321"/>
+            </a:schemeClr>
+          </a:solidFill>
+        </p:spPr>
+        <p:style>
+          <a:lnRef idx="2">
+            <a:schemeClr val="accent1">
+              <a:shade val="50000"/>
+            </a:schemeClr>
+          </a:lnRef>
+          <a:fillRef idx="1">
+            <a:schemeClr val="accent1"/>
+          </a:fillRef>
+          <a:effectRef idx="0">
+            <a:schemeClr val="accent1"/>
+          </a:effectRef>
+          <a:fontRef idx="minor">
+            <a:schemeClr val="lt1"/>
+          </a:fontRef>
+        </p:style>
+        <p:txBody>
+          <a:bodyPr rtlCol="0" anchor="ctr"/>
+          <a:lstStyle/>
+          <a:p>
+            <a:pPr algn="ctr"/>
+            <a:endParaRPr lang="en-US"/>
+          </a:p>
+        </p:txBody>
+      </p:sp>
+      <p:sp>
+        <p:nvSpPr>
+          <p:cNvPr id="5" name="Rectangle 4">
+            <a:extLst>
+              <a:ext uri="{FF2B5EF4-FFF2-40B4-BE49-F238E27FC236}">
+                <a16:creationId xmlns:a16="http://schemas.microsoft.com/office/drawing/2014/main" id="{CBC6BAB3-9E38-D359-223F-E735977AA9CD}"/>
+              </a:ext>
+            </a:extLst>
+          </p:cNvPr>
+          <p:cNvSpPr/>
+          <p:nvPr/>
+        </p:nvSpPr>
+        <p:spPr>
+          <a:xfrm>
+            <a:off x="4702602" y="359597"/>
+            <a:ext cx="2786796" cy="2095928"/>
+          </a:xfrm>
+          <a:prstGeom prst="rect">
+            <a:avLst/>
+          </a:prstGeom>
+          <a:solidFill>
+            <a:schemeClr val="tx2">
+              <a:lumMod val="20000"/>
+              <a:lumOff val="80000"/>
+              <a:alpha val="29321"/>
+            </a:schemeClr>
+          </a:solidFill>
+        </p:spPr>
+        <p:style>
+          <a:lnRef idx="2">
+            <a:schemeClr val="accent1">
+              <a:shade val="50000"/>
+            </a:schemeClr>
+          </a:lnRef>
+          <a:fillRef idx="1">
+            <a:schemeClr val="accent1"/>
+          </a:fillRef>
+          <a:effectRef idx="0">
+            <a:schemeClr val="accent1"/>
+          </a:effectRef>
+          <a:fontRef idx="minor">
+            <a:schemeClr val="lt1"/>
+          </a:fontRef>
+        </p:style>
+        <p:txBody>
+          <a:bodyPr rtlCol="0" anchor="ctr"/>
+          <a:lstStyle/>
+          <a:p>
+            <a:pPr algn="ctr"/>
+            <a:endParaRPr lang="en-US"/>
+          </a:p>
+        </p:txBody>
+      </p:sp>
+      <p:sp>
+        <p:nvSpPr>
+          <p:cNvPr id="2" name="TextBox 1">
+            <a:extLst>
+              <a:ext uri="{FF2B5EF4-FFF2-40B4-BE49-F238E27FC236}">
+                <a16:creationId xmlns:a16="http://schemas.microsoft.com/office/drawing/2014/main" id="{D56529D1-4160-0FA4-725B-A7E6BC7C5750}"/>
               </a:ext>
             </a:extLst>
           </p:cNvPr>
@@ -4668,8 +6027,8 @@
         </p:nvSpPr>
         <p:spPr>
           <a:xfrm>
-            <a:off x="1186543" y="372808"/>
-            <a:ext cx="9873343" cy="2123658"/>
+            <a:off x="410966" y="2722655"/>
+            <a:ext cx="2137025" cy="461665"/>
           </a:xfrm>
           <a:prstGeom prst="rect">
             <a:avLst/>
@@ -4682,24 +6041,9 @@
           </a:bodyPr>
           <a:lstStyle/>
           <a:p>
-            <a:pPr algn="ctr"/>
-            <a:r>
-              <a:rPr lang="en-US" sz="4400" dirty="0"/>
-              <a:t>Trust the recipes</a:t>
-            </a:r>
-          </a:p>
-          <a:p>
-            <a:pPr algn="ctr"/>
-            <a:r>
-              <a:rPr lang="en-US" sz="4400" dirty="0"/>
-              <a:t>to help you make progress</a:t>
-            </a:r>
-          </a:p>
-          <a:p>
-            <a:pPr algn="ctr"/>
-            <a:r>
-              <a:rPr lang="en-US" sz="4400" dirty="0"/>
-              <a:t>What’s the next step of the recipe?</a:t>
+            <a:r>
+              <a:rPr lang="en-US" sz="2400" u="sng" dirty="0"/>
+              <a:t>Constant</a:t>
             </a:r>
           </a:p>
         </p:txBody>
@@ -4709,7 +6053,7 @@
           <p:cNvPr id="3" name="TextBox 2">
             <a:extLst>
               <a:ext uri="{FF2B5EF4-FFF2-40B4-BE49-F238E27FC236}">
-                <a16:creationId xmlns:a16="http://schemas.microsoft.com/office/drawing/2014/main" id="{836B4E4F-D17B-6A21-1078-889A4373D653}"/>
+                <a16:creationId xmlns:a16="http://schemas.microsoft.com/office/drawing/2014/main" id="{12665B4F-D0ED-8D41-6E1D-DA75A3258900}"/>
               </a:ext>
             </a:extLst>
           </p:cNvPr>
@@ -4718,18 +6062,13 @@
         </p:nvSpPr>
         <p:spPr>
           <a:xfrm>
-            <a:off x="2568539" y="3852812"/>
-            <a:ext cx="1952090" cy="2585323"/>
+            <a:off x="2669569" y="2722654"/>
+            <a:ext cx="2137025" cy="461665"/>
           </a:xfrm>
           <a:prstGeom prst="rect">
             <a:avLst/>
           </a:prstGeom>
           <a:noFill/>
-          <a:ln w="28575">
-            <a:solidFill>
-              <a:schemeClr val="accent1"/>
-            </a:solidFill>
-          </a:ln>
         </p:spPr>
         <p:txBody>
           <a:bodyPr wrap="square" rtlCol="0">
@@ -4738,67 +6077,18 @@
           <a:lstStyle/>
           <a:p>
             <a:r>
-              <a:rPr lang="en-US" dirty="0" err="1"/>
-              <a:t>HtDW</a:t>
-            </a:r>
-            <a:endParaRPr lang="en-US" dirty="0"/>
-          </a:p>
-          <a:p>
-            <a:r>
-              <a:rPr lang="en-US" dirty="0"/>
-              <a:t>1.1</a:t>
-            </a:r>
-          </a:p>
-          <a:p>
-            <a:r>
-              <a:rPr lang="en-US" dirty="0"/>
-              <a:t>1.2</a:t>
-            </a:r>
-          </a:p>
-          <a:p>
-            <a:r>
-              <a:rPr lang="en-US" dirty="0"/>
-              <a:t>1.3</a:t>
-            </a:r>
-          </a:p>
-          <a:p>
-            <a:r>
-              <a:rPr lang="en-US" dirty="0"/>
-              <a:t>1.4</a:t>
-            </a:r>
-          </a:p>
-          <a:p>
-            <a:r>
-              <a:rPr lang="en-US" dirty="0"/>
-              <a:t>2.1</a:t>
-            </a:r>
-          </a:p>
-          <a:p>
-            <a:r>
-              <a:rPr lang="en-US" dirty="0"/>
-              <a:t>2.2</a:t>
-            </a:r>
-          </a:p>
-          <a:p>
-            <a:r>
-              <a:rPr lang="en-US" dirty="0"/>
-              <a:t>2.3</a:t>
-            </a:r>
-          </a:p>
-          <a:p>
-            <a:r>
-              <a:rPr lang="en-US" dirty="0"/>
-              <a:t>2.4</a:t>
-            </a:r>
-          </a:p>
-        </p:txBody>
-      </p:sp>
-      <p:sp>
-        <p:nvSpPr>
-          <p:cNvPr id="5" name="TextBox 4">
-            <a:extLst>
-              <a:ext uri="{FF2B5EF4-FFF2-40B4-BE49-F238E27FC236}">
-                <a16:creationId xmlns:a16="http://schemas.microsoft.com/office/drawing/2014/main" id="{24C4E01F-ACD0-C0CF-64FB-0D00BCCA963D}"/>
+              <a:rPr lang="en-US" sz="2400" u="sng" dirty="0"/>
+              <a:t>Changing</a:t>
+            </a:r>
+          </a:p>
+        </p:txBody>
+      </p:sp>
+      <p:sp>
+        <p:nvSpPr>
+          <p:cNvPr id="7" name="TextBox 6">
+            <a:extLst>
+              <a:ext uri="{FF2B5EF4-FFF2-40B4-BE49-F238E27FC236}">
+                <a16:creationId xmlns:a16="http://schemas.microsoft.com/office/drawing/2014/main" id="{F18649D4-0D25-EE27-CC7E-1DFB5F35F91D}"/>
               </a:ext>
             </a:extLst>
           </p:cNvPr>
@@ -4807,18 +6097,13 @@
         </p:nvSpPr>
         <p:spPr>
           <a:xfrm>
-            <a:off x="5474413" y="2619407"/>
-            <a:ext cx="1952090" cy="1754326"/>
+            <a:off x="5248383" y="2722653"/>
+            <a:ext cx="2137025" cy="461665"/>
           </a:xfrm>
           <a:prstGeom prst="rect">
             <a:avLst/>
           </a:prstGeom>
           <a:noFill/>
-          <a:ln w="28575">
-            <a:solidFill>
-              <a:schemeClr val="accent1"/>
-            </a:solidFill>
-          </a:ln>
         </p:spPr>
         <p:txBody>
           <a:bodyPr wrap="square" rtlCol="0">
@@ -4827,49 +6112,18 @@
           <a:lstStyle/>
           <a:p>
             <a:r>
-              <a:rPr lang="en-US" dirty="0" err="1"/>
-              <a:t>HtDD</a:t>
-            </a:r>
-            <a:endParaRPr lang="en-US" dirty="0"/>
-          </a:p>
-          <a:p>
-            <a:r>
-              <a:rPr lang="en-US" dirty="0"/>
-              <a:t>1</a:t>
-            </a:r>
-          </a:p>
-          <a:p>
-            <a:r>
-              <a:rPr lang="en-US" dirty="0"/>
-              <a:t>2</a:t>
-            </a:r>
-          </a:p>
-          <a:p>
-            <a:r>
-              <a:rPr lang="en-US" dirty="0"/>
-              <a:t>3</a:t>
-            </a:r>
-          </a:p>
-          <a:p>
-            <a:r>
-              <a:rPr lang="en-US" dirty="0"/>
-              <a:t>4</a:t>
-            </a:r>
-          </a:p>
-          <a:p>
-            <a:r>
-              <a:rPr lang="en-US" dirty="0"/>
-              <a:t>5</a:t>
-            </a:r>
-          </a:p>
-        </p:txBody>
-      </p:sp>
-      <p:sp>
-        <p:nvSpPr>
-          <p:cNvPr id="6" name="TextBox 5">
-            <a:extLst>
-              <a:ext uri="{FF2B5EF4-FFF2-40B4-BE49-F238E27FC236}">
-                <a16:creationId xmlns:a16="http://schemas.microsoft.com/office/drawing/2014/main" id="{0A747391-B655-7274-6D8C-CC97DD366C64}"/>
+              <a:rPr lang="en-US" sz="2400" u="sng" dirty="0"/>
+              <a:t>BB options</a:t>
+            </a:r>
+          </a:p>
+        </p:txBody>
+      </p:sp>
+      <p:sp>
+        <p:nvSpPr>
+          <p:cNvPr id="8" name="TextBox 7">
+            <a:extLst>
+              <a:ext uri="{FF2B5EF4-FFF2-40B4-BE49-F238E27FC236}">
+                <a16:creationId xmlns:a16="http://schemas.microsoft.com/office/drawing/2014/main" id="{741CC791-41D6-2E02-B412-E876AE4A54A2}"/>
               </a:ext>
             </a:extLst>
           </p:cNvPr>
@@ -4878,88 +6132,275 @@
         </p:nvSpPr>
         <p:spPr>
           <a:xfrm>
-            <a:off x="8608643" y="3151442"/>
-            <a:ext cx="1952090" cy="1754326"/>
+            <a:off x="5248383" y="3345207"/>
+            <a:ext cx="1446230" cy="1569660"/>
           </a:xfrm>
           <a:prstGeom prst="rect">
             <a:avLst/>
           </a:prstGeom>
           <a:noFill/>
-          <a:ln w="28575">
-            <a:solidFill>
-              <a:schemeClr val="accent1"/>
-            </a:solidFill>
-          </a:ln>
-        </p:spPr>
-        <p:txBody>
-          <a:bodyPr wrap="square" rtlCol="0">
+        </p:spPr>
+        <p:txBody>
+          <a:bodyPr wrap="none" rtlCol="0">
             <a:spAutoFit/>
           </a:bodyPr>
           <a:lstStyle/>
           <a:p>
             <a:r>
-              <a:rPr lang="en-US" dirty="0" err="1"/>
-              <a:t>HtDF</a:t>
-            </a:r>
-            <a:endParaRPr lang="en-US" dirty="0"/>
-          </a:p>
-          <a:p>
-            <a:r>
-              <a:rPr lang="en-US" dirty="0"/>
-              <a:t>1</a:t>
-            </a:r>
-          </a:p>
-          <a:p>
-            <a:r>
-              <a:rPr lang="en-US" dirty="0"/>
-              <a:t>2</a:t>
-            </a:r>
-          </a:p>
-          <a:p>
-            <a:r>
-              <a:rPr lang="en-US" dirty="0"/>
-              <a:t>3</a:t>
-            </a:r>
-          </a:p>
-          <a:p>
-            <a:r>
-              <a:rPr lang="en-US" dirty="0"/>
-              <a:t>4</a:t>
-            </a:r>
-          </a:p>
-          <a:p>
-            <a:r>
-              <a:rPr lang="en-US" dirty="0"/>
-              <a:t>5</a:t>
-            </a:r>
+              <a:rPr lang="en-CA" sz="2400" dirty="0"/>
+              <a:t>on-tick</a:t>
+            </a:r>
+            <a:br>
+              <a:rPr lang="en-CA" sz="2400" dirty="0"/>
+            </a:br>
+            <a:r>
+              <a:rPr lang="en-CA" sz="2400" dirty="0"/>
+              <a:t>to-draw</a:t>
+            </a:r>
+            <a:br>
+              <a:rPr lang="en-CA" sz="2400" dirty="0"/>
+            </a:br>
+            <a:r>
+              <a:rPr lang="en-CA" sz="2400" strike="sngStrike" dirty="0"/>
+              <a:t>on-key</a:t>
+            </a:r>
+            <a:br>
+              <a:rPr lang="en-CA" sz="2400" strike="sngStrike" dirty="0"/>
+            </a:br>
+            <a:r>
+              <a:rPr lang="en-CA" sz="2400" strike="sngStrike" dirty="0"/>
+              <a:t>on-mouse</a:t>
+            </a:r>
+            <a:endParaRPr lang="en-US" sz="2400" strike="sngStrike" dirty="0"/>
+          </a:p>
+        </p:txBody>
+      </p:sp>
+      <p:sp>
+        <p:nvSpPr>
+          <p:cNvPr id="6" name="TextBox 5">
+            <a:extLst>
+              <a:ext uri="{FF2B5EF4-FFF2-40B4-BE49-F238E27FC236}">
+                <a16:creationId xmlns:a16="http://schemas.microsoft.com/office/drawing/2014/main" id="{9CC79341-DE9F-191C-A634-F3CD9A1DB239}"/>
+              </a:ext>
+            </a:extLst>
+          </p:cNvPr>
+          <p:cNvSpPr txBox="1"/>
+          <p:nvPr/>
+        </p:nvSpPr>
+        <p:spPr>
+          <a:xfrm>
+            <a:off x="410966" y="3345207"/>
+            <a:ext cx="1792607" cy="3686856"/>
+          </a:xfrm>
+          <a:prstGeom prst="rect">
+            <a:avLst/>
+          </a:prstGeom>
+          <a:noFill/>
+        </p:spPr>
+        <p:txBody>
+          <a:bodyPr wrap="none" rtlCol="0">
+            <a:spAutoFit/>
+          </a:bodyPr>
+          <a:lstStyle/>
+          <a:p>
+            <a:r>
+              <a:rPr lang="en-CA" sz="2400" dirty="0"/>
+              <a:t>width</a:t>
+            </a:r>
+            <a:br>
+              <a:rPr lang="en-CA" sz="2400" dirty="0"/>
+            </a:br>
+            <a:r>
+              <a:rPr lang="en-CA" sz="2400" dirty="0"/>
+              <a:t>height</a:t>
+            </a:r>
+            <a:br>
+              <a:rPr lang="en-CA" sz="2400" dirty="0"/>
+            </a:br>
+            <a:r>
+              <a:rPr lang="en-CA" sz="2400" dirty="0"/>
+              <a:t>center x</a:t>
+            </a:r>
+          </a:p>
+          <a:p>
+            <a:r>
+              <a:rPr lang="en-CA" sz="2400" dirty="0"/>
+              <a:t>speed</a:t>
+            </a:r>
+          </a:p>
+          <a:p>
+            <a:r>
+              <a:rPr lang="en-CA" sz="2400" dirty="0"/>
+              <a:t>spider radius</a:t>
+            </a:r>
+          </a:p>
+          <a:p>
+            <a:endParaRPr lang="en-CA" sz="2400" dirty="0"/>
+          </a:p>
+          <a:p>
+            <a:r>
+              <a:rPr lang="en-CA" sz="2400" dirty="0"/>
+              <a:t>spider image</a:t>
+            </a:r>
+          </a:p>
+          <a:p>
+            <a:r>
+              <a:rPr lang="en-CA" sz="2400" dirty="0"/>
+              <a:t>mts</a:t>
+            </a:r>
+            <a:endParaRPr lang="en-US" sz="2400" dirty="0"/>
+          </a:p>
+        </p:txBody>
+      </p:sp>
+      <p:sp>
+        <p:nvSpPr>
+          <p:cNvPr id="9" name="TextBox 8">
+            <a:extLst>
+              <a:ext uri="{FF2B5EF4-FFF2-40B4-BE49-F238E27FC236}">
+                <a16:creationId xmlns:a16="http://schemas.microsoft.com/office/drawing/2014/main" id="{9B62125E-56DF-3972-1005-ACCE13E69FC5}"/>
+              </a:ext>
+            </a:extLst>
+          </p:cNvPr>
+          <p:cNvSpPr txBox="1"/>
+          <p:nvPr/>
+        </p:nvSpPr>
+        <p:spPr>
+          <a:xfrm>
+            <a:off x="2669569" y="3345207"/>
+            <a:ext cx="1168910" cy="461665"/>
+          </a:xfrm>
+          <a:prstGeom prst="rect">
+            <a:avLst/>
+          </a:prstGeom>
+          <a:noFill/>
+        </p:spPr>
+        <p:txBody>
+          <a:bodyPr wrap="none" rtlCol="0">
+            <a:spAutoFit/>
+          </a:bodyPr>
+          <a:lstStyle/>
+          <a:p>
+            <a:r>
+              <a:rPr lang="en-CA" sz="2400" dirty="0"/>
+              <a:t>spider y</a:t>
+            </a:r>
+            <a:endParaRPr lang="en-US" sz="2400" dirty="0"/>
+          </a:p>
+        </p:txBody>
+      </p:sp>
+      <p:sp>
+        <p:nvSpPr>
+          <p:cNvPr id="10" name="Oval 9">
+            <a:extLst>
+              <a:ext uri="{FF2B5EF4-FFF2-40B4-BE49-F238E27FC236}">
+                <a16:creationId xmlns:a16="http://schemas.microsoft.com/office/drawing/2014/main" id="{B3852AB0-6269-BC94-6255-C9DDE8571DB1}"/>
+              </a:ext>
+            </a:extLst>
+          </p:cNvPr>
+          <p:cNvSpPr/>
+          <p:nvPr/>
+        </p:nvSpPr>
+        <p:spPr>
+          <a:xfrm>
+            <a:off x="2348894" y="565079"/>
+            <a:ext cx="226031" cy="226031"/>
+          </a:xfrm>
+          <a:prstGeom prst="ellipse">
+            <a:avLst/>
+          </a:prstGeom>
+        </p:spPr>
+        <p:style>
+          <a:lnRef idx="2">
+            <a:schemeClr val="accent1">
+              <a:shade val="50000"/>
+            </a:schemeClr>
+          </a:lnRef>
+          <a:fillRef idx="1">
+            <a:schemeClr val="accent1"/>
+          </a:fillRef>
+          <a:effectRef idx="0">
+            <a:schemeClr val="accent1"/>
+          </a:effectRef>
+          <a:fontRef idx="minor">
+            <a:schemeClr val="lt1"/>
+          </a:fontRef>
+        </p:style>
+        <p:txBody>
+          <a:bodyPr rtlCol="0" anchor="ctr"/>
+          <a:lstStyle/>
+          <a:p>
+            <a:pPr algn="ctr"/>
+            <a:endParaRPr lang="en-US"/>
+          </a:p>
+        </p:txBody>
+      </p:sp>
+      <p:sp>
+        <p:nvSpPr>
+          <p:cNvPr id="11" name="Oval 10">
+            <a:extLst>
+              <a:ext uri="{FF2B5EF4-FFF2-40B4-BE49-F238E27FC236}">
+                <a16:creationId xmlns:a16="http://schemas.microsoft.com/office/drawing/2014/main" id="{BBD8CC57-45E0-176F-579B-E2C1AA037855}"/>
+              </a:ext>
+            </a:extLst>
+          </p:cNvPr>
+          <p:cNvSpPr/>
+          <p:nvPr/>
+        </p:nvSpPr>
+        <p:spPr>
+          <a:xfrm>
+            <a:off x="5982984" y="2094216"/>
+            <a:ext cx="226031" cy="226031"/>
+          </a:xfrm>
+          <a:prstGeom prst="ellipse">
+            <a:avLst/>
+          </a:prstGeom>
+        </p:spPr>
+        <p:style>
+          <a:lnRef idx="2">
+            <a:schemeClr val="accent1">
+              <a:shade val="50000"/>
+            </a:schemeClr>
+          </a:lnRef>
+          <a:fillRef idx="1">
+            <a:schemeClr val="accent1"/>
+          </a:fillRef>
+          <a:effectRef idx="0">
+            <a:schemeClr val="accent1"/>
+          </a:effectRef>
+          <a:fontRef idx="minor">
+            <a:schemeClr val="lt1"/>
+          </a:fontRef>
+        </p:style>
+        <p:txBody>
+          <a:bodyPr rtlCol="0" anchor="ctr"/>
+          <a:lstStyle/>
+          <a:p>
+            <a:pPr algn="ctr"/>
+            <a:endParaRPr lang="en-US"/>
           </a:p>
         </p:txBody>
       </p:sp>
       <p:cxnSp>
         <p:nvCxnSpPr>
-          <p:cNvPr id="8" name="Straight Arrow Connector 7">
-            <a:extLst>
-              <a:ext uri="{FF2B5EF4-FFF2-40B4-BE49-F238E27FC236}">
-                <a16:creationId xmlns:a16="http://schemas.microsoft.com/office/drawing/2014/main" id="{E431FEC9-8AE0-73D1-6A78-1EA53F675F53}"/>
-              </a:ext>
-            </a:extLst>
-          </p:cNvPr>
-          <p:cNvCxnSpPr>
-            <a:cxnSpLocks/>
-          </p:cNvCxnSpPr>
+          <p:cNvPr id="14" name="Straight Connector 13">
+            <a:extLst>
+              <a:ext uri="{FF2B5EF4-FFF2-40B4-BE49-F238E27FC236}">
+                <a16:creationId xmlns:a16="http://schemas.microsoft.com/office/drawing/2014/main" id="{97EEB4AD-2438-3EA6-80B7-9D69FDB82829}"/>
+              </a:ext>
+            </a:extLst>
+          </p:cNvPr>
+          <p:cNvCxnSpPr/>
           <p:nvPr/>
         </p:nvCxnSpPr>
         <p:spPr>
           <a:xfrm>
-            <a:off x="3118085" y="4297149"/>
-            <a:ext cx="0" cy="1415282"/>
-          </a:xfrm>
-          <a:prstGeom prst="straightConnector1">
-            <a:avLst/>
-          </a:prstGeom>
-          <a:ln w="28575">
-            <a:tailEnd type="triangle"/>
-          </a:ln>
+            <a:off x="8496728" y="1304818"/>
+            <a:ext cx="3154166" cy="0"/>
+          </a:xfrm>
+          <a:prstGeom prst="line">
+            <a:avLst/>
+          </a:prstGeom>
+          <a:ln w="28575"/>
         </p:spPr>
         <p:style>
           <a:lnRef idx="1">
@@ -4976,30 +6417,76 @@
           </a:fontRef>
         </p:style>
       </p:cxnSp>
+      <p:sp>
+        <p:nvSpPr>
+          <p:cNvPr id="15" name="Oval 14">
+            <a:extLst>
+              <a:ext uri="{FF2B5EF4-FFF2-40B4-BE49-F238E27FC236}">
+                <a16:creationId xmlns:a16="http://schemas.microsoft.com/office/drawing/2014/main" id="{3234DBC7-D497-C4C2-D291-C977ABD70A91}"/>
+              </a:ext>
+            </a:extLst>
+          </p:cNvPr>
+          <p:cNvSpPr/>
+          <p:nvPr/>
+        </p:nvSpPr>
+        <p:spPr>
+          <a:xfrm>
+            <a:off x="10091789" y="1308244"/>
+            <a:ext cx="1032553" cy="1032553"/>
+          </a:xfrm>
+          <a:prstGeom prst="ellipse">
+            <a:avLst/>
+          </a:prstGeom>
+          <a:noFill/>
+          <a:ln w="28575"/>
+        </p:spPr>
+        <p:style>
+          <a:lnRef idx="2">
+            <a:schemeClr val="accent1">
+              <a:shade val="50000"/>
+            </a:schemeClr>
+          </a:lnRef>
+          <a:fillRef idx="1">
+            <a:schemeClr val="accent1"/>
+          </a:fillRef>
+          <a:effectRef idx="0">
+            <a:schemeClr val="accent1"/>
+          </a:effectRef>
+          <a:fontRef idx="minor">
+            <a:schemeClr val="lt1"/>
+          </a:fontRef>
+        </p:style>
+        <p:txBody>
+          <a:bodyPr rtlCol="0" anchor="ctr"/>
+          <a:lstStyle/>
+          <a:p>
+            <a:pPr algn="ctr"/>
+            <a:endParaRPr lang="en-US"/>
+          </a:p>
+        </p:txBody>
+      </p:sp>
       <p:cxnSp>
         <p:nvCxnSpPr>
-          <p:cNvPr id="11" name="Straight Arrow Connector 10">
-            <a:extLst>
-              <a:ext uri="{FF2B5EF4-FFF2-40B4-BE49-F238E27FC236}">
-                <a16:creationId xmlns:a16="http://schemas.microsoft.com/office/drawing/2014/main" id="{F2448EB6-6E0A-F866-A917-C67133D53389}"/>
-              </a:ext>
-            </a:extLst>
-          </p:cNvPr>
-          <p:cNvCxnSpPr>
-            <a:cxnSpLocks/>
-          </p:cNvCxnSpPr>
+          <p:cNvPr id="16" name="Straight Connector 15">
+            <a:extLst>
+              <a:ext uri="{FF2B5EF4-FFF2-40B4-BE49-F238E27FC236}">
+                <a16:creationId xmlns:a16="http://schemas.microsoft.com/office/drawing/2014/main" id="{1EA5BDC5-7315-E4A2-99BD-6B27B599E702}"/>
+              </a:ext>
+            </a:extLst>
+          </p:cNvPr>
+          <p:cNvCxnSpPr/>
           <p:nvPr/>
         </p:nvCxnSpPr>
         <p:spPr>
-          <a:xfrm flipV="1">
-            <a:off x="3215811" y="3127523"/>
-            <a:ext cx="2469100" cy="2512989"/>
-          </a:xfrm>
-          <a:prstGeom prst="straightConnector1">
+          <a:xfrm>
+            <a:off x="8496728" y="1833082"/>
+            <a:ext cx="3154166" cy="0"/>
+          </a:xfrm>
+          <a:prstGeom prst="line">
             <a:avLst/>
           </a:prstGeom>
           <a:ln w="28575">
-            <a:tailEnd type="triangle"/>
+            <a:prstDash val="dash"/>
           </a:ln>
         </p:spPr>
         <p:style>
@@ -5017,31 +6504,62 @@
           </a:fontRef>
         </p:style>
       </p:cxnSp>
+      <p:sp>
+        <p:nvSpPr>
+          <p:cNvPr id="17" name="TextBox 16">
+            <a:extLst>
+              <a:ext uri="{FF2B5EF4-FFF2-40B4-BE49-F238E27FC236}">
+                <a16:creationId xmlns:a16="http://schemas.microsoft.com/office/drawing/2014/main" id="{8ECF375C-6E29-F8CC-3FB6-5506F60AB1C4}"/>
+              </a:ext>
+            </a:extLst>
+          </p:cNvPr>
+          <p:cNvSpPr txBox="1"/>
+          <p:nvPr/>
+        </p:nvSpPr>
+        <p:spPr>
+          <a:xfrm>
+            <a:off x="8160519" y="1862192"/>
+            <a:ext cx="1095236" cy="369332"/>
+          </a:xfrm>
+          <a:prstGeom prst="rect">
+            <a:avLst/>
+          </a:prstGeom>
+          <a:noFill/>
+        </p:spPr>
+        <p:txBody>
+          <a:bodyPr wrap="none" rtlCol="0">
+            <a:spAutoFit/>
+          </a:bodyPr>
+          <a:lstStyle/>
+          <a:p>
+            <a:r>
+              <a:rPr lang="en-US" dirty="0"/>
+              <a:t>0 + radius</a:t>
+            </a:r>
+          </a:p>
+        </p:txBody>
+      </p:sp>
       <p:cxnSp>
         <p:nvCxnSpPr>
-          <p:cNvPr id="16" name="Straight Arrow Connector 15">
-            <a:extLst>
-              <a:ext uri="{FF2B5EF4-FFF2-40B4-BE49-F238E27FC236}">
-                <a16:creationId xmlns:a16="http://schemas.microsoft.com/office/drawing/2014/main" id="{802CD2AC-FB3D-E0DE-AB4C-03308A2DFA07}"/>
-              </a:ext>
-            </a:extLst>
-          </p:cNvPr>
-          <p:cNvCxnSpPr>
-            <a:cxnSpLocks/>
-          </p:cNvCxnSpPr>
+          <p:cNvPr id="18" name="Straight Connector 17">
+            <a:extLst>
+              <a:ext uri="{FF2B5EF4-FFF2-40B4-BE49-F238E27FC236}">
+                <a16:creationId xmlns:a16="http://schemas.microsoft.com/office/drawing/2014/main" id="{A07A9568-46EE-1DD1-3984-60D1C38A82C5}"/>
+              </a:ext>
+            </a:extLst>
+          </p:cNvPr>
+          <p:cNvCxnSpPr/>
           <p:nvPr/>
         </p:nvCxnSpPr>
         <p:spPr>
-          <a:xfrm>
-            <a:off x="5818476" y="3065894"/>
-            <a:ext cx="0" cy="1199159"/>
-          </a:xfrm>
-          <a:prstGeom prst="straightConnector1">
-            <a:avLst/>
-          </a:prstGeom>
-          <a:ln w="28575">
-            <a:tailEnd type="triangle"/>
-          </a:ln>
+          <a:xfrm flipV="1">
+            <a:off x="8496728" y="5142753"/>
+            <a:ext cx="3154166" cy="0"/>
+          </a:xfrm>
+          <a:prstGeom prst="line">
+            <a:avLst/>
+          </a:prstGeom>
+          <a:ln w="28575"/>
         </p:spPr>
         <p:style>
           <a:lnRef idx="1">
@@ -5058,30 +6576,76 @@
           </a:fontRef>
         </p:style>
       </p:cxnSp>
+      <p:sp>
+        <p:nvSpPr>
+          <p:cNvPr id="19" name="Oval 18">
+            <a:extLst>
+              <a:ext uri="{FF2B5EF4-FFF2-40B4-BE49-F238E27FC236}">
+                <a16:creationId xmlns:a16="http://schemas.microsoft.com/office/drawing/2014/main" id="{71A78C9A-17C0-C996-FF0D-34FD8A1EB4D4}"/>
+              </a:ext>
+            </a:extLst>
+          </p:cNvPr>
+          <p:cNvSpPr/>
+          <p:nvPr/>
+        </p:nvSpPr>
+        <p:spPr>
+          <a:xfrm flipV="1">
+            <a:off x="10091789" y="4106774"/>
+            <a:ext cx="1032553" cy="1032553"/>
+          </a:xfrm>
+          <a:prstGeom prst="ellipse">
+            <a:avLst/>
+          </a:prstGeom>
+          <a:noFill/>
+          <a:ln w="28575"/>
+        </p:spPr>
+        <p:style>
+          <a:lnRef idx="2">
+            <a:schemeClr val="accent1">
+              <a:shade val="50000"/>
+            </a:schemeClr>
+          </a:lnRef>
+          <a:fillRef idx="1">
+            <a:schemeClr val="accent1"/>
+          </a:fillRef>
+          <a:effectRef idx="0">
+            <a:schemeClr val="accent1"/>
+          </a:effectRef>
+          <a:fontRef idx="minor">
+            <a:schemeClr val="lt1"/>
+          </a:fontRef>
+        </p:style>
+        <p:txBody>
+          <a:bodyPr rtlCol="0" anchor="ctr"/>
+          <a:lstStyle/>
+          <a:p>
+            <a:pPr algn="ctr"/>
+            <a:endParaRPr lang="en-US"/>
+          </a:p>
+        </p:txBody>
+      </p:sp>
       <p:cxnSp>
         <p:nvCxnSpPr>
-          <p:cNvPr id="18" name="Straight Arrow Connector 17">
-            <a:extLst>
-              <a:ext uri="{FF2B5EF4-FFF2-40B4-BE49-F238E27FC236}">
-                <a16:creationId xmlns:a16="http://schemas.microsoft.com/office/drawing/2014/main" id="{2044FC2B-330C-7B9A-D4FA-519BB45A1F48}"/>
-              </a:ext>
-            </a:extLst>
-          </p:cNvPr>
-          <p:cNvCxnSpPr>
-            <a:cxnSpLocks/>
-          </p:cNvCxnSpPr>
+          <p:cNvPr id="20" name="Straight Connector 19">
+            <a:extLst>
+              <a:ext uri="{FF2B5EF4-FFF2-40B4-BE49-F238E27FC236}">
+                <a16:creationId xmlns:a16="http://schemas.microsoft.com/office/drawing/2014/main" id="{152DC5A3-7436-95A0-312C-608E298AFE6E}"/>
+              </a:ext>
+            </a:extLst>
+          </p:cNvPr>
+          <p:cNvCxnSpPr/>
           <p:nvPr/>
         </p:nvCxnSpPr>
         <p:spPr>
-          <a:xfrm flipH="1">
-            <a:off x="3118085" y="4265053"/>
-            <a:ext cx="2566826" cy="1527859"/>
-          </a:xfrm>
-          <a:prstGeom prst="straightConnector1">
+          <a:xfrm flipV="1">
+            <a:off x="8496728" y="4623050"/>
+            <a:ext cx="3154166" cy="0"/>
+          </a:xfrm>
+          <a:prstGeom prst="line">
             <a:avLst/>
           </a:prstGeom>
           <a:ln w="28575">
-            <a:tailEnd type="triangle"/>
+            <a:prstDash val="dash"/>
           </a:ln>
         </p:spPr>
         <p:style>
@@ -5099,133 +6663,115 @@
           </a:fontRef>
         </p:style>
       </p:cxnSp>
-      <p:cxnSp>
-        <p:nvCxnSpPr>
-          <p:cNvPr id="28" name="Straight Arrow Connector 27">
-            <a:extLst>
-              <a:ext uri="{FF2B5EF4-FFF2-40B4-BE49-F238E27FC236}">
-                <a16:creationId xmlns:a16="http://schemas.microsoft.com/office/drawing/2014/main" id="{186F20F6-FEB1-3AA0-F6D7-926D9522D6C6}"/>
-              </a:ext>
-            </a:extLst>
-          </p:cNvPr>
-          <p:cNvCxnSpPr>
-            <a:cxnSpLocks/>
-          </p:cNvCxnSpPr>
-          <p:nvPr/>
-        </p:nvCxnSpPr>
-        <p:spPr>
-          <a:xfrm flipV="1">
-            <a:off x="3118084" y="3665473"/>
-            <a:ext cx="5490559" cy="2340817"/>
-          </a:xfrm>
-          <a:prstGeom prst="straightConnector1">
-            <a:avLst/>
-          </a:prstGeom>
-          <a:ln w="28575">
-            <a:tailEnd type="triangle"/>
-          </a:ln>
-        </p:spPr>
-        <p:style>
-          <a:lnRef idx="1">
-            <a:schemeClr val="accent1"/>
-          </a:lnRef>
-          <a:fillRef idx="0">
-            <a:schemeClr val="accent1"/>
-          </a:fillRef>
-          <a:effectRef idx="0">
-            <a:schemeClr val="accent1"/>
-          </a:effectRef>
-          <a:fontRef idx="minor">
-            <a:schemeClr val="tx1"/>
-          </a:fontRef>
-        </p:style>
-      </p:cxnSp>
-      <p:cxnSp>
-        <p:nvCxnSpPr>
-          <p:cNvPr id="33" name="Straight Arrow Connector 32">
-            <a:extLst>
-              <a:ext uri="{FF2B5EF4-FFF2-40B4-BE49-F238E27FC236}">
-                <a16:creationId xmlns:a16="http://schemas.microsoft.com/office/drawing/2014/main" id="{9C3748E2-FD56-7894-928F-11E013EEF3A8}"/>
-              </a:ext>
-            </a:extLst>
-          </p:cNvPr>
-          <p:cNvCxnSpPr>
-            <a:cxnSpLocks/>
-          </p:cNvCxnSpPr>
-          <p:nvPr/>
-        </p:nvCxnSpPr>
-        <p:spPr>
-          <a:xfrm flipH="1">
-            <a:off x="3118083" y="4741417"/>
-            <a:ext cx="5591833" cy="1333358"/>
-          </a:xfrm>
-          <a:prstGeom prst="straightConnector1">
-            <a:avLst/>
-          </a:prstGeom>
-          <a:ln w="28575">
-            <a:tailEnd type="triangle"/>
-          </a:ln>
-        </p:spPr>
-        <p:style>
-          <a:lnRef idx="1">
-            <a:schemeClr val="accent1"/>
-          </a:lnRef>
-          <a:fillRef idx="0">
-            <a:schemeClr val="accent1"/>
-          </a:fillRef>
-          <a:effectRef idx="0">
-            <a:schemeClr val="accent1"/>
-          </a:effectRef>
-          <a:fontRef idx="minor">
-            <a:schemeClr val="tx1"/>
-          </a:fontRef>
-        </p:style>
-      </p:cxnSp>
-      <p:cxnSp>
-        <p:nvCxnSpPr>
-          <p:cNvPr id="35" name="Straight Arrow Connector 34">
-            <a:extLst>
-              <a:ext uri="{FF2B5EF4-FFF2-40B4-BE49-F238E27FC236}">
-                <a16:creationId xmlns:a16="http://schemas.microsoft.com/office/drawing/2014/main" id="{E8241F45-A384-68D4-F15F-A6ECB0B44C49}"/>
-              </a:ext>
-            </a:extLst>
-          </p:cNvPr>
-          <p:cNvCxnSpPr>
-            <a:cxnSpLocks/>
-          </p:cNvCxnSpPr>
-          <p:nvPr/>
-        </p:nvCxnSpPr>
-        <p:spPr>
-          <a:xfrm>
-            <a:off x="8919560" y="3542258"/>
-            <a:ext cx="0" cy="1199159"/>
-          </a:xfrm>
-          <a:prstGeom prst="straightConnector1">
-            <a:avLst/>
-          </a:prstGeom>
-          <a:ln w="28575">
-            <a:tailEnd type="triangle"/>
-          </a:ln>
-        </p:spPr>
-        <p:style>
-          <a:lnRef idx="1">
-            <a:schemeClr val="accent1"/>
-          </a:lnRef>
-          <a:fillRef idx="0">
-            <a:schemeClr val="accent1"/>
-          </a:fillRef>
-          <a:effectRef idx="0">
-            <a:schemeClr val="accent1"/>
-          </a:effectRef>
-          <a:fontRef idx="minor">
-            <a:schemeClr val="tx1"/>
-          </a:fontRef>
-        </p:style>
-      </p:cxnSp>
+      <p:sp>
+        <p:nvSpPr>
+          <p:cNvPr id="23" name="TextBox 22">
+            <a:extLst>
+              <a:ext uri="{FF2B5EF4-FFF2-40B4-BE49-F238E27FC236}">
+                <a16:creationId xmlns:a16="http://schemas.microsoft.com/office/drawing/2014/main" id="{14AC4742-4F97-E4ED-E379-0F9C4132F55B}"/>
+              </a:ext>
+            </a:extLst>
+          </p:cNvPr>
+          <p:cNvSpPr txBox="1"/>
+          <p:nvPr/>
+        </p:nvSpPr>
+        <p:spPr>
+          <a:xfrm>
+            <a:off x="8154077" y="5128038"/>
+            <a:ext cx="1073820" cy="369332"/>
+          </a:xfrm>
+          <a:prstGeom prst="rect">
+            <a:avLst/>
+          </a:prstGeom>
+          <a:noFill/>
+        </p:spPr>
+        <p:txBody>
+          <a:bodyPr wrap="none" rtlCol="0">
+            <a:spAutoFit/>
+          </a:bodyPr>
+          <a:lstStyle/>
+          <a:p>
+            <a:r>
+              <a:rPr lang="en-US" dirty="0"/>
+              <a:t>height - 1</a:t>
+            </a:r>
+          </a:p>
+        </p:txBody>
+      </p:sp>
+      <p:sp>
+        <p:nvSpPr>
+          <p:cNvPr id="24" name="TextBox 23">
+            <a:extLst>
+              <a:ext uri="{FF2B5EF4-FFF2-40B4-BE49-F238E27FC236}">
+                <a16:creationId xmlns:a16="http://schemas.microsoft.com/office/drawing/2014/main" id="{5542ADBC-45AE-150D-40B6-75867255DBFD}"/>
+              </a:ext>
+            </a:extLst>
+          </p:cNvPr>
+          <p:cNvSpPr txBox="1"/>
+          <p:nvPr/>
+        </p:nvSpPr>
+        <p:spPr>
+          <a:xfrm>
+            <a:off x="8143369" y="1293800"/>
+            <a:ext cx="301686" cy="369332"/>
+          </a:xfrm>
+          <a:prstGeom prst="rect">
+            <a:avLst/>
+          </a:prstGeom>
+          <a:noFill/>
+        </p:spPr>
+        <p:txBody>
+          <a:bodyPr wrap="none" rtlCol="0">
+            <a:spAutoFit/>
+          </a:bodyPr>
+          <a:lstStyle/>
+          <a:p>
+            <a:r>
+              <a:rPr lang="en-US" dirty="0"/>
+              <a:t>0</a:t>
+            </a:r>
+          </a:p>
+        </p:txBody>
+      </p:sp>
+      <p:sp>
+        <p:nvSpPr>
+          <p:cNvPr id="25" name="TextBox 24">
+            <a:extLst>
+              <a:ext uri="{FF2B5EF4-FFF2-40B4-BE49-F238E27FC236}">
+                <a16:creationId xmlns:a16="http://schemas.microsoft.com/office/drawing/2014/main" id="{372BF2A9-EEFD-60DC-3343-1ECF7F1A7F88}"/>
+              </a:ext>
+            </a:extLst>
+          </p:cNvPr>
+          <p:cNvSpPr txBox="1"/>
+          <p:nvPr/>
+        </p:nvSpPr>
+        <p:spPr>
+          <a:xfrm>
+            <a:off x="8188507" y="4566683"/>
+            <a:ext cx="1867371" cy="369332"/>
+          </a:xfrm>
+          <a:prstGeom prst="rect">
+            <a:avLst/>
+          </a:prstGeom>
+          <a:noFill/>
+        </p:spPr>
+        <p:txBody>
+          <a:bodyPr wrap="none" rtlCol="0">
+            <a:spAutoFit/>
+          </a:bodyPr>
+          <a:lstStyle/>
+          <a:p>
+            <a:r>
+              <a:rPr lang="en-US" dirty="0"/>
+              <a:t>height – 1 - radius</a:t>
+            </a:r>
+          </a:p>
+        </p:txBody>
+      </p:sp>
     </p:spTree>
     <p:extLst>
       <p:ext uri="{BB962C8B-B14F-4D97-AF65-F5344CB8AC3E}">
-        <p14:creationId xmlns:p14="http://schemas.microsoft.com/office/powerpoint/2010/main" val="3437432239"/>
+        <p14:creationId xmlns:p14="http://schemas.microsoft.com/office/powerpoint/2010/main" val="227147159"/>
       </p:ext>
     </p:extLst>
   </p:cSld>
@@ -5235,7 +6781,7 @@
 </p:sld>
 </file>
 
-<file path=ppt/slides/slide5.xml><?xml version="1.0" encoding="utf-8"?>
+<file path=ppt/slides/slide15.xml><?xml version="1.0" encoding="utf-8"?>
 <p:sld xmlns:a="http://schemas.openxmlformats.org/drawingml/2006/main" xmlns:r="http://schemas.openxmlformats.org/officeDocument/2006/relationships" xmlns:p="http://schemas.openxmlformats.org/presentationml/2006/main">
   <p:cSld>
     <p:spTree>
@@ -5254,964 +6800,58 @@
       </p:grpSpPr>
       <p:sp>
         <p:nvSpPr>
-          <p:cNvPr id="4" name="TextBox 3">
-            <a:extLst>
-              <a:ext uri="{FF2B5EF4-FFF2-40B4-BE49-F238E27FC236}">
-                <a16:creationId xmlns:a16="http://schemas.microsoft.com/office/drawing/2014/main" id="{5F2A1285-8787-0D41-9429-7B0A09C9AAE0}"/>
-              </a:ext>
-            </a:extLst>
-          </p:cNvPr>
-          <p:cNvSpPr txBox="1"/>
-          <p:nvPr/>
-        </p:nvSpPr>
-        <p:spPr>
-          <a:xfrm>
-            <a:off x="1186543" y="372808"/>
-            <a:ext cx="9873343" cy="2123658"/>
-          </a:xfrm>
-          <a:prstGeom prst="rect">
-            <a:avLst/>
-          </a:prstGeom>
-          <a:noFill/>
-        </p:spPr>
-        <p:txBody>
-          <a:bodyPr wrap="square" rtlCol="0">
-            <a:spAutoFit/>
-          </a:bodyPr>
-          <a:lstStyle/>
-          <a:p>
-            <a:pPr algn="ctr"/>
-            <a:r>
-              <a:rPr lang="en-US" sz="4400" dirty="0"/>
-              <a:t>Trust the recipes</a:t>
-            </a:r>
-          </a:p>
-          <a:p>
-            <a:pPr algn="ctr"/>
-            <a:r>
-              <a:rPr lang="en-US" sz="4400" dirty="0"/>
-              <a:t>to help you make progress</a:t>
-            </a:r>
-          </a:p>
-          <a:p>
-            <a:pPr algn="ctr"/>
-            <a:r>
-              <a:rPr lang="en-US" sz="4400" dirty="0"/>
-              <a:t>What’s the next step of the recipe?</a:t>
-            </a:r>
-          </a:p>
-        </p:txBody>
-      </p:sp>
-      <p:sp>
-        <p:nvSpPr>
-          <p:cNvPr id="3" name="TextBox 2">
-            <a:extLst>
-              <a:ext uri="{FF2B5EF4-FFF2-40B4-BE49-F238E27FC236}">
-                <a16:creationId xmlns:a16="http://schemas.microsoft.com/office/drawing/2014/main" id="{836B4E4F-D17B-6A21-1078-889A4373D653}"/>
-              </a:ext>
-            </a:extLst>
-          </p:cNvPr>
-          <p:cNvSpPr txBox="1"/>
-          <p:nvPr/>
-        </p:nvSpPr>
-        <p:spPr>
-          <a:xfrm>
-            <a:off x="2568539" y="3852812"/>
-            <a:ext cx="1952090" cy="2585323"/>
-          </a:xfrm>
-          <a:prstGeom prst="rect">
-            <a:avLst/>
-          </a:prstGeom>
-          <a:noFill/>
-          <a:ln w="28575">
-            <a:solidFill>
-              <a:schemeClr val="accent1"/>
-            </a:solidFill>
-          </a:ln>
-        </p:spPr>
-        <p:txBody>
-          <a:bodyPr wrap="square" rtlCol="0">
-            <a:spAutoFit/>
-          </a:bodyPr>
-          <a:lstStyle/>
-          <a:p>
-            <a:r>
-              <a:rPr lang="en-US" dirty="0" err="1"/>
-              <a:t>HtDW</a:t>
-            </a:r>
-            <a:endParaRPr lang="en-US" dirty="0"/>
-          </a:p>
-          <a:p>
-            <a:r>
-              <a:rPr lang="en-US" dirty="0"/>
-              <a:t>1.1</a:t>
-            </a:r>
-          </a:p>
-          <a:p>
-            <a:r>
-              <a:rPr lang="en-US" dirty="0"/>
-              <a:t>1.2</a:t>
-            </a:r>
-          </a:p>
-          <a:p>
-            <a:r>
-              <a:rPr lang="en-US" dirty="0"/>
-              <a:t>1.3</a:t>
-            </a:r>
-          </a:p>
-          <a:p>
-            <a:r>
-              <a:rPr lang="en-US" dirty="0"/>
-              <a:t>1.4</a:t>
-            </a:r>
-          </a:p>
-          <a:p>
-            <a:r>
-              <a:rPr lang="en-US" dirty="0"/>
-              <a:t>2.1</a:t>
-            </a:r>
-          </a:p>
-          <a:p>
-            <a:r>
-              <a:rPr lang="en-US" dirty="0"/>
-              <a:t>2.2</a:t>
-            </a:r>
-          </a:p>
-          <a:p>
-            <a:r>
-              <a:rPr lang="en-US" dirty="0"/>
-              <a:t>2.3</a:t>
-            </a:r>
-          </a:p>
-          <a:p>
-            <a:r>
-              <a:rPr lang="en-US" dirty="0"/>
-              <a:t>2.4</a:t>
-            </a:r>
-          </a:p>
-        </p:txBody>
-      </p:sp>
-      <p:sp>
-        <p:nvSpPr>
-          <p:cNvPr id="5" name="TextBox 4">
-            <a:extLst>
-              <a:ext uri="{FF2B5EF4-FFF2-40B4-BE49-F238E27FC236}">
-                <a16:creationId xmlns:a16="http://schemas.microsoft.com/office/drawing/2014/main" id="{24C4E01F-ACD0-C0CF-64FB-0D00BCCA963D}"/>
-              </a:ext>
-            </a:extLst>
-          </p:cNvPr>
-          <p:cNvSpPr txBox="1"/>
-          <p:nvPr/>
-        </p:nvSpPr>
-        <p:spPr>
-          <a:xfrm>
-            <a:off x="5474413" y="2619407"/>
-            <a:ext cx="1952090" cy="1754326"/>
-          </a:xfrm>
-          <a:prstGeom prst="rect">
-            <a:avLst/>
-          </a:prstGeom>
-          <a:noFill/>
-          <a:ln w="28575">
-            <a:solidFill>
-              <a:schemeClr val="accent1"/>
-            </a:solidFill>
-          </a:ln>
-        </p:spPr>
-        <p:txBody>
-          <a:bodyPr wrap="square" rtlCol="0">
-            <a:spAutoFit/>
-          </a:bodyPr>
-          <a:lstStyle/>
-          <a:p>
-            <a:r>
-              <a:rPr lang="en-US" dirty="0" err="1"/>
-              <a:t>HtDD</a:t>
-            </a:r>
-            <a:endParaRPr lang="en-US" dirty="0"/>
-          </a:p>
-          <a:p>
-            <a:r>
-              <a:rPr lang="en-US" dirty="0"/>
-              <a:t>1</a:t>
-            </a:r>
-          </a:p>
-          <a:p>
-            <a:r>
-              <a:rPr lang="en-US" dirty="0"/>
-              <a:t>2</a:t>
-            </a:r>
-          </a:p>
-          <a:p>
-            <a:r>
-              <a:rPr lang="en-US" dirty="0"/>
-              <a:t>3</a:t>
-            </a:r>
-          </a:p>
-          <a:p>
-            <a:r>
-              <a:rPr lang="en-US" dirty="0"/>
-              <a:t>4</a:t>
-            </a:r>
-          </a:p>
-          <a:p>
-            <a:r>
-              <a:rPr lang="en-US" dirty="0"/>
-              <a:t>5</a:t>
-            </a:r>
-          </a:p>
-        </p:txBody>
-      </p:sp>
-      <p:sp>
-        <p:nvSpPr>
-          <p:cNvPr id="6" name="TextBox 5">
-            <a:extLst>
-              <a:ext uri="{FF2B5EF4-FFF2-40B4-BE49-F238E27FC236}">
-                <a16:creationId xmlns:a16="http://schemas.microsoft.com/office/drawing/2014/main" id="{0A747391-B655-7274-6D8C-CC97DD366C64}"/>
-              </a:ext>
-            </a:extLst>
-          </p:cNvPr>
-          <p:cNvSpPr txBox="1"/>
-          <p:nvPr/>
-        </p:nvSpPr>
-        <p:spPr>
-          <a:xfrm>
-            <a:off x="8608643" y="3151442"/>
-            <a:ext cx="1952090" cy="1754326"/>
-          </a:xfrm>
-          <a:prstGeom prst="rect">
-            <a:avLst/>
-          </a:prstGeom>
-          <a:noFill/>
-          <a:ln w="28575">
-            <a:solidFill>
-              <a:schemeClr val="accent1"/>
-            </a:solidFill>
-          </a:ln>
-        </p:spPr>
-        <p:txBody>
-          <a:bodyPr wrap="square" rtlCol="0">
-            <a:spAutoFit/>
-          </a:bodyPr>
-          <a:lstStyle/>
-          <a:p>
-            <a:r>
-              <a:rPr lang="en-US" dirty="0" err="1"/>
-              <a:t>HtDF</a:t>
-            </a:r>
-            <a:endParaRPr lang="en-US" dirty="0"/>
-          </a:p>
-          <a:p>
-            <a:r>
-              <a:rPr lang="en-US" dirty="0"/>
-              <a:t>1</a:t>
-            </a:r>
-          </a:p>
-          <a:p>
-            <a:r>
-              <a:rPr lang="en-US" dirty="0"/>
-              <a:t>2</a:t>
-            </a:r>
-          </a:p>
-          <a:p>
-            <a:r>
-              <a:rPr lang="en-US" dirty="0"/>
-              <a:t>3</a:t>
-            </a:r>
-          </a:p>
-          <a:p>
-            <a:r>
-              <a:rPr lang="en-US" dirty="0"/>
-              <a:t>4</a:t>
-            </a:r>
-          </a:p>
-          <a:p>
-            <a:r>
-              <a:rPr lang="en-US" dirty="0"/>
-              <a:t>5</a:t>
-            </a:r>
-          </a:p>
-        </p:txBody>
-      </p:sp>
-      <p:cxnSp>
-        <p:nvCxnSpPr>
-          <p:cNvPr id="8" name="Straight Arrow Connector 7">
-            <a:extLst>
-              <a:ext uri="{FF2B5EF4-FFF2-40B4-BE49-F238E27FC236}">
-                <a16:creationId xmlns:a16="http://schemas.microsoft.com/office/drawing/2014/main" id="{E431FEC9-8AE0-73D1-6A78-1EA53F675F53}"/>
-              </a:ext>
-            </a:extLst>
-          </p:cNvPr>
-          <p:cNvCxnSpPr>
-            <a:cxnSpLocks/>
-          </p:cNvCxnSpPr>
-          <p:nvPr/>
-        </p:nvCxnSpPr>
-        <p:spPr>
-          <a:xfrm>
-            <a:off x="3118085" y="4297149"/>
-            <a:ext cx="0" cy="1415282"/>
-          </a:xfrm>
-          <a:prstGeom prst="straightConnector1">
-            <a:avLst/>
-          </a:prstGeom>
-          <a:ln w="28575">
-            <a:tailEnd type="triangle"/>
-          </a:ln>
-        </p:spPr>
-        <p:style>
-          <a:lnRef idx="1">
-            <a:schemeClr val="accent1"/>
-          </a:lnRef>
-          <a:fillRef idx="0">
-            <a:schemeClr val="accent1"/>
-          </a:fillRef>
-          <a:effectRef idx="0">
-            <a:schemeClr val="accent1"/>
-          </a:effectRef>
-          <a:fontRef idx="minor">
-            <a:schemeClr val="tx1"/>
-          </a:fontRef>
-        </p:style>
-      </p:cxnSp>
-      <p:cxnSp>
-        <p:nvCxnSpPr>
-          <p:cNvPr id="11" name="Straight Arrow Connector 10">
-            <a:extLst>
-              <a:ext uri="{FF2B5EF4-FFF2-40B4-BE49-F238E27FC236}">
-                <a16:creationId xmlns:a16="http://schemas.microsoft.com/office/drawing/2014/main" id="{F2448EB6-6E0A-F866-A917-C67133D53389}"/>
-              </a:ext>
-            </a:extLst>
-          </p:cNvPr>
-          <p:cNvCxnSpPr>
-            <a:cxnSpLocks/>
-          </p:cNvCxnSpPr>
-          <p:nvPr/>
-        </p:nvCxnSpPr>
-        <p:spPr>
-          <a:xfrm flipV="1">
-            <a:off x="3215811" y="3127523"/>
-            <a:ext cx="2469100" cy="2512989"/>
-          </a:xfrm>
-          <a:prstGeom prst="straightConnector1">
-            <a:avLst/>
-          </a:prstGeom>
-          <a:ln w="28575">
-            <a:tailEnd type="triangle"/>
-          </a:ln>
-        </p:spPr>
-        <p:style>
-          <a:lnRef idx="1">
-            <a:schemeClr val="accent1"/>
-          </a:lnRef>
-          <a:fillRef idx="0">
-            <a:schemeClr val="accent1"/>
-          </a:fillRef>
-          <a:effectRef idx="0">
-            <a:schemeClr val="accent1"/>
-          </a:effectRef>
-          <a:fontRef idx="minor">
-            <a:schemeClr val="tx1"/>
-          </a:fontRef>
-        </p:style>
-      </p:cxnSp>
-      <p:cxnSp>
-        <p:nvCxnSpPr>
-          <p:cNvPr id="16" name="Straight Arrow Connector 15">
-            <a:extLst>
-              <a:ext uri="{FF2B5EF4-FFF2-40B4-BE49-F238E27FC236}">
-                <a16:creationId xmlns:a16="http://schemas.microsoft.com/office/drawing/2014/main" id="{802CD2AC-FB3D-E0DE-AB4C-03308A2DFA07}"/>
-              </a:ext>
-            </a:extLst>
-          </p:cNvPr>
-          <p:cNvCxnSpPr>
-            <a:cxnSpLocks/>
-          </p:cNvCxnSpPr>
-          <p:nvPr/>
-        </p:nvCxnSpPr>
-        <p:spPr>
-          <a:xfrm>
-            <a:off x="5818476" y="3065894"/>
-            <a:ext cx="0" cy="1199159"/>
-          </a:xfrm>
-          <a:prstGeom prst="straightConnector1">
-            <a:avLst/>
-          </a:prstGeom>
-          <a:ln w="28575">
-            <a:tailEnd type="triangle"/>
-          </a:ln>
-        </p:spPr>
-        <p:style>
-          <a:lnRef idx="1">
-            <a:schemeClr val="accent1"/>
-          </a:lnRef>
-          <a:fillRef idx="0">
-            <a:schemeClr val="accent1"/>
-          </a:fillRef>
-          <a:effectRef idx="0">
-            <a:schemeClr val="accent1"/>
-          </a:effectRef>
-          <a:fontRef idx="minor">
-            <a:schemeClr val="tx1"/>
-          </a:fontRef>
-        </p:style>
-      </p:cxnSp>
-      <p:cxnSp>
-        <p:nvCxnSpPr>
-          <p:cNvPr id="18" name="Straight Arrow Connector 17">
-            <a:extLst>
-              <a:ext uri="{FF2B5EF4-FFF2-40B4-BE49-F238E27FC236}">
-                <a16:creationId xmlns:a16="http://schemas.microsoft.com/office/drawing/2014/main" id="{2044FC2B-330C-7B9A-D4FA-519BB45A1F48}"/>
-              </a:ext>
-            </a:extLst>
-          </p:cNvPr>
-          <p:cNvCxnSpPr>
-            <a:cxnSpLocks/>
-          </p:cNvCxnSpPr>
-          <p:nvPr/>
-        </p:nvCxnSpPr>
-        <p:spPr>
-          <a:xfrm flipH="1">
-            <a:off x="3118085" y="4265053"/>
-            <a:ext cx="2566826" cy="1527859"/>
-          </a:xfrm>
-          <a:prstGeom prst="straightConnector1">
-            <a:avLst/>
-          </a:prstGeom>
-          <a:ln w="28575">
-            <a:tailEnd type="triangle"/>
-          </a:ln>
-        </p:spPr>
-        <p:style>
-          <a:lnRef idx="1">
-            <a:schemeClr val="accent1"/>
-          </a:lnRef>
-          <a:fillRef idx="0">
-            <a:schemeClr val="accent1"/>
-          </a:fillRef>
-          <a:effectRef idx="0">
-            <a:schemeClr val="accent1"/>
-          </a:effectRef>
-          <a:fontRef idx="minor">
-            <a:schemeClr val="tx1"/>
-          </a:fontRef>
-        </p:style>
-      </p:cxnSp>
-      <p:sp>
-        <p:nvSpPr>
-          <p:cNvPr id="23" name="TextBox 22">
-            <a:extLst>
-              <a:ext uri="{FF2B5EF4-FFF2-40B4-BE49-F238E27FC236}">
-                <a16:creationId xmlns:a16="http://schemas.microsoft.com/office/drawing/2014/main" id="{520847AD-5704-3FA8-AAA5-6A6183B140BC}"/>
-              </a:ext>
-            </a:extLst>
-          </p:cNvPr>
-          <p:cNvSpPr txBox="1"/>
-          <p:nvPr/>
-        </p:nvSpPr>
-        <p:spPr>
-          <a:xfrm>
-            <a:off x="8997348" y="4944461"/>
-            <a:ext cx="1952090" cy="1061829"/>
-          </a:xfrm>
-          <a:prstGeom prst="rect">
-            <a:avLst/>
-          </a:prstGeom>
-          <a:noFill/>
-          <a:ln w="28575">
-            <a:solidFill>
-              <a:schemeClr val="accent1"/>
-            </a:solidFill>
-          </a:ln>
-        </p:spPr>
-        <p:txBody>
-          <a:bodyPr wrap="square" rtlCol="0">
-            <a:spAutoFit/>
-          </a:bodyPr>
-          <a:lstStyle/>
-          <a:p>
-            <a:r>
-              <a:rPr lang="en-US" sz="1050" dirty="0" err="1"/>
-              <a:t>HtDF</a:t>
-            </a:r>
-            <a:endParaRPr lang="en-US" sz="1050" dirty="0"/>
-          </a:p>
-          <a:p>
-            <a:r>
-              <a:rPr lang="en-US" sz="1050" dirty="0"/>
-              <a:t>1</a:t>
-            </a:r>
-          </a:p>
-          <a:p>
-            <a:r>
-              <a:rPr lang="en-US" sz="1050" dirty="0"/>
-              <a:t>2</a:t>
-            </a:r>
-          </a:p>
-          <a:p>
-            <a:r>
-              <a:rPr lang="en-US" sz="1050" dirty="0"/>
-              <a:t>3</a:t>
-            </a:r>
-          </a:p>
-          <a:p>
-            <a:r>
-              <a:rPr lang="en-US" sz="1050" dirty="0"/>
-              <a:t>4</a:t>
-            </a:r>
-          </a:p>
-          <a:p>
-            <a:r>
-              <a:rPr lang="en-US" sz="1050" dirty="0"/>
-              <a:t>5</a:t>
-            </a:r>
-          </a:p>
-        </p:txBody>
-      </p:sp>
-      <p:sp>
-        <p:nvSpPr>
-          <p:cNvPr id="24" name="TextBox 23">
-            <a:extLst>
-              <a:ext uri="{FF2B5EF4-FFF2-40B4-BE49-F238E27FC236}">
-                <a16:creationId xmlns:a16="http://schemas.microsoft.com/office/drawing/2014/main" id="{916770FD-0EB0-197B-EC14-E7F54B3E37E0}"/>
-              </a:ext>
-            </a:extLst>
-          </p:cNvPr>
-          <p:cNvSpPr txBox="1"/>
-          <p:nvPr/>
-        </p:nvSpPr>
-        <p:spPr>
-          <a:xfrm>
-            <a:off x="9389232" y="6044983"/>
-            <a:ext cx="1952090" cy="738664"/>
-          </a:xfrm>
-          <a:prstGeom prst="rect">
-            <a:avLst/>
-          </a:prstGeom>
-          <a:noFill/>
-          <a:ln w="28575">
-            <a:solidFill>
-              <a:schemeClr val="accent1"/>
-            </a:solidFill>
-          </a:ln>
-        </p:spPr>
-        <p:txBody>
-          <a:bodyPr wrap="square" rtlCol="0">
-            <a:spAutoFit/>
-          </a:bodyPr>
-          <a:lstStyle/>
-          <a:p>
-            <a:r>
-              <a:rPr lang="en-US" sz="700" dirty="0" err="1"/>
-              <a:t>HtDF</a:t>
-            </a:r>
-            <a:endParaRPr lang="en-US" sz="700" dirty="0"/>
-          </a:p>
-          <a:p>
-            <a:r>
-              <a:rPr lang="en-US" sz="700" dirty="0"/>
-              <a:t>1</a:t>
-            </a:r>
-          </a:p>
-          <a:p>
-            <a:r>
-              <a:rPr lang="en-US" sz="700" dirty="0"/>
-              <a:t>2</a:t>
-            </a:r>
-          </a:p>
-          <a:p>
-            <a:r>
-              <a:rPr lang="en-US" sz="700" dirty="0"/>
-              <a:t>3</a:t>
-            </a:r>
-          </a:p>
-          <a:p>
-            <a:r>
-              <a:rPr lang="en-US" sz="700" dirty="0"/>
-              <a:t>4</a:t>
-            </a:r>
-          </a:p>
-          <a:p>
-            <a:r>
-              <a:rPr lang="en-US" sz="700" dirty="0"/>
-              <a:t>5</a:t>
-            </a:r>
-          </a:p>
-        </p:txBody>
-      </p:sp>
-      <p:cxnSp>
-        <p:nvCxnSpPr>
-          <p:cNvPr id="28" name="Straight Arrow Connector 27">
-            <a:extLst>
-              <a:ext uri="{FF2B5EF4-FFF2-40B4-BE49-F238E27FC236}">
-                <a16:creationId xmlns:a16="http://schemas.microsoft.com/office/drawing/2014/main" id="{186F20F6-FEB1-3AA0-F6D7-926D9522D6C6}"/>
-              </a:ext>
-            </a:extLst>
-          </p:cNvPr>
-          <p:cNvCxnSpPr>
-            <a:cxnSpLocks/>
-          </p:cNvCxnSpPr>
-          <p:nvPr/>
-        </p:nvCxnSpPr>
-        <p:spPr>
-          <a:xfrm flipV="1">
-            <a:off x="3118084" y="3665473"/>
-            <a:ext cx="5490559" cy="2340817"/>
-          </a:xfrm>
-          <a:prstGeom prst="straightConnector1">
-            <a:avLst/>
-          </a:prstGeom>
-          <a:ln w="28575">
-            <a:tailEnd type="triangle"/>
-          </a:ln>
-        </p:spPr>
-        <p:style>
-          <a:lnRef idx="1">
-            <a:schemeClr val="accent1"/>
-          </a:lnRef>
-          <a:fillRef idx="0">
-            <a:schemeClr val="accent1"/>
-          </a:fillRef>
-          <a:effectRef idx="0">
-            <a:schemeClr val="accent1"/>
-          </a:effectRef>
-          <a:fontRef idx="minor">
-            <a:schemeClr val="tx1"/>
-          </a:fontRef>
-        </p:style>
-      </p:cxnSp>
-      <p:cxnSp>
-        <p:nvCxnSpPr>
-          <p:cNvPr id="33" name="Straight Arrow Connector 32">
-            <a:extLst>
-              <a:ext uri="{FF2B5EF4-FFF2-40B4-BE49-F238E27FC236}">
-                <a16:creationId xmlns:a16="http://schemas.microsoft.com/office/drawing/2014/main" id="{9C3748E2-FD56-7894-928F-11E013EEF3A8}"/>
-              </a:ext>
-            </a:extLst>
-          </p:cNvPr>
-          <p:cNvCxnSpPr>
-            <a:cxnSpLocks/>
-          </p:cNvCxnSpPr>
-          <p:nvPr/>
-        </p:nvCxnSpPr>
-        <p:spPr>
-          <a:xfrm flipH="1">
-            <a:off x="3118083" y="4741417"/>
-            <a:ext cx="5591833" cy="1333358"/>
-          </a:xfrm>
-          <a:prstGeom prst="straightConnector1">
-            <a:avLst/>
-          </a:prstGeom>
-          <a:ln w="28575">
-            <a:tailEnd type="triangle"/>
-          </a:ln>
-        </p:spPr>
-        <p:style>
-          <a:lnRef idx="1">
-            <a:schemeClr val="accent1"/>
-          </a:lnRef>
-          <a:fillRef idx="0">
-            <a:schemeClr val="accent1"/>
-          </a:fillRef>
-          <a:effectRef idx="0">
-            <a:schemeClr val="accent1"/>
-          </a:effectRef>
-          <a:fontRef idx="minor">
-            <a:schemeClr val="tx1"/>
-          </a:fontRef>
-        </p:style>
-      </p:cxnSp>
-      <p:cxnSp>
-        <p:nvCxnSpPr>
-          <p:cNvPr id="35" name="Straight Arrow Connector 34">
-            <a:extLst>
-              <a:ext uri="{FF2B5EF4-FFF2-40B4-BE49-F238E27FC236}">
-                <a16:creationId xmlns:a16="http://schemas.microsoft.com/office/drawing/2014/main" id="{E8241F45-A384-68D4-F15F-A6ECB0B44C49}"/>
-              </a:ext>
-            </a:extLst>
-          </p:cNvPr>
-          <p:cNvCxnSpPr>
-            <a:cxnSpLocks/>
-          </p:cNvCxnSpPr>
-          <p:nvPr/>
-        </p:nvCxnSpPr>
-        <p:spPr>
-          <a:xfrm>
-            <a:off x="8919560" y="3542258"/>
-            <a:ext cx="0" cy="1199159"/>
-          </a:xfrm>
-          <a:prstGeom prst="straightConnector1">
-            <a:avLst/>
-          </a:prstGeom>
-          <a:ln w="28575">
-            <a:tailEnd type="triangle"/>
-          </a:ln>
-        </p:spPr>
-        <p:style>
-          <a:lnRef idx="1">
-            <a:schemeClr val="accent1"/>
-          </a:lnRef>
-          <a:fillRef idx="0">
-            <a:schemeClr val="accent1"/>
-          </a:fillRef>
-          <a:effectRef idx="0">
-            <a:schemeClr val="accent1"/>
-          </a:effectRef>
-          <a:fontRef idx="minor">
-            <a:schemeClr val="tx1"/>
-          </a:fontRef>
-        </p:style>
-      </p:cxnSp>
-      <p:cxnSp>
-        <p:nvCxnSpPr>
-          <p:cNvPr id="36" name="Straight Arrow Connector 35">
-            <a:extLst>
-              <a:ext uri="{FF2B5EF4-FFF2-40B4-BE49-F238E27FC236}">
-                <a16:creationId xmlns:a16="http://schemas.microsoft.com/office/drawing/2014/main" id="{D5F51F48-E014-9ADD-365B-3F601D36661D}"/>
-              </a:ext>
-            </a:extLst>
-          </p:cNvPr>
-          <p:cNvCxnSpPr>
-            <a:cxnSpLocks/>
-          </p:cNvCxnSpPr>
-          <p:nvPr/>
-        </p:nvCxnSpPr>
-        <p:spPr>
-          <a:xfrm flipV="1">
-            <a:off x="3118080" y="5247251"/>
-            <a:ext cx="5953880" cy="931211"/>
-          </a:xfrm>
-          <a:prstGeom prst="straightConnector1">
-            <a:avLst/>
-          </a:prstGeom>
-          <a:ln w="28575">
-            <a:tailEnd type="triangle"/>
-          </a:ln>
-        </p:spPr>
-        <p:style>
-          <a:lnRef idx="1">
-            <a:schemeClr val="accent1"/>
-          </a:lnRef>
-          <a:fillRef idx="0">
-            <a:schemeClr val="accent1"/>
-          </a:fillRef>
-          <a:effectRef idx="0">
-            <a:schemeClr val="accent1"/>
-          </a:effectRef>
-          <a:fontRef idx="minor">
-            <a:schemeClr val="tx1"/>
-          </a:fontRef>
-        </p:style>
-      </p:cxnSp>
-      <p:cxnSp>
-        <p:nvCxnSpPr>
-          <p:cNvPr id="37" name="Straight Arrow Connector 36">
-            <a:extLst>
-              <a:ext uri="{FF2B5EF4-FFF2-40B4-BE49-F238E27FC236}">
-                <a16:creationId xmlns:a16="http://schemas.microsoft.com/office/drawing/2014/main" id="{098C8A5B-67F5-9BF5-85B2-3330B84FF1F3}"/>
-              </a:ext>
-            </a:extLst>
-          </p:cNvPr>
-          <p:cNvCxnSpPr>
-            <a:cxnSpLocks/>
-          </p:cNvCxnSpPr>
-          <p:nvPr/>
-        </p:nvCxnSpPr>
-        <p:spPr>
-          <a:xfrm flipH="1">
-            <a:off x="3118081" y="5887966"/>
-            <a:ext cx="5879267" cy="349214"/>
-          </a:xfrm>
-          <a:prstGeom prst="straightConnector1">
-            <a:avLst/>
-          </a:prstGeom>
-          <a:ln w="28575">
-            <a:tailEnd type="triangle"/>
-          </a:ln>
-        </p:spPr>
-        <p:style>
-          <a:lnRef idx="1">
-            <a:schemeClr val="accent1"/>
-          </a:lnRef>
-          <a:fillRef idx="0">
-            <a:schemeClr val="accent1"/>
-          </a:fillRef>
-          <a:effectRef idx="0">
-            <a:schemeClr val="accent1"/>
-          </a:effectRef>
-          <a:fontRef idx="minor">
-            <a:schemeClr val="tx1"/>
-          </a:fontRef>
-        </p:style>
-      </p:cxnSp>
-      <p:cxnSp>
-        <p:nvCxnSpPr>
-          <p:cNvPr id="46" name="Straight Arrow Connector 45">
-            <a:extLst>
-              <a:ext uri="{FF2B5EF4-FFF2-40B4-BE49-F238E27FC236}">
-                <a16:creationId xmlns:a16="http://schemas.microsoft.com/office/drawing/2014/main" id="{56B84A0E-47C4-2A58-E012-EF1F342DB404}"/>
-              </a:ext>
-            </a:extLst>
-          </p:cNvPr>
-          <p:cNvCxnSpPr>
-            <a:cxnSpLocks/>
-          </p:cNvCxnSpPr>
-          <p:nvPr/>
-        </p:nvCxnSpPr>
-        <p:spPr>
-          <a:xfrm>
-            <a:off x="9276342" y="5215156"/>
-            <a:ext cx="0" cy="672810"/>
-          </a:xfrm>
-          <a:prstGeom prst="straightConnector1">
-            <a:avLst/>
-          </a:prstGeom>
-          <a:ln w="28575">
-            <a:tailEnd type="triangle"/>
-          </a:ln>
-        </p:spPr>
-        <p:style>
-          <a:lnRef idx="1">
-            <a:schemeClr val="accent1"/>
-          </a:lnRef>
-          <a:fillRef idx="0">
-            <a:schemeClr val="accent1"/>
-          </a:fillRef>
-          <a:effectRef idx="0">
-            <a:schemeClr val="accent1"/>
-          </a:effectRef>
-          <a:fontRef idx="minor">
-            <a:schemeClr val="tx1"/>
-          </a:fontRef>
-        </p:style>
-      </p:cxnSp>
-      <p:cxnSp>
-        <p:nvCxnSpPr>
-          <p:cNvPr id="48" name="Straight Arrow Connector 47">
-            <a:extLst>
-              <a:ext uri="{FF2B5EF4-FFF2-40B4-BE49-F238E27FC236}">
-                <a16:creationId xmlns:a16="http://schemas.microsoft.com/office/drawing/2014/main" id="{3BB773B5-EADD-F2C9-3024-10F0A0049F47}"/>
-              </a:ext>
-            </a:extLst>
-          </p:cNvPr>
-          <p:cNvCxnSpPr>
-            <a:cxnSpLocks/>
-          </p:cNvCxnSpPr>
-          <p:nvPr/>
-        </p:nvCxnSpPr>
-        <p:spPr>
-          <a:xfrm>
-            <a:off x="9654774" y="6237180"/>
-            <a:ext cx="0" cy="471845"/>
-          </a:xfrm>
-          <a:prstGeom prst="straightConnector1">
-            <a:avLst/>
-          </a:prstGeom>
-          <a:ln w="28575">
-            <a:tailEnd type="triangle"/>
-          </a:ln>
-        </p:spPr>
-        <p:style>
-          <a:lnRef idx="1">
-            <a:schemeClr val="accent1"/>
-          </a:lnRef>
-          <a:fillRef idx="0">
-            <a:schemeClr val="accent1"/>
-          </a:fillRef>
-          <a:effectRef idx="0">
-            <a:schemeClr val="accent1"/>
-          </a:effectRef>
-          <a:fontRef idx="minor">
-            <a:schemeClr val="tx1"/>
-          </a:fontRef>
-        </p:style>
-      </p:cxnSp>
-      <p:cxnSp>
-        <p:nvCxnSpPr>
-          <p:cNvPr id="50" name="Straight Arrow Connector 49">
-            <a:extLst>
-              <a:ext uri="{FF2B5EF4-FFF2-40B4-BE49-F238E27FC236}">
-                <a16:creationId xmlns:a16="http://schemas.microsoft.com/office/drawing/2014/main" id="{F520E84B-C8D2-2630-AF21-83453DA6F2BC}"/>
-              </a:ext>
-            </a:extLst>
-          </p:cNvPr>
-          <p:cNvCxnSpPr>
-            <a:cxnSpLocks/>
-          </p:cNvCxnSpPr>
-          <p:nvPr/>
-        </p:nvCxnSpPr>
-        <p:spPr>
-          <a:xfrm flipV="1">
-            <a:off x="3194653" y="6237180"/>
-            <a:ext cx="6269191" cy="24934"/>
-          </a:xfrm>
-          <a:prstGeom prst="straightConnector1">
-            <a:avLst/>
-          </a:prstGeom>
-          <a:ln w="28575">
-            <a:tailEnd type="triangle"/>
-          </a:ln>
-        </p:spPr>
-        <p:style>
-          <a:lnRef idx="1">
-            <a:schemeClr val="accent1"/>
-          </a:lnRef>
-          <a:fillRef idx="0">
-            <a:schemeClr val="accent1"/>
-          </a:fillRef>
-          <a:effectRef idx="0">
-            <a:schemeClr val="accent1"/>
-          </a:effectRef>
-          <a:fontRef idx="minor">
-            <a:schemeClr val="tx1"/>
-          </a:fontRef>
-        </p:style>
-      </p:cxnSp>
-      <p:cxnSp>
-        <p:nvCxnSpPr>
-          <p:cNvPr id="53" name="Straight Arrow Connector 52">
-            <a:extLst>
-              <a:ext uri="{FF2B5EF4-FFF2-40B4-BE49-F238E27FC236}">
-                <a16:creationId xmlns:a16="http://schemas.microsoft.com/office/drawing/2014/main" id="{EC9FF4D5-DFDC-B3BE-4A42-9E8470D815AD}"/>
-              </a:ext>
-            </a:extLst>
-          </p:cNvPr>
-          <p:cNvCxnSpPr>
-            <a:cxnSpLocks/>
-          </p:cNvCxnSpPr>
-          <p:nvPr/>
-        </p:nvCxnSpPr>
-        <p:spPr>
-          <a:xfrm flipH="1" flipV="1">
-            <a:off x="3194653" y="6294642"/>
-            <a:ext cx="6269191" cy="386875"/>
-          </a:xfrm>
-          <a:prstGeom prst="straightConnector1">
-            <a:avLst/>
-          </a:prstGeom>
-          <a:ln w="28575">
-            <a:tailEnd type="triangle"/>
-          </a:ln>
-        </p:spPr>
-        <p:style>
-          <a:lnRef idx="1">
-            <a:schemeClr val="accent1"/>
-          </a:lnRef>
-          <a:fillRef idx="0">
-            <a:schemeClr val="accent1"/>
-          </a:fillRef>
-          <a:effectRef idx="0">
-            <a:schemeClr val="accent1"/>
-          </a:effectRef>
-          <a:fontRef idx="minor">
-            <a:schemeClr val="tx1"/>
-          </a:fontRef>
-        </p:style>
-      </p:cxnSp>
+          <p:cNvPr id="2" name="Title 1">
+            <a:extLst>
+              <a:ext uri="{FF2B5EF4-FFF2-40B4-BE49-F238E27FC236}">
+                <a16:creationId xmlns:a16="http://schemas.microsoft.com/office/drawing/2014/main" id="{43A43040-97AE-46A7-4B2F-CD7B95B96DF5}"/>
+              </a:ext>
+            </a:extLst>
+          </p:cNvPr>
+          <p:cNvSpPr>
+            <a:spLocks noGrp="1"/>
+          </p:cNvSpPr>
+          <p:nvPr>
+            <p:ph type="title"/>
+          </p:nvPr>
+        </p:nvSpPr>
+        <p:spPr/>
+        <p:txBody>
+          <a:bodyPr/>
+          <a:lstStyle/>
+          <a:p>
+            <a:endParaRPr lang="en-US"/>
+          </a:p>
+        </p:txBody>
+      </p:sp>
+      <p:sp>
+        <p:nvSpPr>
+          <p:cNvPr id="3" name="Content Placeholder 2">
+            <a:extLst>
+              <a:ext uri="{FF2B5EF4-FFF2-40B4-BE49-F238E27FC236}">
+                <a16:creationId xmlns:a16="http://schemas.microsoft.com/office/drawing/2014/main" id="{D84FBCA4-0AC8-4225-CBBD-1145E83BDA01}"/>
+              </a:ext>
+            </a:extLst>
+          </p:cNvPr>
+          <p:cNvSpPr>
+            <a:spLocks noGrp="1"/>
+          </p:cNvSpPr>
+          <p:nvPr>
+            <p:ph idx="1"/>
+          </p:nvPr>
+        </p:nvSpPr>
+        <p:spPr/>
+        <p:txBody>
+          <a:bodyPr/>
+          <a:lstStyle/>
+          <a:p>
+            <a:endParaRPr lang="en-US"/>
+          </a:p>
+        </p:txBody>
+      </p:sp>
     </p:spTree>
     <p:extLst>
       <p:ext uri="{BB962C8B-B14F-4D97-AF65-F5344CB8AC3E}">
-        <p14:creationId xmlns:p14="http://schemas.microsoft.com/office/powerpoint/2010/main" val="1403014233"/>
+        <p14:creationId xmlns:p14="http://schemas.microsoft.com/office/powerpoint/2010/main" val="538152586"/>
       </p:ext>
     </p:extLst>
   </p:cSld>
@@ -6221,1753 +6861,7 @@
 </p:sld>
 </file>
 
-<file path=ppt/slides/slide6.xml><?xml version="1.0" encoding="utf-8"?>
-<p:sld xmlns:a="http://schemas.openxmlformats.org/drawingml/2006/main" xmlns:r="http://schemas.openxmlformats.org/officeDocument/2006/relationships" xmlns:p="http://schemas.openxmlformats.org/presentationml/2006/main">
-  <p:cSld>
-    <p:spTree>
-      <p:nvGrpSpPr>
-        <p:cNvPr id="1" name=""/>
-        <p:cNvGrpSpPr/>
-        <p:nvPr/>
-      </p:nvGrpSpPr>
-      <p:grpSpPr>
-        <a:xfrm>
-          <a:off x="0" y="0"/>
-          <a:ext cx="0" cy="0"/>
-          <a:chOff x="0" y="0"/>
-          <a:chExt cx="0" cy="0"/>
-        </a:xfrm>
-      </p:grpSpPr>
-      <p:sp>
-        <p:nvSpPr>
-          <p:cNvPr id="4" name="Rectangle 3">
-            <a:extLst>
-              <a:ext uri="{FF2B5EF4-FFF2-40B4-BE49-F238E27FC236}">
-                <a16:creationId xmlns:a16="http://schemas.microsoft.com/office/drawing/2014/main" id="{C1275F09-7A7D-2571-45CA-1ED8E929A06E}"/>
-              </a:ext>
-            </a:extLst>
-          </p:cNvPr>
-          <p:cNvSpPr/>
-          <p:nvPr/>
-        </p:nvSpPr>
-        <p:spPr>
-          <a:xfrm>
-            <a:off x="1068512" y="482885"/>
-            <a:ext cx="2786796" cy="2095928"/>
-          </a:xfrm>
-          <a:prstGeom prst="rect">
-            <a:avLst/>
-          </a:prstGeom>
-          <a:solidFill>
-            <a:schemeClr val="tx2">
-              <a:lumMod val="20000"/>
-              <a:lumOff val="80000"/>
-              <a:alpha val="29321"/>
-            </a:schemeClr>
-          </a:solidFill>
-        </p:spPr>
-        <p:style>
-          <a:lnRef idx="2">
-            <a:schemeClr val="accent1">
-              <a:shade val="50000"/>
-            </a:schemeClr>
-          </a:lnRef>
-          <a:fillRef idx="1">
-            <a:schemeClr val="accent1"/>
-          </a:fillRef>
-          <a:effectRef idx="0">
-            <a:schemeClr val="accent1"/>
-          </a:effectRef>
-          <a:fontRef idx="minor">
-            <a:schemeClr val="lt1"/>
-          </a:fontRef>
-        </p:style>
-        <p:txBody>
-          <a:bodyPr rtlCol="0" anchor="ctr"/>
-          <a:lstStyle/>
-          <a:p>
-            <a:pPr algn="ctr"/>
-            <a:endParaRPr lang="en-US"/>
-          </a:p>
-        </p:txBody>
-      </p:sp>
-      <p:sp>
-        <p:nvSpPr>
-          <p:cNvPr id="5" name="Rectangle 4">
-            <a:extLst>
-              <a:ext uri="{FF2B5EF4-FFF2-40B4-BE49-F238E27FC236}">
-                <a16:creationId xmlns:a16="http://schemas.microsoft.com/office/drawing/2014/main" id="{CBC6BAB3-9E38-D359-223F-E735977AA9CD}"/>
-              </a:ext>
-            </a:extLst>
-          </p:cNvPr>
-          <p:cNvSpPr/>
-          <p:nvPr/>
-        </p:nvSpPr>
-        <p:spPr>
-          <a:xfrm>
-            <a:off x="4702602" y="482885"/>
-            <a:ext cx="2786796" cy="2095928"/>
-          </a:xfrm>
-          <a:prstGeom prst="rect">
-            <a:avLst/>
-          </a:prstGeom>
-          <a:solidFill>
-            <a:schemeClr val="tx2">
-              <a:lumMod val="20000"/>
-              <a:lumOff val="80000"/>
-              <a:alpha val="29321"/>
-            </a:schemeClr>
-          </a:solidFill>
-        </p:spPr>
-        <p:style>
-          <a:lnRef idx="2">
-            <a:schemeClr val="accent1">
-              <a:shade val="50000"/>
-            </a:schemeClr>
-          </a:lnRef>
-          <a:fillRef idx="1">
-            <a:schemeClr val="accent1"/>
-          </a:fillRef>
-          <a:effectRef idx="0">
-            <a:schemeClr val="accent1"/>
-          </a:effectRef>
-          <a:fontRef idx="minor">
-            <a:schemeClr val="lt1"/>
-          </a:fontRef>
-        </p:style>
-        <p:txBody>
-          <a:bodyPr rtlCol="0" anchor="ctr"/>
-          <a:lstStyle/>
-          <a:p>
-            <a:pPr algn="ctr"/>
-            <a:endParaRPr lang="en-US"/>
-          </a:p>
-        </p:txBody>
-      </p:sp>
-      <p:sp>
-        <p:nvSpPr>
-          <p:cNvPr id="2" name="TextBox 1">
-            <a:extLst>
-              <a:ext uri="{FF2B5EF4-FFF2-40B4-BE49-F238E27FC236}">
-                <a16:creationId xmlns:a16="http://schemas.microsoft.com/office/drawing/2014/main" id="{D56529D1-4160-0FA4-725B-A7E6BC7C5750}"/>
-              </a:ext>
-            </a:extLst>
-          </p:cNvPr>
-          <p:cNvSpPr txBox="1"/>
-          <p:nvPr/>
-        </p:nvSpPr>
-        <p:spPr>
-          <a:xfrm>
-            <a:off x="410966" y="2948683"/>
-            <a:ext cx="2137025" cy="461665"/>
-          </a:xfrm>
-          <a:prstGeom prst="rect">
-            <a:avLst/>
-          </a:prstGeom>
-          <a:noFill/>
-        </p:spPr>
-        <p:txBody>
-          <a:bodyPr wrap="square" rtlCol="0">
-            <a:spAutoFit/>
-          </a:bodyPr>
-          <a:lstStyle/>
-          <a:p>
-            <a:r>
-              <a:rPr lang="en-US" sz="2400" u="sng" dirty="0"/>
-              <a:t>Constant</a:t>
-            </a:r>
-          </a:p>
-        </p:txBody>
-      </p:sp>
-      <p:sp>
-        <p:nvSpPr>
-          <p:cNvPr id="3" name="TextBox 2">
-            <a:extLst>
-              <a:ext uri="{FF2B5EF4-FFF2-40B4-BE49-F238E27FC236}">
-                <a16:creationId xmlns:a16="http://schemas.microsoft.com/office/drawing/2014/main" id="{12665B4F-D0ED-8D41-6E1D-DA75A3258900}"/>
-              </a:ext>
-            </a:extLst>
-          </p:cNvPr>
-          <p:cNvSpPr txBox="1"/>
-          <p:nvPr/>
-        </p:nvSpPr>
-        <p:spPr>
-          <a:xfrm>
-            <a:off x="2669569" y="2948682"/>
-            <a:ext cx="2137025" cy="461665"/>
-          </a:xfrm>
-          <a:prstGeom prst="rect">
-            <a:avLst/>
-          </a:prstGeom>
-          <a:noFill/>
-        </p:spPr>
-        <p:txBody>
-          <a:bodyPr wrap="square" rtlCol="0">
-            <a:spAutoFit/>
-          </a:bodyPr>
-          <a:lstStyle/>
-          <a:p>
-            <a:r>
-              <a:rPr lang="en-US" sz="2400" u="sng" dirty="0"/>
-              <a:t>Changing</a:t>
-            </a:r>
-          </a:p>
-        </p:txBody>
-      </p:sp>
-      <p:sp>
-        <p:nvSpPr>
-          <p:cNvPr id="7" name="TextBox 6">
-            <a:extLst>
-              <a:ext uri="{FF2B5EF4-FFF2-40B4-BE49-F238E27FC236}">
-                <a16:creationId xmlns:a16="http://schemas.microsoft.com/office/drawing/2014/main" id="{F18649D4-0D25-EE27-CC7E-1DFB5F35F91D}"/>
-              </a:ext>
-            </a:extLst>
-          </p:cNvPr>
-          <p:cNvSpPr txBox="1"/>
-          <p:nvPr/>
-        </p:nvSpPr>
-        <p:spPr>
-          <a:xfrm>
-            <a:off x="5248383" y="2948681"/>
-            <a:ext cx="2137025" cy="461665"/>
-          </a:xfrm>
-          <a:prstGeom prst="rect">
-            <a:avLst/>
-          </a:prstGeom>
-          <a:noFill/>
-        </p:spPr>
-        <p:txBody>
-          <a:bodyPr wrap="square" rtlCol="0">
-            <a:spAutoFit/>
-          </a:bodyPr>
-          <a:lstStyle/>
-          <a:p>
-            <a:r>
-              <a:rPr lang="en-US" sz="2400" u="sng" dirty="0"/>
-              <a:t>BB options</a:t>
-            </a:r>
-          </a:p>
-        </p:txBody>
-      </p:sp>
-      <p:sp>
-        <p:nvSpPr>
-          <p:cNvPr id="8" name="TextBox 7">
-            <a:extLst>
-              <a:ext uri="{FF2B5EF4-FFF2-40B4-BE49-F238E27FC236}">
-                <a16:creationId xmlns:a16="http://schemas.microsoft.com/office/drawing/2014/main" id="{741CC791-41D6-2E02-B412-E876AE4A54A2}"/>
-              </a:ext>
-            </a:extLst>
-          </p:cNvPr>
-          <p:cNvSpPr txBox="1"/>
-          <p:nvPr/>
-        </p:nvSpPr>
-        <p:spPr>
-          <a:xfrm>
-            <a:off x="5248383" y="3780214"/>
-            <a:ext cx="1446230" cy="1569660"/>
-          </a:xfrm>
-          <a:prstGeom prst="rect">
-            <a:avLst/>
-          </a:prstGeom>
-          <a:noFill/>
-        </p:spPr>
-        <p:txBody>
-          <a:bodyPr wrap="none" rtlCol="0">
-            <a:spAutoFit/>
-          </a:bodyPr>
-          <a:lstStyle/>
-          <a:p>
-            <a:r>
-              <a:rPr lang="en-CA" sz="2400" dirty="0"/>
-              <a:t>on-tick</a:t>
-            </a:r>
-            <a:br>
-              <a:rPr lang="en-CA" sz="2400" dirty="0"/>
-            </a:br>
-            <a:r>
-              <a:rPr lang="en-CA" sz="2400" dirty="0"/>
-              <a:t>to-draw</a:t>
-            </a:r>
-            <a:br>
-              <a:rPr lang="en-CA" sz="2400" dirty="0"/>
-            </a:br>
-            <a:r>
-              <a:rPr lang="en-CA" sz="2400" dirty="0"/>
-              <a:t>on-key</a:t>
-            </a:r>
-            <a:br>
-              <a:rPr lang="en-CA" sz="2400" dirty="0"/>
-            </a:br>
-            <a:r>
-              <a:rPr lang="en-CA" sz="2400" dirty="0"/>
-              <a:t>on-mouse</a:t>
-            </a:r>
-            <a:endParaRPr lang="en-US" sz="2400" dirty="0"/>
-          </a:p>
-        </p:txBody>
-      </p:sp>
-      <p:sp>
-        <p:nvSpPr>
-          <p:cNvPr id="9" name="TextBox 8">
-            <a:extLst>
-              <a:ext uri="{FF2B5EF4-FFF2-40B4-BE49-F238E27FC236}">
-                <a16:creationId xmlns:a16="http://schemas.microsoft.com/office/drawing/2014/main" id="{7125486F-D8FE-4437-E0CA-A6A7AE47C7B1}"/>
-              </a:ext>
-            </a:extLst>
-          </p:cNvPr>
-          <p:cNvSpPr txBox="1"/>
-          <p:nvPr/>
-        </p:nvSpPr>
-        <p:spPr>
-          <a:xfrm>
-            <a:off x="8640566" y="516710"/>
-            <a:ext cx="3154167" cy="2062103"/>
-          </a:xfrm>
-          <a:prstGeom prst="rect">
-            <a:avLst/>
-          </a:prstGeom>
-          <a:noFill/>
-        </p:spPr>
-        <p:txBody>
-          <a:bodyPr wrap="square" rtlCol="0">
-            <a:spAutoFit/>
-          </a:bodyPr>
-          <a:lstStyle/>
-          <a:p>
-            <a:r>
-              <a:rPr lang="en-CA" sz="3200" dirty="0">
-                <a:solidFill>
-                  <a:srgbClr val="FF0000"/>
-                </a:solidFill>
-              </a:rPr>
-              <a:t>Don’t worry, handwriting</a:t>
-            </a:r>
-          </a:p>
-          <a:p>
-            <a:r>
-              <a:rPr lang="en-CA" sz="3200" dirty="0">
-                <a:solidFill>
-                  <a:srgbClr val="FF0000"/>
-                </a:solidFill>
-              </a:rPr>
-              <a:t>will be magically cleaned up!</a:t>
-            </a:r>
-            <a:endParaRPr lang="en-US" sz="3200" dirty="0">
-              <a:solidFill>
-                <a:srgbClr val="FF0000"/>
-              </a:solidFill>
-            </a:endParaRPr>
-          </a:p>
-        </p:txBody>
-      </p:sp>
-    </p:spTree>
-    <p:extLst>
-      <p:ext uri="{BB962C8B-B14F-4D97-AF65-F5344CB8AC3E}">
-        <p14:creationId xmlns:p14="http://schemas.microsoft.com/office/powerpoint/2010/main" val="1978207108"/>
-      </p:ext>
-    </p:extLst>
-  </p:cSld>
-  <p:clrMapOvr>
-    <a:masterClrMapping/>
-  </p:clrMapOvr>
-</p:sld>
-</file>
-
-<file path=ppt/slides/slide7.xml><?xml version="1.0" encoding="utf-8"?>
-<p:sld xmlns:a="http://schemas.openxmlformats.org/drawingml/2006/main" xmlns:r="http://schemas.openxmlformats.org/officeDocument/2006/relationships" xmlns:p="http://schemas.openxmlformats.org/presentationml/2006/main">
-  <p:cSld>
-    <p:spTree>
-      <p:nvGrpSpPr>
-        <p:cNvPr id="1" name=""/>
-        <p:cNvGrpSpPr/>
-        <p:nvPr/>
-      </p:nvGrpSpPr>
-      <p:grpSpPr>
-        <a:xfrm>
-          <a:off x="0" y="0"/>
-          <a:ext cx="0" cy="0"/>
-          <a:chOff x="0" y="0"/>
-          <a:chExt cx="0" cy="0"/>
-        </a:xfrm>
-      </p:grpSpPr>
-      <p:sp>
-        <p:nvSpPr>
-          <p:cNvPr id="4" name="Rectangle 3">
-            <a:extLst>
-              <a:ext uri="{FF2B5EF4-FFF2-40B4-BE49-F238E27FC236}">
-                <a16:creationId xmlns:a16="http://schemas.microsoft.com/office/drawing/2014/main" id="{C1275F09-7A7D-2571-45CA-1ED8E929A06E}"/>
-              </a:ext>
-            </a:extLst>
-          </p:cNvPr>
-          <p:cNvSpPr/>
-          <p:nvPr/>
-        </p:nvSpPr>
-        <p:spPr>
-          <a:xfrm>
-            <a:off x="1068512" y="359597"/>
-            <a:ext cx="2786796" cy="2095928"/>
-          </a:xfrm>
-          <a:prstGeom prst="rect">
-            <a:avLst/>
-          </a:prstGeom>
-          <a:solidFill>
-            <a:schemeClr val="tx2">
-              <a:lumMod val="20000"/>
-              <a:lumOff val="80000"/>
-              <a:alpha val="29321"/>
-            </a:schemeClr>
-          </a:solidFill>
-        </p:spPr>
-        <p:style>
-          <a:lnRef idx="2">
-            <a:schemeClr val="accent1">
-              <a:shade val="50000"/>
-            </a:schemeClr>
-          </a:lnRef>
-          <a:fillRef idx="1">
-            <a:schemeClr val="accent1"/>
-          </a:fillRef>
-          <a:effectRef idx="0">
-            <a:schemeClr val="accent1"/>
-          </a:effectRef>
-          <a:fontRef idx="minor">
-            <a:schemeClr val="lt1"/>
-          </a:fontRef>
-        </p:style>
-        <p:txBody>
-          <a:bodyPr rtlCol="0" anchor="ctr"/>
-          <a:lstStyle/>
-          <a:p>
-            <a:pPr algn="ctr"/>
-            <a:endParaRPr lang="en-US"/>
-          </a:p>
-        </p:txBody>
-      </p:sp>
-      <p:sp>
-        <p:nvSpPr>
-          <p:cNvPr id="5" name="Rectangle 4">
-            <a:extLst>
-              <a:ext uri="{FF2B5EF4-FFF2-40B4-BE49-F238E27FC236}">
-                <a16:creationId xmlns:a16="http://schemas.microsoft.com/office/drawing/2014/main" id="{CBC6BAB3-9E38-D359-223F-E735977AA9CD}"/>
-              </a:ext>
-            </a:extLst>
-          </p:cNvPr>
-          <p:cNvSpPr/>
-          <p:nvPr/>
-        </p:nvSpPr>
-        <p:spPr>
-          <a:xfrm>
-            <a:off x="4702602" y="359597"/>
-            <a:ext cx="2786796" cy="2095928"/>
-          </a:xfrm>
-          <a:prstGeom prst="rect">
-            <a:avLst/>
-          </a:prstGeom>
-          <a:solidFill>
-            <a:schemeClr val="tx2">
-              <a:lumMod val="20000"/>
-              <a:lumOff val="80000"/>
-              <a:alpha val="29321"/>
-            </a:schemeClr>
-          </a:solidFill>
-        </p:spPr>
-        <p:style>
-          <a:lnRef idx="2">
-            <a:schemeClr val="accent1">
-              <a:shade val="50000"/>
-            </a:schemeClr>
-          </a:lnRef>
-          <a:fillRef idx="1">
-            <a:schemeClr val="accent1"/>
-          </a:fillRef>
-          <a:effectRef idx="0">
-            <a:schemeClr val="accent1"/>
-          </a:effectRef>
-          <a:fontRef idx="minor">
-            <a:schemeClr val="lt1"/>
-          </a:fontRef>
-        </p:style>
-        <p:txBody>
-          <a:bodyPr rtlCol="0" anchor="ctr"/>
-          <a:lstStyle/>
-          <a:p>
-            <a:pPr algn="ctr"/>
-            <a:endParaRPr lang="en-US"/>
-          </a:p>
-        </p:txBody>
-      </p:sp>
-      <p:sp>
-        <p:nvSpPr>
-          <p:cNvPr id="2" name="TextBox 1">
-            <a:extLst>
-              <a:ext uri="{FF2B5EF4-FFF2-40B4-BE49-F238E27FC236}">
-                <a16:creationId xmlns:a16="http://schemas.microsoft.com/office/drawing/2014/main" id="{D56529D1-4160-0FA4-725B-A7E6BC7C5750}"/>
-              </a:ext>
-            </a:extLst>
-          </p:cNvPr>
-          <p:cNvSpPr txBox="1"/>
-          <p:nvPr/>
-        </p:nvSpPr>
-        <p:spPr>
-          <a:xfrm>
-            <a:off x="410966" y="2722655"/>
-            <a:ext cx="2137025" cy="461665"/>
-          </a:xfrm>
-          <a:prstGeom prst="rect">
-            <a:avLst/>
-          </a:prstGeom>
-          <a:noFill/>
-        </p:spPr>
-        <p:txBody>
-          <a:bodyPr wrap="square" rtlCol="0">
-            <a:spAutoFit/>
-          </a:bodyPr>
-          <a:lstStyle/>
-          <a:p>
-            <a:r>
-              <a:rPr lang="en-US" sz="2400" u="sng" dirty="0"/>
-              <a:t>Constant</a:t>
-            </a:r>
-          </a:p>
-        </p:txBody>
-      </p:sp>
-      <p:sp>
-        <p:nvSpPr>
-          <p:cNvPr id="3" name="TextBox 2">
-            <a:extLst>
-              <a:ext uri="{FF2B5EF4-FFF2-40B4-BE49-F238E27FC236}">
-                <a16:creationId xmlns:a16="http://schemas.microsoft.com/office/drawing/2014/main" id="{12665B4F-D0ED-8D41-6E1D-DA75A3258900}"/>
-              </a:ext>
-            </a:extLst>
-          </p:cNvPr>
-          <p:cNvSpPr txBox="1"/>
-          <p:nvPr/>
-        </p:nvSpPr>
-        <p:spPr>
-          <a:xfrm>
-            <a:off x="2669569" y="2722654"/>
-            <a:ext cx="2137025" cy="461665"/>
-          </a:xfrm>
-          <a:prstGeom prst="rect">
-            <a:avLst/>
-          </a:prstGeom>
-          <a:noFill/>
-        </p:spPr>
-        <p:txBody>
-          <a:bodyPr wrap="square" rtlCol="0">
-            <a:spAutoFit/>
-          </a:bodyPr>
-          <a:lstStyle/>
-          <a:p>
-            <a:r>
-              <a:rPr lang="en-US" sz="2400" u="sng" dirty="0"/>
-              <a:t>Changing</a:t>
-            </a:r>
-          </a:p>
-        </p:txBody>
-      </p:sp>
-      <p:sp>
-        <p:nvSpPr>
-          <p:cNvPr id="7" name="TextBox 6">
-            <a:extLst>
-              <a:ext uri="{FF2B5EF4-FFF2-40B4-BE49-F238E27FC236}">
-                <a16:creationId xmlns:a16="http://schemas.microsoft.com/office/drawing/2014/main" id="{F18649D4-0D25-EE27-CC7E-1DFB5F35F91D}"/>
-              </a:ext>
-            </a:extLst>
-          </p:cNvPr>
-          <p:cNvSpPr txBox="1"/>
-          <p:nvPr/>
-        </p:nvSpPr>
-        <p:spPr>
-          <a:xfrm>
-            <a:off x="5248383" y="2722653"/>
-            <a:ext cx="2137025" cy="461665"/>
-          </a:xfrm>
-          <a:prstGeom prst="rect">
-            <a:avLst/>
-          </a:prstGeom>
-          <a:noFill/>
-        </p:spPr>
-        <p:txBody>
-          <a:bodyPr wrap="square" rtlCol="0">
-            <a:spAutoFit/>
-          </a:bodyPr>
-          <a:lstStyle/>
-          <a:p>
-            <a:r>
-              <a:rPr lang="en-US" sz="2400" u="sng" dirty="0"/>
-              <a:t>BB options</a:t>
-            </a:r>
-          </a:p>
-        </p:txBody>
-      </p:sp>
-      <p:sp>
-        <p:nvSpPr>
-          <p:cNvPr id="8" name="TextBox 7">
-            <a:extLst>
-              <a:ext uri="{FF2B5EF4-FFF2-40B4-BE49-F238E27FC236}">
-                <a16:creationId xmlns:a16="http://schemas.microsoft.com/office/drawing/2014/main" id="{741CC791-41D6-2E02-B412-E876AE4A54A2}"/>
-              </a:ext>
-            </a:extLst>
-          </p:cNvPr>
-          <p:cNvSpPr txBox="1"/>
-          <p:nvPr/>
-        </p:nvSpPr>
-        <p:spPr>
-          <a:xfrm>
-            <a:off x="5248383" y="3345207"/>
-            <a:ext cx="1446230" cy="1569660"/>
-          </a:xfrm>
-          <a:prstGeom prst="rect">
-            <a:avLst/>
-          </a:prstGeom>
-          <a:noFill/>
-        </p:spPr>
-        <p:txBody>
-          <a:bodyPr wrap="none" rtlCol="0">
-            <a:spAutoFit/>
-          </a:bodyPr>
-          <a:lstStyle/>
-          <a:p>
-            <a:r>
-              <a:rPr lang="en-CA" sz="2400" dirty="0"/>
-              <a:t>on-tick</a:t>
-            </a:r>
-            <a:br>
-              <a:rPr lang="en-CA" sz="2400" dirty="0"/>
-            </a:br>
-            <a:r>
-              <a:rPr lang="en-CA" sz="2400" dirty="0"/>
-              <a:t>to-draw</a:t>
-            </a:r>
-            <a:br>
-              <a:rPr lang="en-CA" sz="2400" dirty="0"/>
-            </a:br>
-            <a:r>
-              <a:rPr lang="en-CA" sz="2400" strike="sngStrike" dirty="0"/>
-              <a:t>on-key</a:t>
-            </a:r>
-            <a:br>
-              <a:rPr lang="en-CA" sz="2400" strike="sngStrike" dirty="0"/>
-            </a:br>
-            <a:r>
-              <a:rPr lang="en-CA" sz="2400" strike="sngStrike" dirty="0"/>
-              <a:t>on-mouse</a:t>
-            </a:r>
-            <a:endParaRPr lang="en-US" sz="2400" strike="sngStrike" dirty="0"/>
-          </a:p>
-        </p:txBody>
-      </p:sp>
-      <p:sp>
-        <p:nvSpPr>
-          <p:cNvPr id="6" name="TextBox 5">
-            <a:extLst>
-              <a:ext uri="{FF2B5EF4-FFF2-40B4-BE49-F238E27FC236}">
-                <a16:creationId xmlns:a16="http://schemas.microsoft.com/office/drawing/2014/main" id="{9CC79341-DE9F-191C-A634-F3CD9A1DB239}"/>
-              </a:ext>
-            </a:extLst>
-          </p:cNvPr>
-          <p:cNvSpPr txBox="1"/>
-          <p:nvPr/>
-        </p:nvSpPr>
-        <p:spPr>
-          <a:xfrm>
-            <a:off x="410966" y="3345207"/>
-            <a:ext cx="1792607" cy="3686856"/>
-          </a:xfrm>
-          <a:prstGeom prst="rect">
-            <a:avLst/>
-          </a:prstGeom>
-          <a:noFill/>
-        </p:spPr>
-        <p:txBody>
-          <a:bodyPr wrap="none" rtlCol="0">
-            <a:spAutoFit/>
-          </a:bodyPr>
-          <a:lstStyle/>
-          <a:p>
-            <a:r>
-              <a:rPr lang="en-CA" sz="2400" dirty="0"/>
-              <a:t>width</a:t>
-            </a:r>
-            <a:br>
-              <a:rPr lang="en-CA" sz="2400" dirty="0"/>
-            </a:br>
-            <a:r>
-              <a:rPr lang="en-CA" sz="2400" dirty="0"/>
-              <a:t>height</a:t>
-            </a:r>
-            <a:br>
-              <a:rPr lang="en-CA" sz="2400" dirty="0"/>
-            </a:br>
-            <a:r>
-              <a:rPr lang="en-CA" sz="2400" dirty="0"/>
-              <a:t>center x</a:t>
-            </a:r>
-          </a:p>
-          <a:p>
-            <a:r>
-              <a:rPr lang="en-CA" sz="2400" dirty="0"/>
-              <a:t>speed</a:t>
-            </a:r>
-          </a:p>
-          <a:p>
-            <a:r>
-              <a:rPr lang="en-CA" sz="2400" dirty="0"/>
-              <a:t>spider radius</a:t>
-            </a:r>
-          </a:p>
-          <a:p>
-            <a:endParaRPr lang="en-CA" sz="2400" dirty="0"/>
-          </a:p>
-          <a:p>
-            <a:r>
-              <a:rPr lang="en-CA" sz="2400" dirty="0"/>
-              <a:t>spider image</a:t>
-            </a:r>
-          </a:p>
-          <a:p>
-            <a:r>
-              <a:rPr lang="en-CA" sz="2400" dirty="0"/>
-              <a:t>mts</a:t>
-            </a:r>
-            <a:endParaRPr lang="en-US" sz="2400" dirty="0"/>
-          </a:p>
-        </p:txBody>
-      </p:sp>
-      <p:sp>
-        <p:nvSpPr>
-          <p:cNvPr id="9" name="TextBox 8">
-            <a:extLst>
-              <a:ext uri="{FF2B5EF4-FFF2-40B4-BE49-F238E27FC236}">
-                <a16:creationId xmlns:a16="http://schemas.microsoft.com/office/drawing/2014/main" id="{9B62125E-56DF-3972-1005-ACCE13E69FC5}"/>
-              </a:ext>
-            </a:extLst>
-          </p:cNvPr>
-          <p:cNvSpPr txBox="1"/>
-          <p:nvPr/>
-        </p:nvSpPr>
-        <p:spPr>
-          <a:xfrm>
-            <a:off x="2669569" y="3345207"/>
-            <a:ext cx="1168910" cy="461665"/>
-          </a:xfrm>
-          <a:prstGeom prst="rect">
-            <a:avLst/>
-          </a:prstGeom>
-          <a:noFill/>
-        </p:spPr>
-        <p:txBody>
-          <a:bodyPr wrap="none" rtlCol="0">
-            <a:spAutoFit/>
-          </a:bodyPr>
-          <a:lstStyle/>
-          <a:p>
-            <a:r>
-              <a:rPr lang="en-CA" sz="2400" dirty="0"/>
-              <a:t>spider y</a:t>
-            </a:r>
-            <a:endParaRPr lang="en-US" sz="2400" dirty="0"/>
-          </a:p>
-        </p:txBody>
-      </p:sp>
-      <p:sp>
-        <p:nvSpPr>
-          <p:cNvPr id="10" name="Oval 9">
-            <a:extLst>
-              <a:ext uri="{FF2B5EF4-FFF2-40B4-BE49-F238E27FC236}">
-                <a16:creationId xmlns:a16="http://schemas.microsoft.com/office/drawing/2014/main" id="{B3852AB0-6269-BC94-6255-C9DDE8571DB1}"/>
-              </a:ext>
-            </a:extLst>
-          </p:cNvPr>
-          <p:cNvSpPr/>
-          <p:nvPr/>
-        </p:nvSpPr>
-        <p:spPr>
-          <a:xfrm>
-            <a:off x="2348894" y="565079"/>
-            <a:ext cx="226031" cy="226031"/>
-          </a:xfrm>
-          <a:prstGeom prst="ellipse">
-            <a:avLst/>
-          </a:prstGeom>
-        </p:spPr>
-        <p:style>
-          <a:lnRef idx="2">
-            <a:schemeClr val="accent1">
-              <a:shade val="50000"/>
-            </a:schemeClr>
-          </a:lnRef>
-          <a:fillRef idx="1">
-            <a:schemeClr val="accent1"/>
-          </a:fillRef>
-          <a:effectRef idx="0">
-            <a:schemeClr val="accent1"/>
-          </a:effectRef>
-          <a:fontRef idx="minor">
-            <a:schemeClr val="lt1"/>
-          </a:fontRef>
-        </p:style>
-        <p:txBody>
-          <a:bodyPr rtlCol="0" anchor="ctr"/>
-          <a:lstStyle/>
-          <a:p>
-            <a:pPr algn="ctr"/>
-            <a:endParaRPr lang="en-US"/>
-          </a:p>
-        </p:txBody>
-      </p:sp>
-      <p:sp>
-        <p:nvSpPr>
-          <p:cNvPr id="11" name="Oval 10">
-            <a:extLst>
-              <a:ext uri="{FF2B5EF4-FFF2-40B4-BE49-F238E27FC236}">
-                <a16:creationId xmlns:a16="http://schemas.microsoft.com/office/drawing/2014/main" id="{BBD8CC57-45E0-176F-579B-E2C1AA037855}"/>
-              </a:ext>
-            </a:extLst>
-          </p:cNvPr>
-          <p:cNvSpPr/>
-          <p:nvPr/>
-        </p:nvSpPr>
-        <p:spPr>
-          <a:xfrm>
-            <a:off x="5982984" y="2094216"/>
-            <a:ext cx="226031" cy="226031"/>
-          </a:xfrm>
-          <a:prstGeom prst="ellipse">
-            <a:avLst/>
-          </a:prstGeom>
-        </p:spPr>
-        <p:style>
-          <a:lnRef idx="2">
-            <a:schemeClr val="accent1">
-              <a:shade val="50000"/>
-            </a:schemeClr>
-          </a:lnRef>
-          <a:fillRef idx="1">
-            <a:schemeClr val="accent1"/>
-          </a:fillRef>
-          <a:effectRef idx="0">
-            <a:schemeClr val="accent1"/>
-          </a:effectRef>
-          <a:fontRef idx="minor">
-            <a:schemeClr val="lt1"/>
-          </a:fontRef>
-        </p:style>
-        <p:txBody>
-          <a:bodyPr rtlCol="0" anchor="ctr"/>
-          <a:lstStyle/>
-          <a:p>
-            <a:pPr algn="ctr"/>
-            <a:endParaRPr lang="en-US"/>
-          </a:p>
-        </p:txBody>
-      </p:sp>
-    </p:spTree>
-    <p:extLst>
-      <p:ext uri="{BB962C8B-B14F-4D97-AF65-F5344CB8AC3E}">
-        <p14:creationId xmlns:p14="http://schemas.microsoft.com/office/powerpoint/2010/main" val="2872271045"/>
-      </p:ext>
-    </p:extLst>
-  </p:cSld>
-  <p:clrMapOvr>
-    <a:masterClrMapping/>
-  </p:clrMapOvr>
-</p:sld>
-</file>
-
-<file path=ppt/slides/slide8.xml><?xml version="1.0" encoding="utf-8"?>
-<p:sld xmlns:a="http://schemas.openxmlformats.org/drawingml/2006/main" xmlns:r="http://schemas.openxmlformats.org/officeDocument/2006/relationships" xmlns:p="http://schemas.openxmlformats.org/presentationml/2006/main">
-  <p:cSld>
-    <p:spTree>
-      <p:nvGrpSpPr>
-        <p:cNvPr id="1" name=""/>
-        <p:cNvGrpSpPr/>
-        <p:nvPr/>
-      </p:nvGrpSpPr>
-      <p:grpSpPr>
-        <a:xfrm>
-          <a:off x="0" y="0"/>
-          <a:ext cx="0" cy="0"/>
-          <a:chOff x="0" y="0"/>
-          <a:chExt cx="0" cy="0"/>
-        </a:xfrm>
-      </p:grpSpPr>
-      <p:sp>
-        <p:nvSpPr>
-          <p:cNvPr id="4" name="Rectangle 3">
-            <a:extLst>
-              <a:ext uri="{FF2B5EF4-FFF2-40B4-BE49-F238E27FC236}">
-                <a16:creationId xmlns:a16="http://schemas.microsoft.com/office/drawing/2014/main" id="{C1275F09-7A7D-2571-45CA-1ED8E929A06E}"/>
-              </a:ext>
-            </a:extLst>
-          </p:cNvPr>
-          <p:cNvSpPr/>
-          <p:nvPr/>
-        </p:nvSpPr>
-        <p:spPr>
-          <a:xfrm>
-            <a:off x="1068512" y="359597"/>
-            <a:ext cx="2786796" cy="2095928"/>
-          </a:xfrm>
-          <a:prstGeom prst="rect">
-            <a:avLst/>
-          </a:prstGeom>
-          <a:solidFill>
-            <a:schemeClr val="tx2">
-              <a:lumMod val="20000"/>
-              <a:lumOff val="80000"/>
-              <a:alpha val="29321"/>
-            </a:schemeClr>
-          </a:solidFill>
-        </p:spPr>
-        <p:style>
-          <a:lnRef idx="2">
-            <a:schemeClr val="accent1">
-              <a:shade val="50000"/>
-            </a:schemeClr>
-          </a:lnRef>
-          <a:fillRef idx="1">
-            <a:schemeClr val="accent1"/>
-          </a:fillRef>
-          <a:effectRef idx="0">
-            <a:schemeClr val="accent1"/>
-          </a:effectRef>
-          <a:fontRef idx="minor">
-            <a:schemeClr val="lt1"/>
-          </a:fontRef>
-        </p:style>
-        <p:txBody>
-          <a:bodyPr rtlCol="0" anchor="ctr"/>
-          <a:lstStyle/>
-          <a:p>
-            <a:pPr algn="ctr"/>
-            <a:endParaRPr lang="en-US"/>
-          </a:p>
-        </p:txBody>
-      </p:sp>
-      <p:sp>
-        <p:nvSpPr>
-          <p:cNvPr id="5" name="Rectangle 4">
-            <a:extLst>
-              <a:ext uri="{FF2B5EF4-FFF2-40B4-BE49-F238E27FC236}">
-                <a16:creationId xmlns:a16="http://schemas.microsoft.com/office/drawing/2014/main" id="{CBC6BAB3-9E38-D359-223F-E735977AA9CD}"/>
-              </a:ext>
-            </a:extLst>
-          </p:cNvPr>
-          <p:cNvSpPr/>
-          <p:nvPr/>
-        </p:nvSpPr>
-        <p:spPr>
-          <a:xfrm>
-            <a:off x="4702602" y="359597"/>
-            <a:ext cx="2786796" cy="2095928"/>
-          </a:xfrm>
-          <a:prstGeom prst="rect">
-            <a:avLst/>
-          </a:prstGeom>
-          <a:solidFill>
-            <a:schemeClr val="tx2">
-              <a:lumMod val="20000"/>
-              <a:lumOff val="80000"/>
-              <a:alpha val="29321"/>
-            </a:schemeClr>
-          </a:solidFill>
-        </p:spPr>
-        <p:style>
-          <a:lnRef idx="2">
-            <a:schemeClr val="accent1">
-              <a:shade val="50000"/>
-            </a:schemeClr>
-          </a:lnRef>
-          <a:fillRef idx="1">
-            <a:schemeClr val="accent1"/>
-          </a:fillRef>
-          <a:effectRef idx="0">
-            <a:schemeClr val="accent1"/>
-          </a:effectRef>
-          <a:fontRef idx="minor">
-            <a:schemeClr val="lt1"/>
-          </a:fontRef>
-        </p:style>
-        <p:txBody>
-          <a:bodyPr rtlCol="0" anchor="ctr"/>
-          <a:lstStyle/>
-          <a:p>
-            <a:pPr algn="ctr"/>
-            <a:endParaRPr lang="en-US"/>
-          </a:p>
-        </p:txBody>
-      </p:sp>
-      <p:sp>
-        <p:nvSpPr>
-          <p:cNvPr id="2" name="TextBox 1">
-            <a:extLst>
-              <a:ext uri="{FF2B5EF4-FFF2-40B4-BE49-F238E27FC236}">
-                <a16:creationId xmlns:a16="http://schemas.microsoft.com/office/drawing/2014/main" id="{D56529D1-4160-0FA4-725B-A7E6BC7C5750}"/>
-              </a:ext>
-            </a:extLst>
-          </p:cNvPr>
-          <p:cNvSpPr txBox="1"/>
-          <p:nvPr/>
-        </p:nvSpPr>
-        <p:spPr>
-          <a:xfrm>
-            <a:off x="410966" y="2722655"/>
-            <a:ext cx="2137025" cy="461665"/>
-          </a:xfrm>
-          <a:prstGeom prst="rect">
-            <a:avLst/>
-          </a:prstGeom>
-          <a:noFill/>
-        </p:spPr>
-        <p:txBody>
-          <a:bodyPr wrap="square" rtlCol="0">
-            <a:spAutoFit/>
-          </a:bodyPr>
-          <a:lstStyle/>
-          <a:p>
-            <a:r>
-              <a:rPr lang="en-US" sz="2400" u="sng" dirty="0"/>
-              <a:t>Constant</a:t>
-            </a:r>
-          </a:p>
-        </p:txBody>
-      </p:sp>
-      <p:sp>
-        <p:nvSpPr>
-          <p:cNvPr id="3" name="TextBox 2">
-            <a:extLst>
-              <a:ext uri="{FF2B5EF4-FFF2-40B4-BE49-F238E27FC236}">
-                <a16:creationId xmlns:a16="http://schemas.microsoft.com/office/drawing/2014/main" id="{12665B4F-D0ED-8D41-6E1D-DA75A3258900}"/>
-              </a:ext>
-            </a:extLst>
-          </p:cNvPr>
-          <p:cNvSpPr txBox="1"/>
-          <p:nvPr/>
-        </p:nvSpPr>
-        <p:spPr>
-          <a:xfrm>
-            <a:off x="2669569" y="2722654"/>
-            <a:ext cx="2137025" cy="461665"/>
-          </a:xfrm>
-          <a:prstGeom prst="rect">
-            <a:avLst/>
-          </a:prstGeom>
-          <a:noFill/>
-        </p:spPr>
-        <p:txBody>
-          <a:bodyPr wrap="square" rtlCol="0">
-            <a:spAutoFit/>
-          </a:bodyPr>
-          <a:lstStyle/>
-          <a:p>
-            <a:r>
-              <a:rPr lang="en-US" sz="2400" u="sng" dirty="0"/>
-              <a:t>Changing</a:t>
-            </a:r>
-          </a:p>
-        </p:txBody>
-      </p:sp>
-      <p:sp>
-        <p:nvSpPr>
-          <p:cNvPr id="7" name="TextBox 6">
-            <a:extLst>
-              <a:ext uri="{FF2B5EF4-FFF2-40B4-BE49-F238E27FC236}">
-                <a16:creationId xmlns:a16="http://schemas.microsoft.com/office/drawing/2014/main" id="{F18649D4-0D25-EE27-CC7E-1DFB5F35F91D}"/>
-              </a:ext>
-            </a:extLst>
-          </p:cNvPr>
-          <p:cNvSpPr txBox="1"/>
-          <p:nvPr/>
-        </p:nvSpPr>
-        <p:spPr>
-          <a:xfrm>
-            <a:off x="5248383" y="2722653"/>
-            <a:ext cx="2137025" cy="461665"/>
-          </a:xfrm>
-          <a:prstGeom prst="rect">
-            <a:avLst/>
-          </a:prstGeom>
-          <a:noFill/>
-        </p:spPr>
-        <p:txBody>
-          <a:bodyPr wrap="square" rtlCol="0">
-            <a:spAutoFit/>
-          </a:bodyPr>
-          <a:lstStyle/>
-          <a:p>
-            <a:r>
-              <a:rPr lang="en-US" sz="2400" u="sng" dirty="0"/>
-              <a:t>BB options</a:t>
-            </a:r>
-          </a:p>
-        </p:txBody>
-      </p:sp>
-      <p:sp>
-        <p:nvSpPr>
-          <p:cNvPr id="8" name="TextBox 7">
-            <a:extLst>
-              <a:ext uri="{FF2B5EF4-FFF2-40B4-BE49-F238E27FC236}">
-                <a16:creationId xmlns:a16="http://schemas.microsoft.com/office/drawing/2014/main" id="{741CC791-41D6-2E02-B412-E876AE4A54A2}"/>
-              </a:ext>
-            </a:extLst>
-          </p:cNvPr>
-          <p:cNvSpPr txBox="1"/>
-          <p:nvPr/>
-        </p:nvSpPr>
-        <p:spPr>
-          <a:xfrm>
-            <a:off x="5248383" y="3345207"/>
-            <a:ext cx="1446230" cy="1569660"/>
-          </a:xfrm>
-          <a:prstGeom prst="rect">
-            <a:avLst/>
-          </a:prstGeom>
-          <a:noFill/>
-        </p:spPr>
-        <p:txBody>
-          <a:bodyPr wrap="none" rtlCol="0">
-            <a:spAutoFit/>
-          </a:bodyPr>
-          <a:lstStyle/>
-          <a:p>
-            <a:r>
-              <a:rPr lang="en-CA" sz="2400" dirty="0"/>
-              <a:t>on-tick</a:t>
-            </a:r>
-            <a:br>
-              <a:rPr lang="en-CA" sz="2400" dirty="0"/>
-            </a:br>
-            <a:r>
-              <a:rPr lang="en-CA" sz="2400" dirty="0"/>
-              <a:t>to-draw</a:t>
-            </a:r>
-            <a:br>
-              <a:rPr lang="en-CA" sz="2400" dirty="0"/>
-            </a:br>
-            <a:r>
-              <a:rPr lang="en-CA" sz="2400" strike="sngStrike" dirty="0"/>
-              <a:t>on-key</a:t>
-            </a:r>
-            <a:br>
-              <a:rPr lang="en-CA" sz="2400" strike="sngStrike" dirty="0"/>
-            </a:br>
-            <a:r>
-              <a:rPr lang="en-CA" sz="2400" strike="sngStrike" dirty="0"/>
-              <a:t>on-mouse</a:t>
-            </a:r>
-            <a:endParaRPr lang="en-US" sz="2400" strike="sngStrike" dirty="0"/>
-          </a:p>
-        </p:txBody>
-      </p:sp>
-      <p:sp>
-        <p:nvSpPr>
-          <p:cNvPr id="6" name="TextBox 5">
-            <a:extLst>
-              <a:ext uri="{FF2B5EF4-FFF2-40B4-BE49-F238E27FC236}">
-                <a16:creationId xmlns:a16="http://schemas.microsoft.com/office/drawing/2014/main" id="{9CC79341-DE9F-191C-A634-F3CD9A1DB239}"/>
-              </a:ext>
-            </a:extLst>
-          </p:cNvPr>
-          <p:cNvSpPr txBox="1"/>
-          <p:nvPr/>
-        </p:nvSpPr>
-        <p:spPr>
-          <a:xfrm>
-            <a:off x="410966" y="3345207"/>
-            <a:ext cx="1792607" cy="3686856"/>
-          </a:xfrm>
-          <a:prstGeom prst="rect">
-            <a:avLst/>
-          </a:prstGeom>
-          <a:noFill/>
-        </p:spPr>
-        <p:txBody>
-          <a:bodyPr wrap="none" rtlCol="0">
-            <a:spAutoFit/>
-          </a:bodyPr>
-          <a:lstStyle/>
-          <a:p>
-            <a:r>
-              <a:rPr lang="en-CA" sz="2400" dirty="0"/>
-              <a:t>width</a:t>
-            </a:r>
-            <a:br>
-              <a:rPr lang="en-CA" sz="2400" dirty="0"/>
-            </a:br>
-            <a:r>
-              <a:rPr lang="en-CA" sz="2400" dirty="0"/>
-              <a:t>height</a:t>
-            </a:r>
-            <a:br>
-              <a:rPr lang="en-CA" sz="2400" dirty="0"/>
-            </a:br>
-            <a:r>
-              <a:rPr lang="en-CA" sz="2400" dirty="0"/>
-              <a:t>center x</a:t>
-            </a:r>
-          </a:p>
-          <a:p>
-            <a:r>
-              <a:rPr lang="en-CA" sz="2400" dirty="0"/>
-              <a:t>speed</a:t>
-            </a:r>
-          </a:p>
-          <a:p>
-            <a:r>
-              <a:rPr lang="en-CA" sz="2400" dirty="0"/>
-              <a:t>spider radius</a:t>
-            </a:r>
-          </a:p>
-          <a:p>
-            <a:endParaRPr lang="en-CA" sz="2400" dirty="0"/>
-          </a:p>
-          <a:p>
-            <a:r>
-              <a:rPr lang="en-CA" sz="2400" dirty="0"/>
-              <a:t>spider image</a:t>
-            </a:r>
-          </a:p>
-          <a:p>
-            <a:r>
-              <a:rPr lang="en-CA" sz="2400" dirty="0"/>
-              <a:t>mts</a:t>
-            </a:r>
-            <a:endParaRPr lang="en-US" sz="2400" dirty="0"/>
-          </a:p>
-        </p:txBody>
-      </p:sp>
-      <p:sp>
-        <p:nvSpPr>
-          <p:cNvPr id="9" name="TextBox 8">
-            <a:extLst>
-              <a:ext uri="{FF2B5EF4-FFF2-40B4-BE49-F238E27FC236}">
-                <a16:creationId xmlns:a16="http://schemas.microsoft.com/office/drawing/2014/main" id="{9B62125E-56DF-3972-1005-ACCE13E69FC5}"/>
-              </a:ext>
-            </a:extLst>
-          </p:cNvPr>
-          <p:cNvSpPr txBox="1"/>
-          <p:nvPr/>
-        </p:nvSpPr>
-        <p:spPr>
-          <a:xfrm>
-            <a:off x="2669569" y="3345207"/>
-            <a:ext cx="1168910" cy="461665"/>
-          </a:xfrm>
-          <a:prstGeom prst="rect">
-            <a:avLst/>
-          </a:prstGeom>
-          <a:noFill/>
-        </p:spPr>
-        <p:txBody>
-          <a:bodyPr wrap="none" rtlCol="0">
-            <a:spAutoFit/>
-          </a:bodyPr>
-          <a:lstStyle/>
-          <a:p>
-            <a:r>
-              <a:rPr lang="en-CA" sz="2400" dirty="0"/>
-              <a:t>spider y</a:t>
-            </a:r>
-            <a:endParaRPr lang="en-US" sz="2400" dirty="0"/>
-          </a:p>
-        </p:txBody>
-      </p:sp>
-      <p:sp>
-        <p:nvSpPr>
-          <p:cNvPr id="10" name="Oval 9">
-            <a:extLst>
-              <a:ext uri="{FF2B5EF4-FFF2-40B4-BE49-F238E27FC236}">
-                <a16:creationId xmlns:a16="http://schemas.microsoft.com/office/drawing/2014/main" id="{B3852AB0-6269-BC94-6255-C9DDE8571DB1}"/>
-              </a:ext>
-            </a:extLst>
-          </p:cNvPr>
-          <p:cNvSpPr/>
-          <p:nvPr/>
-        </p:nvSpPr>
-        <p:spPr>
-          <a:xfrm>
-            <a:off x="2348894" y="565079"/>
-            <a:ext cx="226031" cy="226031"/>
-          </a:xfrm>
-          <a:prstGeom prst="ellipse">
-            <a:avLst/>
-          </a:prstGeom>
-        </p:spPr>
-        <p:style>
-          <a:lnRef idx="2">
-            <a:schemeClr val="accent1">
-              <a:shade val="50000"/>
-            </a:schemeClr>
-          </a:lnRef>
-          <a:fillRef idx="1">
-            <a:schemeClr val="accent1"/>
-          </a:fillRef>
-          <a:effectRef idx="0">
-            <a:schemeClr val="accent1"/>
-          </a:effectRef>
-          <a:fontRef idx="minor">
-            <a:schemeClr val="lt1"/>
-          </a:fontRef>
-        </p:style>
-        <p:txBody>
-          <a:bodyPr rtlCol="0" anchor="ctr"/>
-          <a:lstStyle/>
-          <a:p>
-            <a:pPr algn="ctr"/>
-            <a:endParaRPr lang="en-US"/>
-          </a:p>
-        </p:txBody>
-      </p:sp>
-      <p:sp>
-        <p:nvSpPr>
-          <p:cNvPr id="11" name="Oval 10">
-            <a:extLst>
-              <a:ext uri="{FF2B5EF4-FFF2-40B4-BE49-F238E27FC236}">
-                <a16:creationId xmlns:a16="http://schemas.microsoft.com/office/drawing/2014/main" id="{BBD8CC57-45E0-176F-579B-E2C1AA037855}"/>
-              </a:ext>
-            </a:extLst>
-          </p:cNvPr>
-          <p:cNvSpPr/>
-          <p:nvPr/>
-        </p:nvSpPr>
-        <p:spPr>
-          <a:xfrm>
-            <a:off x="5982984" y="2094216"/>
-            <a:ext cx="226031" cy="226031"/>
-          </a:xfrm>
-          <a:prstGeom prst="ellipse">
-            <a:avLst/>
-          </a:prstGeom>
-        </p:spPr>
-        <p:style>
-          <a:lnRef idx="2">
-            <a:schemeClr val="accent1">
-              <a:shade val="50000"/>
-            </a:schemeClr>
-          </a:lnRef>
-          <a:fillRef idx="1">
-            <a:schemeClr val="accent1"/>
-          </a:fillRef>
-          <a:effectRef idx="0">
-            <a:schemeClr val="accent1"/>
-          </a:effectRef>
-          <a:fontRef idx="minor">
-            <a:schemeClr val="lt1"/>
-          </a:fontRef>
-        </p:style>
-        <p:txBody>
-          <a:bodyPr rtlCol="0" anchor="ctr"/>
-          <a:lstStyle/>
-          <a:p>
-            <a:pPr algn="ctr"/>
-            <a:endParaRPr lang="en-US"/>
-          </a:p>
-        </p:txBody>
-      </p:sp>
-      <p:cxnSp>
-        <p:nvCxnSpPr>
-          <p:cNvPr id="14" name="Straight Connector 13">
-            <a:extLst>
-              <a:ext uri="{FF2B5EF4-FFF2-40B4-BE49-F238E27FC236}">
-                <a16:creationId xmlns:a16="http://schemas.microsoft.com/office/drawing/2014/main" id="{97EEB4AD-2438-3EA6-80B7-9D69FDB82829}"/>
-              </a:ext>
-            </a:extLst>
-          </p:cNvPr>
-          <p:cNvCxnSpPr/>
-          <p:nvPr/>
-        </p:nvCxnSpPr>
-        <p:spPr>
-          <a:xfrm>
-            <a:off x="8496728" y="1304818"/>
-            <a:ext cx="3154166" cy="0"/>
-          </a:xfrm>
-          <a:prstGeom prst="line">
-            <a:avLst/>
-          </a:prstGeom>
-          <a:ln w="28575"/>
-        </p:spPr>
-        <p:style>
-          <a:lnRef idx="1">
-            <a:schemeClr val="accent1"/>
-          </a:lnRef>
-          <a:fillRef idx="0">
-            <a:schemeClr val="accent1"/>
-          </a:fillRef>
-          <a:effectRef idx="0">
-            <a:schemeClr val="accent1"/>
-          </a:effectRef>
-          <a:fontRef idx="minor">
-            <a:schemeClr val="tx1"/>
-          </a:fontRef>
-        </p:style>
-      </p:cxnSp>
-      <p:sp>
-        <p:nvSpPr>
-          <p:cNvPr id="15" name="Oval 14">
-            <a:extLst>
-              <a:ext uri="{FF2B5EF4-FFF2-40B4-BE49-F238E27FC236}">
-                <a16:creationId xmlns:a16="http://schemas.microsoft.com/office/drawing/2014/main" id="{3234DBC7-D497-C4C2-D291-C977ABD70A91}"/>
-              </a:ext>
-            </a:extLst>
-          </p:cNvPr>
-          <p:cNvSpPr/>
-          <p:nvPr/>
-        </p:nvSpPr>
-        <p:spPr>
-          <a:xfrm>
-            <a:off x="10091789" y="1308244"/>
-            <a:ext cx="1032553" cy="1032553"/>
-          </a:xfrm>
-          <a:prstGeom prst="ellipse">
-            <a:avLst/>
-          </a:prstGeom>
-          <a:noFill/>
-          <a:ln w="28575"/>
-        </p:spPr>
-        <p:style>
-          <a:lnRef idx="2">
-            <a:schemeClr val="accent1">
-              <a:shade val="50000"/>
-            </a:schemeClr>
-          </a:lnRef>
-          <a:fillRef idx="1">
-            <a:schemeClr val="accent1"/>
-          </a:fillRef>
-          <a:effectRef idx="0">
-            <a:schemeClr val="accent1"/>
-          </a:effectRef>
-          <a:fontRef idx="minor">
-            <a:schemeClr val="lt1"/>
-          </a:fontRef>
-        </p:style>
-        <p:txBody>
-          <a:bodyPr rtlCol="0" anchor="ctr"/>
-          <a:lstStyle/>
-          <a:p>
-            <a:pPr algn="ctr"/>
-            <a:endParaRPr lang="en-US"/>
-          </a:p>
-        </p:txBody>
-      </p:sp>
-      <p:cxnSp>
-        <p:nvCxnSpPr>
-          <p:cNvPr id="16" name="Straight Connector 15">
-            <a:extLst>
-              <a:ext uri="{FF2B5EF4-FFF2-40B4-BE49-F238E27FC236}">
-                <a16:creationId xmlns:a16="http://schemas.microsoft.com/office/drawing/2014/main" id="{1EA5BDC5-7315-E4A2-99BD-6B27B599E702}"/>
-              </a:ext>
-            </a:extLst>
-          </p:cNvPr>
-          <p:cNvCxnSpPr/>
-          <p:nvPr/>
-        </p:nvCxnSpPr>
-        <p:spPr>
-          <a:xfrm>
-            <a:off x="8496728" y="1833082"/>
-            <a:ext cx="3154166" cy="0"/>
-          </a:xfrm>
-          <a:prstGeom prst="line">
-            <a:avLst/>
-          </a:prstGeom>
-          <a:ln w="28575">
-            <a:prstDash val="dash"/>
-          </a:ln>
-        </p:spPr>
-        <p:style>
-          <a:lnRef idx="1">
-            <a:schemeClr val="accent1"/>
-          </a:lnRef>
-          <a:fillRef idx="0">
-            <a:schemeClr val="accent1"/>
-          </a:fillRef>
-          <a:effectRef idx="0">
-            <a:schemeClr val="accent1"/>
-          </a:effectRef>
-          <a:fontRef idx="minor">
-            <a:schemeClr val="tx1"/>
-          </a:fontRef>
-        </p:style>
-      </p:cxnSp>
-      <p:sp>
-        <p:nvSpPr>
-          <p:cNvPr id="17" name="TextBox 16">
-            <a:extLst>
-              <a:ext uri="{FF2B5EF4-FFF2-40B4-BE49-F238E27FC236}">
-                <a16:creationId xmlns:a16="http://schemas.microsoft.com/office/drawing/2014/main" id="{8ECF375C-6E29-F8CC-3FB6-5506F60AB1C4}"/>
-              </a:ext>
-            </a:extLst>
-          </p:cNvPr>
-          <p:cNvSpPr txBox="1"/>
-          <p:nvPr/>
-        </p:nvSpPr>
-        <p:spPr>
-          <a:xfrm>
-            <a:off x="8160519" y="1862192"/>
-            <a:ext cx="1095236" cy="369332"/>
-          </a:xfrm>
-          <a:prstGeom prst="rect">
-            <a:avLst/>
-          </a:prstGeom>
-          <a:noFill/>
-        </p:spPr>
-        <p:txBody>
-          <a:bodyPr wrap="none" rtlCol="0">
-            <a:spAutoFit/>
-          </a:bodyPr>
-          <a:lstStyle/>
-          <a:p>
-            <a:r>
-              <a:rPr lang="en-US" dirty="0"/>
-              <a:t>0 + radius</a:t>
-            </a:r>
-          </a:p>
-        </p:txBody>
-      </p:sp>
-      <p:cxnSp>
-        <p:nvCxnSpPr>
-          <p:cNvPr id="18" name="Straight Connector 17">
-            <a:extLst>
-              <a:ext uri="{FF2B5EF4-FFF2-40B4-BE49-F238E27FC236}">
-                <a16:creationId xmlns:a16="http://schemas.microsoft.com/office/drawing/2014/main" id="{A07A9568-46EE-1DD1-3984-60D1C38A82C5}"/>
-              </a:ext>
-            </a:extLst>
-          </p:cNvPr>
-          <p:cNvCxnSpPr/>
-          <p:nvPr/>
-        </p:nvCxnSpPr>
-        <p:spPr>
-          <a:xfrm flipV="1">
-            <a:off x="8496728" y="5142753"/>
-            <a:ext cx="3154166" cy="0"/>
-          </a:xfrm>
-          <a:prstGeom prst="line">
-            <a:avLst/>
-          </a:prstGeom>
-          <a:ln w="28575"/>
-        </p:spPr>
-        <p:style>
-          <a:lnRef idx="1">
-            <a:schemeClr val="accent1"/>
-          </a:lnRef>
-          <a:fillRef idx="0">
-            <a:schemeClr val="accent1"/>
-          </a:fillRef>
-          <a:effectRef idx="0">
-            <a:schemeClr val="accent1"/>
-          </a:effectRef>
-          <a:fontRef idx="minor">
-            <a:schemeClr val="tx1"/>
-          </a:fontRef>
-        </p:style>
-      </p:cxnSp>
-      <p:sp>
-        <p:nvSpPr>
-          <p:cNvPr id="19" name="Oval 18">
-            <a:extLst>
-              <a:ext uri="{FF2B5EF4-FFF2-40B4-BE49-F238E27FC236}">
-                <a16:creationId xmlns:a16="http://schemas.microsoft.com/office/drawing/2014/main" id="{71A78C9A-17C0-C996-FF0D-34FD8A1EB4D4}"/>
-              </a:ext>
-            </a:extLst>
-          </p:cNvPr>
-          <p:cNvSpPr/>
-          <p:nvPr/>
-        </p:nvSpPr>
-        <p:spPr>
-          <a:xfrm flipV="1">
-            <a:off x="10091789" y="4106774"/>
-            <a:ext cx="1032553" cy="1032553"/>
-          </a:xfrm>
-          <a:prstGeom prst="ellipse">
-            <a:avLst/>
-          </a:prstGeom>
-          <a:noFill/>
-          <a:ln w="28575"/>
-        </p:spPr>
-        <p:style>
-          <a:lnRef idx="2">
-            <a:schemeClr val="accent1">
-              <a:shade val="50000"/>
-            </a:schemeClr>
-          </a:lnRef>
-          <a:fillRef idx="1">
-            <a:schemeClr val="accent1"/>
-          </a:fillRef>
-          <a:effectRef idx="0">
-            <a:schemeClr val="accent1"/>
-          </a:effectRef>
-          <a:fontRef idx="minor">
-            <a:schemeClr val="lt1"/>
-          </a:fontRef>
-        </p:style>
-        <p:txBody>
-          <a:bodyPr rtlCol="0" anchor="ctr"/>
-          <a:lstStyle/>
-          <a:p>
-            <a:pPr algn="ctr"/>
-            <a:endParaRPr lang="en-US"/>
-          </a:p>
-        </p:txBody>
-      </p:sp>
-      <p:cxnSp>
-        <p:nvCxnSpPr>
-          <p:cNvPr id="20" name="Straight Connector 19">
-            <a:extLst>
-              <a:ext uri="{FF2B5EF4-FFF2-40B4-BE49-F238E27FC236}">
-                <a16:creationId xmlns:a16="http://schemas.microsoft.com/office/drawing/2014/main" id="{152DC5A3-7436-95A0-312C-608E298AFE6E}"/>
-              </a:ext>
-            </a:extLst>
-          </p:cNvPr>
-          <p:cNvCxnSpPr/>
-          <p:nvPr/>
-        </p:nvCxnSpPr>
-        <p:spPr>
-          <a:xfrm flipV="1">
-            <a:off x="8496728" y="4623050"/>
-            <a:ext cx="3154166" cy="0"/>
-          </a:xfrm>
-          <a:prstGeom prst="line">
-            <a:avLst/>
-          </a:prstGeom>
-          <a:ln w="28575">
-            <a:prstDash val="dash"/>
-          </a:ln>
-        </p:spPr>
-        <p:style>
-          <a:lnRef idx="1">
-            <a:schemeClr val="accent1"/>
-          </a:lnRef>
-          <a:fillRef idx="0">
-            <a:schemeClr val="accent1"/>
-          </a:fillRef>
-          <a:effectRef idx="0">
-            <a:schemeClr val="accent1"/>
-          </a:effectRef>
-          <a:fontRef idx="minor">
-            <a:schemeClr val="tx1"/>
-          </a:fontRef>
-        </p:style>
-      </p:cxnSp>
-      <p:sp>
-        <p:nvSpPr>
-          <p:cNvPr id="23" name="TextBox 22">
-            <a:extLst>
-              <a:ext uri="{FF2B5EF4-FFF2-40B4-BE49-F238E27FC236}">
-                <a16:creationId xmlns:a16="http://schemas.microsoft.com/office/drawing/2014/main" id="{14AC4742-4F97-E4ED-E379-0F9C4132F55B}"/>
-              </a:ext>
-            </a:extLst>
-          </p:cNvPr>
-          <p:cNvSpPr txBox="1"/>
-          <p:nvPr/>
-        </p:nvSpPr>
-        <p:spPr>
-          <a:xfrm>
-            <a:off x="8154077" y="5128038"/>
-            <a:ext cx="1073820" cy="369332"/>
-          </a:xfrm>
-          <a:prstGeom prst="rect">
-            <a:avLst/>
-          </a:prstGeom>
-          <a:noFill/>
-        </p:spPr>
-        <p:txBody>
-          <a:bodyPr wrap="none" rtlCol="0">
-            <a:spAutoFit/>
-          </a:bodyPr>
-          <a:lstStyle/>
-          <a:p>
-            <a:r>
-              <a:rPr lang="en-US" dirty="0"/>
-              <a:t>height - 1</a:t>
-            </a:r>
-          </a:p>
-        </p:txBody>
-      </p:sp>
-      <p:sp>
-        <p:nvSpPr>
-          <p:cNvPr id="24" name="TextBox 23">
-            <a:extLst>
-              <a:ext uri="{FF2B5EF4-FFF2-40B4-BE49-F238E27FC236}">
-                <a16:creationId xmlns:a16="http://schemas.microsoft.com/office/drawing/2014/main" id="{5542ADBC-45AE-150D-40B6-75867255DBFD}"/>
-              </a:ext>
-            </a:extLst>
-          </p:cNvPr>
-          <p:cNvSpPr txBox="1"/>
-          <p:nvPr/>
-        </p:nvSpPr>
-        <p:spPr>
-          <a:xfrm>
-            <a:off x="8143369" y="1293800"/>
-            <a:ext cx="301686" cy="369332"/>
-          </a:xfrm>
-          <a:prstGeom prst="rect">
-            <a:avLst/>
-          </a:prstGeom>
-          <a:noFill/>
-        </p:spPr>
-        <p:txBody>
-          <a:bodyPr wrap="none" rtlCol="0">
-            <a:spAutoFit/>
-          </a:bodyPr>
-          <a:lstStyle/>
-          <a:p>
-            <a:r>
-              <a:rPr lang="en-US" dirty="0"/>
-              <a:t>0</a:t>
-            </a:r>
-          </a:p>
-        </p:txBody>
-      </p:sp>
-      <p:sp>
-        <p:nvSpPr>
-          <p:cNvPr id="25" name="TextBox 24">
-            <a:extLst>
-              <a:ext uri="{FF2B5EF4-FFF2-40B4-BE49-F238E27FC236}">
-                <a16:creationId xmlns:a16="http://schemas.microsoft.com/office/drawing/2014/main" id="{372BF2A9-EEFD-60DC-3343-1ECF7F1A7F88}"/>
-              </a:ext>
-            </a:extLst>
-          </p:cNvPr>
-          <p:cNvSpPr txBox="1"/>
-          <p:nvPr/>
-        </p:nvSpPr>
-        <p:spPr>
-          <a:xfrm>
-            <a:off x="8188507" y="4566683"/>
-            <a:ext cx="1867371" cy="369332"/>
-          </a:xfrm>
-          <a:prstGeom prst="rect">
-            <a:avLst/>
-          </a:prstGeom>
-          <a:noFill/>
-        </p:spPr>
-        <p:txBody>
-          <a:bodyPr wrap="none" rtlCol="0">
-            <a:spAutoFit/>
-          </a:bodyPr>
-          <a:lstStyle/>
-          <a:p>
-            <a:r>
-              <a:rPr lang="en-US" dirty="0"/>
-              <a:t>height – 1 - radius</a:t>
-            </a:r>
-          </a:p>
-        </p:txBody>
-      </p:sp>
-    </p:spTree>
-    <p:extLst>
-      <p:ext uri="{BB962C8B-B14F-4D97-AF65-F5344CB8AC3E}">
-        <p14:creationId xmlns:p14="http://schemas.microsoft.com/office/powerpoint/2010/main" val="227147159"/>
-      </p:ext>
-    </p:extLst>
-  </p:cSld>
-  <p:clrMapOvr>
-    <a:masterClrMapping/>
-  </p:clrMapOvr>
-</p:sld>
-</file>
-
-<file path=ppt/slides/slide9.xml><?xml version="1.0" encoding="utf-8"?>
+<file path=ppt/slides/slide16.xml><?xml version="1.0" encoding="utf-8"?>
 <p:sld xmlns:a="http://schemas.openxmlformats.org/drawingml/2006/main" xmlns:r="http://schemas.openxmlformats.org/officeDocument/2006/relationships" xmlns:p="http://schemas.openxmlformats.org/presentationml/2006/main">
   <p:cSld>
     <p:spTree>
@@ -8447,10 +7341,2429 @@
           </p:style>
         </p:cxnSp>
       </p:grpSp>
+      <p:sp>
+        <p:nvSpPr>
+          <p:cNvPr id="3" name="TextBox 2">
+            <a:extLst>
+              <a:ext uri="{FF2B5EF4-FFF2-40B4-BE49-F238E27FC236}">
+                <a16:creationId xmlns:a16="http://schemas.microsoft.com/office/drawing/2014/main" id="{F3149844-FDC9-090D-C1EF-930B8607B214}"/>
+              </a:ext>
+            </a:extLst>
+          </p:cNvPr>
+          <p:cNvSpPr txBox="1"/>
+          <p:nvPr/>
+        </p:nvSpPr>
+        <p:spPr>
+          <a:xfrm>
+            <a:off x="9915895" y="0"/>
+            <a:ext cx="2376549" cy="1569660"/>
+          </a:xfrm>
+          <a:prstGeom prst="rect">
+            <a:avLst/>
+          </a:prstGeom>
+          <a:noFill/>
+        </p:spPr>
+        <p:txBody>
+          <a:bodyPr wrap="square" rtlCol="0">
+            <a:spAutoFit/>
+          </a:bodyPr>
+          <a:lstStyle/>
+          <a:p>
+            <a:pPr algn="ctr"/>
+            <a:r>
+              <a:rPr lang="en-US" sz="4800" dirty="0"/>
+              <a:t>tock analysis</a:t>
+            </a:r>
+          </a:p>
+        </p:txBody>
+      </p:sp>
     </p:spTree>
     <p:extLst>
       <p:ext uri="{BB962C8B-B14F-4D97-AF65-F5344CB8AC3E}">
         <p14:creationId xmlns:p14="http://schemas.microsoft.com/office/powerpoint/2010/main" val="1635311286"/>
+      </p:ext>
+    </p:extLst>
+  </p:cSld>
+  <p:clrMapOvr>
+    <a:masterClrMapping/>
+  </p:clrMapOvr>
+</p:sld>
+</file>
+
+<file path=ppt/slides/slide17.xml><?xml version="1.0" encoding="utf-8"?>
+<p:sld xmlns:a="http://schemas.openxmlformats.org/drawingml/2006/main" xmlns:r="http://schemas.openxmlformats.org/officeDocument/2006/relationships" xmlns:p="http://schemas.openxmlformats.org/presentationml/2006/main">
+  <p:cSld>
+    <p:spTree>
+      <p:nvGrpSpPr>
+        <p:cNvPr id="1" name=""/>
+        <p:cNvGrpSpPr/>
+        <p:nvPr/>
+      </p:nvGrpSpPr>
+      <p:grpSpPr>
+        <a:xfrm>
+          <a:off x="0" y="0"/>
+          <a:ext cx="0" cy="0"/>
+          <a:chOff x="0" y="0"/>
+          <a:chExt cx="0" cy="0"/>
+        </a:xfrm>
+      </p:grpSpPr>
+      <p:sp>
+        <p:nvSpPr>
+          <p:cNvPr id="2" name="Title 1">
+            <a:extLst>
+              <a:ext uri="{FF2B5EF4-FFF2-40B4-BE49-F238E27FC236}">
+                <a16:creationId xmlns:a16="http://schemas.microsoft.com/office/drawing/2014/main" id="{43A43040-97AE-46A7-4B2F-CD7B95B96DF5}"/>
+              </a:ext>
+            </a:extLst>
+          </p:cNvPr>
+          <p:cNvSpPr>
+            <a:spLocks noGrp="1"/>
+          </p:cNvSpPr>
+          <p:nvPr>
+            <p:ph type="title"/>
+          </p:nvPr>
+        </p:nvSpPr>
+        <p:spPr/>
+        <p:txBody>
+          <a:bodyPr/>
+          <a:lstStyle/>
+          <a:p>
+            <a:endParaRPr lang="en-US"/>
+          </a:p>
+        </p:txBody>
+      </p:sp>
+      <p:sp>
+        <p:nvSpPr>
+          <p:cNvPr id="3" name="Content Placeholder 2">
+            <a:extLst>
+              <a:ext uri="{FF2B5EF4-FFF2-40B4-BE49-F238E27FC236}">
+                <a16:creationId xmlns:a16="http://schemas.microsoft.com/office/drawing/2014/main" id="{D84FBCA4-0AC8-4225-CBBD-1145E83BDA01}"/>
+              </a:ext>
+            </a:extLst>
+          </p:cNvPr>
+          <p:cNvSpPr>
+            <a:spLocks noGrp="1"/>
+          </p:cNvSpPr>
+          <p:nvPr>
+            <p:ph idx="1"/>
+          </p:nvPr>
+        </p:nvSpPr>
+        <p:spPr/>
+        <p:txBody>
+          <a:bodyPr/>
+          <a:lstStyle/>
+          <a:p>
+            <a:endParaRPr lang="en-US"/>
+          </a:p>
+        </p:txBody>
+      </p:sp>
+    </p:spTree>
+    <p:extLst>
+      <p:ext uri="{BB962C8B-B14F-4D97-AF65-F5344CB8AC3E}">
+        <p14:creationId xmlns:p14="http://schemas.microsoft.com/office/powerpoint/2010/main" val="3949924940"/>
+      </p:ext>
+    </p:extLst>
+  </p:cSld>
+  <p:clrMapOvr>
+    <a:masterClrMapping/>
+  </p:clrMapOvr>
+</p:sld>
+</file>
+
+<file path=ppt/slides/slide18.xml><?xml version="1.0" encoding="utf-8"?>
+<p:sld xmlns:a="http://schemas.openxmlformats.org/drawingml/2006/main" xmlns:r="http://schemas.openxmlformats.org/officeDocument/2006/relationships" xmlns:p="http://schemas.openxmlformats.org/presentationml/2006/main">
+  <p:cSld>
+    <p:spTree>
+      <p:nvGrpSpPr>
+        <p:cNvPr id="1" name=""/>
+        <p:cNvGrpSpPr/>
+        <p:nvPr/>
+      </p:nvGrpSpPr>
+      <p:grpSpPr>
+        <a:xfrm>
+          <a:off x="0" y="0"/>
+          <a:ext cx="0" cy="0"/>
+          <a:chOff x="0" y="0"/>
+          <a:chExt cx="0" cy="0"/>
+        </a:xfrm>
+      </p:grpSpPr>
+      <p:sp>
+        <p:nvSpPr>
+          <p:cNvPr id="2" name="Title 1">
+            <a:extLst>
+              <a:ext uri="{FF2B5EF4-FFF2-40B4-BE49-F238E27FC236}">
+                <a16:creationId xmlns:a16="http://schemas.microsoft.com/office/drawing/2014/main" id="{43A43040-97AE-46A7-4B2F-CD7B95B96DF5}"/>
+              </a:ext>
+            </a:extLst>
+          </p:cNvPr>
+          <p:cNvSpPr>
+            <a:spLocks noGrp="1"/>
+          </p:cNvSpPr>
+          <p:nvPr>
+            <p:ph type="title"/>
+          </p:nvPr>
+        </p:nvSpPr>
+        <p:spPr/>
+        <p:txBody>
+          <a:bodyPr/>
+          <a:lstStyle/>
+          <a:p>
+            <a:endParaRPr lang="en-US"/>
+          </a:p>
+        </p:txBody>
+      </p:sp>
+      <p:sp>
+        <p:nvSpPr>
+          <p:cNvPr id="3" name="Content Placeholder 2">
+            <a:extLst>
+              <a:ext uri="{FF2B5EF4-FFF2-40B4-BE49-F238E27FC236}">
+                <a16:creationId xmlns:a16="http://schemas.microsoft.com/office/drawing/2014/main" id="{D84FBCA4-0AC8-4225-CBBD-1145E83BDA01}"/>
+              </a:ext>
+            </a:extLst>
+          </p:cNvPr>
+          <p:cNvSpPr>
+            <a:spLocks noGrp="1"/>
+          </p:cNvSpPr>
+          <p:nvPr>
+            <p:ph idx="1"/>
+          </p:nvPr>
+        </p:nvSpPr>
+        <p:spPr/>
+        <p:txBody>
+          <a:bodyPr/>
+          <a:lstStyle/>
+          <a:p>
+            <a:endParaRPr lang="en-US"/>
+          </a:p>
+        </p:txBody>
+      </p:sp>
+    </p:spTree>
+    <p:extLst>
+      <p:ext uri="{BB962C8B-B14F-4D97-AF65-F5344CB8AC3E}">
+        <p14:creationId xmlns:p14="http://schemas.microsoft.com/office/powerpoint/2010/main" val="2262531474"/>
+      </p:ext>
+    </p:extLst>
+  </p:cSld>
+  <p:clrMapOvr>
+    <a:masterClrMapping/>
+  </p:clrMapOvr>
+</p:sld>
+</file>
+
+<file path=ppt/slides/slide2.xml><?xml version="1.0" encoding="utf-8"?>
+<p:sld xmlns:a="http://schemas.openxmlformats.org/drawingml/2006/main" xmlns:r="http://schemas.openxmlformats.org/officeDocument/2006/relationships" xmlns:p="http://schemas.openxmlformats.org/presentationml/2006/main">
+  <p:cSld>
+    <p:spTree>
+      <p:nvGrpSpPr>
+        <p:cNvPr id="1" name=""/>
+        <p:cNvGrpSpPr/>
+        <p:nvPr/>
+      </p:nvGrpSpPr>
+      <p:grpSpPr>
+        <a:xfrm>
+          <a:off x="0" y="0"/>
+          <a:ext cx="0" cy="0"/>
+          <a:chOff x="0" y="0"/>
+          <a:chExt cx="0" cy="0"/>
+        </a:xfrm>
+      </p:grpSpPr>
+      <p:pic>
+        <p:nvPicPr>
+          <p:cNvPr id="5" name="Picture 4">
+            <a:extLst>
+              <a:ext uri="{FF2B5EF4-FFF2-40B4-BE49-F238E27FC236}">
+                <a16:creationId xmlns:a16="http://schemas.microsoft.com/office/drawing/2014/main" id="{2D000CFE-CAFD-4379-ED34-3883B125A181}"/>
+              </a:ext>
+            </a:extLst>
+          </p:cNvPr>
+          <p:cNvPicPr>
+            <a:picLocks noChangeAspect="1"/>
+          </p:cNvPicPr>
+          <p:nvPr/>
+        </p:nvPicPr>
+        <p:blipFill>
+          <a:blip r:embed="rId2"/>
+          <a:stretch>
+            <a:fillRect/>
+          </a:stretch>
+        </p:blipFill>
+        <p:spPr>
+          <a:xfrm>
+            <a:off x="2209800" y="1379163"/>
+            <a:ext cx="7772400" cy="4099673"/>
+          </a:xfrm>
+          <a:prstGeom prst="rect">
+            <a:avLst/>
+          </a:prstGeom>
+        </p:spPr>
+      </p:pic>
+    </p:spTree>
+    <p:extLst>
+      <p:ext uri="{BB962C8B-B14F-4D97-AF65-F5344CB8AC3E}">
+        <p14:creationId xmlns:p14="http://schemas.microsoft.com/office/powerpoint/2010/main" val="3630994236"/>
+      </p:ext>
+    </p:extLst>
+  </p:cSld>
+  <p:clrMapOvr>
+    <a:masterClrMapping/>
+  </p:clrMapOvr>
+</p:sld>
+</file>
+
+<file path=ppt/slides/slide3.xml><?xml version="1.0" encoding="utf-8"?>
+<p:sld xmlns:a="http://schemas.openxmlformats.org/drawingml/2006/main" xmlns:r="http://schemas.openxmlformats.org/officeDocument/2006/relationships" xmlns:p="http://schemas.openxmlformats.org/presentationml/2006/main">
+  <p:cSld>
+    <p:spTree>
+      <p:nvGrpSpPr>
+        <p:cNvPr id="1" name=""/>
+        <p:cNvGrpSpPr/>
+        <p:nvPr/>
+      </p:nvGrpSpPr>
+      <p:grpSpPr>
+        <a:xfrm>
+          <a:off x="0" y="0"/>
+          <a:ext cx="0" cy="0"/>
+          <a:chOff x="0" y="0"/>
+          <a:chExt cx="0" cy="0"/>
+        </a:xfrm>
+      </p:grpSpPr>
+      <p:sp>
+        <p:nvSpPr>
+          <p:cNvPr id="4" name="TextBox 3">
+            <a:extLst>
+              <a:ext uri="{FF2B5EF4-FFF2-40B4-BE49-F238E27FC236}">
+                <a16:creationId xmlns:a16="http://schemas.microsoft.com/office/drawing/2014/main" id="{5F2A1285-8787-0D41-9429-7B0A09C9AAE0}"/>
+              </a:ext>
+            </a:extLst>
+          </p:cNvPr>
+          <p:cNvSpPr txBox="1"/>
+          <p:nvPr/>
+        </p:nvSpPr>
+        <p:spPr>
+          <a:xfrm>
+            <a:off x="1186543" y="372808"/>
+            <a:ext cx="9873343" cy="769441"/>
+          </a:xfrm>
+          <a:prstGeom prst="rect">
+            <a:avLst/>
+          </a:prstGeom>
+          <a:noFill/>
+        </p:spPr>
+        <p:txBody>
+          <a:bodyPr wrap="square" rtlCol="0">
+            <a:spAutoFit/>
+          </a:bodyPr>
+          <a:lstStyle/>
+          <a:p>
+            <a:pPr algn="ctr"/>
+            <a:r>
+              <a:rPr lang="en-US" sz="4400" dirty="0"/>
+              <a:t>I want a function that ???=</a:t>
+            </a:r>
+          </a:p>
+        </p:txBody>
+      </p:sp>
+      <p:sp>
+        <p:nvSpPr>
+          <p:cNvPr id="7" name="TextBox 6">
+            <a:extLst>
+              <a:ext uri="{FF2B5EF4-FFF2-40B4-BE49-F238E27FC236}">
+                <a16:creationId xmlns:a16="http://schemas.microsoft.com/office/drawing/2014/main" id="{9202B555-864A-CBA6-C427-24E4D48FAC3C}"/>
+              </a:ext>
+            </a:extLst>
+          </p:cNvPr>
+          <p:cNvSpPr txBox="1"/>
+          <p:nvPr/>
+        </p:nvSpPr>
+        <p:spPr>
+          <a:xfrm>
+            <a:off x="3112819" y="3244334"/>
+            <a:ext cx="6020790" cy="830997"/>
+          </a:xfrm>
+          <a:prstGeom prst="rect">
+            <a:avLst/>
+          </a:prstGeom>
+          <a:noFill/>
+        </p:spPr>
+        <p:txBody>
+          <a:bodyPr wrap="square" rtlCol="0">
+            <a:spAutoFit/>
+          </a:bodyPr>
+          <a:lstStyle/>
+          <a:p>
+            <a:pPr algn="ctr"/>
+            <a:r>
+              <a:rPr lang="en-US" sz="4800" dirty="0"/>
+              <a:t>one big problem?</a:t>
+            </a:r>
+          </a:p>
+        </p:txBody>
+      </p:sp>
+    </p:spTree>
+    <p:extLst>
+      <p:ext uri="{BB962C8B-B14F-4D97-AF65-F5344CB8AC3E}">
+        <p14:creationId xmlns:p14="http://schemas.microsoft.com/office/powerpoint/2010/main" val="1391469730"/>
+      </p:ext>
+    </p:extLst>
+  </p:cSld>
+  <p:clrMapOvr>
+    <a:masterClrMapping/>
+  </p:clrMapOvr>
+</p:sld>
+</file>
+
+<file path=ppt/slides/slide4.xml><?xml version="1.0" encoding="utf-8"?>
+<p:sld xmlns:a="http://schemas.openxmlformats.org/drawingml/2006/main" xmlns:r="http://schemas.openxmlformats.org/officeDocument/2006/relationships" xmlns:p="http://schemas.openxmlformats.org/presentationml/2006/main">
+  <p:cSld>
+    <p:spTree>
+      <p:nvGrpSpPr>
+        <p:cNvPr id="1" name=""/>
+        <p:cNvGrpSpPr/>
+        <p:nvPr/>
+      </p:nvGrpSpPr>
+      <p:grpSpPr>
+        <a:xfrm>
+          <a:off x="0" y="0"/>
+          <a:ext cx="0" cy="0"/>
+          <a:chOff x="0" y="0"/>
+          <a:chExt cx="0" cy="0"/>
+        </a:xfrm>
+      </p:grpSpPr>
+      <p:pic>
+        <p:nvPicPr>
+          <p:cNvPr id="4" name="Picture 3">
+            <a:extLst>
+              <a:ext uri="{FF2B5EF4-FFF2-40B4-BE49-F238E27FC236}">
+                <a16:creationId xmlns:a16="http://schemas.microsoft.com/office/drawing/2014/main" id="{FA2DB3F3-3BC4-02EA-6D65-F55190916C67}"/>
+              </a:ext>
+            </a:extLst>
+          </p:cNvPr>
+          <p:cNvPicPr>
+            <a:picLocks noChangeAspect="1"/>
+          </p:cNvPicPr>
+          <p:nvPr/>
+        </p:nvPicPr>
+        <p:blipFill>
+          <a:blip r:embed="rId2"/>
+          <a:stretch>
+            <a:fillRect/>
+          </a:stretch>
+        </p:blipFill>
+        <p:spPr>
+          <a:xfrm>
+            <a:off x="2113052" y="750003"/>
+            <a:ext cx="7772400" cy="5357994"/>
+          </a:xfrm>
+          <a:prstGeom prst="rect">
+            <a:avLst/>
+          </a:prstGeom>
+        </p:spPr>
+      </p:pic>
+      <p:sp>
+        <p:nvSpPr>
+          <p:cNvPr id="5" name="TextBox 4">
+            <a:extLst>
+              <a:ext uri="{FF2B5EF4-FFF2-40B4-BE49-F238E27FC236}">
+                <a16:creationId xmlns:a16="http://schemas.microsoft.com/office/drawing/2014/main" id="{B8CB6694-9DFF-6AF0-E8A8-E1A90A5F666C}"/>
+              </a:ext>
+            </a:extLst>
+          </p:cNvPr>
+          <p:cNvSpPr txBox="1"/>
+          <p:nvPr/>
+        </p:nvSpPr>
+        <p:spPr>
+          <a:xfrm>
+            <a:off x="5363110" y="165228"/>
+            <a:ext cx="3637052" cy="584775"/>
+          </a:xfrm>
+          <a:prstGeom prst="rect">
+            <a:avLst/>
+          </a:prstGeom>
+          <a:noFill/>
+        </p:spPr>
+        <p:txBody>
+          <a:bodyPr wrap="square" rtlCol="0">
+            <a:spAutoFit/>
+          </a:bodyPr>
+          <a:lstStyle/>
+          <a:p>
+            <a:r>
+              <a:rPr lang="en-US" sz="3200" dirty="0">
+                <a:solidFill>
+                  <a:srgbClr val="FF0000"/>
+                </a:solidFill>
+              </a:rPr>
+              <a:t>signature</a:t>
+            </a:r>
+          </a:p>
+        </p:txBody>
+      </p:sp>
+      <p:sp>
+        <p:nvSpPr>
+          <p:cNvPr id="6" name="TextBox 5">
+            <a:extLst>
+              <a:ext uri="{FF2B5EF4-FFF2-40B4-BE49-F238E27FC236}">
+                <a16:creationId xmlns:a16="http://schemas.microsoft.com/office/drawing/2014/main" id="{3726AF18-35C3-FAA4-2D60-AC806B16732E}"/>
+              </a:ext>
+            </a:extLst>
+          </p:cNvPr>
+          <p:cNvSpPr txBox="1"/>
+          <p:nvPr/>
+        </p:nvSpPr>
+        <p:spPr>
+          <a:xfrm>
+            <a:off x="6522377" y="750003"/>
+            <a:ext cx="3637052" cy="584775"/>
+          </a:xfrm>
+          <a:prstGeom prst="rect">
+            <a:avLst/>
+          </a:prstGeom>
+          <a:noFill/>
+        </p:spPr>
+        <p:txBody>
+          <a:bodyPr wrap="square" rtlCol="0">
+            <a:spAutoFit/>
+          </a:bodyPr>
+          <a:lstStyle/>
+          <a:p>
+            <a:r>
+              <a:rPr lang="en-US" sz="3200" dirty="0">
+                <a:solidFill>
+                  <a:srgbClr val="FF0000"/>
+                </a:solidFill>
+              </a:rPr>
+              <a:t>purpose</a:t>
+            </a:r>
+          </a:p>
+        </p:txBody>
+      </p:sp>
+      <p:sp>
+        <p:nvSpPr>
+          <p:cNvPr id="7" name="TextBox 6">
+            <a:extLst>
+              <a:ext uri="{FF2B5EF4-FFF2-40B4-BE49-F238E27FC236}">
+                <a16:creationId xmlns:a16="http://schemas.microsoft.com/office/drawing/2014/main" id="{B88E260D-3154-D5EF-6C76-B2408F049256}"/>
+              </a:ext>
+            </a:extLst>
+          </p:cNvPr>
+          <p:cNvSpPr txBox="1"/>
+          <p:nvPr/>
+        </p:nvSpPr>
+        <p:spPr>
+          <a:xfrm>
+            <a:off x="294526" y="1806529"/>
+            <a:ext cx="3637052" cy="584775"/>
+          </a:xfrm>
+          <a:prstGeom prst="rect">
+            <a:avLst/>
+          </a:prstGeom>
+          <a:noFill/>
+        </p:spPr>
+        <p:txBody>
+          <a:bodyPr wrap="square" rtlCol="0">
+            <a:spAutoFit/>
+          </a:bodyPr>
+          <a:lstStyle/>
+          <a:p>
+            <a:r>
+              <a:rPr lang="en-US" sz="3200" dirty="0">
+                <a:solidFill>
+                  <a:srgbClr val="FF0000"/>
+                </a:solidFill>
+              </a:rPr>
+              <a:t>examples</a:t>
+            </a:r>
+          </a:p>
+        </p:txBody>
+      </p:sp>
+      <p:sp>
+        <p:nvSpPr>
+          <p:cNvPr id="8" name="TextBox 7">
+            <a:extLst>
+              <a:ext uri="{FF2B5EF4-FFF2-40B4-BE49-F238E27FC236}">
+                <a16:creationId xmlns:a16="http://schemas.microsoft.com/office/drawing/2014/main" id="{CE9EDBF5-9A16-DD58-EC04-5CE7CB4D325D}"/>
+              </a:ext>
+            </a:extLst>
+          </p:cNvPr>
+          <p:cNvSpPr txBox="1"/>
+          <p:nvPr/>
+        </p:nvSpPr>
+        <p:spPr>
+          <a:xfrm>
+            <a:off x="5674759" y="3395609"/>
+            <a:ext cx="4650769" cy="584775"/>
+          </a:xfrm>
+          <a:prstGeom prst="rect">
+            <a:avLst/>
+          </a:prstGeom>
+          <a:noFill/>
+        </p:spPr>
+        <p:txBody>
+          <a:bodyPr wrap="square" rtlCol="0">
+            <a:spAutoFit/>
+          </a:bodyPr>
+          <a:lstStyle/>
+          <a:p>
+            <a:r>
+              <a:rPr lang="en-US" sz="3200" dirty="0">
+                <a:solidFill>
+                  <a:srgbClr val="FF0000"/>
+                </a:solidFill>
+              </a:rPr>
+              <a:t>how do I build template?</a:t>
+            </a:r>
+          </a:p>
+        </p:txBody>
+      </p:sp>
+      <p:sp>
+        <p:nvSpPr>
+          <p:cNvPr id="9" name="TextBox 8">
+            <a:extLst>
+              <a:ext uri="{FF2B5EF4-FFF2-40B4-BE49-F238E27FC236}">
+                <a16:creationId xmlns:a16="http://schemas.microsoft.com/office/drawing/2014/main" id="{CA4F5505-3087-B7EF-AD8E-09C00F5BDE53}"/>
+              </a:ext>
+            </a:extLst>
+          </p:cNvPr>
+          <p:cNvSpPr txBox="1"/>
+          <p:nvPr/>
+        </p:nvSpPr>
+        <p:spPr>
+          <a:xfrm>
+            <a:off x="5674759" y="4167028"/>
+            <a:ext cx="4650769" cy="584775"/>
+          </a:xfrm>
+          <a:prstGeom prst="rect">
+            <a:avLst/>
+          </a:prstGeom>
+          <a:noFill/>
+        </p:spPr>
+        <p:txBody>
+          <a:bodyPr wrap="square" rtlCol="0">
+            <a:spAutoFit/>
+          </a:bodyPr>
+          <a:lstStyle/>
+          <a:p>
+            <a:r>
+              <a:rPr lang="en-US" sz="3200" dirty="0">
+                <a:solidFill>
+                  <a:srgbClr val="FF0000"/>
+                </a:solidFill>
+              </a:rPr>
+              <a:t>template</a:t>
+            </a:r>
+          </a:p>
+        </p:txBody>
+      </p:sp>
+      <p:sp>
+        <p:nvSpPr>
+          <p:cNvPr id="10" name="TextBox 9">
+            <a:extLst>
+              <a:ext uri="{FF2B5EF4-FFF2-40B4-BE49-F238E27FC236}">
+                <a16:creationId xmlns:a16="http://schemas.microsoft.com/office/drawing/2014/main" id="{6F6CCF6F-B9AC-68C6-8451-CB9DEF0E85DA}"/>
+              </a:ext>
+            </a:extLst>
+          </p:cNvPr>
+          <p:cNvSpPr txBox="1"/>
+          <p:nvPr/>
+        </p:nvSpPr>
+        <p:spPr>
+          <a:xfrm>
+            <a:off x="4856251" y="5456440"/>
+            <a:ext cx="4650769" cy="584775"/>
+          </a:xfrm>
+          <a:prstGeom prst="rect">
+            <a:avLst/>
+          </a:prstGeom>
+          <a:noFill/>
+        </p:spPr>
+        <p:txBody>
+          <a:bodyPr wrap="square" rtlCol="0">
+            <a:spAutoFit/>
+          </a:bodyPr>
+          <a:lstStyle/>
+          <a:p>
+            <a:r>
+              <a:rPr lang="en-US" sz="3200" dirty="0">
+                <a:solidFill>
+                  <a:srgbClr val="FF0000"/>
+                </a:solidFill>
+              </a:rPr>
+              <a:t>function definition</a:t>
+            </a:r>
+          </a:p>
+        </p:txBody>
+      </p:sp>
+      <p:sp>
+        <p:nvSpPr>
+          <p:cNvPr id="11" name="TextBox 10">
+            <a:extLst>
+              <a:ext uri="{FF2B5EF4-FFF2-40B4-BE49-F238E27FC236}">
+                <a16:creationId xmlns:a16="http://schemas.microsoft.com/office/drawing/2014/main" id="{ED14E35C-F88C-9401-74BA-8C23DE0FF63F}"/>
+              </a:ext>
+            </a:extLst>
+          </p:cNvPr>
+          <p:cNvSpPr txBox="1"/>
+          <p:nvPr/>
+        </p:nvSpPr>
+        <p:spPr>
+          <a:xfrm>
+            <a:off x="9149358" y="138865"/>
+            <a:ext cx="3637052" cy="584775"/>
+          </a:xfrm>
+          <a:prstGeom prst="rect">
+            <a:avLst/>
+          </a:prstGeom>
+          <a:noFill/>
+        </p:spPr>
+        <p:txBody>
+          <a:bodyPr wrap="square" rtlCol="0">
+            <a:spAutoFit/>
+          </a:bodyPr>
+          <a:lstStyle/>
+          <a:p>
+            <a:r>
+              <a:rPr lang="en-US" sz="3200" dirty="0">
+                <a:solidFill>
+                  <a:srgbClr val="FF0000"/>
+                </a:solidFill>
+              </a:rPr>
+              <a:t>6 smaller pieces</a:t>
+            </a:r>
+          </a:p>
+        </p:txBody>
+      </p:sp>
+    </p:spTree>
+    <p:extLst>
+      <p:ext uri="{BB962C8B-B14F-4D97-AF65-F5344CB8AC3E}">
+        <p14:creationId xmlns:p14="http://schemas.microsoft.com/office/powerpoint/2010/main" val="4105619801"/>
+      </p:ext>
+    </p:extLst>
+  </p:cSld>
+  <p:clrMapOvr>
+    <a:masterClrMapping/>
+  </p:clrMapOvr>
+</p:sld>
+</file>
+
+<file path=ppt/slides/slide5.xml><?xml version="1.0" encoding="utf-8"?>
+<p:sld xmlns:a="http://schemas.openxmlformats.org/drawingml/2006/main" xmlns:r="http://schemas.openxmlformats.org/officeDocument/2006/relationships" xmlns:p="http://schemas.openxmlformats.org/presentationml/2006/main">
+  <p:cSld>
+    <p:spTree>
+      <p:nvGrpSpPr>
+        <p:cNvPr id="1" name=""/>
+        <p:cNvGrpSpPr/>
+        <p:nvPr/>
+      </p:nvGrpSpPr>
+      <p:grpSpPr>
+        <a:xfrm>
+          <a:off x="0" y="0"/>
+          <a:ext cx="0" cy="0"/>
+          <a:chOff x="0" y="0"/>
+          <a:chExt cx="0" cy="0"/>
+        </a:xfrm>
+      </p:grpSpPr>
+      <p:sp>
+        <p:nvSpPr>
+          <p:cNvPr id="4" name="TextBox 3">
+            <a:extLst>
+              <a:ext uri="{FF2B5EF4-FFF2-40B4-BE49-F238E27FC236}">
+                <a16:creationId xmlns:a16="http://schemas.microsoft.com/office/drawing/2014/main" id="{5F2A1285-8787-0D41-9429-7B0A09C9AAE0}"/>
+              </a:ext>
+            </a:extLst>
+          </p:cNvPr>
+          <p:cNvSpPr txBox="1"/>
+          <p:nvPr/>
+        </p:nvSpPr>
+        <p:spPr>
+          <a:xfrm>
+            <a:off x="1186543" y="372808"/>
+            <a:ext cx="9873343" cy="769441"/>
+          </a:xfrm>
+          <a:prstGeom prst="rect">
+            <a:avLst/>
+          </a:prstGeom>
+          <a:noFill/>
+        </p:spPr>
+        <p:txBody>
+          <a:bodyPr wrap="square" rtlCol="0">
+            <a:spAutoFit/>
+          </a:bodyPr>
+          <a:lstStyle/>
+          <a:p>
+            <a:pPr algn="ctr"/>
+            <a:r>
+              <a:rPr lang="en-US" sz="4400" dirty="0"/>
+              <a:t>I want data that ???=</a:t>
+            </a:r>
+          </a:p>
+        </p:txBody>
+      </p:sp>
+      <p:sp>
+        <p:nvSpPr>
+          <p:cNvPr id="7" name="TextBox 6">
+            <a:extLst>
+              <a:ext uri="{FF2B5EF4-FFF2-40B4-BE49-F238E27FC236}">
+                <a16:creationId xmlns:a16="http://schemas.microsoft.com/office/drawing/2014/main" id="{9202B555-864A-CBA6-C427-24E4D48FAC3C}"/>
+              </a:ext>
+            </a:extLst>
+          </p:cNvPr>
+          <p:cNvSpPr txBox="1"/>
+          <p:nvPr/>
+        </p:nvSpPr>
+        <p:spPr>
+          <a:xfrm>
+            <a:off x="3112819" y="3244334"/>
+            <a:ext cx="6020790" cy="830997"/>
+          </a:xfrm>
+          <a:prstGeom prst="rect">
+            <a:avLst/>
+          </a:prstGeom>
+          <a:noFill/>
+        </p:spPr>
+        <p:txBody>
+          <a:bodyPr wrap="square" rtlCol="0">
+            <a:spAutoFit/>
+          </a:bodyPr>
+          <a:lstStyle/>
+          <a:p>
+            <a:pPr algn="ctr"/>
+            <a:r>
+              <a:rPr lang="en-US" sz="4800" dirty="0"/>
+              <a:t>one big problem?</a:t>
+            </a:r>
+          </a:p>
+        </p:txBody>
+      </p:sp>
+    </p:spTree>
+    <p:extLst>
+      <p:ext uri="{BB962C8B-B14F-4D97-AF65-F5344CB8AC3E}">
+        <p14:creationId xmlns:p14="http://schemas.microsoft.com/office/powerpoint/2010/main" val="1152321447"/>
+      </p:ext>
+    </p:extLst>
+  </p:cSld>
+  <p:clrMapOvr>
+    <a:masterClrMapping/>
+  </p:clrMapOvr>
+</p:sld>
+</file>
+
+<file path=ppt/slides/slide6.xml><?xml version="1.0" encoding="utf-8"?>
+<p:sld xmlns:a="http://schemas.openxmlformats.org/drawingml/2006/main" xmlns:r="http://schemas.openxmlformats.org/officeDocument/2006/relationships" xmlns:p="http://schemas.openxmlformats.org/presentationml/2006/main">
+  <p:cSld>
+    <p:spTree>
+      <p:nvGrpSpPr>
+        <p:cNvPr id="1" name=""/>
+        <p:cNvGrpSpPr/>
+        <p:nvPr/>
+      </p:nvGrpSpPr>
+      <p:grpSpPr>
+        <a:xfrm>
+          <a:off x="0" y="0"/>
+          <a:ext cx="0" cy="0"/>
+          <a:chOff x="0" y="0"/>
+          <a:chExt cx="0" cy="0"/>
+        </a:xfrm>
+      </p:grpSpPr>
+      <p:pic>
+        <p:nvPicPr>
+          <p:cNvPr id="6" name="Picture 5">
+            <a:extLst>
+              <a:ext uri="{FF2B5EF4-FFF2-40B4-BE49-F238E27FC236}">
+                <a16:creationId xmlns:a16="http://schemas.microsoft.com/office/drawing/2014/main" id="{A5314ABD-058D-162B-ABF2-0917A0163F68}"/>
+              </a:ext>
+            </a:extLst>
+          </p:cNvPr>
+          <p:cNvPicPr>
+            <a:picLocks noChangeAspect="1"/>
+          </p:cNvPicPr>
+          <p:nvPr/>
+        </p:nvPicPr>
+        <p:blipFill>
+          <a:blip r:embed="rId2"/>
+          <a:stretch>
+            <a:fillRect/>
+          </a:stretch>
+        </p:blipFill>
+        <p:spPr>
+          <a:xfrm>
+            <a:off x="2631387" y="0"/>
+            <a:ext cx="6929226" cy="6858000"/>
+          </a:xfrm>
+          <a:prstGeom prst="rect">
+            <a:avLst/>
+          </a:prstGeom>
+        </p:spPr>
+      </p:pic>
+      <p:sp>
+        <p:nvSpPr>
+          <p:cNvPr id="7" name="TextBox 6">
+            <a:extLst>
+              <a:ext uri="{FF2B5EF4-FFF2-40B4-BE49-F238E27FC236}">
+                <a16:creationId xmlns:a16="http://schemas.microsoft.com/office/drawing/2014/main" id="{2673E91D-FCCC-1135-92D7-26D966EBB306}"/>
+              </a:ext>
+            </a:extLst>
+          </p:cNvPr>
+          <p:cNvSpPr txBox="1"/>
+          <p:nvPr/>
+        </p:nvSpPr>
+        <p:spPr>
+          <a:xfrm>
+            <a:off x="82194" y="605497"/>
+            <a:ext cx="3637052" cy="584775"/>
+          </a:xfrm>
+          <a:prstGeom prst="rect">
+            <a:avLst/>
+          </a:prstGeom>
+          <a:noFill/>
+        </p:spPr>
+        <p:txBody>
+          <a:bodyPr wrap="square" rtlCol="0">
+            <a:spAutoFit/>
+          </a:bodyPr>
+          <a:lstStyle/>
+          <a:p>
+            <a:r>
+              <a:rPr lang="en-US" sz="3200" dirty="0">
+                <a:solidFill>
+                  <a:srgbClr val="FF0000"/>
+                </a:solidFill>
+              </a:rPr>
+              <a:t>type comment</a:t>
+            </a:r>
+          </a:p>
+        </p:txBody>
+      </p:sp>
+      <p:sp>
+        <p:nvSpPr>
+          <p:cNvPr id="8" name="TextBox 7">
+            <a:extLst>
+              <a:ext uri="{FF2B5EF4-FFF2-40B4-BE49-F238E27FC236}">
+                <a16:creationId xmlns:a16="http://schemas.microsoft.com/office/drawing/2014/main" id="{A26CB1E4-A512-E1A8-96FF-56D25113BC4E}"/>
+              </a:ext>
+            </a:extLst>
+          </p:cNvPr>
+          <p:cNvSpPr txBox="1"/>
+          <p:nvPr/>
+        </p:nvSpPr>
+        <p:spPr>
+          <a:xfrm>
+            <a:off x="8554948" y="313109"/>
+            <a:ext cx="3637052" cy="584775"/>
+          </a:xfrm>
+          <a:prstGeom prst="rect">
+            <a:avLst/>
+          </a:prstGeom>
+          <a:noFill/>
+        </p:spPr>
+        <p:txBody>
+          <a:bodyPr wrap="square" rtlCol="0">
+            <a:spAutoFit/>
+          </a:bodyPr>
+          <a:lstStyle/>
+          <a:p>
+            <a:r>
+              <a:rPr lang="en-US" sz="3200" dirty="0">
+                <a:solidFill>
+                  <a:srgbClr val="FF0000"/>
+                </a:solidFill>
+              </a:rPr>
+              <a:t>5 smaller pieces</a:t>
+            </a:r>
+          </a:p>
+        </p:txBody>
+      </p:sp>
+      <p:sp>
+        <p:nvSpPr>
+          <p:cNvPr id="9" name="TextBox 8">
+            <a:extLst>
+              <a:ext uri="{FF2B5EF4-FFF2-40B4-BE49-F238E27FC236}">
+                <a16:creationId xmlns:a16="http://schemas.microsoft.com/office/drawing/2014/main" id="{B894BEF3-83F5-D83A-258E-5EC940521CE8}"/>
+              </a:ext>
+            </a:extLst>
+          </p:cNvPr>
+          <p:cNvSpPr txBox="1"/>
+          <p:nvPr/>
+        </p:nvSpPr>
+        <p:spPr>
+          <a:xfrm>
+            <a:off x="4714126" y="2586697"/>
+            <a:ext cx="3637052" cy="584775"/>
+          </a:xfrm>
+          <a:prstGeom prst="rect">
+            <a:avLst/>
+          </a:prstGeom>
+          <a:noFill/>
+        </p:spPr>
+        <p:txBody>
+          <a:bodyPr wrap="square" rtlCol="0">
+            <a:spAutoFit/>
+          </a:bodyPr>
+          <a:lstStyle/>
+          <a:p>
+            <a:r>
+              <a:rPr lang="en-US" sz="3200" dirty="0">
+                <a:solidFill>
+                  <a:srgbClr val="FF0000"/>
+                </a:solidFill>
+              </a:rPr>
+              <a:t>examples</a:t>
+            </a:r>
+          </a:p>
+        </p:txBody>
+      </p:sp>
+      <p:sp>
+        <p:nvSpPr>
+          <p:cNvPr id="10" name="TextBox 9">
+            <a:extLst>
+              <a:ext uri="{FF2B5EF4-FFF2-40B4-BE49-F238E27FC236}">
+                <a16:creationId xmlns:a16="http://schemas.microsoft.com/office/drawing/2014/main" id="{7ABFA27D-88EC-965C-9588-4A555DE28570}"/>
+              </a:ext>
+            </a:extLst>
+          </p:cNvPr>
+          <p:cNvSpPr txBox="1"/>
+          <p:nvPr/>
+        </p:nvSpPr>
+        <p:spPr>
+          <a:xfrm>
+            <a:off x="82194" y="3842948"/>
+            <a:ext cx="4631932" cy="584775"/>
+          </a:xfrm>
+          <a:prstGeom prst="rect">
+            <a:avLst/>
+          </a:prstGeom>
+          <a:noFill/>
+        </p:spPr>
+        <p:txBody>
+          <a:bodyPr wrap="square" rtlCol="0">
+            <a:spAutoFit/>
+          </a:bodyPr>
+          <a:lstStyle/>
+          <a:p>
+            <a:r>
+              <a:rPr lang="en-US" sz="3200" dirty="0">
+                <a:solidFill>
+                  <a:srgbClr val="FF0000"/>
+                </a:solidFill>
+              </a:rPr>
+              <a:t>how to produce template</a:t>
+            </a:r>
+          </a:p>
+        </p:txBody>
+      </p:sp>
+      <p:sp>
+        <p:nvSpPr>
+          <p:cNvPr id="11" name="TextBox 10">
+            <a:extLst>
+              <a:ext uri="{FF2B5EF4-FFF2-40B4-BE49-F238E27FC236}">
+                <a16:creationId xmlns:a16="http://schemas.microsoft.com/office/drawing/2014/main" id="{D42C4926-909F-3FF1-A9A8-E96F45CE683C}"/>
+              </a:ext>
+            </a:extLst>
+          </p:cNvPr>
+          <p:cNvSpPr txBox="1"/>
+          <p:nvPr/>
+        </p:nvSpPr>
+        <p:spPr>
+          <a:xfrm>
+            <a:off x="7100377" y="5173394"/>
+            <a:ext cx="3738080" cy="584775"/>
+          </a:xfrm>
+          <a:prstGeom prst="rect">
+            <a:avLst/>
+          </a:prstGeom>
+          <a:noFill/>
+        </p:spPr>
+        <p:txBody>
+          <a:bodyPr wrap="square" rtlCol="0">
+            <a:spAutoFit/>
+          </a:bodyPr>
+          <a:lstStyle/>
+          <a:p>
+            <a:r>
+              <a:rPr lang="en-US" sz="3200" dirty="0">
+                <a:solidFill>
+                  <a:srgbClr val="FF0000"/>
+                </a:solidFill>
+              </a:rPr>
+              <a:t>template</a:t>
+            </a:r>
+          </a:p>
+        </p:txBody>
+      </p:sp>
+      <p:sp>
+        <p:nvSpPr>
+          <p:cNvPr id="12" name="TextBox 11">
+            <a:extLst>
+              <a:ext uri="{FF2B5EF4-FFF2-40B4-BE49-F238E27FC236}">
+                <a16:creationId xmlns:a16="http://schemas.microsoft.com/office/drawing/2014/main" id="{99D2D2C1-BB98-4CC2-3F50-23BFCAAEB6AD}"/>
+              </a:ext>
+            </a:extLst>
+          </p:cNvPr>
+          <p:cNvSpPr txBox="1"/>
+          <p:nvPr/>
+        </p:nvSpPr>
+        <p:spPr>
+          <a:xfrm>
+            <a:off x="82194" y="2001922"/>
+            <a:ext cx="3637052" cy="584775"/>
+          </a:xfrm>
+          <a:prstGeom prst="rect">
+            <a:avLst/>
+          </a:prstGeom>
+          <a:noFill/>
+        </p:spPr>
+        <p:txBody>
+          <a:bodyPr wrap="square" rtlCol="0">
+            <a:spAutoFit/>
+          </a:bodyPr>
+          <a:lstStyle/>
+          <a:p>
+            <a:r>
+              <a:rPr lang="en-US" sz="3200" dirty="0">
+                <a:solidFill>
+                  <a:srgbClr val="FF0000"/>
+                </a:solidFill>
+              </a:rPr>
+              <a:t>interpretation</a:t>
+            </a:r>
+          </a:p>
+        </p:txBody>
+      </p:sp>
+    </p:spTree>
+    <p:extLst>
+      <p:ext uri="{BB962C8B-B14F-4D97-AF65-F5344CB8AC3E}">
+        <p14:creationId xmlns:p14="http://schemas.microsoft.com/office/powerpoint/2010/main" val="816398356"/>
+      </p:ext>
+    </p:extLst>
+  </p:cSld>
+  <p:clrMapOvr>
+    <a:masterClrMapping/>
+  </p:clrMapOvr>
+</p:sld>
+</file>
+
+<file path=ppt/slides/slide7.xml><?xml version="1.0" encoding="utf-8"?>
+<p:sld xmlns:a="http://schemas.openxmlformats.org/drawingml/2006/main" xmlns:r="http://schemas.openxmlformats.org/officeDocument/2006/relationships" xmlns:p="http://schemas.openxmlformats.org/presentationml/2006/main">
+  <p:cSld>
+    <p:spTree>
+      <p:nvGrpSpPr>
+        <p:cNvPr id="1" name=""/>
+        <p:cNvGrpSpPr/>
+        <p:nvPr/>
+      </p:nvGrpSpPr>
+      <p:grpSpPr>
+        <a:xfrm>
+          <a:off x="0" y="0"/>
+          <a:ext cx="0" cy="0"/>
+          <a:chOff x="0" y="0"/>
+          <a:chExt cx="0" cy="0"/>
+        </a:xfrm>
+      </p:grpSpPr>
+      <p:sp>
+        <p:nvSpPr>
+          <p:cNvPr id="4" name="TextBox 3">
+            <a:extLst>
+              <a:ext uri="{FF2B5EF4-FFF2-40B4-BE49-F238E27FC236}">
+                <a16:creationId xmlns:a16="http://schemas.microsoft.com/office/drawing/2014/main" id="{5F2A1285-8787-0D41-9429-7B0A09C9AAE0}"/>
+              </a:ext>
+            </a:extLst>
+          </p:cNvPr>
+          <p:cNvSpPr txBox="1"/>
+          <p:nvPr/>
+        </p:nvSpPr>
+        <p:spPr>
+          <a:xfrm>
+            <a:off x="321923" y="254174"/>
+            <a:ext cx="11548153" cy="1446550"/>
+          </a:xfrm>
+          <a:prstGeom prst="rect">
+            <a:avLst/>
+          </a:prstGeom>
+          <a:noFill/>
+        </p:spPr>
+        <p:txBody>
+          <a:bodyPr wrap="square" rtlCol="0">
+            <a:spAutoFit/>
+          </a:bodyPr>
+          <a:lstStyle/>
+          <a:p>
+            <a:pPr algn="ctr"/>
+            <a:r>
+              <a:rPr lang="en-US" sz="4400" dirty="0"/>
+              <a:t>Design methods tell us </a:t>
+            </a:r>
+            <a:br>
+              <a:rPr lang="en-US" sz="4400" dirty="0"/>
+            </a:br>
+            <a:r>
+              <a:rPr lang="en-US" sz="4400" u="sng" dirty="0"/>
+              <a:t>how &amp; when</a:t>
+            </a:r>
+            <a:r>
+              <a:rPr lang="en-US" sz="4400" dirty="0"/>
+              <a:t> to break problem into smaller pieces</a:t>
+            </a:r>
+            <a:endParaRPr lang="en-US" sz="4400" u="sng" dirty="0"/>
+          </a:p>
+        </p:txBody>
+      </p:sp>
+      <p:sp>
+        <p:nvSpPr>
+          <p:cNvPr id="5" name="TextBox 4">
+            <a:extLst>
+              <a:ext uri="{FF2B5EF4-FFF2-40B4-BE49-F238E27FC236}">
+                <a16:creationId xmlns:a16="http://schemas.microsoft.com/office/drawing/2014/main" id="{24C4E01F-ACD0-C0CF-64FB-0D00BCCA963D}"/>
+              </a:ext>
+            </a:extLst>
+          </p:cNvPr>
+          <p:cNvSpPr txBox="1"/>
+          <p:nvPr/>
+        </p:nvSpPr>
+        <p:spPr>
+          <a:xfrm>
+            <a:off x="5474413" y="2619407"/>
+            <a:ext cx="1952090" cy="1754326"/>
+          </a:xfrm>
+          <a:prstGeom prst="rect">
+            <a:avLst/>
+          </a:prstGeom>
+          <a:noFill/>
+          <a:ln w="28575">
+            <a:solidFill>
+              <a:schemeClr val="accent1"/>
+            </a:solidFill>
+          </a:ln>
+        </p:spPr>
+        <p:txBody>
+          <a:bodyPr wrap="square" rtlCol="0">
+            <a:spAutoFit/>
+          </a:bodyPr>
+          <a:lstStyle/>
+          <a:p>
+            <a:r>
+              <a:rPr lang="en-US" dirty="0" err="1"/>
+              <a:t>HtDD</a:t>
+            </a:r>
+            <a:endParaRPr lang="en-US" dirty="0"/>
+          </a:p>
+          <a:p>
+            <a:r>
+              <a:rPr lang="en-US" dirty="0"/>
+              <a:t>1</a:t>
+            </a:r>
+          </a:p>
+          <a:p>
+            <a:r>
+              <a:rPr lang="en-US" dirty="0"/>
+              <a:t>2</a:t>
+            </a:r>
+          </a:p>
+          <a:p>
+            <a:r>
+              <a:rPr lang="en-US" dirty="0"/>
+              <a:t>3</a:t>
+            </a:r>
+          </a:p>
+          <a:p>
+            <a:r>
+              <a:rPr lang="en-US" dirty="0"/>
+              <a:t>4</a:t>
+            </a:r>
+          </a:p>
+          <a:p>
+            <a:r>
+              <a:rPr lang="en-US" dirty="0"/>
+              <a:t>5</a:t>
+            </a:r>
+          </a:p>
+        </p:txBody>
+      </p:sp>
+      <p:sp>
+        <p:nvSpPr>
+          <p:cNvPr id="6" name="TextBox 5">
+            <a:extLst>
+              <a:ext uri="{FF2B5EF4-FFF2-40B4-BE49-F238E27FC236}">
+                <a16:creationId xmlns:a16="http://schemas.microsoft.com/office/drawing/2014/main" id="{0A747391-B655-7274-6D8C-CC97DD366C64}"/>
+              </a:ext>
+            </a:extLst>
+          </p:cNvPr>
+          <p:cNvSpPr txBox="1"/>
+          <p:nvPr/>
+        </p:nvSpPr>
+        <p:spPr>
+          <a:xfrm>
+            <a:off x="8608643" y="3151442"/>
+            <a:ext cx="1952090" cy="1754326"/>
+          </a:xfrm>
+          <a:prstGeom prst="rect">
+            <a:avLst/>
+          </a:prstGeom>
+          <a:noFill/>
+          <a:ln w="28575">
+            <a:solidFill>
+              <a:schemeClr val="accent1"/>
+            </a:solidFill>
+          </a:ln>
+        </p:spPr>
+        <p:txBody>
+          <a:bodyPr wrap="square" rtlCol="0">
+            <a:spAutoFit/>
+          </a:bodyPr>
+          <a:lstStyle/>
+          <a:p>
+            <a:r>
+              <a:rPr lang="en-US" dirty="0" err="1"/>
+              <a:t>HtDF</a:t>
+            </a:r>
+            <a:endParaRPr lang="en-US" dirty="0"/>
+          </a:p>
+          <a:p>
+            <a:r>
+              <a:rPr lang="en-US" dirty="0"/>
+              <a:t>1</a:t>
+            </a:r>
+          </a:p>
+          <a:p>
+            <a:r>
+              <a:rPr lang="en-US" dirty="0"/>
+              <a:t>2</a:t>
+            </a:r>
+          </a:p>
+          <a:p>
+            <a:r>
+              <a:rPr lang="en-US" dirty="0"/>
+              <a:t>3</a:t>
+            </a:r>
+          </a:p>
+          <a:p>
+            <a:r>
+              <a:rPr lang="en-US" dirty="0"/>
+              <a:t>4</a:t>
+            </a:r>
+          </a:p>
+          <a:p>
+            <a:r>
+              <a:rPr lang="en-US" dirty="0"/>
+              <a:t>5</a:t>
+            </a:r>
+          </a:p>
+        </p:txBody>
+      </p:sp>
+      <p:cxnSp>
+        <p:nvCxnSpPr>
+          <p:cNvPr id="16" name="Straight Arrow Connector 15">
+            <a:extLst>
+              <a:ext uri="{FF2B5EF4-FFF2-40B4-BE49-F238E27FC236}">
+                <a16:creationId xmlns:a16="http://schemas.microsoft.com/office/drawing/2014/main" id="{802CD2AC-FB3D-E0DE-AB4C-03308A2DFA07}"/>
+              </a:ext>
+            </a:extLst>
+          </p:cNvPr>
+          <p:cNvCxnSpPr>
+            <a:cxnSpLocks/>
+          </p:cNvCxnSpPr>
+          <p:nvPr/>
+        </p:nvCxnSpPr>
+        <p:spPr>
+          <a:xfrm>
+            <a:off x="5818476" y="3065894"/>
+            <a:ext cx="0" cy="1199159"/>
+          </a:xfrm>
+          <a:prstGeom prst="straightConnector1">
+            <a:avLst/>
+          </a:prstGeom>
+          <a:ln w="28575">
+            <a:tailEnd type="triangle"/>
+          </a:ln>
+        </p:spPr>
+        <p:style>
+          <a:lnRef idx="1">
+            <a:schemeClr val="accent1"/>
+          </a:lnRef>
+          <a:fillRef idx="0">
+            <a:schemeClr val="accent1"/>
+          </a:fillRef>
+          <a:effectRef idx="0">
+            <a:schemeClr val="accent1"/>
+          </a:effectRef>
+          <a:fontRef idx="minor">
+            <a:schemeClr val="tx1"/>
+          </a:fontRef>
+        </p:style>
+      </p:cxnSp>
+      <p:cxnSp>
+        <p:nvCxnSpPr>
+          <p:cNvPr id="35" name="Straight Arrow Connector 34">
+            <a:extLst>
+              <a:ext uri="{FF2B5EF4-FFF2-40B4-BE49-F238E27FC236}">
+                <a16:creationId xmlns:a16="http://schemas.microsoft.com/office/drawing/2014/main" id="{E8241F45-A384-68D4-F15F-A6ECB0B44C49}"/>
+              </a:ext>
+            </a:extLst>
+          </p:cNvPr>
+          <p:cNvCxnSpPr>
+            <a:cxnSpLocks/>
+          </p:cNvCxnSpPr>
+          <p:nvPr/>
+        </p:nvCxnSpPr>
+        <p:spPr>
+          <a:xfrm>
+            <a:off x="8919560" y="3542258"/>
+            <a:ext cx="0" cy="1199159"/>
+          </a:xfrm>
+          <a:prstGeom prst="straightConnector1">
+            <a:avLst/>
+          </a:prstGeom>
+          <a:ln w="28575">
+            <a:tailEnd type="triangle"/>
+          </a:ln>
+        </p:spPr>
+        <p:style>
+          <a:lnRef idx="1">
+            <a:schemeClr val="accent1"/>
+          </a:lnRef>
+          <a:fillRef idx="0">
+            <a:schemeClr val="accent1"/>
+          </a:fillRef>
+          <a:effectRef idx="0">
+            <a:schemeClr val="accent1"/>
+          </a:effectRef>
+          <a:fontRef idx="minor">
+            <a:schemeClr val="tx1"/>
+          </a:fontRef>
+        </p:style>
+      </p:cxnSp>
+    </p:spTree>
+    <p:extLst>
+      <p:ext uri="{BB962C8B-B14F-4D97-AF65-F5344CB8AC3E}">
+        <p14:creationId xmlns:p14="http://schemas.microsoft.com/office/powerpoint/2010/main" val="3294794809"/>
+      </p:ext>
+    </p:extLst>
+  </p:cSld>
+  <p:clrMapOvr>
+    <a:masterClrMapping/>
+  </p:clrMapOvr>
+</p:sld>
+</file>
+
+<file path=ppt/slides/slide8.xml><?xml version="1.0" encoding="utf-8"?>
+<p:sld xmlns:a="http://schemas.openxmlformats.org/drawingml/2006/main" xmlns:r="http://schemas.openxmlformats.org/officeDocument/2006/relationships" xmlns:p="http://schemas.openxmlformats.org/presentationml/2006/main">
+  <p:cSld>
+    <p:spTree>
+      <p:nvGrpSpPr>
+        <p:cNvPr id="1" name=""/>
+        <p:cNvGrpSpPr/>
+        <p:nvPr/>
+      </p:nvGrpSpPr>
+      <p:grpSpPr>
+        <a:xfrm>
+          <a:off x="0" y="0"/>
+          <a:ext cx="0" cy="0"/>
+          <a:chOff x="0" y="0"/>
+          <a:chExt cx="0" cy="0"/>
+        </a:xfrm>
+      </p:grpSpPr>
+      <p:sp>
+        <p:nvSpPr>
+          <p:cNvPr id="3" name="TextBox 2">
+            <a:extLst>
+              <a:ext uri="{FF2B5EF4-FFF2-40B4-BE49-F238E27FC236}">
+                <a16:creationId xmlns:a16="http://schemas.microsoft.com/office/drawing/2014/main" id="{836B4E4F-D17B-6A21-1078-889A4373D653}"/>
+              </a:ext>
+            </a:extLst>
+          </p:cNvPr>
+          <p:cNvSpPr txBox="1"/>
+          <p:nvPr/>
+        </p:nvSpPr>
+        <p:spPr>
+          <a:xfrm>
+            <a:off x="2568539" y="3852812"/>
+            <a:ext cx="1952090" cy="2585323"/>
+          </a:xfrm>
+          <a:prstGeom prst="rect">
+            <a:avLst/>
+          </a:prstGeom>
+          <a:noFill/>
+          <a:ln w="28575">
+            <a:solidFill>
+              <a:schemeClr val="accent1"/>
+            </a:solidFill>
+          </a:ln>
+        </p:spPr>
+        <p:txBody>
+          <a:bodyPr wrap="square" rtlCol="0">
+            <a:spAutoFit/>
+          </a:bodyPr>
+          <a:lstStyle/>
+          <a:p>
+            <a:r>
+              <a:rPr lang="en-US" dirty="0" err="1"/>
+              <a:t>HtDW</a:t>
+            </a:r>
+            <a:endParaRPr lang="en-US" dirty="0"/>
+          </a:p>
+          <a:p>
+            <a:r>
+              <a:rPr lang="en-US" dirty="0"/>
+              <a:t>1.1</a:t>
+            </a:r>
+          </a:p>
+          <a:p>
+            <a:r>
+              <a:rPr lang="en-US" dirty="0"/>
+              <a:t>1.2</a:t>
+            </a:r>
+          </a:p>
+          <a:p>
+            <a:r>
+              <a:rPr lang="en-US" dirty="0"/>
+              <a:t>1.3</a:t>
+            </a:r>
+          </a:p>
+          <a:p>
+            <a:r>
+              <a:rPr lang="en-US" dirty="0"/>
+              <a:t>1.4</a:t>
+            </a:r>
+          </a:p>
+          <a:p>
+            <a:r>
+              <a:rPr lang="en-US" dirty="0"/>
+              <a:t>2.1</a:t>
+            </a:r>
+          </a:p>
+          <a:p>
+            <a:r>
+              <a:rPr lang="en-US" dirty="0"/>
+              <a:t>2.2</a:t>
+            </a:r>
+          </a:p>
+          <a:p>
+            <a:r>
+              <a:rPr lang="en-US" dirty="0"/>
+              <a:t>2.3</a:t>
+            </a:r>
+          </a:p>
+          <a:p>
+            <a:r>
+              <a:rPr lang="en-US" dirty="0"/>
+              <a:t>2.4</a:t>
+            </a:r>
+          </a:p>
+        </p:txBody>
+      </p:sp>
+      <p:sp>
+        <p:nvSpPr>
+          <p:cNvPr id="5" name="TextBox 4">
+            <a:extLst>
+              <a:ext uri="{FF2B5EF4-FFF2-40B4-BE49-F238E27FC236}">
+                <a16:creationId xmlns:a16="http://schemas.microsoft.com/office/drawing/2014/main" id="{24C4E01F-ACD0-C0CF-64FB-0D00BCCA963D}"/>
+              </a:ext>
+            </a:extLst>
+          </p:cNvPr>
+          <p:cNvSpPr txBox="1"/>
+          <p:nvPr/>
+        </p:nvSpPr>
+        <p:spPr>
+          <a:xfrm>
+            <a:off x="5474413" y="2619407"/>
+            <a:ext cx="1952090" cy="1754326"/>
+          </a:xfrm>
+          <a:prstGeom prst="rect">
+            <a:avLst/>
+          </a:prstGeom>
+          <a:noFill/>
+          <a:ln w="28575">
+            <a:solidFill>
+              <a:schemeClr val="accent1"/>
+            </a:solidFill>
+          </a:ln>
+        </p:spPr>
+        <p:txBody>
+          <a:bodyPr wrap="square" rtlCol="0">
+            <a:spAutoFit/>
+          </a:bodyPr>
+          <a:lstStyle/>
+          <a:p>
+            <a:r>
+              <a:rPr lang="en-US" dirty="0" err="1"/>
+              <a:t>HtDD</a:t>
+            </a:r>
+            <a:endParaRPr lang="en-US" dirty="0"/>
+          </a:p>
+          <a:p>
+            <a:r>
+              <a:rPr lang="en-US" dirty="0"/>
+              <a:t>1</a:t>
+            </a:r>
+          </a:p>
+          <a:p>
+            <a:r>
+              <a:rPr lang="en-US" dirty="0"/>
+              <a:t>2</a:t>
+            </a:r>
+          </a:p>
+          <a:p>
+            <a:r>
+              <a:rPr lang="en-US" dirty="0"/>
+              <a:t>3</a:t>
+            </a:r>
+          </a:p>
+          <a:p>
+            <a:r>
+              <a:rPr lang="en-US" dirty="0"/>
+              <a:t>4</a:t>
+            </a:r>
+          </a:p>
+          <a:p>
+            <a:r>
+              <a:rPr lang="en-US" dirty="0"/>
+              <a:t>5</a:t>
+            </a:r>
+          </a:p>
+        </p:txBody>
+      </p:sp>
+      <p:sp>
+        <p:nvSpPr>
+          <p:cNvPr id="6" name="TextBox 5">
+            <a:extLst>
+              <a:ext uri="{FF2B5EF4-FFF2-40B4-BE49-F238E27FC236}">
+                <a16:creationId xmlns:a16="http://schemas.microsoft.com/office/drawing/2014/main" id="{0A747391-B655-7274-6D8C-CC97DD366C64}"/>
+              </a:ext>
+            </a:extLst>
+          </p:cNvPr>
+          <p:cNvSpPr txBox="1"/>
+          <p:nvPr/>
+        </p:nvSpPr>
+        <p:spPr>
+          <a:xfrm>
+            <a:off x="8608643" y="3151442"/>
+            <a:ext cx="1952090" cy="1754326"/>
+          </a:xfrm>
+          <a:prstGeom prst="rect">
+            <a:avLst/>
+          </a:prstGeom>
+          <a:noFill/>
+          <a:ln w="28575">
+            <a:solidFill>
+              <a:schemeClr val="accent1"/>
+            </a:solidFill>
+          </a:ln>
+        </p:spPr>
+        <p:txBody>
+          <a:bodyPr wrap="square" rtlCol="0">
+            <a:spAutoFit/>
+          </a:bodyPr>
+          <a:lstStyle/>
+          <a:p>
+            <a:r>
+              <a:rPr lang="en-US" dirty="0" err="1"/>
+              <a:t>HtDF</a:t>
+            </a:r>
+            <a:endParaRPr lang="en-US" dirty="0"/>
+          </a:p>
+          <a:p>
+            <a:r>
+              <a:rPr lang="en-US" dirty="0"/>
+              <a:t>1</a:t>
+            </a:r>
+          </a:p>
+          <a:p>
+            <a:r>
+              <a:rPr lang="en-US" dirty="0"/>
+              <a:t>2</a:t>
+            </a:r>
+          </a:p>
+          <a:p>
+            <a:r>
+              <a:rPr lang="en-US" dirty="0"/>
+              <a:t>3</a:t>
+            </a:r>
+          </a:p>
+          <a:p>
+            <a:r>
+              <a:rPr lang="en-US" dirty="0"/>
+              <a:t>4</a:t>
+            </a:r>
+          </a:p>
+          <a:p>
+            <a:r>
+              <a:rPr lang="en-US" dirty="0"/>
+              <a:t>5</a:t>
+            </a:r>
+          </a:p>
+        </p:txBody>
+      </p:sp>
+      <p:cxnSp>
+        <p:nvCxnSpPr>
+          <p:cNvPr id="16" name="Straight Arrow Connector 15">
+            <a:extLst>
+              <a:ext uri="{FF2B5EF4-FFF2-40B4-BE49-F238E27FC236}">
+                <a16:creationId xmlns:a16="http://schemas.microsoft.com/office/drawing/2014/main" id="{802CD2AC-FB3D-E0DE-AB4C-03308A2DFA07}"/>
+              </a:ext>
+            </a:extLst>
+          </p:cNvPr>
+          <p:cNvCxnSpPr>
+            <a:cxnSpLocks/>
+          </p:cNvCxnSpPr>
+          <p:nvPr/>
+        </p:nvCxnSpPr>
+        <p:spPr>
+          <a:xfrm>
+            <a:off x="5818476" y="3065894"/>
+            <a:ext cx="0" cy="1199159"/>
+          </a:xfrm>
+          <a:prstGeom prst="straightConnector1">
+            <a:avLst/>
+          </a:prstGeom>
+          <a:ln w="28575">
+            <a:tailEnd type="triangle"/>
+          </a:ln>
+        </p:spPr>
+        <p:style>
+          <a:lnRef idx="1">
+            <a:schemeClr val="accent1"/>
+          </a:lnRef>
+          <a:fillRef idx="0">
+            <a:schemeClr val="accent1"/>
+          </a:fillRef>
+          <a:effectRef idx="0">
+            <a:schemeClr val="accent1"/>
+          </a:effectRef>
+          <a:fontRef idx="minor">
+            <a:schemeClr val="tx1"/>
+          </a:fontRef>
+        </p:style>
+      </p:cxnSp>
+      <p:cxnSp>
+        <p:nvCxnSpPr>
+          <p:cNvPr id="35" name="Straight Arrow Connector 34">
+            <a:extLst>
+              <a:ext uri="{FF2B5EF4-FFF2-40B4-BE49-F238E27FC236}">
+                <a16:creationId xmlns:a16="http://schemas.microsoft.com/office/drawing/2014/main" id="{E8241F45-A384-68D4-F15F-A6ECB0B44C49}"/>
+              </a:ext>
+            </a:extLst>
+          </p:cNvPr>
+          <p:cNvCxnSpPr>
+            <a:cxnSpLocks/>
+          </p:cNvCxnSpPr>
+          <p:nvPr/>
+        </p:nvCxnSpPr>
+        <p:spPr>
+          <a:xfrm>
+            <a:off x="8919560" y="3542258"/>
+            <a:ext cx="0" cy="1199159"/>
+          </a:xfrm>
+          <a:prstGeom prst="straightConnector1">
+            <a:avLst/>
+          </a:prstGeom>
+          <a:ln w="28575">
+            <a:tailEnd type="triangle"/>
+          </a:ln>
+        </p:spPr>
+        <p:style>
+          <a:lnRef idx="1">
+            <a:schemeClr val="accent1"/>
+          </a:lnRef>
+          <a:fillRef idx="0">
+            <a:schemeClr val="accent1"/>
+          </a:fillRef>
+          <a:effectRef idx="0">
+            <a:schemeClr val="accent1"/>
+          </a:effectRef>
+          <a:fontRef idx="minor">
+            <a:schemeClr val="tx1"/>
+          </a:fontRef>
+        </p:style>
+      </p:cxnSp>
+      <p:cxnSp>
+        <p:nvCxnSpPr>
+          <p:cNvPr id="2" name="Straight Arrow Connector 1">
+            <a:extLst>
+              <a:ext uri="{FF2B5EF4-FFF2-40B4-BE49-F238E27FC236}">
+                <a16:creationId xmlns:a16="http://schemas.microsoft.com/office/drawing/2014/main" id="{C44A7474-AE85-C883-B512-5387D43AC8B8}"/>
+              </a:ext>
+            </a:extLst>
+          </p:cNvPr>
+          <p:cNvCxnSpPr>
+            <a:cxnSpLocks/>
+          </p:cNvCxnSpPr>
+          <p:nvPr/>
+        </p:nvCxnSpPr>
+        <p:spPr>
+          <a:xfrm>
+            <a:off x="3094112" y="4306188"/>
+            <a:ext cx="0" cy="1950774"/>
+          </a:xfrm>
+          <a:prstGeom prst="straightConnector1">
+            <a:avLst/>
+          </a:prstGeom>
+          <a:ln w="28575">
+            <a:tailEnd type="triangle"/>
+          </a:ln>
+        </p:spPr>
+        <p:style>
+          <a:lnRef idx="1">
+            <a:schemeClr val="accent1"/>
+          </a:lnRef>
+          <a:fillRef idx="0">
+            <a:schemeClr val="accent1"/>
+          </a:fillRef>
+          <a:effectRef idx="0">
+            <a:schemeClr val="accent1"/>
+          </a:effectRef>
+          <a:fontRef idx="minor">
+            <a:schemeClr val="tx1"/>
+          </a:fontRef>
+        </p:style>
+      </p:cxnSp>
+      <p:sp>
+        <p:nvSpPr>
+          <p:cNvPr id="7" name="TextBox 6">
+            <a:extLst>
+              <a:ext uri="{FF2B5EF4-FFF2-40B4-BE49-F238E27FC236}">
+                <a16:creationId xmlns:a16="http://schemas.microsoft.com/office/drawing/2014/main" id="{D6088466-CC2C-F58E-76BB-CB5268F63C51}"/>
+              </a:ext>
+            </a:extLst>
+          </p:cNvPr>
+          <p:cNvSpPr txBox="1"/>
+          <p:nvPr/>
+        </p:nvSpPr>
+        <p:spPr>
+          <a:xfrm>
+            <a:off x="321923" y="254174"/>
+            <a:ext cx="11548153" cy="1446550"/>
+          </a:xfrm>
+          <a:prstGeom prst="rect">
+            <a:avLst/>
+          </a:prstGeom>
+          <a:noFill/>
+        </p:spPr>
+        <p:txBody>
+          <a:bodyPr wrap="square" rtlCol="0">
+            <a:spAutoFit/>
+          </a:bodyPr>
+          <a:lstStyle/>
+          <a:p>
+            <a:pPr algn="ctr"/>
+            <a:r>
+              <a:rPr lang="en-US" sz="4400" dirty="0"/>
+              <a:t>Design methods tell us </a:t>
+            </a:r>
+            <a:br>
+              <a:rPr lang="en-US" sz="4400" dirty="0"/>
+            </a:br>
+            <a:r>
+              <a:rPr lang="en-US" sz="4400" u="sng" dirty="0"/>
+              <a:t>how &amp; when</a:t>
+            </a:r>
+            <a:r>
+              <a:rPr lang="en-US" sz="4400" dirty="0"/>
+              <a:t> to break problem into smaller pieces</a:t>
+            </a:r>
+            <a:endParaRPr lang="en-US" sz="4400" u="sng" dirty="0"/>
+          </a:p>
+        </p:txBody>
+      </p:sp>
+    </p:spTree>
+    <p:extLst>
+      <p:ext uri="{BB962C8B-B14F-4D97-AF65-F5344CB8AC3E}">
+        <p14:creationId xmlns:p14="http://schemas.microsoft.com/office/powerpoint/2010/main" val="790398447"/>
+      </p:ext>
+    </p:extLst>
+  </p:cSld>
+  <p:clrMapOvr>
+    <a:masterClrMapping/>
+  </p:clrMapOvr>
+</p:sld>
+</file>
+
+<file path=ppt/slides/slide9.xml><?xml version="1.0" encoding="utf-8"?>
+<p:sld xmlns:a="http://schemas.openxmlformats.org/drawingml/2006/main" xmlns:r="http://schemas.openxmlformats.org/officeDocument/2006/relationships" xmlns:p="http://schemas.openxmlformats.org/presentationml/2006/main">
+  <p:cSld>
+    <p:spTree>
+      <p:nvGrpSpPr>
+        <p:cNvPr id="1" name=""/>
+        <p:cNvGrpSpPr/>
+        <p:nvPr/>
+      </p:nvGrpSpPr>
+      <p:grpSpPr>
+        <a:xfrm>
+          <a:off x="0" y="0"/>
+          <a:ext cx="0" cy="0"/>
+          <a:chOff x="0" y="0"/>
+          <a:chExt cx="0" cy="0"/>
+        </a:xfrm>
+      </p:grpSpPr>
+      <p:sp>
+        <p:nvSpPr>
+          <p:cNvPr id="4" name="TextBox 3">
+            <a:extLst>
+              <a:ext uri="{FF2B5EF4-FFF2-40B4-BE49-F238E27FC236}">
+                <a16:creationId xmlns:a16="http://schemas.microsoft.com/office/drawing/2014/main" id="{5F2A1285-8787-0D41-9429-7B0A09C9AAE0}"/>
+              </a:ext>
+            </a:extLst>
+          </p:cNvPr>
+          <p:cNvSpPr txBox="1"/>
+          <p:nvPr/>
+        </p:nvSpPr>
+        <p:spPr>
+          <a:xfrm>
+            <a:off x="696688" y="262826"/>
+            <a:ext cx="10798624" cy="2123658"/>
+          </a:xfrm>
+          <a:prstGeom prst="rect">
+            <a:avLst/>
+          </a:prstGeom>
+          <a:noFill/>
+        </p:spPr>
+        <p:txBody>
+          <a:bodyPr wrap="square" rtlCol="0">
+            <a:spAutoFit/>
+          </a:bodyPr>
+          <a:lstStyle/>
+          <a:p>
+            <a:pPr algn="ctr"/>
+            <a:r>
+              <a:rPr lang="en-US" sz="4400" dirty="0"/>
+              <a:t>Trust the recipes</a:t>
+            </a:r>
+          </a:p>
+          <a:p>
+            <a:pPr algn="ctr"/>
+            <a:r>
+              <a:rPr lang="en-US" sz="4400" dirty="0"/>
+              <a:t>to help you make progress</a:t>
+            </a:r>
+          </a:p>
+          <a:p>
+            <a:pPr algn="ctr"/>
+            <a:r>
+              <a:rPr lang="en-US" sz="4400" dirty="0"/>
+              <a:t>Always ask: what’s next step of current recipe?</a:t>
+            </a:r>
+          </a:p>
+        </p:txBody>
+      </p:sp>
+      <p:sp>
+        <p:nvSpPr>
+          <p:cNvPr id="3" name="TextBox 2">
+            <a:extLst>
+              <a:ext uri="{FF2B5EF4-FFF2-40B4-BE49-F238E27FC236}">
+                <a16:creationId xmlns:a16="http://schemas.microsoft.com/office/drawing/2014/main" id="{836B4E4F-D17B-6A21-1078-889A4373D653}"/>
+              </a:ext>
+            </a:extLst>
+          </p:cNvPr>
+          <p:cNvSpPr txBox="1"/>
+          <p:nvPr/>
+        </p:nvSpPr>
+        <p:spPr>
+          <a:xfrm>
+            <a:off x="2568539" y="3852812"/>
+            <a:ext cx="1952090" cy="2585323"/>
+          </a:xfrm>
+          <a:prstGeom prst="rect">
+            <a:avLst/>
+          </a:prstGeom>
+          <a:noFill/>
+          <a:ln w="28575">
+            <a:solidFill>
+              <a:schemeClr val="accent1"/>
+            </a:solidFill>
+          </a:ln>
+        </p:spPr>
+        <p:txBody>
+          <a:bodyPr wrap="square" rtlCol="0">
+            <a:spAutoFit/>
+          </a:bodyPr>
+          <a:lstStyle/>
+          <a:p>
+            <a:r>
+              <a:rPr lang="en-US" dirty="0" err="1"/>
+              <a:t>HtDW</a:t>
+            </a:r>
+            <a:endParaRPr lang="en-US" dirty="0"/>
+          </a:p>
+          <a:p>
+            <a:r>
+              <a:rPr lang="en-US" dirty="0"/>
+              <a:t>1.1</a:t>
+            </a:r>
+          </a:p>
+          <a:p>
+            <a:r>
+              <a:rPr lang="en-US" dirty="0"/>
+              <a:t>1.2</a:t>
+            </a:r>
+          </a:p>
+          <a:p>
+            <a:r>
+              <a:rPr lang="en-US" dirty="0"/>
+              <a:t>1.3</a:t>
+            </a:r>
+          </a:p>
+          <a:p>
+            <a:r>
+              <a:rPr lang="en-US" dirty="0"/>
+              <a:t>1.4</a:t>
+            </a:r>
+          </a:p>
+          <a:p>
+            <a:r>
+              <a:rPr lang="en-US" dirty="0"/>
+              <a:t>2.1</a:t>
+            </a:r>
+          </a:p>
+          <a:p>
+            <a:r>
+              <a:rPr lang="en-US" dirty="0"/>
+              <a:t>2.2</a:t>
+            </a:r>
+          </a:p>
+          <a:p>
+            <a:r>
+              <a:rPr lang="en-US" dirty="0"/>
+              <a:t>2.3</a:t>
+            </a:r>
+          </a:p>
+          <a:p>
+            <a:r>
+              <a:rPr lang="en-US" dirty="0"/>
+              <a:t>2.4</a:t>
+            </a:r>
+          </a:p>
+        </p:txBody>
+      </p:sp>
+      <p:sp>
+        <p:nvSpPr>
+          <p:cNvPr id="5" name="TextBox 4">
+            <a:extLst>
+              <a:ext uri="{FF2B5EF4-FFF2-40B4-BE49-F238E27FC236}">
+                <a16:creationId xmlns:a16="http://schemas.microsoft.com/office/drawing/2014/main" id="{24C4E01F-ACD0-C0CF-64FB-0D00BCCA963D}"/>
+              </a:ext>
+            </a:extLst>
+          </p:cNvPr>
+          <p:cNvSpPr txBox="1"/>
+          <p:nvPr/>
+        </p:nvSpPr>
+        <p:spPr>
+          <a:xfrm>
+            <a:off x="5474413" y="2619407"/>
+            <a:ext cx="1952090" cy="1754326"/>
+          </a:xfrm>
+          <a:prstGeom prst="rect">
+            <a:avLst/>
+          </a:prstGeom>
+          <a:noFill/>
+          <a:ln w="28575">
+            <a:solidFill>
+              <a:schemeClr val="accent1"/>
+            </a:solidFill>
+          </a:ln>
+        </p:spPr>
+        <p:txBody>
+          <a:bodyPr wrap="square" rtlCol="0">
+            <a:spAutoFit/>
+          </a:bodyPr>
+          <a:lstStyle/>
+          <a:p>
+            <a:r>
+              <a:rPr lang="en-US" dirty="0" err="1"/>
+              <a:t>HtDD</a:t>
+            </a:r>
+            <a:endParaRPr lang="en-US" dirty="0"/>
+          </a:p>
+          <a:p>
+            <a:r>
+              <a:rPr lang="en-US" dirty="0"/>
+              <a:t>1</a:t>
+            </a:r>
+          </a:p>
+          <a:p>
+            <a:r>
+              <a:rPr lang="en-US" dirty="0"/>
+              <a:t>2</a:t>
+            </a:r>
+          </a:p>
+          <a:p>
+            <a:r>
+              <a:rPr lang="en-US" dirty="0"/>
+              <a:t>3</a:t>
+            </a:r>
+          </a:p>
+          <a:p>
+            <a:r>
+              <a:rPr lang="en-US" dirty="0"/>
+              <a:t>4</a:t>
+            </a:r>
+          </a:p>
+          <a:p>
+            <a:r>
+              <a:rPr lang="en-US" dirty="0"/>
+              <a:t>5</a:t>
+            </a:r>
+          </a:p>
+        </p:txBody>
+      </p:sp>
+      <p:sp>
+        <p:nvSpPr>
+          <p:cNvPr id="6" name="TextBox 5">
+            <a:extLst>
+              <a:ext uri="{FF2B5EF4-FFF2-40B4-BE49-F238E27FC236}">
+                <a16:creationId xmlns:a16="http://schemas.microsoft.com/office/drawing/2014/main" id="{0A747391-B655-7274-6D8C-CC97DD366C64}"/>
+              </a:ext>
+            </a:extLst>
+          </p:cNvPr>
+          <p:cNvSpPr txBox="1"/>
+          <p:nvPr/>
+        </p:nvSpPr>
+        <p:spPr>
+          <a:xfrm>
+            <a:off x="8608643" y="3151442"/>
+            <a:ext cx="1952090" cy="1754326"/>
+          </a:xfrm>
+          <a:prstGeom prst="rect">
+            <a:avLst/>
+          </a:prstGeom>
+          <a:noFill/>
+          <a:ln w="28575">
+            <a:solidFill>
+              <a:schemeClr val="accent1"/>
+            </a:solidFill>
+          </a:ln>
+        </p:spPr>
+        <p:txBody>
+          <a:bodyPr wrap="square" rtlCol="0">
+            <a:spAutoFit/>
+          </a:bodyPr>
+          <a:lstStyle/>
+          <a:p>
+            <a:r>
+              <a:rPr lang="en-US" dirty="0" err="1"/>
+              <a:t>HtDF</a:t>
+            </a:r>
+            <a:endParaRPr lang="en-US" dirty="0"/>
+          </a:p>
+          <a:p>
+            <a:r>
+              <a:rPr lang="en-US" dirty="0"/>
+              <a:t>1</a:t>
+            </a:r>
+          </a:p>
+          <a:p>
+            <a:r>
+              <a:rPr lang="en-US" dirty="0"/>
+              <a:t>2</a:t>
+            </a:r>
+          </a:p>
+          <a:p>
+            <a:r>
+              <a:rPr lang="en-US" dirty="0"/>
+              <a:t>3</a:t>
+            </a:r>
+          </a:p>
+          <a:p>
+            <a:r>
+              <a:rPr lang="en-US" dirty="0"/>
+              <a:t>4</a:t>
+            </a:r>
+          </a:p>
+          <a:p>
+            <a:r>
+              <a:rPr lang="en-US" dirty="0"/>
+              <a:t>5</a:t>
+            </a:r>
+          </a:p>
+        </p:txBody>
+      </p:sp>
+      <p:cxnSp>
+        <p:nvCxnSpPr>
+          <p:cNvPr id="8" name="Straight Arrow Connector 7">
+            <a:extLst>
+              <a:ext uri="{FF2B5EF4-FFF2-40B4-BE49-F238E27FC236}">
+                <a16:creationId xmlns:a16="http://schemas.microsoft.com/office/drawing/2014/main" id="{E431FEC9-8AE0-73D1-6A78-1EA53F675F53}"/>
+              </a:ext>
+            </a:extLst>
+          </p:cNvPr>
+          <p:cNvCxnSpPr>
+            <a:cxnSpLocks/>
+          </p:cNvCxnSpPr>
+          <p:nvPr/>
+        </p:nvCxnSpPr>
+        <p:spPr>
+          <a:xfrm>
+            <a:off x="3118085" y="4297149"/>
+            <a:ext cx="0" cy="1415282"/>
+          </a:xfrm>
+          <a:prstGeom prst="straightConnector1">
+            <a:avLst/>
+          </a:prstGeom>
+          <a:ln w="28575">
+            <a:tailEnd type="triangle"/>
+          </a:ln>
+        </p:spPr>
+        <p:style>
+          <a:lnRef idx="1">
+            <a:schemeClr val="accent1"/>
+          </a:lnRef>
+          <a:fillRef idx="0">
+            <a:schemeClr val="accent1"/>
+          </a:fillRef>
+          <a:effectRef idx="0">
+            <a:schemeClr val="accent1"/>
+          </a:effectRef>
+          <a:fontRef idx="minor">
+            <a:schemeClr val="tx1"/>
+          </a:fontRef>
+        </p:style>
+      </p:cxnSp>
+      <p:cxnSp>
+        <p:nvCxnSpPr>
+          <p:cNvPr id="11" name="Straight Arrow Connector 10">
+            <a:extLst>
+              <a:ext uri="{FF2B5EF4-FFF2-40B4-BE49-F238E27FC236}">
+                <a16:creationId xmlns:a16="http://schemas.microsoft.com/office/drawing/2014/main" id="{F2448EB6-6E0A-F866-A917-C67133D53389}"/>
+              </a:ext>
+            </a:extLst>
+          </p:cNvPr>
+          <p:cNvCxnSpPr>
+            <a:cxnSpLocks/>
+          </p:cNvCxnSpPr>
+          <p:nvPr/>
+        </p:nvCxnSpPr>
+        <p:spPr>
+          <a:xfrm flipV="1">
+            <a:off x="3215811" y="3127523"/>
+            <a:ext cx="2469100" cy="2512989"/>
+          </a:xfrm>
+          <a:prstGeom prst="straightConnector1">
+            <a:avLst/>
+          </a:prstGeom>
+          <a:ln w="28575">
+            <a:tailEnd type="triangle"/>
+          </a:ln>
+        </p:spPr>
+        <p:style>
+          <a:lnRef idx="1">
+            <a:schemeClr val="accent1"/>
+          </a:lnRef>
+          <a:fillRef idx="0">
+            <a:schemeClr val="accent1"/>
+          </a:fillRef>
+          <a:effectRef idx="0">
+            <a:schemeClr val="accent1"/>
+          </a:effectRef>
+          <a:fontRef idx="minor">
+            <a:schemeClr val="tx1"/>
+          </a:fontRef>
+        </p:style>
+      </p:cxnSp>
+      <p:cxnSp>
+        <p:nvCxnSpPr>
+          <p:cNvPr id="16" name="Straight Arrow Connector 15">
+            <a:extLst>
+              <a:ext uri="{FF2B5EF4-FFF2-40B4-BE49-F238E27FC236}">
+                <a16:creationId xmlns:a16="http://schemas.microsoft.com/office/drawing/2014/main" id="{802CD2AC-FB3D-E0DE-AB4C-03308A2DFA07}"/>
+              </a:ext>
+            </a:extLst>
+          </p:cNvPr>
+          <p:cNvCxnSpPr>
+            <a:cxnSpLocks/>
+          </p:cNvCxnSpPr>
+          <p:nvPr/>
+        </p:nvCxnSpPr>
+        <p:spPr>
+          <a:xfrm>
+            <a:off x="5818476" y="3065894"/>
+            <a:ext cx="0" cy="1199159"/>
+          </a:xfrm>
+          <a:prstGeom prst="straightConnector1">
+            <a:avLst/>
+          </a:prstGeom>
+          <a:ln w="28575">
+            <a:tailEnd type="triangle"/>
+          </a:ln>
+        </p:spPr>
+        <p:style>
+          <a:lnRef idx="1">
+            <a:schemeClr val="accent1"/>
+          </a:lnRef>
+          <a:fillRef idx="0">
+            <a:schemeClr val="accent1"/>
+          </a:fillRef>
+          <a:effectRef idx="0">
+            <a:schemeClr val="accent1"/>
+          </a:effectRef>
+          <a:fontRef idx="minor">
+            <a:schemeClr val="tx1"/>
+          </a:fontRef>
+        </p:style>
+      </p:cxnSp>
+      <p:cxnSp>
+        <p:nvCxnSpPr>
+          <p:cNvPr id="18" name="Straight Arrow Connector 17">
+            <a:extLst>
+              <a:ext uri="{FF2B5EF4-FFF2-40B4-BE49-F238E27FC236}">
+                <a16:creationId xmlns:a16="http://schemas.microsoft.com/office/drawing/2014/main" id="{2044FC2B-330C-7B9A-D4FA-519BB45A1F48}"/>
+              </a:ext>
+            </a:extLst>
+          </p:cNvPr>
+          <p:cNvCxnSpPr>
+            <a:cxnSpLocks/>
+          </p:cNvCxnSpPr>
+          <p:nvPr/>
+        </p:nvCxnSpPr>
+        <p:spPr>
+          <a:xfrm flipH="1">
+            <a:off x="3118085" y="4265053"/>
+            <a:ext cx="2566826" cy="1527859"/>
+          </a:xfrm>
+          <a:prstGeom prst="straightConnector1">
+            <a:avLst/>
+          </a:prstGeom>
+          <a:ln w="28575">
+            <a:tailEnd type="triangle"/>
+          </a:ln>
+        </p:spPr>
+        <p:style>
+          <a:lnRef idx="1">
+            <a:schemeClr val="accent1"/>
+          </a:lnRef>
+          <a:fillRef idx="0">
+            <a:schemeClr val="accent1"/>
+          </a:fillRef>
+          <a:effectRef idx="0">
+            <a:schemeClr val="accent1"/>
+          </a:effectRef>
+          <a:fontRef idx="minor">
+            <a:schemeClr val="tx1"/>
+          </a:fontRef>
+        </p:style>
+      </p:cxnSp>
+      <p:cxnSp>
+        <p:nvCxnSpPr>
+          <p:cNvPr id="28" name="Straight Arrow Connector 27">
+            <a:extLst>
+              <a:ext uri="{FF2B5EF4-FFF2-40B4-BE49-F238E27FC236}">
+                <a16:creationId xmlns:a16="http://schemas.microsoft.com/office/drawing/2014/main" id="{186F20F6-FEB1-3AA0-F6D7-926D9522D6C6}"/>
+              </a:ext>
+            </a:extLst>
+          </p:cNvPr>
+          <p:cNvCxnSpPr>
+            <a:cxnSpLocks/>
+          </p:cNvCxnSpPr>
+          <p:nvPr/>
+        </p:nvCxnSpPr>
+        <p:spPr>
+          <a:xfrm flipV="1">
+            <a:off x="3118084" y="3665473"/>
+            <a:ext cx="5490559" cy="2340817"/>
+          </a:xfrm>
+          <a:prstGeom prst="straightConnector1">
+            <a:avLst/>
+          </a:prstGeom>
+          <a:ln w="28575">
+            <a:tailEnd type="triangle"/>
+          </a:ln>
+        </p:spPr>
+        <p:style>
+          <a:lnRef idx="1">
+            <a:schemeClr val="accent1"/>
+          </a:lnRef>
+          <a:fillRef idx="0">
+            <a:schemeClr val="accent1"/>
+          </a:fillRef>
+          <a:effectRef idx="0">
+            <a:schemeClr val="accent1"/>
+          </a:effectRef>
+          <a:fontRef idx="minor">
+            <a:schemeClr val="tx1"/>
+          </a:fontRef>
+        </p:style>
+      </p:cxnSp>
+      <p:cxnSp>
+        <p:nvCxnSpPr>
+          <p:cNvPr id="33" name="Straight Arrow Connector 32">
+            <a:extLst>
+              <a:ext uri="{FF2B5EF4-FFF2-40B4-BE49-F238E27FC236}">
+                <a16:creationId xmlns:a16="http://schemas.microsoft.com/office/drawing/2014/main" id="{9C3748E2-FD56-7894-928F-11E013EEF3A8}"/>
+              </a:ext>
+            </a:extLst>
+          </p:cNvPr>
+          <p:cNvCxnSpPr>
+            <a:cxnSpLocks/>
+          </p:cNvCxnSpPr>
+          <p:nvPr/>
+        </p:nvCxnSpPr>
+        <p:spPr>
+          <a:xfrm flipH="1">
+            <a:off x="3118083" y="4741417"/>
+            <a:ext cx="5591833" cy="1333358"/>
+          </a:xfrm>
+          <a:prstGeom prst="straightConnector1">
+            <a:avLst/>
+          </a:prstGeom>
+          <a:ln w="28575">
+            <a:tailEnd type="triangle"/>
+          </a:ln>
+        </p:spPr>
+        <p:style>
+          <a:lnRef idx="1">
+            <a:schemeClr val="accent1"/>
+          </a:lnRef>
+          <a:fillRef idx="0">
+            <a:schemeClr val="accent1"/>
+          </a:fillRef>
+          <a:effectRef idx="0">
+            <a:schemeClr val="accent1"/>
+          </a:effectRef>
+          <a:fontRef idx="minor">
+            <a:schemeClr val="tx1"/>
+          </a:fontRef>
+        </p:style>
+      </p:cxnSp>
+      <p:cxnSp>
+        <p:nvCxnSpPr>
+          <p:cNvPr id="35" name="Straight Arrow Connector 34">
+            <a:extLst>
+              <a:ext uri="{FF2B5EF4-FFF2-40B4-BE49-F238E27FC236}">
+                <a16:creationId xmlns:a16="http://schemas.microsoft.com/office/drawing/2014/main" id="{E8241F45-A384-68D4-F15F-A6ECB0B44C49}"/>
+              </a:ext>
+            </a:extLst>
+          </p:cNvPr>
+          <p:cNvCxnSpPr>
+            <a:cxnSpLocks/>
+          </p:cNvCxnSpPr>
+          <p:nvPr/>
+        </p:nvCxnSpPr>
+        <p:spPr>
+          <a:xfrm>
+            <a:off x="8919560" y="3542258"/>
+            <a:ext cx="0" cy="1199159"/>
+          </a:xfrm>
+          <a:prstGeom prst="straightConnector1">
+            <a:avLst/>
+          </a:prstGeom>
+          <a:ln w="28575">
+            <a:tailEnd type="triangle"/>
+          </a:ln>
+        </p:spPr>
+        <p:style>
+          <a:lnRef idx="1">
+            <a:schemeClr val="accent1"/>
+          </a:lnRef>
+          <a:fillRef idx="0">
+            <a:schemeClr val="accent1"/>
+          </a:fillRef>
+          <a:effectRef idx="0">
+            <a:schemeClr val="accent1"/>
+          </a:effectRef>
+          <a:fontRef idx="minor">
+            <a:schemeClr val="tx1"/>
+          </a:fontRef>
+        </p:style>
+      </p:cxnSp>
+    </p:spTree>
+    <p:extLst>
+      <p:ext uri="{BB962C8B-B14F-4D97-AF65-F5344CB8AC3E}">
+        <p14:creationId xmlns:p14="http://schemas.microsoft.com/office/powerpoint/2010/main" val="3437432239"/>
       </p:ext>
     </p:extLst>
   </p:cSld>

--- a/instructor/l04/l04-pad.pptx
+++ b/instructor/l04/l04-pad.pptx
@@ -5,7 +5,7 @@
     <p:sldMasterId id="2147483648" r:id="rId1"/>
   </p:sldMasterIdLst>
   <p:notesMasterIdLst>
-    <p:notesMasterId r:id="rId20"/>
+    <p:notesMasterId r:id="rId21"/>
   </p:notesMasterIdLst>
   <p:sldIdLst>
     <p:sldId id="263" r:id="rId2"/>
@@ -23,9 +23,10 @@
     <p:sldId id="258" r:id="rId14"/>
     <p:sldId id="259" r:id="rId15"/>
     <p:sldId id="273" r:id="rId16"/>
-    <p:sldId id="262" r:id="rId17"/>
-    <p:sldId id="265" r:id="rId18"/>
-    <p:sldId id="266" r:id="rId19"/>
+    <p:sldId id="275" r:id="rId17"/>
+    <p:sldId id="276" r:id="rId18"/>
+    <p:sldId id="265" r:id="rId19"/>
+    <p:sldId id="266" r:id="rId20"/>
   </p:sldIdLst>
   <p:sldSz cx="12192000" cy="6858000"/>
   <p:notesSz cx="6858000" cy="9144000"/>
@@ -214,7 +215,7 @@
           <a:p>
             <a:fld id="{87B54243-B27E-4444-AFFD-D625E8407423}" type="datetimeFigureOut">
               <a:rPr lang="en-US" smtClean="0"/>
-              <a:t>9/21/23</a:t>
+              <a:t>9/16/24</a:t>
             </a:fld>
             <a:endParaRPr lang="en-US"/>
           </a:p>
@@ -733,6 +734,114 @@
 </p:notes>
 </file>
 
+<file path=ppt/notesSlides/notesSlide4.xml><?xml version="1.0" encoding="utf-8"?>
+<p:notes xmlns:a="http://schemas.openxmlformats.org/drawingml/2006/main" xmlns:r="http://schemas.openxmlformats.org/officeDocument/2006/relationships" xmlns:p="http://schemas.openxmlformats.org/presentationml/2006/main">
+  <p:cSld>
+    <p:spTree>
+      <p:nvGrpSpPr>
+        <p:cNvPr id="1" name="">
+          <a:extLst>
+            <a:ext uri="{FF2B5EF4-FFF2-40B4-BE49-F238E27FC236}">
+              <a16:creationId xmlns:a16="http://schemas.microsoft.com/office/drawing/2014/main" id="{3316D3B3-BA85-B8AF-D2A6-4C72AE288F71}"/>
+            </a:ext>
+          </a:extLst>
+        </p:cNvPr>
+        <p:cNvGrpSpPr/>
+        <p:nvPr/>
+      </p:nvGrpSpPr>
+      <p:grpSpPr>
+        <a:xfrm>
+          <a:off x="0" y="0"/>
+          <a:ext cx="0" cy="0"/>
+          <a:chOff x="0" y="0"/>
+          <a:chExt cx="0" cy="0"/>
+        </a:xfrm>
+      </p:grpSpPr>
+      <p:sp>
+        <p:nvSpPr>
+          <p:cNvPr id="2" name="Slide Image Placeholder 1">
+            <a:extLst>
+              <a:ext uri="{FF2B5EF4-FFF2-40B4-BE49-F238E27FC236}">
+                <a16:creationId xmlns:a16="http://schemas.microsoft.com/office/drawing/2014/main" id="{4485E0D2-3FDA-6B1F-6E6C-CE1FE2E1B52B}"/>
+              </a:ext>
+            </a:extLst>
+          </p:cNvPr>
+          <p:cNvSpPr>
+            <a:spLocks noGrp="1" noRot="1" noChangeAspect="1"/>
+          </p:cNvSpPr>
+          <p:nvPr>
+            <p:ph type="sldImg"/>
+          </p:nvPr>
+        </p:nvSpPr>
+        <p:spPr/>
+      </p:sp>
+      <p:sp>
+        <p:nvSpPr>
+          <p:cNvPr id="3" name="Notes Placeholder 2">
+            <a:extLst>
+              <a:ext uri="{FF2B5EF4-FFF2-40B4-BE49-F238E27FC236}">
+                <a16:creationId xmlns:a16="http://schemas.microsoft.com/office/drawing/2014/main" id="{4E5A6842-451B-868F-8751-FF8FDCEB04DF}"/>
+              </a:ext>
+            </a:extLst>
+          </p:cNvPr>
+          <p:cNvSpPr>
+            <a:spLocks noGrp="1"/>
+          </p:cNvSpPr>
+          <p:nvPr>
+            <p:ph type="body" idx="1"/>
+          </p:nvPr>
+        </p:nvSpPr>
+        <p:spPr/>
+        <p:txBody>
+          <a:bodyPr/>
+          <a:lstStyle/>
+          <a:p>
+            <a:endParaRPr lang="en-US" dirty="0"/>
+          </a:p>
+        </p:txBody>
+      </p:sp>
+      <p:sp>
+        <p:nvSpPr>
+          <p:cNvPr id="4" name="Slide Number Placeholder 3">
+            <a:extLst>
+              <a:ext uri="{FF2B5EF4-FFF2-40B4-BE49-F238E27FC236}">
+                <a16:creationId xmlns:a16="http://schemas.microsoft.com/office/drawing/2014/main" id="{784BE431-F40B-6D09-80F6-7D4B4E1F0AD9}"/>
+              </a:ext>
+            </a:extLst>
+          </p:cNvPr>
+          <p:cNvSpPr>
+            <a:spLocks noGrp="1"/>
+          </p:cNvSpPr>
+          <p:nvPr>
+            <p:ph type="sldNum" sz="quarter" idx="5"/>
+          </p:nvPr>
+        </p:nvSpPr>
+        <p:spPr/>
+        <p:txBody>
+          <a:bodyPr/>
+          <a:lstStyle/>
+          <a:p>
+            <a:fld id="{BFF143C5-0C31-7047-A641-CEA71AB77CA2}" type="slidenum">
+              <a:rPr lang="en-US" smtClean="0"/>
+              <a:t>17</a:t>
+            </a:fld>
+            <a:endParaRPr lang="en-US"/>
+          </a:p>
+        </p:txBody>
+      </p:sp>
+    </p:spTree>
+    <p:extLst>
+      <p:ext uri="{BB962C8B-B14F-4D97-AF65-F5344CB8AC3E}">
+        <p14:creationId xmlns:p14="http://schemas.microsoft.com/office/powerpoint/2010/main" val="2956204061"/>
+      </p:ext>
+    </p:extLst>
+  </p:cSld>
+  <p:clrMapOvr>
+    <a:masterClrMapping/>
+  </p:clrMapOvr>
+</p:notes>
+</file>
+
 <file path=ppt/slideLayouts/slideLayout1.xml><?xml version="1.0" encoding="utf-8"?>
 <p:sldLayout xmlns:a="http://schemas.openxmlformats.org/drawingml/2006/main" xmlns:r="http://schemas.openxmlformats.org/officeDocument/2006/relationships" xmlns:p="http://schemas.openxmlformats.org/presentationml/2006/main" type="title" preserve="1">
   <p:cSld name="Title Slide">
@@ -880,7 +989,7 @@
           <a:p>
             <a:fld id="{7282568E-B2CD-CD42-9C3E-5F238F3D4570}" type="datetimeFigureOut">
               <a:rPr lang="en-US" smtClean="0"/>
-              <a:t>9/21/23</a:t>
+              <a:t>9/16/24</a:t>
             </a:fld>
             <a:endParaRPr lang="en-US"/>
           </a:p>
@@ -1078,7 +1187,7 @@
           <a:p>
             <a:fld id="{7282568E-B2CD-CD42-9C3E-5F238F3D4570}" type="datetimeFigureOut">
               <a:rPr lang="en-US" smtClean="0"/>
-              <a:t>9/21/23</a:t>
+              <a:t>9/16/24</a:t>
             </a:fld>
             <a:endParaRPr lang="en-US"/>
           </a:p>
@@ -1286,7 +1395,7 @@
           <a:p>
             <a:fld id="{7282568E-B2CD-CD42-9C3E-5F238F3D4570}" type="datetimeFigureOut">
               <a:rPr lang="en-US" smtClean="0"/>
-              <a:t>9/21/23</a:t>
+              <a:t>9/16/24</a:t>
             </a:fld>
             <a:endParaRPr lang="en-US"/>
           </a:p>
@@ -1484,7 +1593,7 @@
           <a:p>
             <a:fld id="{7282568E-B2CD-CD42-9C3E-5F238F3D4570}" type="datetimeFigureOut">
               <a:rPr lang="en-US" smtClean="0"/>
-              <a:t>9/21/23</a:t>
+              <a:t>9/16/24</a:t>
             </a:fld>
             <a:endParaRPr lang="en-US"/>
           </a:p>
@@ -1759,7 +1868,7 @@
           <a:p>
             <a:fld id="{7282568E-B2CD-CD42-9C3E-5F238F3D4570}" type="datetimeFigureOut">
               <a:rPr lang="en-US" smtClean="0"/>
-              <a:t>9/21/23</a:t>
+              <a:t>9/16/24</a:t>
             </a:fld>
             <a:endParaRPr lang="en-US"/>
           </a:p>
@@ -2024,7 +2133,7 @@
           <a:p>
             <a:fld id="{7282568E-B2CD-CD42-9C3E-5F238F3D4570}" type="datetimeFigureOut">
               <a:rPr lang="en-US" smtClean="0"/>
-              <a:t>9/21/23</a:t>
+              <a:t>9/16/24</a:t>
             </a:fld>
             <a:endParaRPr lang="en-US"/>
           </a:p>
@@ -2436,7 +2545,7 @@
           <a:p>
             <a:fld id="{7282568E-B2CD-CD42-9C3E-5F238F3D4570}" type="datetimeFigureOut">
               <a:rPr lang="en-US" smtClean="0"/>
-              <a:t>9/21/23</a:t>
+              <a:t>9/16/24</a:t>
             </a:fld>
             <a:endParaRPr lang="en-US"/>
           </a:p>
@@ -2577,7 +2686,7 @@
           <a:p>
             <a:fld id="{7282568E-B2CD-CD42-9C3E-5F238F3D4570}" type="datetimeFigureOut">
               <a:rPr lang="en-US" smtClean="0"/>
-              <a:t>9/21/23</a:t>
+              <a:t>9/16/24</a:t>
             </a:fld>
             <a:endParaRPr lang="en-US"/>
           </a:p>
@@ -2690,7 +2799,7 @@
           <a:p>
             <a:fld id="{7282568E-B2CD-CD42-9C3E-5F238F3D4570}" type="datetimeFigureOut">
               <a:rPr lang="en-US" smtClean="0"/>
-              <a:t>9/21/23</a:t>
+              <a:t>9/16/24</a:t>
             </a:fld>
             <a:endParaRPr lang="en-US"/>
           </a:p>
@@ -3001,7 +3110,7 @@
           <a:p>
             <a:fld id="{7282568E-B2CD-CD42-9C3E-5F238F3D4570}" type="datetimeFigureOut">
               <a:rPr lang="en-US" smtClean="0"/>
-              <a:t>9/21/23</a:t>
+              <a:t>9/16/24</a:t>
             </a:fld>
             <a:endParaRPr lang="en-US"/>
           </a:p>
@@ -3289,7 +3398,7 @@
           <a:p>
             <a:fld id="{7282568E-B2CD-CD42-9C3E-5F238F3D4570}" type="datetimeFigureOut">
               <a:rPr lang="en-US" smtClean="0"/>
-              <a:t>9/21/23</a:t>
+              <a:t>9/16/24</a:t>
             </a:fld>
             <a:endParaRPr lang="en-US"/>
           </a:p>
@@ -3530,7 +3639,7 @@
           <a:p>
             <a:fld id="{7282568E-B2CD-CD42-9C3E-5F238F3D4570}" type="datetimeFigureOut">
               <a:rPr lang="en-US" smtClean="0"/>
-              <a:t>9/21/23</a:t>
+              <a:t>9/16/24</a:t>
             </a:fld>
             <a:endParaRPr lang="en-US"/>
           </a:p>
@@ -6907,42 +7016,481 @@
           <a:lstStyle/>
           <a:p>
             <a:r>
-              <a:rPr lang="en-CA" sz="3200" dirty="0">
-                <a:solidFill>
-                  <a:srgbClr val="FF0000"/>
-                </a:solidFill>
-              </a:rPr>
+              <a:rPr lang="en-CA" sz="3200" dirty="0"/>
               <a:t>BOT</a:t>
             </a:r>
             <a:br>
-              <a:rPr lang="en-CA" sz="3200" dirty="0">
-                <a:solidFill>
-                  <a:srgbClr val="FF0000"/>
-                </a:solidFill>
-              </a:rPr>
+              <a:rPr lang="en-CA" sz="3200" dirty="0"/>
             </a:br>
-            <a:r>
-              <a:rPr lang="en-CA" sz="3200" dirty="0">
-                <a:solidFill>
-                  <a:srgbClr val="FF0000"/>
-                </a:solidFill>
-              </a:rPr>
-              <a:t>HEIGHT</a:t>
-            </a:r>
-            <a:endParaRPr lang="en-US" sz="3200" dirty="0">
-              <a:solidFill>
-                <a:srgbClr val="FF0000"/>
-              </a:solidFill>
-            </a:endParaRPr>
+            <a:endParaRPr lang="en-US" sz="3200" dirty="0"/>
+          </a:p>
+        </p:txBody>
+      </p:sp>
+      <p:cxnSp>
+        <p:nvCxnSpPr>
+          <p:cNvPr id="34" name="Straight Connector 33">
+            <a:extLst>
+              <a:ext uri="{FF2B5EF4-FFF2-40B4-BE49-F238E27FC236}">
+                <a16:creationId xmlns:a16="http://schemas.microsoft.com/office/drawing/2014/main" id="{7F7CCF12-3AC2-2FEE-F697-3FC8A29BB714}"/>
+              </a:ext>
+            </a:extLst>
+          </p:cNvPr>
+          <p:cNvCxnSpPr>
+            <a:cxnSpLocks/>
+          </p:cNvCxnSpPr>
+          <p:nvPr/>
+        </p:nvCxnSpPr>
+        <p:spPr>
+          <a:xfrm>
+            <a:off x="2061302" y="6057151"/>
+            <a:ext cx="2075379" cy="0"/>
+          </a:xfrm>
+          <a:prstGeom prst="line">
+            <a:avLst/>
+          </a:prstGeom>
+          <a:ln w="28575"/>
+        </p:spPr>
+        <p:style>
+          <a:lnRef idx="1">
+            <a:schemeClr val="accent1"/>
+          </a:lnRef>
+          <a:fillRef idx="0">
+            <a:schemeClr val="accent1"/>
+          </a:fillRef>
+          <a:effectRef idx="0">
+            <a:schemeClr val="accent1"/>
+          </a:effectRef>
+          <a:fontRef idx="minor">
+            <a:schemeClr val="tx1"/>
+          </a:fontRef>
+        </p:style>
+      </p:cxnSp>
+      <p:cxnSp>
+        <p:nvCxnSpPr>
+          <p:cNvPr id="35" name="Straight Connector 34">
+            <a:extLst>
+              <a:ext uri="{FF2B5EF4-FFF2-40B4-BE49-F238E27FC236}">
+                <a16:creationId xmlns:a16="http://schemas.microsoft.com/office/drawing/2014/main" id="{F2E66426-1CFD-359C-4D56-A893CE478591}"/>
+              </a:ext>
+            </a:extLst>
+          </p:cNvPr>
+          <p:cNvCxnSpPr>
+            <a:cxnSpLocks/>
+          </p:cNvCxnSpPr>
+          <p:nvPr/>
+        </p:nvCxnSpPr>
+        <p:spPr>
+          <a:xfrm>
+            <a:off x="2071576" y="4777162"/>
+            <a:ext cx="2065105" cy="0"/>
+          </a:xfrm>
+          <a:prstGeom prst="line">
+            <a:avLst/>
+          </a:prstGeom>
+          <a:ln w="28575">
+            <a:prstDash val="dash"/>
+          </a:ln>
+        </p:spPr>
+        <p:style>
+          <a:lnRef idx="1">
+            <a:schemeClr val="accent1"/>
+          </a:lnRef>
+          <a:fillRef idx="0">
+            <a:schemeClr val="accent1"/>
+          </a:fillRef>
+          <a:effectRef idx="0">
+            <a:schemeClr val="accent1"/>
+          </a:effectRef>
+          <a:fontRef idx="minor">
+            <a:schemeClr val="tx1"/>
+          </a:fontRef>
+        </p:style>
+      </p:cxnSp>
+      <p:cxnSp>
+        <p:nvCxnSpPr>
+          <p:cNvPr id="32" name="Straight Connector 31">
+            <a:extLst>
+              <a:ext uri="{FF2B5EF4-FFF2-40B4-BE49-F238E27FC236}">
+                <a16:creationId xmlns:a16="http://schemas.microsoft.com/office/drawing/2014/main" id="{C306F018-41FF-F28F-F061-6B8541780A35}"/>
+              </a:ext>
+            </a:extLst>
+          </p:cNvPr>
+          <p:cNvCxnSpPr>
+            <a:cxnSpLocks/>
+          </p:cNvCxnSpPr>
+          <p:nvPr/>
+        </p:nvCxnSpPr>
+        <p:spPr>
+          <a:xfrm>
+            <a:off x="5767513" y="6057151"/>
+            <a:ext cx="2075379" cy="0"/>
+          </a:xfrm>
+          <a:prstGeom prst="line">
+            <a:avLst/>
+          </a:prstGeom>
+          <a:ln w="28575"/>
+        </p:spPr>
+        <p:style>
+          <a:lnRef idx="1">
+            <a:schemeClr val="accent1"/>
+          </a:lnRef>
+          <a:fillRef idx="0">
+            <a:schemeClr val="accent1"/>
+          </a:fillRef>
+          <a:effectRef idx="0">
+            <a:schemeClr val="accent1"/>
+          </a:effectRef>
+          <a:fontRef idx="minor">
+            <a:schemeClr val="tx1"/>
+          </a:fontRef>
+        </p:style>
+      </p:cxnSp>
+      <p:cxnSp>
+        <p:nvCxnSpPr>
+          <p:cNvPr id="33" name="Straight Connector 32">
+            <a:extLst>
+              <a:ext uri="{FF2B5EF4-FFF2-40B4-BE49-F238E27FC236}">
+                <a16:creationId xmlns:a16="http://schemas.microsoft.com/office/drawing/2014/main" id="{C10606F2-B4CF-5DAC-3CBA-8F7C95116678}"/>
+              </a:ext>
+            </a:extLst>
+          </p:cNvPr>
+          <p:cNvCxnSpPr>
+            <a:cxnSpLocks/>
+          </p:cNvCxnSpPr>
+          <p:nvPr/>
+        </p:nvCxnSpPr>
+        <p:spPr>
+          <a:xfrm>
+            <a:off x="5777787" y="4777162"/>
+            <a:ext cx="2065105" cy="0"/>
+          </a:xfrm>
+          <a:prstGeom prst="line">
+            <a:avLst/>
+          </a:prstGeom>
+          <a:ln w="28575">
+            <a:prstDash val="dash"/>
+          </a:ln>
+        </p:spPr>
+        <p:style>
+          <a:lnRef idx="1">
+            <a:schemeClr val="accent1"/>
+          </a:lnRef>
+          <a:fillRef idx="0">
+            <a:schemeClr val="accent1"/>
+          </a:fillRef>
+          <a:effectRef idx="0">
+            <a:schemeClr val="accent1"/>
+          </a:effectRef>
+          <a:fontRef idx="minor">
+            <a:schemeClr val="tx1"/>
+          </a:fontRef>
+        </p:style>
+      </p:cxnSp>
+      <p:cxnSp>
+        <p:nvCxnSpPr>
+          <p:cNvPr id="30" name="Straight Connector 29">
+            <a:extLst>
+              <a:ext uri="{FF2B5EF4-FFF2-40B4-BE49-F238E27FC236}">
+                <a16:creationId xmlns:a16="http://schemas.microsoft.com/office/drawing/2014/main" id="{469FF150-8B69-9D29-9EDD-57EE61B9DCC6}"/>
+              </a:ext>
+            </a:extLst>
+          </p:cNvPr>
+          <p:cNvCxnSpPr>
+            <a:cxnSpLocks/>
+          </p:cNvCxnSpPr>
+          <p:nvPr/>
+        </p:nvCxnSpPr>
+        <p:spPr>
+          <a:xfrm>
+            <a:off x="9473723" y="6040565"/>
+            <a:ext cx="2075379" cy="0"/>
+          </a:xfrm>
+          <a:prstGeom prst="line">
+            <a:avLst/>
+          </a:prstGeom>
+          <a:ln w="28575"/>
+        </p:spPr>
+        <p:style>
+          <a:lnRef idx="1">
+            <a:schemeClr val="accent1"/>
+          </a:lnRef>
+          <a:fillRef idx="0">
+            <a:schemeClr val="accent1"/>
+          </a:fillRef>
+          <a:effectRef idx="0">
+            <a:schemeClr val="accent1"/>
+          </a:effectRef>
+          <a:fontRef idx="minor">
+            <a:schemeClr val="tx1"/>
+          </a:fontRef>
+        </p:style>
+      </p:cxnSp>
+      <p:cxnSp>
+        <p:nvCxnSpPr>
+          <p:cNvPr id="31" name="Straight Connector 30">
+            <a:extLst>
+              <a:ext uri="{FF2B5EF4-FFF2-40B4-BE49-F238E27FC236}">
+                <a16:creationId xmlns:a16="http://schemas.microsoft.com/office/drawing/2014/main" id="{9DFB1F3A-B48D-0E93-CBC0-7659B5A4EA7F}"/>
+              </a:ext>
+            </a:extLst>
+          </p:cNvPr>
+          <p:cNvCxnSpPr>
+            <a:cxnSpLocks/>
+          </p:cNvCxnSpPr>
+          <p:nvPr/>
+        </p:nvCxnSpPr>
+        <p:spPr>
+          <a:xfrm>
+            <a:off x="9483997" y="4760576"/>
+            <a:ext cx="2065105" cy="0"/>
+          </a:xfrm>
+          <a:prstGeom prst="line">
+            <a:avLst/>
+          </a:prstGeom>
+          <a:ln w="28575">
+            <a:prstDash val="dash"/>
+          </a:ln>
+        </p:spPr>
+        <p:style>
+          <a:lnRef idx="1">
+            <a:schemeClr val="accent1"/>
+          </a:lnRef>
+          <a:fillRef idx="0">
+            <a:schemeClr val="accent1"/>
+          </a:fillRef>
+          <a:effectRef idx="0">
+            <a:schemeClr val="accent1"/>
+          </a:effectRef>
+          <a:fontRef idx="minor">
+            <a:schemeClr val="tx1"/>
+          </a:fontRef>
+        </p:style>
+      </p:cxnSp>
+      <p:sp>
+        <p:nvSpPr>
+          <p:cNvPr id="17" name="TextBox 16">
+            <a:extLst>
+              <a:ext uri="{FF2B5EF4-FFF2-40B4-BE49-F238E27FC236}">
+                <a16:creationId xmlns:a16="http://schemas.microsoft.com/office/drawing/2014/main" id="{76D002BA-B1A6-23D2-A1C1-6B2E887FA1B5}"/>
+              </a:ext>
+            </a:extLst>
+          </p:cNvPr>
+          <p:cNvSpPr txBox="1"/>
+          <p:nvPr/>
+        </p:nvSpPr>
+        <p:spPr>
+          <a:xfrm>
+            <a:off x="2657914" y="400643"/>
+            <a:ext cx="7389494" cy="584775"/>
+          </a:xfrm>
+          <a:prstGeom prst="rect">
+            <a:avLst/>
+          </a:prstGeom>
+          <a:noFill/>
+        </p:spPr>
+        <p:txBody>
+          <a:bodyPr wrap="square" rtlCol="0">
+            <a:spAutoFit/>
+          </a:bodyPr>
+          <a:lstStyle/>
+          <a:p>
+            <a:pPr algn="ctr"/>
+            <a:r>
+              <a:rPr lang="en-US" sz="3200" dirty="0"/>
+              <a:t>boundary case analysis for tock</a:t>
+            </a:r>
+          </a:p>
+        </p:txBody>
+      </p:sp>
+      <p:sp>
+        <p:nvSpPr>
+          <p:cNvPr id="19" name="TextBox 18">
+            <a:extLst>
+              <a:ext uri="{FF2B5EF4-FFF2-40B4-BE49-F238E27FC236}">
+                <a16:creationId xmlns:a16="http://schemas.microsoft.com/office/drawing/2014/main" id="{C825C0B2-4FDC-1186-8236-0AFA04016644}"/>
+              </a:ext>
+            </a:extLst>
+          </p:cNvPr>
+          <p:cNvSpPr txBox="1"/>
+          <p:nvPr/>
+        </p:nvSpPr>
+        <p:spPr>
+          <a:xfrm>
+            <a:off x="2138356" y="6174944"/>
+            <a:ext cx="1921268" cy="369332"/>
+          </a:xfrm>
+          <a:prstGeom prst="rect">
+            <a:avLst/>
+          </a:prstGeom>
+          <a:noFill/>
+        </p:spPr>
+        <p:txBody>
+          <a:bodyPr wrap="square" rtlCol="0">
+            <a:spAutoFit/>
+          </a:bodyPr>
+          <a:lstStyle/>
+          <a:p>
+            <a:pPr algn="ctr"/>
+            <a:r>
+              <a:rPr lang="en-US" dirty="0"/>
+              <a:t>result is BOT - 1</a:t>
+            </a:r>
+          </a:p>
+        </p:txBody>
+      </p:sp>
+      <p:sp>
+        <p:nvSpPr>
+          <p:cNvPr id="21" name="TextBox 20">
+            <a:extLst>
+              <a:ext uri="{FF2B5EF4-FFF2-40B4-BE49-F238E27FC236}">
+                <a16:creationId xmlns:a16="http://schemas.microsoft.com/office/drawing/2014/main" id="{F985B649-1468-10A9-E193-DB5E051BCD45}"/>
+              </a:ext>
+            </a:extLst>
+          </p:cNvPr>
+          <p:cNvSpPr txBox="1"/>
+          <p:nvPr/>
+        </p:nvSpPr>
+        <p:spPr>
+          <a:xfrm>
+            <a:off x="5844568" y="6174944"/>
+            <a:ext cx="1921268" cy="369332"/>
+          </a:xfrm>
+          <a:prstGeom prst="rect">
+            <a:avLst/>
+          </a:prstGeom>
+          <a:noFill/>
+        </p:spPr>
+        <p:txBody>
+          <a:bodyPr wrap="square" rtlCol="0">
+            <a:spAutoFit/>
+          </a:bodyPr>
+          <a:lstStyle/>
+          <a:p>
+            <a:pPr algn="ctr"/>
+            <a:r>
+              <a:rPr lang="en-US" dirty="0"/>
+              <a:t>result is BOT</a:t>
+            </a:r>
+          </a:p>
+        </p:txBody>
+      </p:sp>
+      <p:sp>
+        <p:nvSpPr>
+          <p:cNvPr id="22" name="TextBox 21">
+            <a:extLst>
+              <a:ext uri="{FF2B5EF4-FFF2-40B4-BE49-F238E27FC236}">
+                <a16:creationId xmlns:a16="http://schemas.microsoft.com/office/drawing/2014/main" id="{2D5F951F-0ABF-EFEA-4F67-D5D1542860D3}"/>
+              </a:ext>
+            </a:extLst>
+          </p:cNvPr>
+          <p:cNvSpPr txBox="1"/>
+          <p:nvPr/>
+        </p:nvSpPr>
+        <p:spPr>
+          <a:xfrm>
+            <a:off x="9595106" y="6174944"/>
+            <a:ext cx="1921268" cy="369332"/>
+          </a:xfrm>
+          <a:prstGeom prst="rect">
+            <a:avLst/>
+          </a:prstGeom>
+          <a:noFill/>
+        </p:spPr>
+        <p:txBody>
+          <a:bodyPr wrap="square" rtlCol="0">
+            <a:spAutoFit/>
+          </a:bodyPr>
+          <a:lstStyle/>
+          <a:p>
+            <a:pPr algn="ctr"/>
+            <a:r>
+              <a:rPr lang="en-US" dirty="0"/>
+              <a:t>result is BOT</a:t>
+            </a:r>
+          </a:p>
+        </p:txBody>
+      </p:sp>
+    </p:spTree>
+    <p:extLst>
+      <p:ext uri="{BB962C8B-B14F-4D97-AF65-F5344CB8AC3E}">
+        <p14:creationId xmlns:p14="http://schemas.microsoft.com/office/powerpoint/2010/main" val="1214897466"/>
+      </p:ext>
+    </p:extLst>
+  </p:cSld>
+  <p:clrMapOvr>
+    <a:masterClrMapping/>
+  </p:clrMapOvr>
+</p:sld>
+</file>
+
+<file path=ppt/slides/slide17.xml><?xml version="1.0" encoding="utf-8"?>
+<p:sld xmlns:a="http://schemas.openxmlformats.org/drawingml/2006/main" xmlns:r="http://schemas.openxmlformats.org/officeDocument/2006/relationships" xmlns:p="http://schemas.openxmlformats.org/presentationml/2006/main">
+  <p:cSld>
+    <p:spTree>
+      <p:nvGrpSpPr>
+        <p:cNvPr id="1" name="">
+          <a:extLst>
+            <a:ext uri="{FF2B5EF4-FFF2-40B4-BE49-F238E27FC236}">
+              <a16:creationId xmlns:a16="http://schemas.microsoft.com/office/drawing/2014/main" id="{A41BC651-22FD-24AE-CA39-CFDDC62BE273}"/>
+            </a:ext>
+          </a:extLst>
+        </p:cNvPr>
+        <p:cNvGrpSpPr/>
+        <p:nvPr/>
+      </p:nvGrpSpPr>
+      <p:grpSpPr>
+        <a:xfrm>
+          <a:off x="0" y="0"/>
+          <a:ext cx="0" cy="0"/>
+          <a:chOff x="0" y="0"/>
+          <a:chExt cx="0" cy="0"/>
+        </a:xfrm>
+      </p:grpSpPr>
+      <p:sp>
+        <p:nvSpPr>
+          <p:cNvPr id="2" name="TextBox 1">
+            <a:extLst>
+              <a:ext uri="{FF2B5EF4-FFF2-40B4-BE49-F238E27FC236}">
+                <a16:creationId xmlns:a16="http://schemas.microsoft.com/office/drawing/2014/main" id="{9FC47AD6-81BD-5C5A-EBE2-0FA0DF6055FB}"/>
+              </a:ext>
+            </a:extLst>
+          </p:cNvPr>
+          <p:cNvSpPr txBox="1"/>
+          <p:nvPr/>
+        </p:nvSpPr>
+        <p:spPr>
+          <a:xfrm>
+            <a:off x="0" y="4492809"/>
+            <a:ext cx="3154167" cy="1077218"/>
+          </a:xfrm>
+          <a:prstGeom prst="rect">
+            <a:avLst/>
+          </a:prstGeom>
+          <a:noFill/>
+        </p:spPr>
+        <p:txBody>
+          <a:bodyPr wrap="square" rtlCol="0">
+            <a:spAutoFit/>
+          </a:bodyPr>
+          <a:lstStyle/>
+          <a:p>
+            <a:r>
+              <a:rPr lang="en-CA" sz="3200" dirty="0"/>
+              <a:t>BOT</a:t>
+            </a:r>
+            <a:br>
+              <a:rPr lang="en-CA" sz="3200" dirty="0"/>
+            </a:br>
+            <a:endParaRPr lang="en-US" sz="3200" dirty="0"/>
           </a:p>
         </p:txBody>
       </p:sp>
       <p:grpSp>
         <p:nvGrpSpPr>
-          <p:cNvPr id="39" name="Group 38">
-            <a:extLst>
-              <a:ext uri="{FF2B5EF4-FFF2-40B4-BE49-F238E27FC236}">
-                <a16:creationId xmlns:a16="http://schemas.microsoft.com/office/drawing/2014/main" id="{718BAA27-160F-D70D-4FEA-4F28BCE153B2}"/>
+          <p:cNvPr id="14" name="Group 13">
+            <a:extLst>
+              <a:ext uri="{FF2B5EF4-FFF2-40B4-BE49-F238E27FC236}">
+                <a16:creationId xmlns:a16="http://schemas.microsoft.com/office/drawing/2014/main" id="{19E067A2-4268-D5E8-B5CD-906D40218ECE}"/>
               </a:ext>
             </a:extLst>
           </p:cNvPr>
@@ -6951,18 +7499,18 @@
         </p:nvGrpSpPr>
         <p:grpSpPr>
           <a:xfrm>
-            <a:off x="9582934" y="4777162"/>
-            <a:ext cx="2075379" cy="519703"/>
-            <a:chOff x="9575515" y="4623050"/>
-            <a:chExt cx="2075379" cy="519703"/>
+            <a:off x="2061302" y="2541952"/>
+            <a:ext cx="2075379" cy="3515199"/>
+            <a:chOff x="1426391" y="2541952"/>
+            <a:chExt cx="2075379" cy="3515199"/>
           </a:xfrm>
         </p:grpSpPr>
         <p:cxnSp>
           <p:nvCxnSpPr>
-            <p:cNvPr id="18" name="Straight Connector 17">
+            <p:cNvPr id="34" name="Straight Connector 33">
               <a:extLst>
                 <a:ext uri="{FF2B5EF4-FFF2-40B4-BE49-F238E27FC236}">
-                  <a16:creationId xmlns:a16="http://schemas.microsoft.com/office/drawing/2014/main" id="{A07A9568-46EE-1DD1-3984-60D1C38A82C5}"/>
+                  <a16:creationId xmlns:a16="http://schemas.microsoft.com/office/drawing/2014/main" id="{3FFE56F6-9592-822D-08AD-CE6A034F31A2}"/>
                 </a:ext>
               </a:extLst>
             </p:cNvPr>
@@ -6973,7 +7521,7 @@
           </p:nvCxnSpPr>
           <p:spPr>
             <a:xfrm>
-              <a:off x="9575515" y="5142753"/>
+              <a:off x="1426391" y="6057151"/>
               <a:ext cx="2075379" cy="0"/>
             </a:xfrm>
             <a:prstGeom prst="line">
@@ -6998,10 +7546,10 @@
         </p:cxnSp>
         <p:cxnSp>
           <p:nvCxnSpPr>
-            <p:cNvPr id="20" name="Straight Connector 19">
+            <p:cNvPr id="35" name="Straight Connector 34">
               <a:extLst>
                 <a:ext uri="{FF2B5EF4-FFF2-40B4-BE49-F238E27FC236}">
-                  <a16:creationId xmlns:a16="http://schemas.microsoft.com/office/drawing/2014/main" id="{152DC5A3-7436-95A0-312C-608E298AFE6E}"/>
+                  <a16:creationId xmlns:a16="http://schemas.microsoft.com/office/drawing/2014/main" id="{FE174F6E-11BC-F3D3-81C3-C8F64C572A2F}"/>
                 </a:ext>
               </a:extLst>
             </p:cNvPr>
@@ -7012,7 +7560,7 @@
           </p:nvCxnSpPr>
           <p:spPr>
             <a:xfrm>
-              <a:off x="9585789" y="4623050"/>
+              <a:off x="1436665" y="4777162"/>
               <a:ext cx="2065105" cy="0"/>
             </a:xfrm>
             <a:prstGeom prst="line">
@@ -7037,13 +7585,100 @@
             </a:fontRef>
           </p:style>
         </p:cxnSp>
+        <p:sp>
+          <p:nvSpPr>
+            <p:cNvPr id="3" name="Oval 2">
+              <a:extLst>
+                <a:ext uri="{FF2B5EF4-FFF2-40B4-BE49-F238E27FC236}">
+                  <a16:creationId xmlns:a16="http://schemas.microsoft.com/office/drawing/2014/main" id="{F15D080B-5CB4-FB6F-8C68-CFEA8E935874}"/>
+                </a:ext>
+              </a:extLst>
+            </p:cNvPr>
+            <p:cNvSpPr/>
+            <p:nvPr/>
+          </p:nvSpPr>
+          <p:spPr>
+            <a:xfrm>
+              <a:off x="1947803" y="2541952"/>
+              <a:ext cx="1032553" cy="1032553"/>
+            </a:xfrm>
+            <a:prstGeom prst="ellipse">
+              <a:avLst/>
+            </a:prstGeom>
+            <a:noFill/>
+            <a:ln w="28575"/>
+          </p:spPr>
+          <p:style>
+            <a:lnRef idx="2">
+              <a:schemeClr val="accent1">
+                <a:shade val="50000"/>
+              </a:schemeClr>
+            </a:lnRef>
+            <a:fillRef idx="1">
+              <a:schemeClr val="accent1"/>
+            </a:fillRef>
+            <a:effectRef idx="0">
+              <a:schemeClr val="accent1"/>
+            </a:effectRef>
+            <a:fontRef idx="minor">
+              <a:schemeClr val="lt1"/>
+            </a:fontRef>
+          </p:style>
+          <p:txBody>
+            <a:bodyPr rtlCol="0" anchor="ctr"/>
+            <a:lstStyle/>
+            <a:p>
+              <a:pPr algn="ctr"/>
+              <a:endParaRPr lang="en-US"/>
+            </a:p>
+          </p:txBody>
+        </p:sp>
+        <p:cxnSp>
+          <p:nvCxnSpPr>
+            <p:cNvPr id="5" name="Straight Arrow Connector 4">
+              <a:extLst>
+                <a:ext uri="{FF2B5EF4-FFF2-40B4-BE49-F238E27FC236}">
+                  <a16:creationId xmlns:a16="http://schemas.microsoft.com/office/drawing/2014/main" id="{04B57B46-3609-5E9F-CE15-447831B8F924}"/>
+                </a:ext>
+              </a:extLst>
+            </p:cNvPr>
+            <p:cNvCxnSpPr/>
+            <p:nvPr/>
+          </p:nvCxnSpPr>
+          <p:spPr>
+            <a:xfrm>
+              <a:off x="2464079" y="3058228"/>
+              <a:ext cx="0" cy="1434581"/>
+            </a:xfrm>
+            <a:prstGeom prst="straightConnector1">
+              <a:avLst/>
+            </a:prstGeom>
+            <a:ln w="28575">
+              <a:tailEnd type="triangle"/>
+            </a:ln>
+          </p:spPr>
+          <p:style>
+            <a:lnRef idx="1">
+              <a:schemeClr val="accent1"/>
+            </a:lnRef>
+            <a:fillRef idx="0">
+              <a:schemeClr val="accent1"/>
+            </a:fillRef>
+            <a:effectRef idx="0">
+              <a:schemeClr val="accent1"/>
+            </a:effectRef>
+            <a:fontRef idx="minor">
+              <a:schemeClr val="tx1"/>
+            </a:fontRef>
+          </p:style>
+        </p:cxnSp>
       </p:grpSp>
       <p:grpSp>
         <p:nvGrpSpPr>
-          <p:cNvPr id="38" name="Group 37">
-            <a:extLst>
-              <a:ext uri="{FF2B5EF4-FFF2-40B4-BE49-F238E27FC236}">
-                <a16:creationId xmlns:a16="http://schemas.microsoft.com/office/drawing/2014/main" id="{D784C3CD-2B7B-0582-EABD-36D99C7BAF24}"/>
+          <p:cNvPr id="13" name="Group 12">
+            <a:extLst>
+              <a:ext uri="{FF2B5EF4-FFF2-40B4-BE49-F238E27FC236}">
+                <a16:creationId xmlns:a16="http://schemas.microsoft.com/office/drawing/2014/main" id="{455D9F61-9905-7F1B-9933-584F7488BE33}"/>
               </a:ext>
             </a:extLst>
           </p:cNvPr>
@@ -7052,18 +7687,18 @@
         </p:nvGrpSpPr>
         <p:grpSpPr>
           <a:xfrm>
-            <a:off x="6864087" y="4760576"/>
-            <a:ext cx="2075379" cy="519703"/>
-            <a:chOff x="6912796" y="4606464"/>
-            <a:chExt cx="2075379" cy="519703"/>
+            <a:off x="5767513" y="2827916"/>
+            <a:ext cx="2075379" cy="3229235"/>
+            <a:chOff x="4145239" y="2827916"/>
+            <a:chExt cx="2075379" cy="3229235"/>
           </a:xfrm>
         </p:grpSpPr>
         <p:cxnSp>
           <p:nvCxnSpPr>
-            <p:cNvPr id="30" name="Straight Connector 29">
+            <p:cNvPr id="32" name="Straight Connector 31">
               <a:extLst>
                 <a:ext uri="{FF2B5EF4-FFF2-40B4-BE49-F238E27FC236}">
-                  <a16:creationId xmlns:a16="http://schemas.microsoft.com/office/drawing/2014/main" id="{469FF150-8B69-9D29-9EDD-57EE61B9DCC6}"/>
+                  <a16:creationId xmlns:a16="http://schemas.microsoft.com/office/drawing/2014/main" id="{4B36393C-B71D-FC29-606A-C455F7866C7E}"/>
                 </a:ext>
               </a:extLst>
             </p:cNvPr>
@@ -7074,7 +7709,195 @@
           </p:nvCxnSpPr>
           <p:spPr>
             <a:xfrm>
-              <a:off x="6912796" y="5126167"/>
+              <a:off x="4145239" y="6057151"/>
+              <a:ext cx="2075379" cy="0"/>
+            </a:xfrm>
+            <a:prstGeom prst="line">
+              <a:avLst/>
+            </a:prstGeom>
+            <a:ln w="28575"/>
+          </p:spPr>
+          <p:style>
+            <a:lnRef idx="1">
+              <a:schemeClr val="accent1"/>
+            </a:lnRef>
+            <a:fillRef idx="0">
+              <a:schemeClr val="accent1"/>
+            </a:fillRef>
+            <a:effectRef idx="0">
+              <a:schemeClr val="accent1"/>
+            </a:effectRef>
+            <a:fontRef idx="minor">
+              <a:schemeClr val="tx1"/>
+            </a:fontRef>
+          </p:style>
+        </p:cxnSp>
+        <p:cxnSp>
+          <p:nvCxnSpPr>
+            <p:cNvPr id="33" name="Straight Connector 32">
+              <a:extLst>
+                <a:ext uri="{FF2B5EF4-FFF2-40B4-BE49-F238E27FC236}">
+                  <a16:creationId xmlns:a16="http://schemas.microsoft.com/office/drawing/2014/main" id="{1F830D83-3E87-3575-2C12-0F85289E7E08}"/>
+                </a:ext>
+              </a:extLst>
+            </p:cNvPr>
+            <p:cNvCxnSpPr>
+              <a:cxnSpLocks/>
+            </p:cNvCxnSpPr>
+            <p:nvPr/>
+          </p:nvCxnSpPr>
+          <p:spPr>
+            <a:xfrm>
+              <a:off x="4155513" y="4777162"/>
+              <a:ext cx="2065105" cy="0"/>
+            </a:xfrm>
+            <a:prstGeom prst="line">
+              <a:avLst/>
+            </a:prstGeom>
+            <a:ln w="28575">
+              <a:prstDash val="dash"/>
+            </a:ln>
+          </p:spPr>
+          <p:style>
+            <a:lnRef idx="1">
+              <a:schemeClr val="accent1"/>
+            </a:lnRef>
+            <a:fillRef idx="0">
+              <a:schemeClr val="accent1"/>
+            </a:fillRef>
+            <a:effectRef idx="0">
+              <a:schemeClr val="accent1"/>
+            </a:effectRef>
+            <a:fontRef idx="minor">
+              <a:schemeClr val="tx1"/>
+            </a:fontRef>
+          </p:style>
+        </p:cxnSp>
+        <p:sp>
+          <p:nvSpPr>
+            <p:cNvPr id="6" name="Oval 5">
+              <a:extLst>
+                <a:ext uri="{FF2B5EF4-FFF2-40B4-BE49-F238E27FC236}">
+                  <a16:creationId xmlns:a16="http://schemas.microsoft.com/office/drawing/2014/main" id="{33A18A05-FE77-F5AC-EB8F-D1CB8B57451E}"/>
+                </a:ext>
+              </a:extLst>
+            </p:cNvPr>
+            <p:cNvSpPr/>
+            <p:nvPr/>
+          </p:nvSpPr>
+          <p:spPr>
+            <a:xfrm>
+              <a:off x="4730387" y="2827916"/>
+              <a:ext cx="1032553" cy="1032553"/>
+            </a:xfrm>
+            <a:prstGeom prst="ellipse">
+              <a:avLst/>
+            </a:prstGeom>
+            <a:noFill/>
+            <a:ln w="28575"/>
+          </p:spPr>
+          <p:style>
+            <a:lnRef idx="2">
+              <a:schemeClr val="accent1">
+                <a:shade val="50000"/>
+              </a:schemeClr>
+            </a:lnRef>
+            <a:fillRef idx="1">
+              <a:schemeClr val="accent1"/>
+            </a:fillRef>
+            <a:effectRef idx="0">
+              <a:schemeClr val="accent1"/>
+            </a:effectRef>
+            <a:fontRef idx="minor">
+              <a:schemeClr val="lt1"/>
+            </a:fontRef>
+          </p:style>
+          <p:txBody>
+            <a:bodyPr rtlCol="0" anchor="ctr"/>
+            <a:lstStyle/>
+            <a:p>
+              <a:pPr algn="ctr"/>
+              <a:endParaRPr lang="en-US"/>
+            </a:p>
+          </p:txBody>
+        </p:sp>
+        <p:cxnSp>
+          <p:nvCxnSpPr>
+            <p:cNvPr id="7" name="Straight Arrow Connector 6">
+              <a:extLst>
+                <a:ext uri="{FF2B5EF4-FFF2-40B4-BE49-F238E27FC236}">
+                  <a16:creationId xmlns:a16="http://schemas.microsoft.com/office/drawing/2014/main" id="{A0D6982A-54D6-1D87-AF16-9810A7A0BACE}"/>
+                </a:ext>
+              </a:extLst>
+            </p:cNvPr>
+            <p:cNvCxnSpPr/>
+            <p:nvPr/>
+          </p:nvCxnSpPr>
+          <p:spPr>
+            <a:xfrm>
+              <a:off x="5246663" y="3344192"/>
+              <a:ext cx="0" cy="1434581"/>
+            </a:xfrm>
+            <a:prstGeom prst="straightConnector1">
+              <a:avLst/>
+            </a:prstGeom>
+            <a:ln w="28575">
+              <a:tailEnd type="triangle"/>
+            </a:ln>
+          </p:spPr>
+          <p:style>
+            <a:lnRef idx="1">
+              <a:schemeClr val="accent1"/>
+            </a:lnRef>
+            <a:fillRef idx="0">
+              <a:schemeClr val="accent1"/>
+            </a:fillRef>
+            <a:effectRef idx="0">
+              <a:schemeClr val="accent1"/>
+            </a:effectRef>
+            <a:fontRef idx="minor">
+              <a:schemeClr val="tx1"/>
+            </a:fontRef>
+          </p:style>
+        </p:cxnSp>
+      </p:grpSp>
+      <p:grpSp>
+        <p:nvGrpSpPr>
+          <p:cNvPr id="12" name="Group 11">
+            <a:extLst>
+              <a:ext uri="{FF2B5EF4-FFF2-40B4-BE49-F238E27FC236}">
+                <a16:creationId xmlns:a16="http://schemas.microsoft.com/office/drawing/2014/main" id="{91880932-D0C4-47E5-F735-F668181E8045}"/>
+              </a:ext>
+            </a:extLst>
+          </p:cNvPr>
+          <p:cNvGrpSpPr/>
+          <p:nvPr/>
+        </p:nvGrpSpPr>
+        <p:grpSpPr>
+          <a:xfrm>
+            <a:off x="9473723" y="3041299"/>
+            <a:ext cx="2075379" cy="2999266"/>
+            <a:chOff x="6864087" y="3041299"/>
+            <a:chExt cx="2075379" cy="2999266"/>
+          </a:xfrm>
+        </p:grpSpPr>
+        <p:cxnSp>
+          <p:nvCxnSpPr>
+            <p:cNvPr id="30" name="Straight Connector 29">
+              <a:extLst>
+                <a:ext uri="{FF2B5EF4-FFF2-40B4-BE49-F238E27FC236}">
+                  <a16:creationId xmlns:a16="http://schemas.microsoft.com/office/drawing/2014/main" id="{B0CEBAE6-56FE-95F3-77C9-0C78FBB359B8}"/>
+                </a:ext>
+              </a:extLst>
+            </p:cNvPr>
+            <p:cNvCxnSpPr>
+              <a:cxnSpLocks/>
+            </p:cNvCxnSpPr>
+            <p:nvPr/>
+          </p:nvCxnSpPr>
+          <p:spPr>
+            <a:xfrm>
+              <a:off x="6864087" y="6040565"/>
               <a:ext cx="2075379" cy="0"/>
             </a:xfrm>
             <a:prstGeom prst="line">
@@ -7102,7 +7925,7 @@
             <p:cNvPr id="31" name="Straight Connector 30">
               <a:extLst>
                 <a:ext uri="{FF2B5EF4-FFF2-40B4-BE49-F238E27FC236}">
-                  <a16:creationId xmlns:a16="http://schemas.microsoft.com/office/drawing/2014/main" id="{9DFB1F3A-B48D-0E93-CBC0-7659B5A4EA7F}"/>
+                  <a16:creationId xmlns:a16="http://schemas.microsoft.com/office/drawing/2014/main" id="{6CE73A24-81F1-5927-B40F-E722DBE6FA23}"/>
                 </a:ext>
               </a:extLst>
             </p:cNvPr>
@@ -7113,7 +7936,7 @@
           </p:nvCxnSpPr>
           <p:spPr>
             <a:xfrm>
-              <a:off x="6923070" y="4606464"/>
+              <a:off x="6874361" y="4760576"/>
               <a:ext cx="2065105" cy="0"/>
             </a:xfrm>
             <a:prstGeom prst="line">
@@ -7138,33 +7961,60 @@
             </a:fontRef>
           </p:style>
         </p:cxnSp>
-      </p:grpSp>
-      <p:grpSp>
-        <p:nvGrpSpPr>
-          <p:cNvPr id="37" name="Group 36">
-            <a:extLst>
-              <a:ext uri="{FF2B5EF4-FFF2-40B4-BE49-F238E27FC236}">
-                <a16:creationId xmlns:a16="http://schemas.microsoft.com/office/drawing/2014/main" id="{3251F2D8-B34A-5021-D12A-2FD0C827B4B2}"/>
-              </a:ext>
-            </a:extLst>
-          </p:cNvPr>
-          <p:cNvGrpSpPr/>
-          <p:nvPr/>
-        </p:nvGrpSpPr>
-        <p:grpSpPr>
-          <a:xfrm>
-            <a:off x="4145239" y="4777162"/>
-            <a:ext cx="2075379" cy="519703"/>
-            <a:chOff x="4354531" y="4623050"/>
-            <a:chExt cx="2075379" cy="519703"/>
-          </a:xfrm>
-        </p:grpSpPr>
+        <p:sp>
+          <p:nvSpPr>
+            <p:cNvPr id="8" name="Oval 7">
+              <a:extLst>
+                <a:ext uri="{FF2B5EF4-FFF2-40B4-BE49-F238E27FC236}">
+                  <a16:creationId xmlns:a16="http://schemas.microsoft.com/office/drawing/2014/main" id="{4BEA1292-058C-0CEA-96C0-AAE27880F9F5}"/>
+                </a:ext>
+              </a:extLst>
+            </p:cNvPr>
+            <p:cNvSpPr/>
+            <p:nvPr/>
+          </p:nvSpPr>
+          <p:spPr>
+            <a:xfrm>
+              <a:off x="7431060" y="3041299"/>
+              <a:ext cx="1032553" cy="1032553"/>
+            </a:xfrm>
+            <a:prstGeom prst="ellipse">
+              <a:avLst/>
+            </a:prstGeom>
+            <a:noFill/>
+            <a:ln w="28575"/>
+          </p:spPr>
+          <p:style>
+            <a:lnRef idx="2">
+              <a:schemeClr val="accent1">
+                <a:shade val="50000"/>
+              </a:schemeClr>
+            </a:lnRef>
+            <a:fillRef idx="1">
+              <a:schemeClr val="accent1"/>
+            </a:fillRef>
+            <a:effectRef idx="0">
+              <a:schemeClr val="accent1"/>
+            </a:effectRef>
+            <a:fontRef idx="minor">
+              <a:schemeClr val="lt1"/>
+            </a:fontRef>
+          </p:style>
+          <p:txBody>
+            <a:bodyPr rtlCol="0" anchor="ctr"/>
+            <a:lstStyle/>
+            <a:p>
+              <a:pPr algn="ctr"/>
+              <a:endParaRPr lang="en-US"/>
+            </a:p>
+          </p:txBody>
+        </p:sp>
         <p:cxnSp>
           <p:nvCxnSpPr>
-            <p:cNvPr id="32" name="Straight Connector 31">
+            <p:cNvPr id="9" name="Straight Arrow Connector 8">
               <a:extLst>
                 <a:ext uri="{FF2B5EF4-FFF2-40B4-BE49-F238E27FC236}">
-                  <a16:creationId xmlns:a16="http://schemas.microsoft.com/office/drawing/2014/main" id="{C306F018-41FF-F28F-F061-6B8541780A35}"/>
+                  <a16:creationId xmlns:a16="http://schemas.microsoft.com/office/drawing/2014/main" id="{C65A7D7E-B1EC-A9FD-81EC-58C8126C5ACE}"/>
                 </a:ext>
               </a:extLst>
             </p:cNvPr>
@@ -7175,53 +8025,14 @@
           </p:nvCxnSpPr>
           <p:spPr>
             <a:xfrm>
-              <a:off x="4354531" y="5142753"/>
-              <a:ext cx="2075379" cy="0"/>
+              <a:off x="7947336" y="3557575"/>
+              <a:ext cx="0" cy="1569229"/>
             </a:xfrm>
-            <a:prstGeom prst="line">
-              <a:avLst/>
-            </a:prstGeom>
-            <a:ln w="28575"/>
-          </p:spPr>
-          <p:style>
-            <a:lnRef idx="1">
-              <a:schemeClr val="accent1"/>
-            </a:lnRef>
-            <a:fillRef idx="0">
-              <a:schemeClr val="accent1"/>
-            </a:fillRef>
-            <a:effectRef idx="0">
-              <a:schemeClr val="accent1"/>
-            </a:effectRef>
-            <a:fontRef idx="minor">
-              <a:schemeClr val="tx1"/>
-            </a:fontRef>
-          </p:style>
-        </p:cxnSp>
-        <p:cxnSp>
-          <p:nvCxnSpPr>
-            <p:cNvPr id="33" name="Straight Connector 32">
-              <a:extLst>
-                <a:ext uri="{FF2B5EF4-FFF2-40B4-BE49-F238E27FC236}">
-                  <a16:creationId xmlns:a16="http://schemas.microsoft.com/office/drawing/2014/main" id="{C10606F2-B4CF-5DAC-3CBA-8F7C95116678}"/>
-                </a:ext>
-              </a:extLst>
-            </p:cNvPr>
-            <p:cNvCxnSpPr>
-              <a:cxnSpLocks/>
-            </p:cNvCxnSpPr>
-            <p:nvPr/>
-          </p:nvCxnSpPr>
-          <p:spPr>
-            <a:xfrm>
-              <a:off x="4364805" y="4623050"/>
-              <a:ext cx="2065105" cy="0"/>
-            </a:xfrm>
-            <a:prstGeom prst="line">
+            <a:prstGeom prst="straightConnector1">
               <a:avLst/>
             </a:prstGeom>
             <a:ln w="28575">
-              <a:prstDash val="dash"/>
+              <a:tailEnd type="triangle"/>
             </a:ln>
           </p:spPr>
           <p:style>
@@ -7240,113 +8051,12 @@
           </p:style>
         </p:cxnSp>
       </p:grpSp>
-      <p:grpSp>
-        <p:nvGrpSpPr>
-          <p:cNvPr id="36" name="Group 35">
-            <a:extLst>
-              <a:ext uri="{FF2B5EF4-FFF2-40B4-BE49-F238E27FC236}">
-                <a16:creationId xmlns:a16="http://schemas.microsoft.com/office/drawing/2014/main" id="{6CAC6860-AED7-4343-7B6A-EEE7F33B4C7B}"/>
-              </a:ext>
-            </a:extLst>
-          </p:cNvPr>
-          <p:cNvGrpSpPr/>
-          <p:nvPr/>
-        </p:nvGrpSpPr>
-        <p:grpSpPr>
-          <a:xfrm>
-            <a:off x="1426391" y="4777162"/>
-            <a:ext cx="2075379" cy="519703"/>
-            <a:chOff x="1909281" y="4606464"/>
-            <a:chExt cx="2075379" cy="519703"/>
-          </a:xfrm>
-        </p:grpSpPr>
-        <p:cxnSp>
-          <p:nvCxnSpPr>
-            <p:cNvPr id="34" name="Straight Connector 33">
-              <a:extLst>
-                <a:ext uri="{FF2B5EF4-FFF2-40B4-BE49-F238E27FC236}">
-                  <a16:creationId xmlns:a16="http://schemas.microsoft.com/office/drawing/2014/main" id="{7F7CCF12-3AC2-2FEE-F697-3FC8A29BB714}"/>
-                </a:ext>
-              </a:extLst>
-            </p:cNvPr>
-            <p:cNvCxnSpPr>
-              <a:cxnSpLocks/>
-            </p:cNvCxnSpPr>
-            <p:nvPr/>
-          </p:nvCxnSpPr>
-          <p:spPr>
-            <a:xfrm>
-              <a:off x="1909281" y="5126167"/>
-              <a:ext cx="2075379" cy="0"/>
-            </a:xfrm>
-            <a:prstGeom prst="line">
-              <a:avLst/>
-            </a:prstGeom>
-            <a:ln w="28575"/>
-          </p:spPr>
-          <p:style>
-            <a:lnRef idx="1">
-              <a:schemeClr val="accent1"/>
-            </a:lnRef>
-            <a:fillRef idx="0">
-              <a:schemeClr val="accent1"/>
-            </a:fillRef>
-            <a:effectRef idx="0">
-              <a:schemeClr val="accent1"/>
-            </a:effectRef>
-            <a:fontRef idx="minor">
-              <a:schemeClr val="tx1"/>
-            </a:fontRef>
-          </p:style>
-        </p:cxnSp>
-        <p:cxnSp>
-          <p:nvCxnSpPr>
-            <p:cNvPr id="35" name="Straight Connector 34">
-              <a:extLst>
-                <a:ext uri="{FF2B5EF4-FFF2-40B4-BE49-F238E27FC236}">
-                  <a16:creationId xmlns:a16="http://schemas.microsoft.com/office/drawing/2014/main" id="{F2E66426-1CFD-359C-4D56-A893CE478591}"/>
-                </a:ext>
-              </a:extLst>
-            </p:cNvPr>
-            <p:cNvCxnSpPr>
-              <a:cxnSpLocks/>
-            </p:cNvCxnSpPr>
-            <p:nvPr/>
-          </p:nvCxnSpPr>
-          <p:spPr>
-            <a:xfrm>
-              <a:off x="1919555" y="4606464"/>
-              <a:ext cx="2065105" cy="0"/>
-            </a:xfrm>
-            <a:prstGeom prst="line">
-              <a:avLst/>
-            </a:prstGeom>
-            <a:ln w="28575">
-              <a:prstDash val="dash"/>
-            </a:ln>
-          </p:spPr>
-          <p:style>
-            <a:lnRef idx="1">
-              <a:schemeClr val="accent1"/>
-            </a:lnRef>
-            <a:fillRef idx="0">
-              <a:schemeClr val="accent1"/>
-            </a:fillRef>
-            <a:effectRef idx="0">
-              <a:schemeClr val="accent1"/>
-            </a:effectRef>
-            <a:fontRef idx="minor">
-              <a:schemeClr val="tx1"/>
-            </a:fontRef>
-          </p:style>
-        </p:cxnSp>
-      </p:grpSp>
-      <p:sp>
-        <p:nvSpPr>
-          <p:cNvPr id="3" name="TextBox 2">
-            <a:extLst>
-              <a:ext uri="{FF2B5EF4-FFF2-40B4-BE49-F238E27FC236}">
-                <a16:creationId xmlns:a16="http://schemas.microsoft.com/office/drawing/2014/main" id="{F3149844-FDC9-090D-C1EF-930B8607B214}"/>
+      <p:sp>
+        <p:nvSpPr>
+          <p:cNvPr id="11" name="TextBox 10">
+            <a:extLst>
+              <a:ext uri="{FF2B5EF4-FFF2-40B4-BE49-F238E27FC236}">
+                <a16:creationId xmlns:a16="http://schemas.microsoft.com/office/drawing/2014/main" id="{B5AAD760-63D4-DAC5-2CB2-941A80C85382}"/>
               </a:ext>
             </a:extLst>
           </p:cNvPr>
@@ -7355,8 +8065,8 @@
         </p:nvSpPr>
         <p:spPr>
           <a:xfrm>
-            <a:off x="9915895" y="0"/>
-            <a:ext cx="2376549" cy="1569660"/>
+            <a:off x="293236" y="2873562"/>
+            <a:ext cx="2075379" cy="369332"/>
           </a:xfrm>
           <a:prstGeom prst="rect">
             <a:avLst/>
@@ -7369,10 +8079,224 @@
           </a:bodyPr>
           <a:lstStyle/>
           <a:p>
+            <a:pPr algn="r"/>
+            <a:r>
+              <a:rPr lang="en-US" dirty="0"/>
+              <a:t>(BOT - 1) + SPEED</a:t>
+            </a:r>
+          </a:p>
+        </p:txBody>
+      </p:sp>
+      <p:sp>
+        <p:nvSpPr>
+          <p:cNvPr id="15" name="TextBox 14">
+            <a:extLst>
+              <a:ext uri="{FF2B5EF4-FFF2-40B4-BE49-F238E27FC236}">
+                <a16:creationId xmlns:a16="http://schemas.microsoft.com/office/drawing/2014/main" id="{157A5E1A-B900-2E48-211D-EE68140F1699}"/>
+              </a:ext>
+            </a:extLst>
+          </p:cNvPr>
+          <p:cNvSpPr txBox="1"/>
+          <p:nvPr/>
+        </p:nvSpPr>
+        <p:spPr>
+          <a:xfrm>
+            <a:off x="4503507" y="3159526"/>
+            <a:ext cx="2075379" cy="369332"/>
+          </a:xfrm>
+          <a:prstGeom prst="rect">
+            <a:avLst/>
+          </a:prstGeom>
+          <a:noFill/>
+        </p:spPr>
+        <p:txBody>
+          <a:bodyPr wrap="square" rtlCol="0">
+            <a:spAutoFit/>
+          </a:bodyPr>
+          <a:lstStyle/>
+          <a:p>
+            <a:r>
+              <a:rPr lang="en-US" dirty="0"/>
+              <a:t>(BOT     ) + SPEED</a:t>
+            </a:r>
+          </a:p>
+        </p:txBody>
+      </p:sp>
+      <p:sp>
+        <p:nvSpPr>
+          <p:cNvPr id="16" name="TextBox 15">
+            <a:extLst>
+              <a:ext uri="{FF2B5EF4-FFF2-40B4-BE49-F238E27FC236}">
+                <a16:creationId xmlns:a16="http://schemas.microsoft.com/office/drawing/2014/main" id="{8B8D5B4E-0D68-29D1-07CA-3CA4C492B010}"/>
+              </a:ext>
+            </a:extLst>
+          </p:cNvPr>
+          <p:cNvSpPr txBox="1"/>
+          <p:nvPr/>
+        </p:nvSpPr>
+        <p:spPr>
+          <a:xfrm>
+            <a:off x="8170331" y="3352926"/>
+            <a:ext cx="2075379" cy="369332"/>
+          </a:xfrm>
+          <a:prstGeom prst="rect">
+            <a:avLst/>
+          </a:prstGeom>
+          <a:noFill/>
+        </p:spPr>
+        <p:txBody>
+          <a:bodyPr wrap="square" rtlCol="0">
+            <a:spAutoFit/>
+          </a:bodyPr>
+          <a:lstStyle/>
+          <a:p>
+            <a:r>
+              <a:rPr lang="en-US" dirty="0"/>
+              <a:t>(BOT + 1) + SPEED</a:t>
+            </a:r>
+          </a:p>
+        </p:txBody>
+      </p:sp>
+      <p:sp>
+        <p:nvSpPr>
+          <p:cNvPr id="17" name="TextBox 16">
+            <a:extLst>
+              <a:ext uri="{FF2B5EF4-FFF2-40B4-BE49-F238E27FC236}">
+                <a16:creationId xmlns:a16="http://schemas.microsoft.com/office/drawing/2014/main" id="{DBFAF4AE-B6DE-C94B-53C9-85E1F61868A8}"/>
+              </a:ext>
+            </a:extLst>
+          </p:cNvPr>
+          <p:cNvSpPr txBox="1"/>
+          <p:nvPr/>
+        </p:nvSpPr>
+        <p:spPr>
+          <a:xfrm>
+            <a:off x="2657914" y="400643"/>
+            <a:ext cx="7389494" cy="584775"/>
+          </a:xfrm>
+          <a:prstGeom prst="rect">
+            <a:avLst/>
+          </a:prstGeom>
+          <a:noFill/>
+        </p:spPr>
+        <p:txBody>
+          <a:bodyPr wrap="square" rtlCol="0">
+            <a:spAutoFit/>
+          </a:bodyPr>
+          <a:lstStyle/>
+          <a:p>
             <a:pPr algn="ctr"/>
             <a:r>
-              <a:rPr lang="en-US" sz="4800" dirty="0"/>
-              <a:t>tock analysis</a:t>
+              <a:rPr lang="en-US" sz="3200" dirty="0"/>
+              <a:t>boundary case analysis for tock</a:t>
+            </a:r>
+          </a:p>
+        </p:txBody>
+      </p:sp>
+      <p:sp>
+        <p:nvSpPr>
+          <p:cNvPr id="19" name="TextBox 18">
+            <a:extLst>
+              <a:ext uri="{FF2B5EF4-FFF2-40B4-BE49-F238E27FC236}">
+                <a16:creationId xmlns:a16="http://schemas.microsoft.com/office/drawing/2014/main" id="{16042153-4771-3D05-7CFD-CEF8133F8B62}"/>
+              </a:ext>
+            </a:extLst>
+          </p:cNvPr>
+          <p:cNvSpPr txBox="1"/>
+          <p:nvPr/>
+        </p:nvSpPr>
+        <p:spPr>
+          <a:xfrm>
+            <a:off x="2138356" y="6174944"/>
+            <a:ext cx="1921268" cy="369332"/>
+          </a:xfrm>
+          <a:prstGeom prst="rect">
+            <a:avLst/>
+          </a:prstGeom>
+          <a:noFill/>
+        </p:spPr>
+        <p:txBody>
+          <a:bodyPr wrap="square" rtlCol="0">
+            <a:spAutoFit/>
+          </a:bodyPr>
+          <a:lstStyle/>
+          <a:p>
+            <a:pPr algn="ctr"/>
+            <a:r>
+              <a:rPr lang="en-US" dirty="0"/>
+              <a:t>result is BOT - 1</a:t>
+            </a:r>
+          </a:p>
+        </p:txBody>
+      </p:sp>
+      <p:sp>
+        <p:nvSpPr>
+          <p:cNvPr id="21" name="TextBox 20">
+            <a:extLst>
+              <a:ext uri="{FF2B5EF4-FFF2-40B4-BE49-F238E27FC236}">
+                <a16:creationId xmlns:a16="http://schemas.microsoft.com/office/drawing/2014/main" id="{19CB62E6-C195-DE3A-D30D-B08C57554E35}"/>
+              </a:ext>
+            </a:extLst>
+          </p:cNvPr>
+          <p:cNvSpPr txBox="1"/>
+          <p:nvPr/>
+        </p:nvSpPr>
+        <p:spPr>
+          <a:xfrm>
+            <a:off x="5844568" y="6174944"/>
+            <a:ext cx="1921268" cy="369332"/>
+          </a:xfrm>
+          <a:prstGeom prst="rect">
+            <a:avLst/>
+          </a:prstGeom>
+          <a:noFill/>
+        </p:spPr>
+        <p:txBody>
+          <a:bodyPr wrap="square" rtlCol="0">
+            <a:spAutoFit/>
+          </a:bodyPr>
+          <a:lstStyle/>
+          <a:p>
+            <a:pPr algn="ctr"/>
+            <a:r>
+              <a:rPr lang="en-US" dirty="0"/>
+              <a:t>result is BOT</a:t>
+            </a:r>
+          </a:p>
+        </p:txBody>
+      </p:sp>
+      <p:sp>
+        <p:nvSpPr>
+          <p:cNvPr id="22" name="TextBox 21">
+            <a:extLst>
+              <a:ext uri="{FF2B5EF4-FFF2-40B4-BE49-F238E27FC236}">
+                <a16:creationId xmlns:a16="http://schemas.microsoft.com/office/drawing/2014/main" id="{F7CD7ADE-D10B-D98F-207C-201027AB87B5}"/>
+              </a:ext>
+            </a:extLst>
+          </p:cNvPr>
+          <p:cNvSpPr txBox="1"/>
+          <p:nvPr/>
+        </p:nvSpPr>
+        <p:spPr>
+          <a:xfrm>
+            <a:off x="9595106" y="6174944"/>
+            <a:ext cx="1921268" cy="369332"/>
+          </a:xfrm>
+          <a:prstGeom prst="rect">
+            <a:avLst/>
+          </a:prstGeom>
+          <a:noFill/>
+        </p:spPr>
+        <p:txBody>
+          <a:bodyPr wrap="square" rtlCol="0">
+            <a:spAutoFit/>
+          </a:bodyPr>
+          <a:lstStyle/>
+          <a:p>
+            <a:pPr algn="ctr"/>
+            <a:r>
+              <a:rPr lang="en-US" dirty="0"/>
+              <a:t>result is BOT</a:t>
             </a:r>
           </a:p>
         </p:txBody>
@@ -7380,7 +8304,7 @@
     </p:spTree>
     <p:extLst>
       <p:ext uri="{BB962C8B-B14F-4D97-AF65-F5344CB8AC3E}">
-        <p14:creationId xmlns:p14="http://schemas.microsoft.com/office/powerpoint/2010/main" val="1635311286"/>
+        <p14:creationId xmlns:p14="http://schemas.microsoft.com/office/powerpoint/2010/main" val="342371309"/>
       </p:ext>
     </p:extLst>
   </p:cSld>
@@ -7390,7 +8314,7 @@
 </p:sld>
 </file>
 
-<file path=ppt/slides/slide17.xml><?xml version="1.0" encoding="utf-8"?>
+<file path=ppt/slides/slide18.xml><?xml version="1.0" encoding="utf-8"?>
 <p:sld xmlns:a="http://schemas.openxmlformats.org/drawingml/2006/main" xmlns:r="http://schemas.openxmlformats.org/officeDocument/2006/relationships" xmlns:p="http://schemas.openxmlformats.org/presentationml/2006/main">
   <p:cSld>
     <p:spTree>
@@ -7470,7 +8394,7 @@
 </p:sld>
 </file>
 
-<file path=ppt/slides/slide18.xml><?xml version="1.0" encoding="utf-8"?>
+<file path=ppt/slides/slide19.xml><?xml version="1.0" encoding="utf-8"?>
 <p:sld xmlns:a="http://schemas.openxmlformats.org/drawingml/2006/main" xmlns:r="http://schemas.openxmlformats.org/officeDocument/2006/relationships" xmlns:p="http://schemas.openxmlformats.org/presentationml/2006/main">
   <p:cSld>
     <p:spTree>

--- a/instructor/l04/l04-pad.pptx
+++ b/instructor/l04/l04-pad.pptx
@@ -5,7 +5,7 @@
     <p:sldMasterId id="2147483648" r:id="rId1"/>
   </p:sldMasterIdLst>
   <p:notesMasterIdLst>
-    <p:notesMasterId r:id="rId21"/>
+    <p:notesMasterId r:id="rId23"/>
   </p:notesMasterIdLst>
   <p:sldIdLst>
     <p:sldId id="263" r:id="rId2"/>
@@ -18,15 +18,17 @@
     <p:sldId id="271" r:id="rId9"/>
     <p:sldId id="256" r:id="rId10"/>
     <p:sldId id="260" r:id="rId11"/>
-    <p:sldId id="274" r:id="rId12"/>
-    <p:sldId id="257" r:id="rId13"/>
-    <p:sldId id="258" r:id="rId14"/>
-    <p:sldId id="259" r:id="rId15"/>
-    <p:sldId id="273" r:id="rId16"/>
-    <p:sldId id="275" r:id="rId17"/>
-    <p:sldId id="276" r:id="rId18"/>
-    <p:sldId id="265" r:id="rId19"/>
-    <p:sldId id="266" r:id="rId20"/>
+    <p:sldId id="278" r:id="rId12"/>
+    <p:sldId id="279" r:id="rId13"/>
+    <p:sldId id="257" r:id="rId14"/>
+    <p:sldId id="258" r:id="rId15"/>
+    <p:sldId id="259" r:id="rId16"/>
+    <p:sldId id="277" r:id="rId17"/>
+    <p:sldId id="273" r:id="rId18"/>
+    <p:sldId id="275" r:id="rId19"/>
+    <p:sldId id="276" r:id="rId20"/>
+    <p:sldId id="265" r:id="rId21"/>
+    <p:sldId id="266" r:id="rId22"/>
   </p:sldIdLst>
   <p:sldSz cx="12192000" cy="6858000"/>
   <p:notesSz cx="6858000" cy="9144000"/>
@@ -215,7 +217,7 @@
           <a:p>
             <a:fld id="{87B54243-B27E-4444-AFFD-D625E8407423}" type="datetimeFigureOut">
               <a:rPr lang="en-US" smtClean="0"/>
-              <a:t>9/16/24</a:t>
+              <a:t>9/19/24</a:t>
             </a:fld>
             <a:endParaRPr lang="en-US"/>
           </a:p>
@@ -547,7 +549,7 @@
           <a:p>
             <a:fld id="{BFF143C5-0C31-7047-A641-CEA71AB77CA2}" type="slidenum">
               <a:rPr lang="en-US" smtClean="0"/>
-              <a:t>13</a:t>
+              <a:t>14</a:t>
             </a:fld>
             <a:endParaRPr lang="en-US"/>
           </a:p>
@@ -631,7 +633,7 @@
           <a:p>
             <a:fld id="{BFF143C5-0C31-7047-A641-CEA71AB77CA2}" type="slidenum">
               <a:rPr lang="en-US" smtClean="0"/>
-              <a:t>14</a:t>
+              <a:t>15</a:t>
             </a:fld>
             <a:endParaRPr lang="en-US"/>
           </a:p>
@@ -715,7 +717,7 @@
           <a:p>
             <a:fld id="{BFF143C5-0C31-7047-A641-CEA71AB77CA2}" type="slidenum">
               <a:rPr lang="en-US" smtClean="0"/>
-              <a:t>16</a:t>
+              <a:t>18</a:t>
             </a:fld>
             <a:endParaRPr lang="en-US"/>
           </a:p>
@@ -823,7 +825,7 @@
           <a:p>
             <a:fld id="{BFF143C5-0C31-7047-A641-CEA71AB77CA2}" type="slidenum">
               <a:rPr lang="en-US" smtClean="0"/>
-              <a:t>17</a:t>
+              <a:t>19</a:t>
             </a:fld>
             <a:endParaRPr lang="en-US"/>
           </a:p>
@@ -989,7 +991,7 @@
           <a:p>
             <a:fld id="{7282568E-B2CD-CD42-9C3E-5F238F3D4570}" type="datetimeFigureOut">
               <a:rPr lang="en-US" smtClean="0"/>
-              <a:t>9/16/24</a:t>
+              <a:t>9/19/24</a:t>
             </a:fld>
             <a:endParaRPr lang="en-US"/>
           </a:p>
@@ -1187,7 +1189,7 @@
           <a:p>
             <a:fld id="{7282568E-B2CD-CD42-9C3E-5F238F3D4570}" type="datetimeFigureOut">
               <a:rPr lang="en-US" smtClean="0"/>
-              <a:t>9/16/24</a:t>
+              <a:t>9/19/24</a:t>
             </a:fld>
             <a:endParaRPr lang="en-US"/>
           </a:p>
@@ -1395,7 +1397,7 @@
           <a:p>
             <a:fld id="{7282568E-B2CD-CD42-9C3E-5F238F3D4570}" type="datetimeFigureOut">
               <a:rPr lang="en-US" smtClean="0"/>
-              <a:t>9/16/24</a:t>
+              <a:t>9/19/24</a:t>
             </a:fld>
             <a:endParaRPr lang="en-US"/>
           </a:p>
@@ -1593,7 +1595,7 @@
           <a:p>
             <a:fld id="{7282568E-B2CD-CD42-9C3E-5F238F3D4570}" type="datetimeFigureOut">
               <a:rPr lang="en-US" smtClean="0"/>
-              <a:t>9/16/24</a:t>
+              <a:t>9/19/24</a:t>
             </a:fld>
             <a:endParaRPr lang="en-US"/>
           </a:p>
@@ -1868,7 +1870,7 @@
           <a:p>
             <a:fld id="{7282568E-B2CD-CD42-9C3E-5F238F3D4570}" type="datetimeFigureOut">
               <a:rPr lang="en-US" smtClean="0"/>
-              <a:t>9/16/24</a:t>
+              <a:t>9/19/24</a:t>
             </a:fld>
             <a:endParaRPr lang="en-US"/>
           </a:p>
@@ -2133,7 +2135,7 @@
           <a:p>
             <a:fld id="{7282568E-B2CD-CD42-9C3E-5F238F3D4570}" type="datetimeFigureOut">
               <a:rPr lang="en-US" smtClean="0"/>
-              <a:t>9/16/24</a:t>
+              <a:t>9/19/24</a:t>
             </a:fld>
             <a:endParaRPr lang="en-US"/>
           </a:p>
@@ -2545,7 +2547,7 @@
           <a:p>
             <a:fld id="{7282568E-B2CD-CD42-9C3E-5F238F3D4570}" type="datetimeFigureOut">
               <a:rPr lang="en-US" smtClean="0"/>
-              <a:t>9/16/24</a:t>
+              <a:t>9/19/24</a:t>
             </a:fld>
             <a:endParaRPr lang="en-US"/>
           </a:p>
@@ -2686,7 +2688,7 @@
           <a:p>
             <a:fld id="{7282568E-B2CD-CD42-9C3E-5F238F3D4570}" type="datetimeFigureOut">
               <a:rPr lang="en-US" smtClean="0"/>
-              <a:t>9/16/24</a:t>
+              <a:t>9/19/24</a:t>
             </a:fld>
             <a:endParaRPr lang="en-US"/>
           </a:p>
@@ -2799,7 +2801,7 @@
           <a:p>
             <a:fld id="{7282568E-B2CD-CD42-9C3E-5F238F3D4570}" type="datetimeFigureOut">
               <a:rPr lang="en-US" smtClean="0"/>
-              <a:t>9/16/24</a:t>
+              <a:t>9/19/24</a:t>
             </a:fld>
             <a:endParaRPr lang="en-US"/>
           </a:p>
@@ -3110,7 +3112,7 @@
           <a:p>
             <a:fld id="{7282568E-B2CD-CD42-9C3E-5F238F3D4570}" type="datetimeFigureOut">
               <a:rPr lang="en-US" smtClean="0"/>
-              <a:t>9/16/24</a:t>
+              <a:t>9/19/24</a:t>
             </a:fld>
             <a:endParaRPr lang="en-US"/>
           </a:p>
@@ -3398,7 +3400,7 @@
           <a:p>
             <a:fld id="{7282568E-B2CD-CD42-9C3E-5F238F3D4570}" type="datetimeFigureOut">
               <a:rPr lang="en-US" smtClean="0"/>
-              <a:t>9/16/24</a:t>
+              <a:t>9/19/24</a:t>
             </a:fld>
             <a:endParaRPr lang="en-US"/>
           </a:p>
@@ -3639,7 +3641,7 @@
           <a:p>
             <a:fld id="{7282568E-B2CD-CD42-9C3E-5F238F3D4570}" type="datetimeFigureOut">
               <a:rPr lang="en-US" smtClean="0"/>
-              <a:t>9/16/24</a:t>
+              <a:t>9/19/24</a:t>
             </a:fld>
             <a:endParaRPr lang="en-US"/>
           </a:p>
@@ -5104,19 +5106,17 @@
       </p:grpSpPr>
       <p:pic>
         <p:nvPicPr>
-          <p:cNvPr id="5" name="Content Placeholder 4">
-            <a:extLst>
-              <a:ext uri="{FF2B5EF4-FFF2-40B4-BE49-F238E27FC236}">
-                <a16:creationId xmlns:a16="http://schemas.microsoft.com/office/drawing/2014/main" id="{02298067-E094-36EB-E5B5-AE120961F57E}"/>
+          <p:cNvPr id="5" name="Picture 4">
+            <a:extLst>
+              <a:ext uri="{FF2B5EF4-FFF2-40B4-BE49-F238E27FC236}">
+                <a16:creationId xmlns:a16="http://schemas.microsoft.com/office/drawing/2014/main" id="{381AA5A1-7002-A725-C709-A464C6CFBDDB}"/>
               </a:ext>
             </a:extLst>
           </p:cNvPr>
           <p:cNvPicPr>
-            <a:picLocks noGrp="1" noChangeAspect="1"/>
+            <a:picLocks noChangeAspect="1"/>
           </p:cNvPicPr>
-          <p:nvPr>
-            <p:ph idx="1"/>
-          </p:nvPr>
+          <p:nvPr/>
         </p:nvPicPr>
         <p:blipFill>
           <a:blip r:embed="rId2"/>
@@ -5126,15 +5126,18 @@
         </p:blipFill>
         <p:spPr>
           <a:xfrm>
-            <a:off x="1451758" y="-159733"/>
-            <a:ext cx="9288483" cy="7177465"/>
-          </a:xfrm>
+            <a:off x="1604064" y="-42041"/>
+            <a:ext cx="8983872" cy="6942082"/>
+          </a:xfrm>
+          <a:prstGeom prst="rect">
+            <a:avLst/>
+          </a:prstGeom>
         </p:spPr>
       </p:pic>
     </p:spTree>
     <p:extLst>
       <p:ext uri="{BB962C8B-B14F-4D97-AF65-F5344CB8AC3E}">
-        <p14:creationId xmlns:p14="http://schemas.microsoft.com/office/powerpoint/2010/main" val="2302075350"/>
+        <p14:creationId xmlns:p14="http://schemas.microsoft.com/office/powerpoint/2010/main" val="1357704067"/>
       </p:ext>
     </p:extLst>
   </p:cSld>
@@ -5161,332 +5164,40 @@
           <a:chExt cx="0" cy="0"/>
         </a:xfrm>
       </p:grpSpPr>
-      <p:sp>
-        <p:nvSpPr>
-          <p:cNvPr id="4" name="Rectangle 3">
-            <a:extLst>
-              <a:ext uri="{FF2B5EF4-FFF2-40B4-BE49-F238E27FC236}">
-                <a16:creationId xmlns:a16="http://schemas.microsoft.com/office/drawing/2014/main" id="{C1275F09-7A7D-2571-45CA-1ED8E929A06E}"/>
-              </a:ext>
-            </a:extLst>
-          </p:cNvPr>
-          <p:cNvSpPr/>
-          <p:nvPr/>
-        </p:nvSpPr>
-        <p:spPr>
-          <a:xfrm>
-            <a:off x="1068512" y="482885"/>
-            <a:ext cx="2786796" cy="2095928"/>
+      <p:pic>
+        <p:nvPicPr>
+          <p:cNvPr id="5" name="Picture 4">
+            <a:extLst>
+              <a:ext uri="{FF2B5EF4-FFF2-40B4-BE49-F238E27FC236}">
+                <a16:creationId xmlns:a16="http://schemas.microsoft.com/office/drawing/2014/main" id="{71466CEE-23D3-BA9E-D5CF-93DB71B310CA}"/>
+              </a:ext>
+            </a:extLst>
+          </p:cNvPr>
+          <p:cNvPicPr>
+            <a:picLocks noChangeAspect="1"/>
+          </p:cNvPicPr>
+          <p:nvPr/>
+        </p:nvPicPr>
+        <p:blipFill>
+          <a:blip r:embed="rId2"/>
+          <a:stretch>
+            <a:fillRect/>
+          </a:stretch>
+        </p:blipFill>
+        <p:spPr>
+          <a:xfrm>
+            <a:off x="1617511" y="-31651"/>
+            <a:ext cx="8956978" cy="6921301"/>
           </a:xfrm>
           <a:prstGeom prst="rect">
             <a:avLst/>
           </a:prstGeom>
-          <a:solidFill>
-            <a:schemeClr val="tx2">
-              <a:lumMod val="20000"/>
-              <a:lumOff val="80000"/>
-              <a:alpha val="29321"/>
-            </a:schemeClr>
-          </a:solidFill>
-        </p:spPr>
-        <p:style>
-          <a:lnRef idx="2">
-            <a:schemeClr val="accent1">
-              <a:shade val="50000"/>
-            </a:schemeClr>
-          </a:lnRef>
-          <a:fillRef idx="1">
-            <a:schemeClr val="accent1"/>
-          </a:fillRef>
-          <a:effectRef idx="0">
-            <a:schemeClr val="accent1"/>
-          </a:effectRef>
-          <a:fontRef idx="minor">
-            <a:schemeClr val="lt1"/>
-          </a:fontRef>
-        </p:style>
-        <p:txBody>
-          <a:bodyPr rtlCol="0" anchor="ctr"/>
-          <a:lstStyle/>
-          <a:p>
-            <a:pPr algn="ctr"/>
-            <a:endParaRPr lang="en-US"/>
-          </a:p>
-        </p:txBody>
-      </p:sp>
-      <p:sp>
-        <p:nvSpPr>
-          <p:cNvPr id="5" name="Rectangle 4">
-            <a:extLst>
-              <a:ext uri="{FF2B5EF4-FFF2-40B4-BE49-F238E27FC236}">
-                <a16:creationId xmlns:a16="http://schemas.microsoft.com/office/drawing/2014/main" id="{CBC6BAB3-9E38-D359-223F-E735977AA9CD}"/>
-              </a:ext>
-            </a:extLst>
-          </p:cNvPr>
-          <p:cNvSpPr/>
-          <p:nvPr/>
-        </p:nvSpPr>
-        <p:spPr>
-          <a:xfrm>
-            <a:off x="4702602" y="482885"/>
-            <a:ext cx="2786796" cy="2095928"/>
-          </a:xfrm>
-          <a:prstGeom prst="rect">
-            <a:avLst/>
-          </a:prstGeom>
-          <a:solidFill>
-            <a:schemeClr val="tx2">
-              <a:lumMod val="20000"/>
-              <a:lumOff val="80000"/>
-              <a:alpha val="29321"/>
-            </a:schemeClr>
-          </a:solidFill>
-        </p:spPr>
-        <p:style>
-          <a:lnRef idx="2">
-            <a:schemeClr val="accent1">
-              <a:shade val="50000"/>
-            </a:schemeClr>
-          </a:lnRef>
-          <a:fillRef idx="1">
-            <a:schemeClr val="accent1"/>
-          </a:fillRef>
-          <a:effectRef idx="0">
-            <a:schemeClr val="accent1"/>
-          </a:effectRef>
-          <a:fontRef idx="minor">
-            <a:schemeClr val="lt1"/>
-          </a:fontRef>
-        </p:style>
-        <p:txBody>
-          <a:bodyPr rtlCol="0" anchor="ctr"/>
-          <a:lstStyle/>
-          <a:p>
-            <a:pPr algn="ctr"/>
-            <a:endParaRPr lang="en-US"/>
-          </a:p>
-        </p:txBody>
-      </p:sp>
-      <p:sp>
-        <p:nvSpPr>
-          <p:cNvPr id="2" name="TextBox 1">
-            <a:extLst>
-              <a:ext uri="{FF2B5EF4-FFF2-40B4-BE49-F238E27FC236}">
-                <a16:creationId xmlns:a16="http://schemas.microsoft.com/office/drawing/2014/main" id="{D56529D1-4160-0FA4-725B-A7E6BC7C5750}"/>
-              </a:ext>
-            </a:extLst>
-          </p:cNvPr>
-          <p:cNvSpPr txBox="1"/>
-          <p:nvPr/>
-        </p:nvSpPr>
-        <p:spPr>
-          <a:xfrm>
-            <a:off x="410966" y="2948683"/>
-            <a:ext cx="2137025" cy="461665"/>
-          </a:xfrm>
-          <a:prstGeom prst="rect">
-            <a:avLst/>
-          </a:prstGeom>
-          <a:noFill/>
-        </p:spPr>
-        <p:txBody>
-          <a:bodyPr wrap="square" rtlCol="0">
-            <a:spAutoFit/>
-          </a:bodyPr>
-          <a:lstStyle/>
-          <a:p>
-            <a:r>
-              <a:rPr lang="en-US" sz="2400" u="sng" dirty="0"/>
-              <a:t>Constant</a:t>
-            </a:r>
-          </a:p>
-        </p:txBody>
-      </p:sp>
-      <p:sp>
-        <p:nvSpPr>
-          <p:cNvPr id="3" name="TextBox 2">
-            <a:extLst>
-              <a:ext uri="{FF2B5EF4-FFF2-40B4-BE49-F238E27FC236}">
-                <a16:creationId xmlns:a16="http://schemas.microsoft.com/office/drawing/2014/main" id="{12665B4F-D0ED-8D41-6E1D-DA75A3258900}"/>
-              </a:ext>
-            </a:extLst>
-          </p:cNvPr>
-          <p:cNvSpPr txBox="1"/>
-          <p:nvPr/>
-        </p:nvSpPr>
-        <p:spPr>
-          <a:xfrm>
-            <a:off x="2669569" y="2948682"/>
-            <a:ext cx="2137025" cy="461665"/>
-          </a:xfrm>
-          <a:prstGeom prst="rect">
-            <a:avLst/>
-          </a:prstGeom>
-          <a:noFill/>
-        </p:spPr>
-        <p:txBody>
-          <a:bodyPr wrap="square" rtlCol="0">
-            <a:spAutoFit/>
-          </a:bodyPr>
-          <a:lstStyle/>
-          <a:p>
-            <a:r>
-              <a:rPr lang="en-US" sz="2400" u="sng" dirty="0"/>
-              <a:t>Changing</a:t>
-            </a:r>
-          </a:p>
-        </p:txBody>
-      </p:sp>
-      <p:sp>
-        <p:nvSpPr>
-          <p:cNvPr id="7" name="TextBox 6">
-            <a:extLst>
-              <a:ext uri="{FF2B5EF4-FFF2-40B4-BE49-F238E27FC236}">
-                <a16:creationId xmlns:a16="http://schemas.microsoft.com/office/drawing/2014/main" id="{F18649D4-0D25-EE27-CC7E-1DFB5F35F91D}"/>
-              </a:ext>
-            </a:extLst>
-          </p:cNvPr>
-          <p:cNvSpPr txBox="1"/>
-          <p:nvPr/>
-        </p:nvSpPr>
-        <p:spPr>
-          <a:xfrm>
-            <a:off x="5248383" y="2948681"/>
-            <a:ext cx="2137025" cy="461665"/>
-          </a:xfrm>
-          <a:prstGeom prst="rect">
-            <a:avLst/>
-          </a:prstGeom>
-          <a:noFill/>
-        </p:spPr>
-        <p:txBody>
-          <a:bodyPr wrap="square" rtlCol="0">
-            <a:spAutoFit/>
-          </a:bodyPr>
-          <a:lstStyle/>
-          <a:p>
-            <a:r>
-              <a:rPr lang="en-US" sz="2400" u="sng" dirty="0"/>
-              <a:t>BB options</a:t>
-            </a:r>
-          </a:p>
-        </p:txBody>
-      </p:sp>
-      <p:sp>
-        <p:nvSpPr>
-          <p:cNvPr id="8" name="TextBox 7">
-            <a:extLst>
-              <a:ext uri="{FF2B5EF4-FFF2-40B4-BE49-F238E27FC236}">
-                <a16:creationId xmlns:a16="http://schemas.microsoft.com/office/drawing/2014/main" id="{741CC791-41D6-2E02-B412-E876AE4A54A2}"/>
-              </a:ext>
-            </a:extLst>
-          </p:cNvPr>
-          <p:cNvSpPr txBox="1"/>
-          <p:nvPr/>
-        </p:nvSpPr>
-        <p:spPr>
-          <a:xfrm>
-            <a:off x="5248383" y="3780214"/>
-            <a:ext cx="1446230" cy="1569660"/>
-          </a:xfrm>
-          <a:prstGeom prst="rect">
-            <a:avLst/>
-          </a:prstGeom>
-          <a:noFill/>
-        </p:spPr>
-        <p:txBody>
-          <a:bodyPr wrap="none" rtlCol="0">
-            <a:spAutoFit/>
-          </a:bodyPr>
-          <a:lstStyle/>
-          <a:p>
-            <a:r>
-              <a:rPr lang="en-CA" sz="2400" dirty="0"/>
-              <a:t>on-tick</a:t>
-            </a:r>
-            <a:br>
-              <a:rPr lang="en-CA" sz="2400" dirty="0"/>
-            </a:br>
-            <a:r>
-              <a:rPr lang="en-CA" sz="2400" dirty="0"/>
-              <a:t>to-draw</a:t>
-            </a:r>
-            <a:br>
-              <a:rPr lang="en-CA" sz="2400" dirty="0"/>
-            </a:br>
-            <a:r>
-              <a:rPr lang="en-CA" sz="2400" dirty="0"/>
-              <a:t>on-key</a:t>
-            </a:r>
-            <a:br>
-              <a:rPr lang="en-CA" sz="2400" dirty="0"/>
-            </a:br>
-            <a:r>
-              <a:rPr lang="en-CA" sz="2400" dirty="0"/>
-              <a:t>on-mouse</a:t>
-            </a:r>
-            <a:endParaRPr lang="en-US" sz="2400" dirty="0"/>
-          </a:p>
-        </p:txBody>
-      </p:sp>
-      <p:sp>
-        <p:nvSpPr>
-          <p:cNvPr id="9" name="TextBox 8">
-            <a:extLst>
-              <a:ext uri="{FF2B5EF4-FFF2-40B4-BE49-F238E27FC236}">
-                <a16:creationId xmlns:a16="http://schemas.microsoft.com/office/drawing/2014/main" id="{7125486F-D8FE-4437-E0CA-A6A7AE47C7B1}"/>
-              </a:ext>
-            </a:extLst>
-          </p:cNvPr>
-          <p:cNvSpPr txBox="1"/>
-          <p:nvPr/>
-        </p:nvSpPr>
-        <p:spPr>
-          <a:xfrm>
-            <a:off x="8640566" y="516710"/>
-            <a:ext cx="3154167" cy="2062103"/>
-          </a:xfrm>
-          <a:prstGeom prst="rect">
-            <a:avLst/>
-          </a:prstGeom>
-          <a:noFill/>
-        </p:spPr>
-        <p:txBody>
-          <a:bodyPr wrap="square" rtlCol="0">
-            <a:spAutoFit/>
-          </a:bodyPr>
-          <a:lstStyle/>
-          <a:p>
-            <a:r>
-              <a:rPr lang="en-CA" sz="3200" dirty="0">
-                <a:solidFill>
-                  <a:srgbClr val="FF0000"/>
-                </a:solidFill>
-              </a:rPr>
-              <a:t>Don’t worry, handwriting</a:t>
-            </a:r>
-          </a:p>
-          <a:p>
-            <a:r>
-              <a:rPr lang="en-CA" sz="3200" dirty="0">
-                <a:solidFill>
-                  <a:srgbClr val="FF0000"/>
-                </a:solidFill>
-              </a:rPr>
-              <a:t>will be magically cleaned up!</a:t>
-            </a:r>
-            <a:endParaRPr lang="en-US" sz="3200" dirty="0">
-              <a:solidFill>
-                <a:srgbClr val="FF0000"/>
-              </a:solidFill>
-            </a:endParaRPr>
-          </a:p>
-        </p:txBody>
-      </p:sp>
+        </p:spPr>
+      </p:pic>
     </p:spTree>
     <p:extLst>
       <p:ext uri="{BB962C8B-B14F-4D97-AF65-F5344CB8AC3E}">
-        <p14:creationId xmlns:p14="http://schemas.microsoft.com/office/powerpoint/2010/main" val="1978207108"/>
+        <p14:creationId xmlns:p14="http://schemas.microsoft.com/office/powerpoint/2010/main" val="968026469"/>
       </p:ext>
     </p:extLst>
   </p:cSld>
@@ -5527,7 +5238,7 @@
         </p:nvSpPr>
         <p:spPr>
           <a:xfrm>
-            <a:off x="1068512" y="359597"/>
+            <a:off x="1068512" y="482885"/>
             <a:ext cx="2786796" cy="2095928"/>
           </a:xfrm>
           <a:prstGeom prst="rect">
@@ -5580,7 +5291,7 @@
         </p:nvSpPr>
         <p:spPr>
           <a:xfrm>
-            <a:off x="4702602" y="359597"/>
+            <a:off x="4702602" y="482885"/>
             <a:ext cx="2786796" cy="2095928"/>
           </a:xfrm>
           <a:prstGeom prst="rect">
@@ -5633,7 +5344,7 @@
         </p:nvSpPr>
         <p:spPr>
           <a:xfrm>
-            <a:off x="410966" y="2722655"/>
+            <a:off x="410966" y="2948683"/>
             <a:ext cx="2137025" cy="461665"/>
           </a:xfrm>
           <a:prstGeom prst="rect">
@@ -5668,7 +5379,7 @@
         </p:nvSpPr>
         <p:spPr>
           <a:xfrm>
-            <a:off x="2669569" y="2722654"/>
+            <a:off x="2669569" y="2948682"/>
             <a:ext cx="2137025" cy="461665"/>
           </a:xfrm>
           <a:prstGeom prst="rect">
@@ -5703,7 +5414,7 @@
         </p:nvSpPr>
         <p:spPr>
           <a:xfrm>
-            <a:off x="5248383" y="2722653"/>
+            <a:off x="5248383" y="2948681"/>
             <a:ext cx="2137025" cy="461665"/>
           </a:xfrm>
           <a:prstGeom prst="rect">
@@ -5738,7 +5449,7 @@
         </p:nvSpPr>
         <p:spPr>
           <a:xfrm>
-            <a:off x="5248383" y="3345207"/>
+            <a:off x="5248383" y="3780214"/>
             <a:ext cx="1446230" cy="1569660"/>
           </a:xfrm>
           <a:prstGeom prst="rect">
@@ -5767,92 +5478,15 @@
               <a:rPr lang="en-CA" sz="2400" dirty="0"/>
             </a:br>
             <a:r>
-              <a:rPr lang="en-CA" sz="2400" strike="sngStrike" dirty="0"/>
+              <a:rPr lang="en-CA" sz="2400" dirty="0"/>
               <a:t>on-key</a:t>
-            </a:r>
-            <a:br>
-              <a:rPr lang="en-CA" sz="2400" strike="sngStrike" dirty="0"/>
-            </a:br>
-            <a:r>
-              <a:rPr lang="en-CA" sz="2400" strike="sngStrike" dirty="0"/>
-              <a:t>on-mouse</a:t>
-            </a:r>
-            <a:endParaRPr lang="en-US" sz="2400" strike="sngStrike" dirty="0"/>
-          </a:p>
-        </p:txBody>
-      </p:sp>
-      <p:sp>
-        <p:nvSpPr>
-          <p:cNvPr id="6" name="TextBox 5">
-            <a:extLst>
-              <a:ext uri="{FF2B5EF4-FFF2-40B4-BE49-F238E27FC236}">
-                <a16:creationId xmlns:a16="http://schemas.microsoft.com/office/drawing/2014/main" id="{9CC79341-DE9F-191C-A634-F3CD9A1DB239}"/>
-              </a:ext>
-            </a:extLst>
-          </p:cNvPr>
-          <p:cNvSpPr txBox="1"/>
-          <p:nvPr/>
-        </p:nvSpPr>
-        <p:spPr>
-          <a:xfrm>
-            <a:off x="410966" y="3345207"/>
-            <a:ext cx="1792607" cy="3686856"/>
-          </a:xfrm>
-          <a:prstGeom prst="rect">
-            <a:avLst/>
-          </a:prstGeom>
-          <a:noFill/>
-        </p:spPr>
-        <p:txBody>
-          <a:bodyPr wrap="none" rtlCol="0">
-            <a:spAutoFit/>
-          </a:bodyPr>
-          <a:lstStyle/>
-          <a:p>
-            <a:r>
-              <a:rPr lang="en-CA" sz="2400" dirty="0"/>
-              <a:t>width</a:t>
             </a:r>
             <a:br>
               <a:rPr lang="en-CA" sz="2400" dirty="0"/>
             </a:br>
             <a:r>
               <a:rPr lang="en-CA" sz="2400" dirty="0"/>
-              <a:t>height</a:t>
-            </a:r>
-            <a:br>
-              <a:rPr lang="en-CA" sz="2400" dirty="0"/>
-            </a:br>
-            <a:r>
-              <a:rPr lang="en-CA" sz="2400" dirty="0"/>
-              <a:t>center x</a:t>
-            </a:r>
-          </a:p>
-          <a:p>
-            <a:r>
-              <a:rPr lang="en-CA" sz="2400" dirty="0"/>
-              <a:t>speed</a:t>
-            </a:r>
-          </a:p>
-          <a:p>
-            <a:r>
-              <a:rPr lang="en-CA" sz="2400" dirty="0"/>
-              <a:t>spider radius</a:t>
-            </a:r>
-          </a:p>
-          <a:p>
-            <a:endParaRPr lang="en-CA" sz="2400" dirty="0"/>
-          </a:p>
-          <a:p>
-            <a:r>
-              <a:rPr lang="en-CA" sz="2400" dirty="0"/>
-              <a:t>spider image</a:t>
-            </a:r>
-          </a:p>
-          <a:p>
-            <a:r>
-              <a:rPr lang="en-CA" sz="2400" dirty="0"/>
-              <a:t>mts</a:t>
+              <a:t>on-mouse</a:t>
             </a:r>
             <a:endParaRPr lang="en-US" sz="2400" dirty="0"/>
           </a:p>
@@ -5863,7 +5497,7 @@
           <p:cNvPr id="9" name="TextBox 8">
             <a:extLst>
               <a:ext uri="{FF2B5EF4-FFF2-40B4-BE49-F238E27FC236}">
-                <a16:creationId xmlns:a16="http://schemas.microsoft.com/office/drawing/2014/main" id="{9B62125E-56DF-3972-1005-ACCE13E69FC5}"/>
+                <a16:creationId xmlns:a16="http://schemas.microsoft.com/office/drawing/2014/main" id="{7125486F-D8FE-4437-E0CA-A6A7AE47C7B1}"/>
               </a:ext>
             </a:extLst>
           </p:cNvPr>
@@ -5872,8 +5506,8 @@
         </p:nvSpPr>
         <p:spPr>
           <a:xfrm>
-            <a:off x="2669569" y="3345207"/>
-            <a:ext cx="1168910" cy="461665"/>
+            <a:off x="8640566" y="516710"/>
+            <a:ext cx="3154167" cy="2062103"/>
           </a:xfrm>
           <a:prstGeom prst="rect">
             <a:avLst/>
@@ -5881,115 +5515,41 @@
           <a:noFill/>
         </p:spPr>
         <p:txBody>
-          <a:bodyPr wrap="none" rtlCol="0">
+          <a:bodyPr wrap="square" rtlCol="0">
             <a:spAutoFit/>
           </a:bodyPr>
           <a:lstStyle/>
           <a:p>
             <a:r>
-              <a:rPr lang="en-CA" sz="2400" dirty="0"/>
-              <a:t>spider y</a:t>
-            </a:r>
-            <a:endParaRPr lang="en-US" sz="2400" dirty="0"/>
-          </a:p>
-        </p:txBody>
-      </p:sp>
-      <p:sp>
-        <p:nvSpPr>
-          <p:cNvPr id="10" name="Oval 9">
-            <a:extLst>
-              <a:ext uri="{FF2B5EF4-FFF2-40B4-BE49-F238E27FC236}">
-                <a16:creationId xmlns:a16="http://schemas.microsoft.com/office/drawing/2014/main" id="{B3852AB0-6269-BC94-6255-C9DDE8571DB1}"/>
-              </a:ext>
-            </a:extLst>
-          </p:cNvPr>
-          <p:cNvSpPr/>
-          <p:nvPr/>
-        </p:nvSpPr>
-        <p:spPr>
-          <a:xfrm>
-            <a:off x="2348894" y="565079"/>
-            <a:ext cx="226031" cy="226031"/>
-          </a:xfrm>
-          <a:prstGeom prst="ellipse">
-            <a:avLst/>
-          </a:prstGeom>
-        </p:spPr>
-        <p:style>
-          <a:lnRef idx="2">
-            <a:schemeClr val="accent1">
-              <a:shade val="50000"/>
-            </a:schemeClr>
-          </a:lnRef>
-          <a:fillRef idx="1">
-            <a:schemeClr val="accent1"/>
-          </a:fillRef>
-          <a:effectRef idx="0">
-            <a:schemeClr val="accent1"/>
-          </a:effectRef>
-          <a:fontRef idx="minor">
-            <a:schemeClr val="lt1"/>
-          </a:fontRef>
-        </p:style>
-        <p:txBody>
-          <a:bodyPr rtlCol="0" anchor="ctr"/>
-          <a:lstStyle/>
-          <a:p>
-            <a:pPr algn="ctr"/>
-            <a:endParaRPr lang="en-US"/>
-          </a:p>
-        </p:txBody>
-      </p:sp>
-      <p:sp>
-        <p:nvSpPr>
-          <p:cNvPr id="11" name="Oval 10">
-            <a:extLst>
-              <a:ext uri="{FF2B5EF4-FFF2-40B4-BE49-F238E27FC236}">
-                <a16:creationId xmlns:a16="http://schemas.microsoft.com/office/drawing/2014/main" id="{BBD8CC57-45E0-176F-579B-E2C1AA037855}"/>
-              </a:ext>
-            </a:extLst>
-          </p:cNvPr>
-          <p:cNvSpPr/>
-          <p:nvPr/>
-        </p:nvSpPr>
-        <p:spPr>
-          <a:xfrm>
-            <a:off x="5982984" y="2094216"/>
-            <a:ext cx="226031" cy="226031"/>
-          </a:xfrm>
-          <a:prstGeom prst="ellipse">
-            <a:avLst/>
-          </a:prstGeom>
-        </p:spPr>
-        <p:style>
-          <a:lnRef idx="2">
-            <a:schemeClr val="accent1">
-              <a:shade val="50000"/>
-            </a:schemeClr>
-          </a:lnRef>
-          <a:fillRef idx="1">
-            <a:schemeClr val="accent1"/>
-          </a:fillRef>
-          <a:effectRef idx="0">
-            <a:schemeClr val="accent1"/>
-          </a:effectRef>
-          <a:fontRef idx="minor">
-            <a:schemeClr val="lt1"/>
-          </a:fontRef>
-        </p:style>
-        <p:txBody>
-          <a:bodyPr rtlCol="0" anchor="ctr"/>
-          <a:lstStyle/>
-          <a:p>
-            <a:pPr algn="ctr"/>
-            <a:endParaRPr lang="en-US"/>
+              <a:rPr lang="en-CA" sz="3200" dirty="0">
+                <a:solidFill>
+                  <a:srgbClr val="FF0000"/>
+                </a:solidFill>
+              </a:rPr>
+              <a:t>Don’t worry, handwriting</a:t>
+            </a:r>
+          </a:p>
+          <a:p>
+            <a:r>
+              <a:rPr lang="en-CA" sz="3200" dirty="0">
+                <a:solidFill>
+                  <a:srgbClr val="FF0000"/>
+                </a:solidFill>
+              </a:rPr>
+              <a:t>will be magically cleaned up!</a:t>
+            </a:r>
+            <a:endParaRPr lang="en-US" sz="3200" dirty="0">
+              <a:solidFill>
+                <a:srgbClr val="FF0000"/>
+              </a:solidFill>
+            </a:endParaRPr>
           </a:p>
         </p:txBody>
       </p:sp>
     </p:spTree>
     <p:extLst>
       <p:ext uri="{BB962C8B-B14F-4D97-AF65-F5344CB8AC3E}">
-        <p14:creationId xmlns:p14="http://schemas.microsoft.com/office/powerpoint/2010/main" val="2872271045"/>
+        <p14:creationId xmlns:p14="http://schemas.microsoft.com/office/powerpoint/2010/main" val="1978207108"/>
       </p:ext>
     </p:extLst>
   </p:cSld>
@@ -6489,398 +6049,10 @@
           </a:p>
         </p:txBody>
       </p:sp>
-      <p:cxnSp>
-        <p:nvCxnSpPr>
-          <p:cNvPr id="14" name="Straight Connector 13">
-            <a:extLst>
-              <a:ext uri="{FF2B5EF4-FFF2-40B4-BE49-F238E27FC236}">
-                <a16:creationId xmlns:a16="http://schemas.microsoft.com/office/drawing/2014/main" id="{97EEB4AD-2438-3EA6-80B7-9D69FDB82829}"/>
-              </a:ext>
-            </a:extLst>
-          </p:cNvPr>
-          <p:cNvCxnSpPr/>
-          <p:nvPr/>
-        </p:nvCxnSpPr>
-        <p:spPr>
-          <a:xfrm>
-            <a:off x="8496728" y="1304818"/>
-            <a:ext cx="3154166" cy="0"/>
-          </a:xfrm>
-          <a:prstGeom prst="line">
-            <a:avLst/>
-          </a:prstGeom>
-          <a:ln w="28575"/>
-        </p:spPr>
-        <p:style>
-          <a:lnRef idx="1">
-            <a:schemeClr val="accent1"/>
-          </a:lnRef>
-          <a:fillRef idx="0">
-            <a:schemeClr val="accent1"/>
-          </a:fillRef>
-          <a:effectRef idx="0">
-            <a:schemeClr val="accent1"/>
-          </a:effectRef>
-          <a:fontRef idx="minor">
-            <a:schemeClr val="tx1"/>
-          </a:fontRef>
-        </p:style>
-      </p:cxnSp>
-      <p:sp>
-        <p:nvSpPr>
-          <p:cNvPr id="15" name="Oval 14">
-            <a:extLst>
-              <a:ext uri="{FF2B5EF4-FFF2-40B4-BE49-F238E27FC236}">
-                <a16:creationId xmlns:a16="http://schemas.microsoft.com/office/drawing/2014/main" id="{3234DBC7-D497-C4C2-D291-C977ABD70A91}"/>
-              </a:ext>
-            </a:extLst>
-          </p:cNvPr>
-          <p:cNvSpPr/>
-          <p:nvPr/>
-        </p:nvSpPr>
-        <p:spPr>
-          <a:xfrm>
-            <a:off x="10091789" y="1308244"/>
-            <a:ext cx="1032553" cy="1032553"/>
-          </a:xfrm>
-          <a:prstGeom prst="ellipse">
-            <a:avLst/>
-          </a:prstGeom>
-          <a:noFill/>
-          <a:ln w="28575"/>
-        </p:spPr>
-        <p:style>
-          <a:lnRef idx="2">
-            <a:schemeClr val="accent1">
-              <a:shade val="50000"/>
-            </a:schemeClr>
-          </a:lnRef>
-          <a:fillRef idx="1">
-            <a:schemeClr val="accent1"/>
-          </a:fillRef>
-          <a:effectRef idx="0">
-            <a:schemeClr val="accent1"/>
-          </a:effectRef>
-          <a:fontRef idx="minor">
-            <a:schemeClr val="lt1"/>
-          </a:fontRef>
-        </p:style>
-        <p:txBody>
-          <a:bodyPr rtlCol="0" anchor="ctr"/>
-          <a:lstStyle/>
-          <a:p>
-            <a:pPr algn="ctr"/>
-            <a:endParaRPr lang="en-US"/>
-          </a:p>
-        </p:txBody>
-      </p:sp>
-      <p:cxnSp>
-        <p:nvCxnSpPr>
-          <p:cNvPr id="16" name="Straight Connector 15">
-            <a:extLst>
-              <a:ext uri="{FF2B5EF4-FFF2-40B4-BE49-F238E27FC236}">
-                <a16:creationId xmlns:a16="http://schemas.microsoft.com/office/drawing/2014/main" id="{1EA5BDC5-7315-E4A2-99BD-6B27B599E702}"/>
-              </a:ext>
-            </a:extLst>
-          </p:cNvPr>
-          <p:cNvCxnSpPr/>
-          <p:nvPr/>
-        </p:nvCxnSpPr>
-        <p:spPr>
-          <a:xfrm>
-            <a:off x="8496728" y="1833082"/>
-            <a:ext cx="3154166" cy="0"/>
-          </a:xfrm>
-          <a:prstGeom prst="line">
-            <a:avLst/>
-          </a:prstGeom>
-          <a:ln w="28575">
-            <a:prstDash val="dash"/>
-          </a:ln>
-        </p:spPr>
-        <p:style>
-          <a:lnRef idx="1">
-            <a:schemeClr val="accent1"/>
-          </a:lnRef>
-          <a:fillRef idx="0">
-            <a:schemeClr val="accent1"/>
-          </a:fillRef>
-          <a:effectRef idx="0">
-            <a:schemeClr val="accent1"/>
-          </a:effectRef>
-          <a:fontRef idx="minor">
-            <a:schemeClr val="tx1"/>
-          </a:fontRef>
-        </p:style>
-      </p:cxnSp>
-      <p:sp>
-        <p:nvSpPr>
-          <p:cNvPr id="17" name="TextBox 16">
-            <a:extLst>
-              <a:ext uri="{FF2B5EF4-FFF2-40B4-BE49-F238E27FC236}">
-                <a16:creationId xmlns:a16="http://schemas.microsoft.com/office/drawing/2014/main" id="{8ECF375C-6E29-F8CC-3FB6-5506F60AB1C4}"/>
-              </a:ext>
-            </a:extLst>
-          </p:cNvPr>
-          <p:cNvSpPr txBox="1"/>
-          <p:nvPr/>
-        </p:nvSpPr>
-        <p:spPr>
-          <a:xfrm>
-            <a:off x="8160519" y="1862192"/>
-            <a:ext cx="1095236" cy="369332"/>
-          </a:xfrm>
-          <a:prstGeom prst="rect">
-            <a:avLst/>
-          </a:prstGeom>
-          <a:noFill/>
-        </p:spPr>
-        <p:txBody>
-          <a:bodyPr wrap="none" rtlCol="0">
-            <a:spAutoFit/>
-          </a:bodyPr>
-          <a:lstStyle/>
-          <a:p>
-            <a:r>
-              <a:rPr lang="en-US" dirty="0"/>
-              <a:t>0 + radius</a:t>
-            </a:r>
-          </a:p>
-        </p:txBody>
-      </p:sp>
-      <p:cxnSp>
-        <p:nvCxnSpPr>
-          <p:cNvPr id="18" name="Straight Connector 17">
-            <a:extLst>
-              <a:ext uri="{FF2B5EF4-FFF2-40B4-BE49-F238E27FC236}">
-                <a16:creationId xmlns:a16="http://schemas.microsoft.com/office/drawing/2014/main" id="{A07A9568-46EE-1DD1-3984-60D1C38A82C5}"/>
-              </a:ext>
-            </a:extLst>
-          </p:cNvPr>
-          <p:cNvCxnSpPr/>
-          <p:nvPr/>
-        </p:nvCxnSpPr>
-        <p:spPr>
-          <a:xfrm flipV="1">
-            <a:off x="8496728" y="5142753"/>
-            <a:ext cx="3154166" cy="0"/>
-          </a:xfrm>
-          <a:prstGeom prst="line">
-            <a:avLst/>
-          </a:prstGeom>
-          <a:ln w="28575"/>
-        </p:spPr>
-        <p:style>
-          <a:lnRef idx="1">
-            <a:schemeClr val="accent1"/>
-          </a:lnRef>
-          <a:fillRef idx="0">
-            <a:schemeClr val="accent1"/>
-          </a:fillRef>
-          <a:effectRef idx="0">
-            <a:schemeClr val="accent1"/>
-          </a:effectRef>
-          <a:fontRef idx="minor">
-            <a:schemeClr val="tx1"/>
-          </a:fontRef>
-        </p:style>
-      </p:cxnSp>
-      <p:sp>
-        <p:nvSpPr>
-          <p:cNvPr id="19" name="Oval 18">
-            <a:extLst>
-              <a:ext uri="{FF2B5EF4-FFF2-40B4-BE49-F238E27FC236}">
-                <a16:creationId xmlns:a16="http://schemas.microsoft.com/office/drawing/2014/main" id="{71A78C9A-17C0-C996-FF0D-34FD8A1EB4D4}"/>
-              </a:ext>
-            </a:extLst>
-          </p:cNvPr>
-          <p:cNvSpPr/>
-          <p:nvPr/>
-        </p:nvSpPr>
-        <p:spPr>
-          <a:xfrm flipV="1">
-            <a:off x="10091789" y="4106774"/>
-            <a:ext cx="1032553" cy="1032553"/>
-          </a:xfrm>
-          <a:prstGeom prst="ellipse">
-            <a:avLst/>
-          </a:prstGeom>
-          <a:noFill/>
-          <a:ln w="28575"/>
-        </p:spPr>
-        <p:style>
-          <a:lnRef idx="2">
-            <a:schemeClr val="accent1">
-              <a:shade val="50000"/>
-            </a:schemeClr>
-          </a:lnRef>
-          <a:fillRef idx="1">
-            <a:schemeClr val="accent1"/>
-          </a:fillRef>
-          <a:effectRef idx="0">
-            <a:schemeClr val="accent1"/>
-          </a:effectRef>
-          <a:fontRef idx="minor">
-            <a:schemeClr val="lt1"/>
-          </a:fontRef>
-        </p:style>
-        <p:txBody>
-          <a:bodyPr rtlCol="0" anchor="ctr"/>
-          <a:lstStyle/>
-          <a:p>
-            <a:pPr algn="ctr"/>
-            <a:endParaRPr lang="en-US"/>
-          </a:p>
-        </p:txBody>
-      </p:sp>
-      <p:cxnSp>
-        <p:nvCxnSpPr>
-          <p:cNvPr id="20" name="Straight Connector 19">
-            <a:extLst>
-              <a:ext uri="{FF2B5EF4-FFF2-40B4-BE49-F238E27FC236}">
-                <a16:creationId xmlns:a16="http://schemas.microsoft.com/office/drawing/2014/main" id="{152DC5A3-7436-95A0-312C-608E298AFE6E}"/>
-              </a:ext>
-            </a:extLst>
-          </p:cNvPr>
-          <p:cNvCxnSpPr/>
-          <p:nvPr/>
-        </p:nvCxnSpPr>
-        <p:spPr>
-          <a:xfrm flipV="1">
-            <a:off x="8496728" y="4623050"/>
-            <a:ext cx="3154166" cy="0"/>
-          </a:xfrm>
-          <a:prstGeom prst="line">
-            <a:avLst/>
-          </a:prstGeom>
-          <a:ln w="28575">
-            <a:prstDash val="dash"/>
-          </a:ln>
-        </p:spPr>
-        <p:style>
-          <a:lnRef idx="1">
-            <a:schemeClr val="accent1"/>
-          </a:lnRef>
-          <a:fillRef idx="0">
-            <a:schemeClr val="accent1"/>
-          </a:fillRef>
-          <a:effectRef idx="0">
-            <a:schemeClr val="accent1"/>
-          </a:effectRef>
-          <a:fontRef idx="minor">
-            <a:schemeClr val="tx1"/>
-          </a:fontRef>
-        </p:style>
-      </p:cxnSp>
-      <p:sp>
-        <p:nvSpPr>
-          <p:cNvPr id="23" name="TextBox 22">
-            <a:extLst>
-              <a:ext uri="{FF2B5EF4-FFF2-40B4-BE49-F238E27FC236}">
-                <a16:creationId xmlns:a16="http://schemas.microsoft.com/office/drawing/2014/main" id="{14AC4742-4F97-E4ED-E379-0F9C4132F55B}"/>
-              </a:ext>
-            </a:extLst>
-          </p:cNvPr>
-          <p:cNvSpPr txBox="1"/>
-          <p:nvPr/>
-        </p:nvSpPr>
-        <p:spPr>
-          <a:xfrm>
-            <a:off x="8154077" y="5128038"/>
-            <a:ext cx="1073820" cy="369332"/>
-          </a:xfrm>
-          <a:prstGeom prst="rect">
-            <a:avLst/>
-          </a:prstGeom>
-          <a:noFill/>
-        </p:spPr>
-        <p:txBody>
-          <a:bodyPr wrap="none" rtlCol="0">
-            <a:spAutoFit/>
-          </a:bodyPr>
-          <a:lstStyle/>
-          <a:p>
-            <a:r>
-              <a:rPr lang="en-US" dirty="0"/>
-              <a:t>height - 1</a:t>
-            </a:r>
-          </a:p>
-        </p:txBody>
-      </p:sp>
-      <p:sp>
-        <p:nvSpPr>
-          <p:cNvPr id="24" name="TextBox 23">
-            <a:extLst>
-              <a:ext uri="{FF2B5EF4-FFF2-40B4-BE49-F238E27FC236}">
-                <a16:creationId xmlns:a16="http://schemas.microsoft.com/office/drawing/2014/main" id="{5542ADBC-45AE-150D-40B6-75867255DBFD}"/>
-              </a:ext>
-            </a:extLst>
-          </p:cNvPr>
-          <p:cNvSpPr txBox="1"/>
-          <p:nvPr/>
-        </p:nvSpPr>
-        <p:spPr>
-          <a:xfrm>
-            <a:off x="8143369" y="1293800"/>
-            <a:ext cx="301686" cy="369332"/>
-          </a:xfrm>
-          <a:prstGeom prst="rect">
-            <a:avLst/>
-          </a:prstGeom>
-          <a:noFill/>
-        </p:spPr>
-        <p:txBody>
-          <a:bodyPr wrap="none" rtlCol="0">
-            <a:spAutoFit/>
-          </a:bodyPr>
-          <a:lstStyle/>
-          <a:p>
-            <a:r>
-              <a:rPr lang="en-US" dirty="0"/>
-              <a:t>0</a:t>
-            </a:r>
-          </a:p>
-        </p:txBody>
-      </p:sp>
-      <p:sp>
-        <p:nvSpPr>
-          <p:cNvPr id="25" name="TextBox 24">
-            <a:extLst>
-              <a:ext uri="{FF2B5EF4-FFF2-40B4-BE49-F238E27FC236}">
-                <a16:creationId xmlns:a16="http://schemas.microsoft.com/office/drawing/2014/main" id="{372BF2A9-EEFD-60DC-3343-1ECF7F1A7F88}"/>
-              </a:ext>
-            </a:extLst>
-          </p:cNvPr>
-          <p:cNvSpPr txBox="1"/>
-          <p:nvPr/>
-        </p:nvSpPr>
-        <p:spPr>
-          <a:xfrm>
-            <a:off x="8188507" y="4566683"/>
-            <a:ext cx="1867371" cy="369332"/>
-          </a:xfrm>
-          <a:prstGeom prst="rect">
-            <a:avLst/>
-          </a:prstGeom>
-          <a:noFill/>
-        </p:spPr>
-        <p:txBody>
-          <a:bodyPr wrap="none" rtlCol="0">
-            <a:spAutoFit/>
-          </a:bodyPr>
-          <a:lstStyle/>
-          <a:p>
-            <a:r>
-              <a:rPr lang="en-US" dirty="0"/>
-              <a:t>height – 1 - radius</a:t>
-            </a:r>
-          </a:p>
-        </p:txBody>
-      </p:sp>
     </p:spTree>
     <p:extLst>
       <p:ext uri="{BB962C8B-B14F-4D97-AF65-F5344CB8AC3E}">
-        <p14:creationId xmlns:p14="http://schemas.microsoft.com/office/powerpoint/2010/main" val="227147159"/>
+        <p14:creationId xmlns:p14="http://schemas.microsoft.com/office/powerpoint/2010/main" val="2872271045"/>
       </p:ext>
     </p:extLst>
   </p:cSld>
@@ -6909,58 +6081,869 @@
       </p:grpSpPr>
       <p:sp>
         <p:nvSpPr>
-          <p:cNvPr id="2" name="Title 1">
-            <a:extLst>
-              <a:ext uri="{FF2B5EF4-FFF2-40B4-BE49-F238E27FC236}">
-                <a16:creationId xmlns:a16="http://schemas.microsoft.com/office/drawing/2014/main" id="{43A43040-97AE-46A7-4B2F-CD7B95B96DF5}"/>
-              </a:ext>
-            </a:extLst>
-          </p:cNvPr>
-          <p:cNvSpPr>
-            <a:spLocks noGrp="1"/>
-          </p:cNvSpPr>
-          <p:nvPr>
-            <p:ph type="title"/>
-          </p:nvPr>
-        </p:nvSpPr>
-        <p:spPr/>
-        <p:txBody>
-          <a:bodyPr/>
-          <a:lstStyle/>
-          <a:p>
+          <p:cNvPr id="4" name="Rectangle 3">
+            <a:extLst>
+              <a:ext uri="{FF2B5EF4-FFF2-40B4-BE49-F238E27FC236}">
+                <a16:creationId xmlns:a16="http://schemas.microsoft.com/office/drawing/2014/main" id="{C1275F09-7A7D-2571-45CA-1ED8E929A06E}"/>
+              </a:ext>
+            </a:extLst>
+          </p:cNvPr>
+          <p:cNvSpPr/>
+          <p:nvPr/>
+        </p:nvSpPr>
+        <p:spPr>
+          <a:xfrm>
+            <a:off x="1068512" y="359597"/>
+            <a:ext cx="2786796" cy="2095928"/>
+          </a:xfrm>
+          <a:prstGeom prst="rect">
+            <a:avLst/>
+          </a:prstGeom>
+          <a:solidFill>
+            <a:schemeClr val="tx2">
+              <a:lumMod val="20000"/>
+              <a:lumOff val="80000"/>
+              <a:alpha val="29321"/>
+            </a:schemeClr>
+          </a:solidFill>
+        </p:spPr>
+        <p:style>
+          <a:lnRef idx="2">
+            <a:schemeClr val="accent1">
+              <a:shade val="50000"/>
+            </a:schemeClr>
+          </a:lnRef>
+          <a:fillRef idx="1">
+            <a:schemeClr val="accent1"/>
+          </a:fillRef>
+          <a:effectRef idx="0">
+            <a:schemeClr val="accent1"/>
+          </a:effectRef>
+          <a:fontRef idx="minor">
+            <a:schemeClr val="lt1"/>
+          </a:fontRef>
+        </p:style>
+        <p:txBody>
+          <a:bodyPr rtlCol="0" anchor="ctr"/>
+          <a:lstStyle/>
+          <a:p>
+            <a:pPr algn="ctr"/>
             <a:endParaRPr lang="en-US"/>
           </a:p>
         </p:txBody>
       </p:sp>
       <p:sp>
         <p:nvSpPr>
-          <p:cNvPr id="3" name="Content Placeholder 2">
-            <a:extLst>
-              <a:ext uri="{FF2B5EF4-FFF2-40B4-BE49-F238E27FC236}">
-                <a16:creationId xmlns:a16="http://schemas.microsoft.com/office/drawing/2014/main" id="{D84FBCA4-0AC8-4225-CBBD-1145E83BDA01}"/>
-              </a:ext>
-            </a:extLst>
-          </p:cNvPr>
-          <p:cNvSpPr>
-            <a:spLocks noGrp="1"/>
-          </p:cNvSpPr>
-          <p:nvPr>
-            <p:ph idx="1"/>
-          </p:nvPr>
-        </p:nvSpPr>
-        <p:spPr/>
-        <p:txBody>
-          <a:bodyPr/>
-          <a:lstStyle/>
-          <a:p>
+          <p:cNvPr id="5" name="Rectangle 4">
+            <a:extLst>
+              <a:ext uri="{FF2B5EF4-FFF2-40B4-BE49-F238E27FC236}">
+                <a16:creationId xmlns:a16="http://schemas.microsoft.com/office/drawing/2014/main" id="{CBC6BAB3-9E38-D359-223F-E735977AA9CD}"/>
+              </a:ext>
+            </a:extLst>
+          </p:cNvPr>
+          <p:cNvSpPr/>
+          <p:nvPr/>
+        </p:nvSpPr>
+        <p:spPr>
+          <a:xfrm>
+            <a:off x="4702602" y="359597"/>
+            <a:ext cx="2786796" cy="2095928"/>
+          </a:xfrm>
+          <a:prstGeom prst="rect">
+            <a:avLst/>
+          </a:prstGeom>
+          <a:solidFill>
+            <a:schemeClr val="tx2">
+              <a:lumMod val="20000"/>
+              <a:lumOff val="80000"/>
+              <a:alpha val="29321"/>
+            </a:schemeClr>
+          </a:solidFill>
+        </p:spPr>
+        <p:style>
+          <a:lnRef idx="2">
+            <a:schemeClr val="accent1">
+              <a:shade val="50000"/>
+            </a:schemeClr>
+          </a:lnRef>
+          <a:fillRef idx="1">
+            <a:schemeClr val="accent1"/>
+          </a:fillRef>
+          <a:effectRef idx="0">
+            <a:schemeClr val="accent1"/>
+          </a:effectRef>
+          <a:fontRef idx="minor">
+            <a:schemeClr val="lt1"/>
+          </a:fontRef>
+        </p:style>
+        <p:txBody>
+          <a:bodyPr rtlCol="0" anchor="ctr"/>
+          <a:lstStyle/>
+          <a:p>
+            <a:pPr algn="ctr"/>
             <a:endParaRPr lang="en-US"/>
+          </a:p>
+        </p:txBody>
+      </p:sp>
+      <p:sp>
+        <p:nvSpPr>
+          <p:cNvPr id="2" name="TextBox 1">
+            <a:extLst>
+              <a:ext uri="{FF2B5EF4-FFF2-40B4-BE49-F238E27FC236}">
+                <a16:creationId xmlns:a16="http://schemas.microsoft.com/office/drawing/2014/main" id="{D56529D1-4160-0FA4-725B-A7E6BC7C5750}"/>
+              </a:ext>
+            </a:extLst>
+          </p:cNvPr>
+          <p:cNvSpPr txBox="1"/>
+          <p:nvPr/>
+        </p:nvSpPr>
+        <p:spPr>
+          <a:xfrm>
+            <a:off x="410966" y="2722655"/>
+            <a:ext cx="2137025" cy="461665"/>
+          </a:xfrm>
+          <a:prstGeom prst="rect">
+            <a:avLst/>
+          </a:prstGeom>
+          <a:noFill/>
+        </p:spPr>
+        <p:txBody>
+          <a:bodyPr wrap="square" rtlCol="0">
+            <a:spAutoFit/>
+          </a:bodyPr>
+          <a:lstStyle/>
+          <a:p>
+            <a:r>
+              <a:rPr lang="en-US" sz="2400" u="sng" dirty="0"/>
+              <a:t>Constant</a:t>
+            </a:r>
+          </a:p>
+        </p:txBody>
+      </p:sp>
+      <p:sp>
+        <p:nvSpPr>
+          <p:cNvPr id="3" name="TextBox 2">
+            <a:extLst>
+              <a:ext uri="{FF2B5EF4-FFF2-40B4-BE49-F238E27FC236}">
+                <a16:creationId xmlns:a16="http://schemas.microsoft.com/office/drawing/2014/main" id="{12665B4F-D0ED-8D41-6E1D-DA75A3258900}"/>
+              </a:ext>
+            </a:extLst>
+          </p:cNvPr>
+          <p:cNvSpPr txBox="1"/>
+          <p:nvPr/>
+        </p:nvSpPr>
+        <p:spPr>
+          <a:xfrm>
+            <a:off x="2669569" y="2722654"/>
+            <a:ext cx="2137025" cy="461665"/>
+          </a:xfrm>
+          <a:prstGeom prst="rect">
+            <a:avLst/>
+          </a:prstGeom>
+          <a:noFill/>
+        </p:spPr>
+        <p:txBody>
+          <a:bodyPr wrap="square" rtlCol="0">
+            <a:spAutoFit/>
+          </a:bodyPr>
+          <a:lstStyle/>
+          <a:p>
+            <a:r>
+              <a:rPr lang="en-US" sz="2400" u="sng" dirty="0"/>
+              <a:t>Changing</a:t>
+            </a:r>
+          </a:p>
+        </p:txBody>
+      </p:sp>
+      <p:sp>
+        <p:nvSpPr>
+          <p:cNvPr id="7" name="TextBox 6">
+            <a:extLst>
+              <a:ext uri="{FF2B5EF4-FFF2-40B4-BE49-F238E27FC236}">
+                <a16:creationId xmlns:a16="http://schemas.microsoft.com/office/drawing/2014/main" id="{F18649D4-0D25-EE27-CC7E-1DFB5F35F91D}"/>
+              </a:ext>
+            </a:extLst>
+          </p:cNvPr>
+          <p:cNvSpPr txBox="1"/>
+          <p:nvPr/>
+        </p:nvSpPr>
+        <p:spPr>
+          <a:xfrm>
+            <a:off x="5248383" y="2722653"/>
+            <a:ext cx="2137025" cy="461665"/>
+          </a:xfrm>
+          <a:prstGeom prst="rect">
+            <a:avLst/>
+          </a:prstGeom>
+          <a:noFill/>
+        </p:spPr>
+        <p:txBody>
+          <a:bodyPr wrap="square" rtlCol="0">
+            <a:spAutoFit/>
+          </a:bodyPr>
+          <a:lstStyle/>
+          <a:p>
+            <a:r>
+              <a:rPr lang="en-US" sz="2400" u="sng" dirty="0"/>
+              <a:t>BB options</a:t>
+            </a:r>
+          </a:p>
+        </p:txBody>
+      </p:sp>
+      <p:sp>
+        <p:nvSpPr>
+          <p:cNvPr id="8" name="TextBox 7">
+            <a:extLst>
+              <a:ext uri="{FF2B5EF4-FFF2-40B4-BE49-F238E27FC236}">
+                <a16:creationId xmlns:a16="http://schemas.microsoft.com/office/drawing/2014/main" id="{741CC791-41D6-2E02-B412-E876AE4A54A2}"/>
+              </a:ext>
+            </a:extLst>
+          </p:cNvPr>
+          <p:cNvSpPr txBox="1"/>
+          <p:nvPr/>
+        </p:nvSpPr>
+        <p:spPr>
+          <a:xfrm>
+            <a:off x="5248383" y="3345207"/>
+            <a:ext cx="1446230" cy="1569660"/>
+          </a:xfrm>
+          <a:prstGeom prst="rect">
+            <a:avLst/>
+          </a:prstGeom>
+          <a:noFill/>
+        </p:spPr>
+        <p:txBody>
+          <a:bodyPr wrap="none" rtlCol="0">
+            <a:spAutoFit/>
+          </a:bodyPr>
+          <a:lstStyle/>
+          <a:p>
+            <a:r>
+              <a:rPr lang="en-CA" sz="2400" dirty="0"/>
+              <a:t>on-tick</a:t>
+            </a:r>
+            <a:br>
+              <a:rPr lang="en-CA" sz="2400" dirty="0"/>
+            </a:br>
+            <a:r>
+              <a:rPr lang="en-CA" sz="2400" dirty="0"/>
+              <a:t>to-draw</a:t>
+            </a:r>
+            <a:br>
+              <a:rPr lang="en-CA" sz="2400" dirty="0"/>
+            </a:br>
+            <a:r>
+              <a:rPr lang="en-CA" sz="2400" strike="sngStrike" dirty="0"/>
+              <a:t>on-key</a:t>
+            </a:r>
+            <a:br>
+              <a:rPr lang="en-CA" sz="2400" strike="sngStrike" dirty="0"/>
+            </a:br>
+            <a:r>
+              <a:rPr lang="en-CA" sz="2400" strike="sngStrike" dirty="0"/>
+              <a:t>on-mouse</a:t>
+            </a:r>
+            <a:endParaRPr lang="en-US" sz="2400" strike="sngStrike" dirty="0"/>
+          </a:p>
+        </p:txBody>
+      </p:sp>
+      <p:sp>
+        <p:nvSpPr>
+          <p:cNvPr id="6" name="TextBox 5">
+            <a:extLst>
+              <a:ext uri="{FF2B5EF4-FFF2-40B4-BE49-F238E27FC236}">
+                <a16:creationId xmlns:a16="http://schemas.microsoft.com/office/drawing/2014/main" id="{9CC79341-DE9F-191C-A634-F3CD9A1DB239}"/>
+              </a:ext>
+            </a:extLst>
+          </p:cNvPr>
+          <p:cNvSpPr txBox="1"/>
+          <p:nvPr/>
+        </p:nvSpPr>
+        <p:spPr>
+          <a:xfrm>
+            <a:off x="410966" y="3345207"/>
+            <a:ext cx="1792607" cy="3686856"/>
+          </a:xfrm>
+          <a:prstGeom prst="rect">
+            <a:avLst/>
+          </a:prstGeom>
+          <a:noFill/>
+        </p:spPr>
+        <p:txBody>
+          <a:bodyPr wrap="none" rtlCol="0">
+            <a:spAutoFit/>
+          </a:bodyPr>
+          <a:lstStyle/>
+          <a:p>
+            <a:r>
+              <a:rPr lang="en-CA" sz="2400" dirty="0"/>
+              <a:t>width</a:t>
+            </a:r>
+            <a:br>
+              <a:rPr lang="en-CA" sz="2400" dirty="0"/>
+            </a:br>
+            <a:r>
+              <a:rPr lang="en-CA" sz="2400" dirty="0"/>
+              <a:t>height</a:t>
+            </a:r>
+            <a:br>
+              <a:rPr lang="en-CA" sz="2400" dirty="0"/>
+            </a:br>
+            <a:r>
+              <a:rPr lang="en-CA" sz="2400" dirty="0"/>
+              <a:t>center x</a:t>
+            </a:r>
+          </a:p>
+          <a:p>
+            <a:r>
+              <a:rPr lang="en-CA" sz="2400" dirty="0"/>
+              <a:t>speed</a:t>
+            </a:r>
+          </a:p>
+          <a:p>
+            <a:r>
+              <a:rPr lang="en-CA" sz="2400" dirty="0"/>
+              <a:t>spider radius</a:t>
+            </a:r>
+          </a:p>
+          <a:p>
+            <a:endParaRPr lang="en-CA" sz="2400" dirty="0"/>
+          </a:p>
+          <a:p>
+            <a:r>
+              <a:rPr lang="en-CA" sz="2400" dirty="0"/>
+              <a:t>spider image</a:t>
+            </a:r>
+          </a:p>
+          <a:p>
+            <a:r>
+              <a:rPr lang="en-CA" sz="2400" dirty="0"/>
+              <a:t>mts</a:t>
+            </a:r>
+            <a:endParaRPr lang="en-US" sz="2400" dirty="0"/>
+          </a:p>
+        </p:txBody>
+      </p:sp>
+      <p:sp>
+        <p:nvSpPr>
+          <p:cNvPr id="9" name="TextBox 8">
+            <a:extLst>
+              <a:ext uri="{FF2B5EF4-FFF2-40B4-BE49-F238E27FC236}">
+                <a16:creationId xmlns:a16="http://schemas.microsoft.com/office/drawing/2014/main" id="{9B62125E-56DF-3972-1005-ACCE13E69FC5}"/>
+              </a:ext>
+            </a:extLst>
+          </p:cNvPr>
+          <p:cNvSpPr txBox="1"/>
+          <p:nvPr/>
+        </p:nvSpPr>
+        <p:spPr>
+          <a:xfrm>
+            <a:off x="2669569" y="3345207"/>
+            <a:ext cx="1168910" cy="461665"/>
+          </a:xfrm>
+          <a:prstGeom prst="rect">
+            <a:avLst/>
+          </a:prstGeom>
+          <a:noFill/>
+        </p:spPr>
+        <p:txBody>
+          <a:bodyPr wrap="none" rtlCol="0">
+            <a:spAutoFit/>
+          </a:bodyPr>
+          <a:lstStyle/>
+          <a:p>
+            <a:r>
+              <a:rPr lang="en-CA" sz="2400" dirty="0"/>
+              <a:t>spider y</a:t>
+            </a:r>
+            <a:endParaRPr lang="en-US" sz="2400" dirty="0"/>
+          </a:p>
+        </p:txBody>
+      </p:sp>
+      <p:sp>
+        <p:nvSpPr>
+          <p:cNvPr id="10" name="Oval 9">
+            <a:extLst>
+              <a:ext uri="{FF2B5EF4-FFF2-40B4-BE49-F238E27FC236}">
+                <a16:creationId xmlns:a16="http://schemas.microsoft.com/office/drawing/2014/main" id="{B3852AB0-6269-BC94-6255-C9DDE8571DB1}"/>
+              </a:ext>
+            </a:extLst>
+          </p:cNvPr>
+          <p:cNvSpPr/>
+          <p:nvPr/>
+        </p:nvSpPr>
+        <p:spPr>
+          <a:xfrm>
+            <a:off x="2348894" y="565079"/>
+            <a:ext cx="226031" cy="226031"/>
+          </a:xfrm>
+          <a:prstGeom prst="ellipse">
+            <a:avLst/>
+          </a:prstGeom>
+        </p:spPr>
+        <p:style>
+          <a:lnRef idx="2">
+            <a:schemeClr val="accent1">
+              <a:shade val="50000"/>
+            </a:schemeClr>
+          </a:lnRef>
+          <a:fillRef idx="1">
+            <a:schemeClr val="accent1"/>
+          </a:fillRef>
+          <a:effectRef idx="0">
+            <a:schemeClr val="accent1"/>
+          </a:effectRef>
+          <a:fontRef idx="minor">
+            <a:schemeClr val="lt1"/>
+          </a:fontRef>
+        </p:style>
+        <p:txBody>
+          <a:bodyPr rtlCol="0" anchor="ctr"/>
+          <a:lstStyle/>
+          <a:p>
+            <a:pPr algn="ctr"/>
+            <a:endParaRPr lang="en-US"/>
+          </a:p>
+        </p:txBody>
+      </p:sp>
+      <p:sp>
+        <p:nvSpPr>
+          <p:cNvPr id="11" name="Oval 10">
+            <a:extLst>
+              <a:ext uri="{FF2B5EF4-FFF2-40B4-BE49-F238E27FC236}">
+                <a16:creationId xmlns:a16="http://schemas.microsoft.com/office/drawing/2014/main" id="{BBD8CC57-45E0-176F-579B-E2C1AA037855}"/>
+              </a:ext>
+            </a:extLst>
+          </p:cNvPr>
+          <p:cNvSpPr/>
+          <p:nvPr/>
+        </p:nvSpPr>
+        <p:spPr>
+          <a:xfrm>
+            <a:off x="5982984" y="2094216"/>
+            <a:ext cx="226031" cy="226031"/>
+          </a:xfrm>
+          <a:prstGeom prst="ellipse">
+            <a:avLst/>
+          </a:prstGeom>
+        </p:spPr>
+        <p:style>
+          <a:lnRef idx="2">
+            <a:schemeClr val="accent1">
+              <a:shade val="50000"/>
+            </a:schemeClr>
+          </a:lnRef>
+          <a:fillRef idx="1">
+            <a:schemeClr val="accent1"/>
+          </a:fillRef>
+          <a:effectRef idx="0">
+            <a:schemeClr val="accent1"/>
+          </a:effectRef>
+          <a:fontRef idx="minor">
+            <a:schemeClr val="lt1"/>
+          </a:fontRef>
+        </p:style>
+        <p:txBody>
+          <a:bodyPr rtlCol="0" anchor="ctr"/>
+          <a:lstStyle/>
+          <a:p>
+            <a:pPr algn="ctr"/>
+            <a:endParaRPr lang="en-US"/>
+          </a:p>
+        </p:txBody>
+      </p:sp>
+      <p:cxnSp>
+        <p:nvCxnSpPr>
+          <p:cNvPr id="14" name="Straight Connector 13">
+            <a:extLst>
+              <a:ext uri="{FF2B5EF4-FFF2-40B4-BE49-F238E27FC236}">
+                <a16:creationId xmlns:a16="http://schemas.microsoft.com/office/drawing/2014/main" id="{97EEB4AD-2438-3EA6-80B7-9D69FDB82829}"/>
+              </a:ext>
+            </a:extLst>
+          </p:cNvPr>
+          <p:cNvCxnSpPr/>
+          <p:nvPr/>
+        </p:nvCxnSpPr>
+        <p:spPr>
+          <a:xfrm>
+            <a:off x="8496728" y="1304818"/>
+            <a:ext cx="3154166" cy="0"/>
+          </a:xfrm>
+          <a:prstGeom prst="line">
+            <a:avLst/>
+          </a:prstGeom>
+          <a:ln w="28575"/>
+        </p:spPr>
+        <p:style>
+          <a:lnRef idx="1">
+            <a:schemeClr val="accent1"/>
+          </a:lnRef>
+          <a:fillRef idx="0">
+            <a:schemeClr val="accent1"/>
+          </a:fillRef>
+          <a:effectRef idx="0">
+            <a:schemeClr val="accent1"/>
+          </a:effectRef>
+          <a:fontRef idx="minor">
+            <a:schemeClr val="tx1"/>
+          </a:fontRef>
+        </p:style>
+      </p:cxnSp>
+      <p:sp>
+        <p:nvSpPr>
+          <p:cNvPr id="15" name="Oval 14">
+            <a:extLst>
+              <a:ext uri="{FF2B5EF4-FFF2-40B4-BE49-F238E27FC236}">
+                <a16:creationId xmlns:a16="http://schemas.microsoft.com/office/drawing/2014/main" id="{3234DBC7-D497-C4C2-D291-C977ABD70A91}"/>
+              </a:ext>
+            </a:extLst>
+          </p:cNvPr>
+          <p:cNvSpPr/>
+          <p:nvPr/>
+        </p:nvSpPr>
+        <p:spPr>
+          <a:xfrm>
+            <a:off x="10091789" y="1308244"/>
+            <a:ext cx="1032553" cy="1032553"/>
+          </a:xfrm>
+          <a:prstGeom prst="ellipse">
+            <a:avLst/>
+          </a:prstGeom>
+          <a:noFill/>
+          <a:ln w="28575"/>
+        </p:spPr>
+        <p:style>
+          <a:lnRef idx="2">
+            <a:schemeClr val="accent1">
+              <a:shade val="50000"/>
+            </a:schemeClr>
+          </a:lnRef>
+          <a:fillRef idx="1">
+            <a:schemeClr val="accent1"/>
+          </a:fillRef>
+          <a:effectRef idx="0">
+            <a:schemeClr val="accent1"/>
+          </a:effectRef>
+          <a:fontRef idx="minor">
+            <a:schemeClr val="lt1"/>
+          </a:fontRef>
+        </p:style>
+        <p:txBody>
+          <a:bodyPr rtlCol="0" anchor="ctr"/>
+          <a:lstStyle/>
+          <a:p>
+            <a:pPr algn="ctr"/>
+            <a:endParaRPr lang="en-US"/>
+          </a:p>
+        </p:txBody>
+      </p:sp>
+      <p:cxnSp>
+        <p:nvCxnSpPr>
+          <p:cNvPr id="16" name="Straight Connector 15">
+            <a:extLst>
+              <a:ext uri="{FF2B5EF4-FFF2-40B4-BE49-F238E27FC236}">
+                <a16:creationId xmlns:a16="http://schemas.microsoft.com/office/drawing/2014/main" id="{1EA5BDC5-7315-E4A2-99BD-6B27B599E702}"/>
+              </a:ext>
+            </a:extLst>
+          </p:cNvPr>
+          <p:cNvCxnSpPr/>
+          <p:nvPr/>
+        </p:nvCxnSpPr>
+        <p:spPr>
+          <a:xfrm>
+            <a:off x="8496728" y="1833082"/>
+            <a:ext cx="3154166" cy="0"/>
+          </a:xfrm>
+          <a:prstGeom prst="line">
+            <a:avLst/>
+          </a:prstGeom>
+          <a:ln w="28575">
+            <a:prstDash val="dash"/>
+          </a:ln>
+        </p:spPr>
+        <p:style>
+          <a:lnRef idx="1">
+            <a:schemeClr val="accent1"/>
+          </a:lnRef>
+          <a:fillRef idx="0">
+            <a:schemeClr val="accent1"/>
+          </a:fillRef>
+          <a:effectRef idx="0">
+            <a:schemeClr val="accent1"/>
+          </a:effectRef>
+          <a:fontRef idx="minor">
+            <a:schemeClr val="tx1"/>
+          </a:fontRef>
+        </p:style>
+      </p:cxnSp>
+      <p:sp>
+        <p:nvSpPr>
+          <p:cNvPr id="17" name="TextBox 16">
+            <a:extLst>
+              <a:ext uri="{FF2B5EF4-FFF2-40B4-BE49-F238E27FC236}">
+                <a16:creationId xmlns:a16="http://schemas.microsoft.com/office/drawing/2014/main" id="{8ECF375C-6E29-F8CC-3FB6-5506F60AB1C4}"/>
+              </a:ext>
+            </a:extLst>
+          </p:cNvPr>
+          <p:cNvSpPr txBox="1"/>
+          <p:nvPr/>
+        </p:nvSpPr>
+        <p:spPr>
+          <a:xfrm>
+            <a:off x="8160519" y="1862192"/>
+            <a:ext cx="1095236" cy="369332"/>
+          </a:xfrm>
+          <a:prstGeom prst="rect">
+            <a:avLst/>
+          </a:prstGeom>
+          <a:noFill/>
+        </p:spPr>
+        <p:txBody>
+          <a:bodyPr wrap="none" rtlCol="0">
+            <a:spAutoFit/>
+          </a:bodyPr>
+          <a:lstStyle/>
+          <a:p>
+            <a:r>
+              <a:rPr lang="en-US" dirty="0"/>
+              <a:t>0 + radius</a:t>
+            </a:r>
+          </a:p>
+        </p:txBody>
+      </p:sp>
+      <p:cxnSp>
+        <p:nvCxnSpPr>
+          <p:cNvPr id="18" name="Straight Connector 17">
+            <a:extLst>
+              <a:ext uri="{FF2B5EF4-FFF2-40B4-BE49-F238E27FC236}">
+                <a16:creationId xmlns:a16="http://schemas.microsoft.com/office/drawing/2014/main" id="{A07A9568-46EE-1DD1-3984-60D1C38A82C5}"/>
+              </a:ext>
+            </a:extLst>
+          </p:cNvPr>
+          <p:cNvCxnSpPr/>
+          <p:nvPr/>
+        </p:nvCxnSpPr>
+        <p:spPr>
+          <a:xfrm flipV="1">
+            <a:off x="8496728" y="5142753"/>
+            <a:ext cx="3154166" cy="0"/>
+          </a:xfrm>
+          <a:prstGeom prst="line">
+            <a:avLst/>
+          </a:prstGeom>
+          <a:ln w="28575"/>
+        </p:spPr>
+        <p:style>
+          <a:lnRef idx="1">
+            <a:schemeClr val="accent1"/>
+          </a:lnRef>
+          <a:fillRef idx="0">
+            <a:schemeClr val="accent1"/>
+          </a:fillRef>
+          <a:effectRef idx="0">
+            <a:schemeClr val="accent1"/>
+          </a:effectRef>
+          <a:fontRef idx="minor">
+            <a:schemeClr val="tx1"/>
+          </a:fontRef>
+        </p:style>
+      </p:cxnSp>
+      <p:sp>
+        <p:nvSpPr>
+          <p:cNvPr id="19" name="Oval 18">
+            <a:extLst>
+              <a:ext uri="{FF2B5EF4-FFF2-40B4-BE49-F238E27FC236}">
+                <a16:creationId xmlns:a16="http://schemas.microsoft.com/office/drawing/2014/main" id="{71A78C9A-17C0-C996-FF0D-34FD8A1EB4D4}"/>
+              </a:ext>
+            </a:extLst>
+          </p:cNvPr>
+          <p:cNvSpPr/>
+          <p:nvPr/>
+        </p:nvSpPr>
+        <p:spPr>
+          <a:xfrm flipV="1">
+            <a:off x="10091789" y="4106774"/>
+            <a:ext cx="1032553" cy="1032553"/>
+          </a:xfrm>
+          <a:prstGeom prst="ellipse">
+            <a:avLst/>
+          </a:prstGeom>
+          <a:noFill/>
+          <a:ln w="28575"/>
+        </p:spPr>
+        <p:style>
+          <a:lnRef idx="2">
+            <a:schemeClr val="accent1">
+              <a:shade val="50000"/>
+            </a:schemeClr>
+          </a:lnRef>
+          <a:fillRef idx="1">
+            <a:schemeClr val="accent1"/>
+          </a:fillRef>
+          <a:effectRef idx="0">
+            <a:schemeClr val="accent1"/>
+          </a:effectRef>
+          <a:fontRef idx="minor">
+            <a:schemeClr val="lt1"/>
+          </a:fontRef>
+        </p:style>
+        <p:txBody>
+          <a:bodyPr rtlCol="0" anchor="ctr"/>
+          <a:lstStyle/>
+          <a:p>
+            <a:pPr algn="ctr"/>
+            <a:endParaRPr lang="en-US"/>
+          </a:p>
+        </p:txBody>
+      </p:sp>
+      <p:cxnSp>
+        <p:nvCxnSpPr>
+          <p:cNvPr id="20" name="Straight Connector 19">
+            <a:extLst>
+              <a:ext uri="{FF2B5EF4-FFF2-40B4-BE49-F238E27FC236}">
+                <a16:creationId xmlns:a16="http://schemas.microsoft.com/office/drawing/2014/main" id="{152DC5A3-7436-95A0-312C-608E298AFE6E}"/>
+              </a:ext>
+            </a:extLst>
+          </p:cNvPr>
+          <p:cNvCxnSpPr/>
+          <p:nvPr/>
+        </p:nvCxnSpPr>
+        <p:spPr>
+          <a:xfrm flipV="1">
+            <a:off x="8496728" y="4623050"/>
+            <a:ext cx="3154166" cy="0"/>
+          </a:xfrm>
+          <a:prstGeom prst="line">
+            <a:avLst/>
+          </a:prstGeom>
+          <a:ln w="28575">
+            <a:prstDash val="dash"/>
+          </a:ln>
+        </p:spPr>
+        <p:style>
+          <a:lnRef idx="1">
+            <a:schemeClr val="accent1"/>
+          </a:lnRef>
+          <a:fillRef idx="0">
+            <a:schemeClr val="accent1"/>
+          </a:fillRef>
+          <a:effectRef idx="0">
+            <a:schemeClr val="accent1"/>
+          </a:effectRef>
+          <a:fontRef idx="minor">
+            <a:schemeClr val="tx1"/>
+          </a:fontRef>
+        </p:style>
+      </p:cxnSp>
+      <p:sp>
+        <p:nvSpPr>
+          <p:cNvPr id="23" name="TextBox 22">
+            <a:extLst>
+              <a:ext uri="{FF2B5EF4-FFF2-40B4-BE49-F238E27FC236}">
+                <a16:creationId xmlns:a16="http://schemas.microsoft.com/office/drawing/2014/main" id="{14AC4742-4F97-E4ED-E379-0F9C4132F55B}"/>
+              </a:ext>
+            </a:extLst>
+          </p:cNvPr>
+          <p:cNvSpPr txBox="1"/>
+          <p:nvPr/>
+        </p:nvSpPr>
+        <p:spPr>
+          <a:xfrm>
+            <a:off x="8154077" y="5128038"/>
+            <a:ext cx="1073820" cy="369332"/>
+          </a:xfrm>
+          <a:prstGeom prst="rect">
+            <a:avLst/>
+          </a:prstGeom>
+          <a:noFill/>
+        </p:spPr>
+        <p:txBody>
+          <a:bodyPr wrap="none" rtlCol="0">
+            <a:spAutoFit/>
+          </a:bodyPr>
+          <a:lstStyle/>
+          <a:p>
+            <a:r>
+              <a:rPr lang="en-US" dirty="0"/>
+              <a:t>height - 1</a:t>
+            </a:r>
+          </a:p>
+        </p:txBody>
+      </p:sp>
+      <p:sp>
+        <p:nvSpPr>
+          <p:cNvPr id="24" name="TextBox 23">
+            <a:extLst>
+              <a:ext uri="{FF2B5EF4-FFF2-40B4-BE49-F238E27FC236}">
+                <a16:creationId xmlns:a16="http://schemas.microsoft.com/office/drawing/2014/main" id="{5542ADBC-45AE-150D-40B6-75867255DBFD}"/>
+              </a:ext>
+            </a:extLst>
+          </p:cNvPr>
+          <p:cNvSpPr txBox="1"/>
+          <p:nvPr/>
+        </p:nvSpPr>
+        <p:spPr>
+          <a:xfrm>
+            <a:off x="8143369" y="1293800"/>
+            <a:ext cx="301686" cy="369332"/>
+          </a:xfrm>
+          <a:prstGeom prst="rect">
+            <a:avLst/>
+          </a:prstGeom>
+          <a:noFill/>
+        </p:spPr>
+        <p:txBody>
+          <a:bodyPr wrap="none" rtlCol="0">
+            <a:spAutoFit/>
+          </a:bodyPr>
+          <a:lstStyle/>
+          <a:p>
+            <a:r>
+              <a:rPr lang="en-US" dirty="0"/>
+              <a:t>0</a:t>
+            </a:r>
+          </a:p>
+        </p:txBody>
+      </p:sp>
+      <p:sp>
+        <p:nvSpPr>
+          <p:cNvPr id="25" name="TextBox 24">
+            <a:extLst>
+              <a:ext uri="{FF2B5EF4-FFF2-40B4-BE49-F238E27FC236}">
+                <a16:creationId xmlns:a16="http://schemas.microsoft.com/office/drawing/2014/main" id="{372BF2A9-EEFD-60DC-3343-1ECF7F1A7F88}"/>
+              </a:ext>
+            </a:extLst>
+          </p:cNvPr>
+          <p:cNvSpPr txBox="1"/>
+          <p:nvPr/>
+        </p:nvSpPr>
+        <p:spPr>
+          <a:xfrm>
+            <a:off x="8188507" y="4566683"/>
+            <a:ext cx="1822487" cy="369332"/>
+          </a:xfrm>
+          <a:prstGeom prst="rect">
+            <a:avLst/>
+          </a:prstGeom>
+          <a:noFill/>
+        </p:spPr>
+        <p:txBody>
+          <a:bodyPr wrap="none" rtlCol="0">
+            <a:spAutoFit/>
+          </a:bodyPr>
+          <a:lstStyle/>
+          <a:p>
+            <a:r>
+              <a:rPr lang="en-US" dirty="0"/>
+              <a:t>height - 1 - radius</a:t>
+            </a:r>
           </a:p>
         </p:txBody>
       </p:sp>
     </p:spTree>
     <p:extLst>
       <p:ext uri="{BB962C8B-B14F-4D97-AF65-F5344CB8AC3E}">
-        <p14:creationId xmlns:p14="http://schemas.microsoft.com/office/powerpoint/2010/main" val="538152586"/>
+        <p14:creationId xmlns:p14="http://schemas.microsoft.com/office/powerpoint/2010/main" val="227147159"/>
       </p:ext>
     </p:extLst>
   </p:cSld>
@@ -6971,6 +6954,71 @@
 </file>
 
 <file path=ppt/slides/slide16.xml><?xml version="1.0" encoding="utf-8"?>
+<p:sld xmlns:a="http://schemas.openxmlformats.org/drawingml/2006/main" xmlns:r="http://schemas.openxmlformats.org/officeDocument/2006/relationships" xmlns:p="http://schemas.openxmlformats.org/presentationml/2006/main">
+  <p:cSld>
+    <p:spTree>
+      <p:nvGrpSpPr>
+        <p:cNvPr id="1" name="">
+          <a:extLst>
+            <a:ext uri="{FF2B5EF4-FFF2-40B4-BE49-F238E27FC236}">
+              <a16:creationId xmlns:a16="http://schemas.microsoft.com/office/drawing/2014/main" id="{15678E3D-8ADB-7041-7221-E14CF09EA932}"/>
+            </a:ext>
+          </a:extLst>
+        </p:cNvPr>
+        <p:cNvGrpSpPr/>
+        <p:nvPr/>
+      </p:nvGrpSpPr>
+      <p:grpSpPr>
+        <a:xfrm>
+          <a:off x="0" y="0"/>
+          <a:ext cx="0" cy="0"/>
+          <a:chOff x="0" y="0"/>
+          <a:chExt cx="0" cy="0"/>
+        </a:xfrm>
+      </p:grpSpPr>
+      <p:pic>
+        <p:nvPicPr>
+          <p:cNvPr id="5" name="Content Placeholder 4">
+            <a:extLst>
+              <a:ext uri="{FF2B5EF4-FFF2-40B4-BE49-F238E27FC236}">
+                <a16:creationId xmlns:a16="http://schemas.microsoft.com/office/drawing/2014/main" id="{FBD9E68B-A6AB-068C-5814-BBBF43F7DFAB}"/>
+              </a:ext>
+            </a:extLst>
+          </p:cNvPr>
+          <p:cNvPicPr>
+            <a:picLocks noGrp="1" noChangeAspect="1"/>
+          </p:cNvPicPr>
+          <p:nvPr>
+            <p:ph idx="1"/>
+          </p:nvPr>
+        </p:nvPicPr>
+        <p:blipFill>
+          <a:blip r:embed="rId2"/>
+          <a:stretch>
+            <a:fillRect/>
+          </a:stretch>
+        </p:blipFill>
+        <p:spPr>
+          <a:xfrm>
+            <a:off x="1451758" y="-159733"/>
+            <a:ext cx="9288483" cy="7177465"/>
+          </a:xfrm>
+        </p:spPr>
+      </p:pic>
+    </p:spTree>
+    <p:extLst>
+      <p:ext uri="{BB962C8B-B14F-4D97-AF65-F5344CB8AC3E}">
+        <p14:creationId xmlns:p14="http://schemas.microsoft.com/office/powerpoint/2010/main" val="596608633"/>
+      </p:ext>
+    </p:extLst>
+  </p:cSld>
+  <p:clrMapOvr>
+    <a:masterClrMapping/>
+  </p:clrMapOvr>
+</p:sld>
+</file>
+
+<file path=ppt/slides/slide17.xml><?xml version="1.0" encoding="utf-8"?>
 <p:sld xmlns:a="http://schemas.openxmlformats.org/drawingml/2006/main" xmlns:r="http://schemas.openxmlformats.org/officeDocument/2006/relationships" xmlns:p="http://schemas.openxmlformats.org/presentationml/2006/main">
   <p:cSld>
     <p:spTree>
@@ -6989,6 +7037,86 @@
       </p:grpSpPr>
       <p:sp>
         <p:nvSpPr>
+          <p:cNvPr id="2" name="Title 1">
+            <a:extLst>
+              <a:ext uri="{FF2B5EF4-FFF2-40B4-BE49-F238E27FC236}">
+                <a16:creationId xmlns:a16="http://schemas.microsoft.com/office/drawing/2014/main" id="{43A43040-97AE-46A7-4B2F-CD7B95B96DF5}"/>
+              </a:ext>
+            </a:extLst>
+          </p:cNvPr>
+          <p:cNvSpPr>
+            <a:spLocks noGrp="1"/>
+          </p:cNvSpPr>
+          <p:nvPr>
+            <p:ph type="title"/>
+          </p:nvPr>
+        </p:nvSpPr>
+        <p:spPr/>
+        <p:txBody>
+          <a:bodyPr/>
+          <a:lstStyle/>
+          <a:p>
+            <a:endParaRPr lang="en-US"/>
+          </a:p>
+        </p:txBody>
+      </p:sp>
+      <p:sp>
+        <p:nvSpPr>
+          <p:cNvPr id="3" name="Content Placeholder 2">
+            <a:extLst>
+              <a:ext uri="{FF2B5EF4-FFF2-40B4-BE49-F238E27FC236}">
+                <a16:creationId xmlns:a16="http://schemas.microsoft.com/office/drawing/2014/main" id="{D84FBCA4-0AC8-4225-CBBD-1145E83BDA01}"/>
+              </a:ext>
+            </a:extLst>
+          </p:cNvPr>
+          <p:cNvSpPr>
+            <a:spLocks noGrp="1"/>
+          </p:cNvSpPr>
+          <p:nvPr>
+            <p:ph idx="1"/>
+          </p:nvPr>
+        </p:nvSpPr>
+        <p:spPr/>
+        <p:txBody>
+          <a:bodyPr/>
+          <a:lstStyle/>
+          <a:p>
+            <a:endParaRPr lang="en-US"/>
+          </a:p>
+        </p:txBody>
+      </p:sp>
+    </p:spTree>
+    <p:extLst>
+      <p:ext uri="{BB962C8B-B14F-4D97-AF65-F5344CB8AC3E}">
+        <p14:creationId xmlns:p14="http://schemas.microsoft.com/office/powerpoint/2010/main" val="538152586"/>
+      </p:ext>
+    </p:extLst>
+  </p:cSld>
+  <p:clrMapOvr>
+    <a:masterClrMapping/>
+  </p:clrMapOvr>
+</p:sld>
+</file>
+
+<file path=ppt/slides/slide18.xml><?xml version="1.0" encoding="utf-8"?>
+<p:sld xmlns:a="http://schemas.openxmlformats.org/drawingml/2006/main" xmlns:r="http://schemas.openxmlformats.org/officeDocument/2006/relationships" xmlns:p="http://schemas.openxmlformats.org/presentationml/2006/main">
+  <p:cSld>
+    <p:spTree>
+      <p:nvGrpSpPr>
+        <p:cNvPr id="1" name=""/>
+        <p:cNvGrpSpPr/>
+        <p:nvPr/>
+      </p:nvGrpSpPr>
+      <p:grpSpPr>
+        <a:xfrm>
+          <a:off x="0" y="0"/>
+          <a:ext cx="0" cy="0"/>
+          <a:chOff x="0" y="0"/>
+          <a:chExt cx="0" cy="0"/>
+        </a:xfrm>
+      </p:grpSpPr>
+      <p:sp>
+        <p:nvSpPr>
           <p:cNvPr id="2" name="TextBox 1">
             <a:extLst>
               <a:ext uri="{FF2B5EF4-FFF2-40B4-BE49-F238E27FC236}">
@@ -7298,114 +7426,6 @@
             <a:r>
               <a:rPr lang="en-US" sz="3200" dirty="0"/>
               <a:t>boundary case analysis for tock</a:t>
-            </a:r>
-          </a:p>
-        </p:txBody>
-      </p:sp>
-      <p:sp>
-        <p:nvSpPr>
-          <p:cNvPr id="19" name="TextBox 18">
-            <a:extLst>
-              <a:ext uri="{FF2B5EF4-FFF2-40B4-BE49-F238E27FC236}">
-                <a16:creationId xmlns:a16="http://schemas.microsoft.com/office/drawing/2014/main" id="{C825C0B2-4FDC-1186-8236-0AFA04016644}"/>
-              </a:ext>
-            </a:extLst>
-          </p:cNvPr>
-          <p:cNvSpPr txBox="1"/>
-          <p:nvPr/>
-        </p:nvSpPr>
-        <p:spPr>
-          <a:xfrm>
-            <a:off x="2138356" y="6174944"/>
-            <a:ext cx="1921268" cy="369332"/>
-          </a:xfrm>
-          <a:prstGeom prst="rect">
-            <a:avLst/>
-          </a:prstGeom>
-          <a:noFill/>
-        </p:spPr>
-        <p:txBody>
-          <a:bodyPr wrap="square" rtlCol="0">
-            <a:spAutoFit/>
-          </a:bodyPr>
-          <a:lstStyle/>
-          <a:p>
-            <a:pPr algn="ctr"/>
-            <a:r>
-              <a:rPr lang="en-US" dirty="0"/>
-              <a:t>result is BOT - 1</a:t>
-            </a:r>
-          </a:p>
-        </p:txBody>
-      </p:sp>
-      <p:sp>
-        <p:nvSpPr>
-          <p:cNvPr id="21" name="TextBox 20">
-            <a:extLst>
-              <a:ext uri="{FF2B5EF4-FFF2-40B4-BE49-F238E27FC236}">
-                <a16:creationId xmlns:a16="http://schemas.microsoft.com/office/drawing/2014/main" id="{F985B649-1468-10A9-E193-DB5E051BCD45}"/>
-              </a:ext>
-            </a:extLst>
-          </p:cNvPr>
-          <p:cNvSpPr txBox="1"/>
-          <p:nvPr/>
-        </p:nvSpPr>
-        <p:spPr>
-          <a:xfrm>
-            <a:off x="5844568" y="6174944"/>
-            <a:ext cx="1921268" cy="369332"/>
-          </a:xfrm>
-          <a:prstGeom prst="rect">
-            <a:avLst/>
-          </a:prstGeom>
-          <a:noFill/>
-        </p:spPr>
-        <p:txBody>
-          <a:bodyPr wrap="square" rtlCol="0">
-            <a:spAutoFit/>
-          </a:bodyPr>
-          <a:lstStyle/>
-          <a:p>
-            <a:pPr algn="ctr"/>
-            <a:r>
-              <a:rPr lang="en-US" dirty="0"/>
-              <a:t>result is BOT</a:t>
-            </a:r>
-          </a:p>
-        </p:txBody>
-      </p:sp>
-      <p:sp>
-        <p:nvSpPr>
-          <p:cNvPr id="22" name="TextBox 21">
-            <a:extLst>
-              <a:ext uri="{FF2B5EF4-FFF2-40B4-BE49-F238E27FC236}">
-                <a16:creationId xmlns:a16="http://schemas.microsoft.com/office/drawing/2014/main" id="{2D5F951F-0ABF-EFEA-4F67-D5D1542860D3}"/>
-              </a:ext>
-            </a:extLst>
-          </p:cNvPr>
-          <p:cNvSpPr txBox="1"/>
-          <p:nvPr/>
-        </p:nvSpPr>
-        <p:spPr>
-          <a:xfrm>
-            <a:off x="9595106" y="6174944"/>
-            <a:ext cx="1921268" cy="369332"/>
-          </a:xfrm>
-          <a:prstGeom prst="rect">
-            <a:avLst/>
-          </a:prstGeom>
-          <a:noFill/>
-        </p:spPr>
-        <p:txBody>
-          <a:bodyPr wrap="square" rtlCol="0">
-            <a:spAutoFit/>
-          </a:bodyPr>
-          <a:lstStyle/>
-          <a:p>
-            <a:pPr algn="ctr"/>
-            <a:r>
-              <a:rPr lang="en-US" dirty="0"/>
-              <a:t>result is BOT</a:t>
             </a:r>
           </a:p>
         </p:txBody>
@@ -7423,7 +7443,7 @@
 </p:sld>
 </file>
 
-<file path=ppt/slides/slide17.xml><?xml version="1.0" encoding="utf-8"?>
+<file path=ppt/slides/slide19.xml><?xml version="1.0" encoding="utf-8"?>
 <p:sld xmlns:a="http://schemas.openxmlformats.org/drawingml/2006/main" xmlns:r="http://schemas.openxmlformats.org/officeDocument/2006/relationships" xmlns:p="http://schemas.openxmlformats.org/presentationml/2006/main">
   <p:cSld>
     <p:spTree>
@@ -8082,7 +8102,7 @@
             <a:pPr algn="r"/>
             <a:r>
               <a:rPr lang="en-US" dirty="0"/>
-              <a:t>(BOT - 1) + SPEED</a:t>
+              <a:t>(BOT - 1) - SPEED</a:t>
             </a:r>
           </a:p>
         </p:txBody>
@@ -8117,7 +8137,7 @@
           <a:p>
             <a:r>
               <a:rPr lang="en-US" dirty="0"/>
-              <a:t>(BOT     ) + SPEED</a:t>
+              <a:t>(BOT     ) - SPEED</a:t>
             </a:r>
           </a:p>
         </p:txBody>
@@ -8152,7 +8172,7 @@
           <a:p>
             <a:r>
               <a:rPr lang="en-US" dirty="0"/>
-              <a:t>(BOT + 1) + SPEED</a:t>
+              <a:t>(BOT + 1) - SPEED</a:t>
             </a:r>
           </a:p>
         </p:txBody>
@@ -8305,166 +8325,6 @@
     <p:extLst>
       <p:ext uri="{BB962C8B-B14F-4D97-AF65-F5344CB8AC3E}">
         <p14:creationId xmlns:p14="http://schemas.microsoft.com/office/powerpoint/2010/main" val="342371309"/>
-      </p:ext>
-    </p:extLst>
-  </p:cSld>
-  <p:clrMapOvr>
-    <a:masterClrMapping/>
-  </p:clrMapOvr>
-</p:sld>
-</file>
-
-<file path=ppt/slides/slide18.xml><?xml version="1.0" encoding="utf-8"?>
-<p:sld xmlns:a="http://schemas.openxmlformats.org/drawingml/2006/main" xmlns:r="http://schemas.openxmlformats.org/officeDocument/2006/relationships" xmlns:p="http://schemas.openxmlformats.org/presentationml/2006/main">
-  <p:cSld>
-    <p:spTree>
-      <p:nvGrpSpPr>
-        <p:cNvPr id="1" name=""/>
-        <p:cNvGrpSpPr/>
-        <p:nvPr/>
-      </p:nvGrpSpPr>
-      <p:grpSpPr>
-        <a:xfrm>
-          <a:off x="0" y="0"/>
-          <a:ext cx="0" cy="0"/>
-          <a:chOff x="0" y="0"/>
-          <a:chExt cx="0" cy="0"/>
-        </a:xfrm>
-      </p:grpSpPr>
-      <p:sp>
-        <p:nvSpPr>
-          <p:cNvPr id="2" name="Title 1">
-            <a:extLst>
-              <a:ext uri="{FF2B5EF4-FFF2-40B4-BE49-F238E27FC236}">
-                <a16:creationId xmlns:a16="http://schemas.microsoft.com/office/drawing/2014/main" id="{43A43040-97AE-46A7-4B2F-CD7B95B96DF5}"/>
-              </a:ext>
-            </a:extLst>
-          </p:cNvPr>
-          <p:cNvSpPr>
-            <a:spLocks noGrp="1"/>
-          </p:cNvSpPr>
-          <p:nvPr>
-            <p:ph type="title"/>
-          </p:nvPr>
-        </p:nvSpPr>
-        <p:spPr/>
-        <p:txBody>
-          <a:bodyPr/>
-          <a:lstStyle/>
-          <a:p>
-            <a:endParaRPr lang="en-US"/>
-          </a:p>
-        </p:txBody>
-      </p:sp>
-      <p:sp>
-        <p:nvSpPr>
-          <p:cNvPr id="3" name="Content Placeholder 2">
-            <a:extLst>
-              <a:ext uri="{FF2B5EF4-FFF2-40B4-BE49-F238E27FC236}">
-                <a16:creationId xmlns:a16="http://schemas.microsoft.com/office/drawing/2014/main" id="{D84FBCA4-0AC8-4225-CBBD-1145E83BDA01}"/>
-              </a:ext>
-            </a:extLst>
-          </p:cNvPr>
-          <p:cNvSpPr>
-            <a:spLocks noGrp="1"/>
-          </p:cNvSpPr>
-          <p:nvPr>
-            <p:ph idx="1"/>
-          </p:nvPr>
-        </p:nvSpPr>
-        <p:spPr/>
-        <p:txBody>
-          <a:bodyPr/>
-          <a:lstStyle/>
-          <a:p>
-            <a:endParaRPr lang="en-US"/>
-          </a:p>
-        </p:txBody>
-      </p:sp>
-    </p:spTree>
-    <p:extLst>
-      <p:ext uri="{BB962C8B-B14F-4D97-AF65-F5344CB8AC3E}">
-        <p14:creationId xmlns:p14="http://schemas.microsoft.com/office/powerpoint/2010/main" val="3949924940"/>
-      </p:ext>
-    </p:extLst>
-  </p:cSld>
-  <p:clrMapOvr>
-    <a:masterClrMapping/>
-  </p:clrMapOvr>
-</p:sld>
-</file>
-
-<file path=ppt/slides/slide19.xml><?xml version="1.0" encoding="utf-8"?>
-<p:sld xmlns:a="http://schemas.openxmlformats.org/drawingml/2006/main" xmlns:r="http://schemas.openxmlformats.org/officeDocument/2006/relationships" xmlns:p="http://schemas.openxmlformats.org/presentationml/2006/main">
-  <p:cSld>
-    <p:spTree>
-      <p:nvGrpSpPr>
-        <p:cNvPr id="1" name=""/>
-        <p:cNvGrpSpPr/>
-        <p:nvPr/>
-      </p:nvGrpSpPr>
-      <p:grpSpPr>
-        <a:xfrm>
-          <a:off x="0" y="0"/>
-          <a:ext cx="0" cy="0"/>
-          <a:chOff x="0" y="0"/>
-          <a:chExt cx="0" cy="0"/>
-        </a:xfrm>
-      </p:grpSpPr>
-      <p:sp>
-        <p:nvSpPr>
-          <p:cNvPr id="2" name="Title 1">
-            <a:extLst>
-              <a:ext uri="{FF2B5EF4-FFF2-40B4-BE49-F238E27FC236}">
-                <a16:creationId xmlns:a16="http://schemas.microsoft.com/office/drawing/2014/main" id="{43A43040-97AE-46A7-4B2F-CD7B95B96DF5}"/>
-              </a:ext>
-            </a:extLst>
-          </p:cNvPr>
-          <p:cNvSpPr>
-            <a:spLocks noGrp="1"/>
-          </p:cNvSpPr>
-          <p:nvPr>
-            <p:ph type="title"/>
-          </p:nvPr>
-        </p:nvSpPr>
-        <p:spPr/>
-        <p:txBody>
-          <a:bodyPr/>
-          <a:lstStyle/>
-          <a:p>
-            <a:endParaRPr lang="en-US"/>
-          </a:p>
-        </p:txBody>
-      </p:sp>
-      <p:sp>
-        <p:nvSpPr>
-          <p:cNvPr id="3" name="Content Placeholder 2">
-            <a:extLst>
-              <a:ext uri="{FF2B5EF4-FFF2-40B4-BE49-F238E27FC236}">
-                <a16:creationId xmlns:a16="http://schemas.microsoft.com/office/drawing/2014/main" id="{D84FBCA4-0AC8-4225-CBBD-1145E83BDA01}"/>
-              </a:ext>
-            </a:extLst>
-          </p:cNvPr>
-          <p:cNvSpPr>
-            <a:spLocks noGrp="1"/>
-          </p:cNvSpPr>
-          <p:nvPr>
-            <p:ph idx="1"/>
-          </p:nvPr>
-        </p:nvSpPr>
-        <p:spPr/>
-        <p:txBody>
-          <a:bodyPr/>
-          <a:lstStyle/>
-          <a:p>
-            <a:endParaRPr lang="en-US"/>
-          </a:p>
-        </p:txBody>
-      </p:sp>
-    </p:spTree>
-    <p:extLst>
-      <p:ext uri="{BB962C8B-B14F-4D97-AF65-F5344CB8AC3E}">
-        <p14:creationId xmlns:p14="http://schemas.microsoft.com/office/powerpoint/2010/main" val="2262531474"/>
       </p:ext>
     </p:extLst>
   </p:cSld>
@@ -8525,6 +8385,166 @@
     <p:extLst>
       <p:ext uri="{BB962C8B-B14F-4D97-AF65-F5344CB8AC3E}">
         <p14:creationId xmlns:p14="http://schemas.microsoft.com/office/powerpoint/2010/main" val="3630994236"/>
+      </p:ext>
+    </p:extLst>
+  </p:cSld>
+  <p:clrMapOvr>
+    <a:masterClrMapping/>
+  </p:clrMapOvr>
+</p:sld>
+</file>
+
+<file path=ppt/slides/slide20.xml><?xml version="1.0" encoding="utf-8"?>
+<p:sld xmlns:a="http://schemas.openxmlformats.org/drawingml/2006/main" xmlns:r="http://schemas.openxmlformats.org/officeDocument/2006/relationships" xmlns:p="http://schemas.openxmlformats.org/presentationml/2006/main">
+  <p:cSld>
+    <p:spTree>
+      <p:nvGrpSpPr>
+        <p:cNvPr id="1" name=""/>
+        <p:cNvGrpSpPr/>
+        <p:nvPr/>
+      </p:nvGrpSpPr>
+      <p:grpSpPr>
+        <a:xfrm>
+          <a:off x="0" y="0"/>
+          <a:ext cx="0" cy="0"/>
+          <a:chOff x="0" y="0"/>
+          <a:chExt cx="0" cy="0"/>
+        </a:xfrm>
+      </p:grpSpPr>
+      <p:sp>
+        <p:nvSpPr>
+          <p:cNvPr id="2" name="Title 1">
+            <a:extLst>
+              <a:ext uri="{FF2B5EF4-FFF2-40B4-BE49-F238E27FC236}">
+                <a16:creationId xmlns:a16="http://schemas.microsoft.com/office/drawing/2014/main" id="{43A43040-97AE-46A7-4B2F-CD7B95B96DF5}"/>
+              </a:ext>
+            </a:extLst>
+          </p:cNvPr>
+          <p:cNvSpPr>
+            <a:spLocks noGrp="1"/>
+          </p:cNvSpPr>
+          <p:nvPr>
+            <p:ph type="title"/>
+          </p:nvPr>
+        </p:nvSpPr>
+        <p:spPr/>
+        <p:txBody>
+          <a:bodyPr/>
+          <a:lstStyle/>
+          <a:p>
+            <a:endParaRPr lang="en-US"/>
+          </a:p>
+        </p:txBody>
+      </p:sp>
+      <p:sp>
+        <p:nvSpPr>
+          <p:cNvPr id="3" name="Content Placeholder 2">
+            <a:extLst>
+              <a:ext uri="{FF2B5EF4-FFF2-40B4-BE49-F238E27FC236}">
+                <a16:creationId xmlns:a16="http://schemas.microsoft.com/office/drawing/2014/main" id="{D84FBCA4-0AC8-4225-CBBD-1145E83BDA01}"/>
+              </a:ext>
+            </a:extLst>
+          </p:cNvPr>
+          <p:cNvSpPr>
+            <a:spLocks noGrp="1"/>
+          </p:cNvSpPr>
+          <p:nvPr>
+            <p:ph idx="1"/>
+          </p:nvPr>
+        </p:nvSpPr>
+        <p:spPr/>
+        <p:txBody>
+          <a:bodyPr/>
+          <a:lstStyle/>
+          <a:p>
+            <a:endParaRPr lang="en-US"/>
+          </a:p>
+        </p:txBody>
+      </p:sp>
+    </p:spTree>
+    <p:extLst>
+      <p:ext uri="{BB962C8B-B14F-4D97-AF65-F5344CB8AC3E}">
+        <p14:creationId xmlns:p14="http://schemas.microsoft.com/office/powerpoint/2010/main" val="3949924940"/>
+      </p:ext>
+    </p:extLst>
+  </p:cSld>
+  <p:clrMapOvr>
+    <a:masterClrMapping/>
+  </p:clrMapOvr>
+</p:sld>
+</file>
+
+<file path=ppt/slides/slide21.xml><?xml version="1.0" encoding="utf-8"?>
+<p:sld xmlns:a="http://schemas.openxmlformats.org/drawingml/2006/main" xmlns:r="http://schemas.openxmlformats.org/officeDocument/2006/relationships" xmlns:p="http://schemas.openxmlformats.org/presentationml/2006/main">
+  <p:cSld>
+    <p:spTree>
+      <p:nvGrpSpPr>
+        <p:cNvPr id="1" name=""/>
+        <p:cNvGrpSpPr/>
+        <p:nvPr/>
+      </p:nvGrpSpPr>
+      <p:grpSpPr>
+        <a:xfrm>
+          <a:off x="0" y="0"/>
+          <a:ext cx="0" cy="0"/>
+          <a:chOff x="0" y="0"/>
+          <a:chExt cx="0" cy="0"/>
+        </a:xfrm>
+      </p:grpSpPr>
+      <p:sp>
+        <p:nvSpPr>
+          <p:cNvPr id="2" name="Title 1">
+            <a:extLst>
+              <a:ext uri="{FF2B5EF4-FFF2-40B4-BE49-F238E27FC236}">
+                <a16:creationId xmlns:a16="http://schemas.microsoft.com/office/drawing/2014/main" id="{43A43040-97AE-46A7-4B2F-CD7B95B96DF5}"/>
+              </a:ext>
+            </a:extLst>
+          </p:cNvPr>
+          <p:cNvSpPr>
+            <a:spLocks noGrp="1"/>
+          </p:cNvSpPr>
+          <p:nvPr>
+            <p:ph type="title"/>
+          </p:nvPr>
+        </p:nvSpPr>
+        <p:spPr/>
+        <p:txBody>
+          <a:bodyPr/>
+          <a:lstStyle/>
+          <a:p>
+            <a:endParaRPr lang="en-US"/>
+          </a:p>
+        </p:txBody>
+      </p:sp>
+      <p:sp>
+        <p:nvSpPr>
+          <p:cNvPr id="3" name="Content Placeholder 2">
+            <a:extLst>
+              <a:ext uri="{FF2B5EF4-FFF2-40B4-BE49-F238E27FC236}">
+                <a16:creationId xmlns:a16="http://schemas.microsoft.com/office/drawing/2014/main" id="{D84FBCA4-0AC8-4225-CBBD-1145E83BDA01}"/>
+              </a:ext>
+            </a:extLst>
+          </p:cNvPr>
+          <p:cNvSpPr>
+            <a:spLocks noGrp="1"/>
+          </p:cNvSpPr>
+          <p:nvPr>
+            <p:ph idx="1"/>
+          </p:nvPr>
+        </p:nvSpPr>
+        <p:spPr/>
+        <p:txBody>
+          <a:bodyPr/>
+          <a:lstStyle/>
+          <a:p>
+            <a:endParaRPr lang="en-US"/>
+          </a:p>
+        </p:txBody>
+      </p:sp>
+    </p:spTree>
+    <p:extLst>
+      <p:ext uri="{BB962C8B-B14F-4D97-AF65-F5344CB8AC3E}">
+        <p14:creationId xmlns:p14="http://schemas.microsoft.com/office/powerpoint/2010/main" val="2262531474"/>
       </p:ext>
     </p:extLst>
   </p:cSld>
